--- a/Offensive Security Tactics for Linux Professionals - Active Reconnaissance.pptx
+++ b/Offensive Security Tactics for Linux Professionals - Active Reconnaissance.pptx
@@ -5,26 +5,29 @@
     <p:sldMasterId id="2147483648" r:id="rId1"/>
   </p:sldMasterIdLst>
   <p:notesMasterIdLst>
-    <p:notesMasterId r:id="rId19"/>
+    <p:notesMasterId r:id="rId22"/>
   </p:notesMasterIdLst>
   <p:sldIdLst>
     <p:sldId id="256" r:id="rId2"/>
     <p:sldId id="257" r:id="rId3"/>
     <p:sldId id="258" r:id="rId4"/>
     <p:sldId id="259" r:id="rId5"/>
-    <p:sldId id="260" r:id="rId6"/>
-    <p:sldId id="262" r:id="rId7"/>
-    <p:sldId id="266" r:id="rId8"/>
-    <p:sldId id="263" r:id="rId9"/>
-    <p:sldId id="264" r:id="rId10"/>
-    <p:sldId id="265" r:id="rId11"/>
-    <p:sldId id="267" r:id="rId12"/>
-    <p:sldId id="268" r:id="rId13"/>
-    <p:sldId id="269" r:id="rId14"/>
-    <p:sldId id="273" r:id="rId15"/>
-    <p:sldId id="272" r:id="rId16"/>
-    <p:sldId id="271" r:id="rId17"/>
-    <p:sldId id="270" r:id="rId18"/>
+    <p:sldId id="274" r:id="rId6"/>
+    <p:sldId id="275" r:id="rId7"/>
+    <p:sldId id="276" r:id="rId8"/>
+    <p:sldId id="277" r:id="rId9"/>
+    <p:sldId id="262" r:id="rId10"/>
+    <p:sldId id="266" r:id="rId11"/>
+    <p:sldId id="263" r:id="rId12"/>
+    <p:sldId id="264" r:id="rId13"/>
+    <p:sldId id="265" r:id="rId14"/>
+    <p:sldId id="267" r:id="rId15"/>
+    <p:sldId id="268" r:id="rId16"/>
+    <p:sldId id="269" r:id="rId17"/>
+    <p:sldId id="273" r:id="rId18"/>
+    <p:sldId id="272" r:id="rId19"/>
+    <p:sldId id="271" r:id="rId20"/>
+    <p:sldId id="270" r:id="rId21"/>
   </p:sldIdLst>
   <p:sldSz cx="12192000" cy="6858000"/>
   <p:notesSz cx="6858000" cy="9144000"/>
@@ -878,6 +881,755 @@
     <dgm:txLinClrLst/>
     <dgm:txFillClrLst meth="repeat">
       <a:schemeClr val="dk2"/>
+    </dgm:txFillClrLst>
+    <dgm:txEffectClrLst/>
+  </dgm:styleLbl>
+</dgm:colorsDef>
+</file>
+
+<file path=ppt/diagrams/colors2.xml><?xml version="1.0" encoding="utf-8"?>
+<dgm:colorsDef xmlns:dgm="http://schemas.openxmlformats.org/drawingml/2006/diagram" xmlns:a="http://schemas.openxmlformats.org/drawingml/2006/main" uniqueId="urn:microsoft.com/office/officeart/2018/5/colors/Iconchunking_neutralbg_accent2_2">
+  <dgm:title val=""/>
+  <dgm:desc val=""/>
+  <dgm:catLst>
+    <dgm:cat type="accent2" pri="11200"/>
+  </dgm:catLst>
+  <dgm:styleLbl name="node0">
+    <dgm:fillClrLst meth="repeat">
+      <a:schemeClr val="accent2"/>
+    </dgm:fillClrLst>
+    <dgm:linClrLst meth="repeat">
+      <a:schemeClr val="lt1"/>
+    </dgm:linClrLst>
+    <dgm:effectClrLst/>
+    <dgm:txLinClrLst/>
+    <dgm:txFillClrLst/>
+    <dgm:txEffectClrLst/>
+  </dgm:styleLbl>
+  <dgm:styleLbl name="node1">
+    <dgm:fillClrLst meth="repeat">
+      <a:schemeClr val="accent2"/>
+    </dgm:fillClrLst>
+    <dgm:linClrLst meth="repeat">
+      <a:schemeClr val="lt1">
+        <a:alpha val="0"/>
+      </a:schemeClr>
+    </dgm:linClrLst>
+    <dgm:effectClrLst/>
+    <dgm:txLinClrLst/>
+    <dgm:txFillClrLst/>
+    <dgm:txEffectClrLst/>
+  </dgm:styleLbl>
+  <dgm:styleLbl name="alignNode1">
+    <dgm:fillClrLst meth="repeat">
+      <a:schemeClr val="accent2"/>
+    </dgm:fillClrLst>
+    <dgm:linClrLst meth="repeat">
+      <a:schemeClr val="accent2"/>
+    </dgm:linClrLst>
+    <dgm:effectClrLst/>
+    <dgm:txLinClrLst/>
+    <dgm:txFillClrLst/>
+    <dgm:txEffectClrLst/>
+  </dgm:styleLbl>
+  <dgm:styleLbl name="lnNode1">
+    <dgm:fillClrLst meth="repeat">
+      <a:schemeClr val="accent2"/>
+    </dgm:fillClrLst>
+    <dgm:linClrLst meth="repeat">
+      <a:schemeClr val="lt1"/>
+    </dgm:linClrLst>
+    <dgm:effectClrLst/>
+    <dgm:txLinClrLst/>
+    <dgm:txFillClrLst/>
+    <dgm:txEffectClrLst/>
+  </dgm:styleLbl>
+  <dgm:styleLbl name="vennNode1">
+    <dgm:fillClrLst meth="repeat">
+      <a:schemeClr val="accent2">
+        <a:alpha val="50000"/>
+      </a:schemeClr>
+    </dgm:fillClrLst>
+    <dgm:linClrLst meth="repeat">
+      <a:schemeClr val="lt1"/>
+    </dgm:linClrLst>
+    <dgm:effectClrLst/>
+    <dgm:txLinClrLst/>
+    <dgm:txFillClrLst/>
+    <dgm:txEffectClrLst/>
+  </dgm:styleLbl>
+  <dgm:styleLbl name="node2">
+    <dgm:fillClrLst meth="repeat">
+      <a:schemeClr val="accent2"/>
+    </dgm:fillClrLst>
+    <dgm:linClrLst meth="repeat">
+      <a:schemeClr val="lt1"/>
+    </dgm:linClrLst>
+    <dgm:effectClrLst/>
+    <dgm:txLinClrLst/>
+    <dgm:txFillClrLst/>
+    <dgm:txEffectClrLst/>
+  </dgm:styleLbl>
+  <dgm:styleLbl name="node3">
+    <dgm:fillClrLst meth="repeat">
+      <a:schemeClr val="accent2"/>
+    </dgm:fillClrLst>
+    <dgm:linClrLst meth="repeat">
+      <a:schemeClr val="lt1"/>
+    </dgm:linClrLst>
+    <dgm:effectClrLst/>
+    <dgm:txLinClrLst/>
+    <dgm:txFillClrLst/>
+    <dgm:txEffectClrLst/>
+  </dgm:styleLbl>
+  <dgm:styleLbl name="node4">
+    <dgm:fillClrLst meth="repeat">
+      <a:schemeClr val="accent2"/>
+    </dgm:fillClrLst>
+    <dgm:linClrLst meth="repeat">
+      <a:schemeClr val="lt1"/>
+    </dgm:linClrLst>
+    <dgm:effectClrLst/>
+    <dgm:txLinClrLst/>
+    <dgm:txFillClrLst/>
+    <dgm:txEffectClrLst/>
+  </dgm:styleLbl>
+  <dgm:styleLbl name="fgImgPlace1">
+    <dgm:fillClrLst meth="repeat">
+      <a:schemeClr val="accent2">
+        <a:tint val="50000"/>
+      </a:schemeClr>
+    </dgm:fillClrLst>
+    <dgm:linClrLst meth="repeat">
+      <a:schemeClr val="lt1"/>
+    </dgm:linClrLst>
+    <dgm:effectClrLst/>
+    <dgm:txLinClrLst/>
+    <dgm:txFillClrLst meth="repeat">
+      <a:schemeClr val="lt1"/>
+    </dgm:txFillClrLst>
+    <dgm:txEffectClrLst/>
+  </dgm:styleLbl>
+  <dgm:styleLbl name="alignImgPlace1">
+    <dgm:fillClrLst meth="repeat">
+      <a:schemeClr val="accent2">
+        <a:tint val="50000"/>
+      </a:schemeClr>
+    </dgm:fillClrLst>
+    <dgm:linClrLst meth="repeat">
+      <a:schemeClr val="lt1"/>
+    </dgm:linClrLst>
+    <dgm:effectClrLst/>
+    <dgm:txLinClrLst/>
+    <dgm:txFillClrLst meth="repeat">
+      <a:schemeClr val="lt1"/>
+    </dgm:txFillClrLst>
+    <dgm:txEffectClrLst/>
+  </dgm:styleLbl>
+  <dgm:styleLbl name="bgImgPlace1">
+    <dgm:fillClrLst meth="repeat">
+      <a:schemeClr val="accent2">
+        <a:tint val="50000"/>
+      </a:schemeClr>
+    </dgm:fillClrLst>
+    <dgm:linClrLst meth="repeat">
+      <a:schemeClr val="lt1"/>
+    </dgm:linClrLst>
+    <dgm:effectClrLst/>
+    <dgm:txLinClrLst/>
+    <dgm:txFillClrLst meth="repeat">
+      <a:schemeClr val="lt1"/>
+    </dgm:txFillClrLst>
+    <dgm:txEffectClrLst/>
+  </dgm:styleLbl>
+  <dgm:styleLbl name="sibTrans2D1">
+    <dgm:fillClrLst meth="repeat">
+      <a:schemeClr val="accent2">
+        <a:tint val="60000"/>
+      </a:schemeClr>
+    </dgm:fillClrLst>
+    <dgm:linClrLst meth="repeat">
+      <a:schemeClr val="accent2">
+        <a:tint val="60000"/>
+      </a:schemeClr>
+    </dgm:linClrLst>
+    <dgm:effectClrLst/>
+    <dgm:txLinClrLst/>
+    <dgm:txFillClrLst/>
+    <dgm:txEffectClrLst/>
+  </dgm:styleLbl>
+  <dgm:styleLbl name="fgSibTrans2D1">
+    <dgm:fillClrLst meth="repeat">
+      <a:schemeClr val="accent2">
+        <a:tint val="60000"/>
+      </a:schemeClr>
+    </dgm:fillClrLst>
+    <dgm:linClrLst meth="repeat">
+      <a:schemeClr val="accent2">
+        <a:tint val="60000"/>
+      </a:schemeClr>
+    </dgm:linClrLst>
+    <dgm:effectClrLst/>
+    <dgm:txLinClrLst/>
+    <dgm:txFillClrLst/>
+    <dgm:txEffectClrLst/>
+  </dgm:styleLbl>
+  <dgm:styleLbl name="bgSibTrans2D1">
+    <dgm:fillClrLst meth="repeat">
+      <a:schemeClr val="accent2">
+        <a:tint val="60000"/>
+      </a:schemeClr>
+    </dgm:fillClrLst>
+    <dgm:linClrLst meth="repeat">
+      <a:schemeClr val="accent2">
+        <a:tint val="60000"/>
+      </a:schemeClr>
+    </dgm:linClrLst>
+    <dgm:effectClrLst/>
+    <dgm:txLinClrLst/>
+    <dgm:txFillClrLst/>
+    <dgm:txEffectClrLst/>
+  </dgm:styleLbl>
+  <dgm:styleLbl name="sibTrans1D1">
+    <dgm:fillClrLst meth="repeat">
+      <a:schemeClr val="accent2"/>
+    </dgm:fillClrLst>
+    <dgm:linClrLst meth="repeat">
+      <a:schemeClr val="accent2"/>
+    </dgm:linClrLst>
+    <dgm:effectClrLst/>
+    <dgm:txLinClrLst/>
+    <dgm:txFillClrLst meth="repeat">
+      <a:schemeClr val="tx1"/>
+    </dgm:txFillClrLst>
+    <dgm:txEffectClrLst/>
+  </dgm:styleLbl>
+  <dgm:styleLbl name="callout">
+    <dgm:fillClrLst meth="repeat">
+      <a:schemeClr val="accent2"/>
+    </dgm:fillClrLst>
+    <dgm:linClrLst meth="repeat">
+      <a:schemeClr val="accent2">
+        <a:tint val="50000"/>
+      </a:schemeClr>
+    </dgm:linClrLst>
+    <dgm:effectClrLst/>
+    <dgm:txLinClrLst/>
+    <dgm:txFillClrLst meth="repeat">
+      <a:schemeClr val="tx1"/>
+    </dgm:txFillClrLst>
+    <dgm:txEffectClrLst/>
+  </dgm:styleLbl>
+  <dgm:styleLbl name="asst0">
+    <dgm:fillClrLst meth="repeat">
+      <a:schemeClr val="accent2"/>
+    </dgm:fillClrLst>
+    <dgm:linClrLst meth="repeat">
+      <a:schemeClr val="lt1"/>
+    </dgm:linClrLst>
+    <dgm:effectClrLst/>
+    <dgm:txLinClrLst/>
+    <dgm:txFillClrLst/>
+    <dgm:txEffectClrLst/>
+  </dgm:styleLbl>
+  <dgm:styleLbl name="asst1">
+    <dgm:fillClrLst meth="repeat">
+      <a:schemeClr val="accent2"/>
+    </dgm:fillClrLst>
+    <dgm:linClrLst meth="repeat">
+      <a:schemeClr val="lt1"/>
+    </dgm:linClrLst>
+    <dgm:effectClrLst/>
+    <dgm:txLinClrLst/>
+    <dgm:txFillClrLst/>
+    <dgm:txEffectClrLst/>
+  </dgm:styleLbl>
+  <dgm:styleLbl name="asst2">
+    <dgm:fillClrLst meth="repeat">
+      <a:schemeClr val="accent2"/>
+    </dgm:fillClrLst>
+    <dgm:linClrLst meth="repeat">
+      <a:schemeClr val="lt1"/>
+    </dgm:linClrLst>
+    <dgm:effectClrLst/>
+    <dgm:txLinClrLst/>
+    <dgm:txFillClrLst/>
+    <dgm:txEffectClrLst/>
+  </dgm:styleLbl>
+  <dgm:styleLbl name="asst3">
+    <dgm:fillClrLst meth="repeat">
+      <a:schemeClr val="accent2"/>
+    </dgm:fillClrLst>
+    <dgm:linClrLst meth="repeat">
+      <a:schemeClr val="lt1"/>
+    </dgm:linClrLst>
+    <dgm:effectClrLst/>
+    <dgm:txLinClrLst/>
+    <dgm:txFillClrLst/>
+    <dgm:txEffectClrLst/>
+  </dgm:styleLbl>
+  <dgm:styleLbl name="asst4">
+    <dgm:fillClrLst meth="repeat">
+      <a:schemeClr val="accent2"/>
+    </dgm:fillClrLst>
+    <dgm:linClrLst meth="repeat">
+      <a:schemeClr val="lt1"/>
+    </dgm:linClrLst>
+    <dgm:effectClrLst/>
+    <dgm:txLinClrLst/>
+    <dgm:txFillClrLst/>
+    <dgm:txEffectClrLst/>
+  </dgm:styleLbl>
+  <dgm:styleLbl name="parChTrans2D1">
+    <dgm:fillClrLst meth="repeat">
+      <a:schemeClr val="accent2">
+        <a:tint val="60000"/>
+      </a:schemeClr>
+    </dgm:fillClrLst>
+    <dgm:linClrLst meth="repeat">
+      <a:schemeClr val="accent2">
+        <a:tint val="60000"/>
+      </a:schemeClr>
+    </dgm:linClrLst>
+    <dgm:effectClrLst/>
+    <dgm:txLinClrLst/>
+    <dgm:txFillClrLst meth="repeat">
+      <a:schemeClr val="lt1"/>
+    </dgm:txFillClrLst>
+    <dgm:txEffectClrLst/>
+  </dgm:styleLbl>
+  <dgm:styleLbl name="parChTrans2D2">
+    <dgm:fillClrLst meth="repeat">
+      <a:schemeClr val="accent2"/>
+    </dgm:fillClrLst>
+    <dgm:linClrLst meth="repeat">
+      <a:schemeClr val="accent2"/>
+    </dgm:linClrLst>
+    <dgm:effectClrLst/>
+    <dgm:txLinClrLst/>
+    <dgm:txFillClrLst meth="repeat">
+      <a:schemeClr val="lt1"/>
+    </dgm:txFillClrLst>
+    <dgm:txEffectClrLst/>
+  </dgm:styleLbl>
+  <dgm:styleLbl name="parChTrans2D3">
+    <dgm:fillClrLst meth="repeat">
+      <a:schemeClr val="accent2"/>
+    </dgm:fillClrLst>
+    <dgm:linClrLst meth="repeat">
+      <a:schemeClr val="accent2"/>
+    </dgm:linClrLst>
+    <dgm:effectClrLst/>
+    <dgm:txLinClrLst/>
+    <dgm:txFillClrLst meth="repeat">
+      <a:schemeClr val="lt1"/>
+    </dgm:txFillClrLst>
+    <dgm:txEffectClrLst/>
+  </dgm:styleLbl>
+  <dgm:styleLbl name="parChTrans2D4">
+    <dgm:fillClrLst meth="repeat">
+      <a:schemeClr val="accent2"/>
+    </dgm:fillClrLst>
+    <dgm:linClrLst meth="repeat">
+      <a:schemeClr val="accent2"/>
+    </dgm:linClrLst>
+    <dgm:effectClrLst/>
+    <dgm:txLinClrLst/>
+    <dgm:txFillClrLst meth="repeat">
+      <a:schemeClr val="lt1"/>
+    </dgm:txFillClrLst>
+    <dgm:txEffectClrLst/>
+  </dgm:styleLbl>
+  <dgm:styleLbl name="parChTrans1D1">
+    <dgm:fillClrLst meth="repeat">
+      <a:schemeClr val="accent2"/>
+    </dgm:fillClrLst>
+    <dgm:linClrLst meth="repeat">
+      <a:schemeClr val="accent2">
+        <a:shade val="60000"/>
+      </a:schemeClr>
+    </dgm:linClrLst>
+    <dgm:effectClrLst/>
+    <dgm:txLinClrLst/>
+    <dgm:txFillClrLst meth="repeat">
+      <a:schemeClr val="tx1"/>
+    </dgm:txFillClrLst>
+    <dgm:txEffectClrLst/>
+  </dgm:styleLbl>
+  <dgm:styleLbl name="parChTrans1D2">
+    <dgm:fillClrLst meth="repeat">
+      <a:schemeClr val="accent2"/>
+    </dgm:fillClrLst>
+    <dgm:linClrLst meth="repeat">
+      <a:schemeClr val="accent2">
+        <a:shade val="60000"/>
+      </a:schemeClr>
+    </dgm:linClrLst>
+    <dgm:effectClrLst/>
+    <dgm:txLinClrLst/>
+    <dgm:txFillClrLst meth="repeat">
+      <a:schemeClr val="tx1"/>
+    </dgm:txFillClrLst>
+    <dgm:txEffectClrLst/>
+  </dgm:styleLbl>
+  <dgm:styleLbl name="parChTrans1D3">
+    <dgm:fillClrLst meth="repeat">
+      <a:schemeClr val="accent2"/>
+    </dgm:fillClrLst>
+    <dgm:linClrLst meth="repeat">
+      <a:schemeClr val="accent2">
+        <a:shade val="80000"/>
+      </a:schemeClr>
+    </dgm:linClrLst>
+    <dgm:effectClrLst/>
+    <dgm:txLinClrLst/>
+    <dgm:txFillClrLst meth="repeat">
+      <a:schemeClr val="tx1"/>
+    </dgm:txFillClrLst>
+    <dgm:txEffectClrLst/>
+  </dgm:styleLbl>
+  <dgm:styleLbl name="parChTrans1D4">
+    <dgm:fillClrLst meth="repeat">
+      <a:schemeClr val="accent2"/>
+    </dgm:fillClrLst>
+    <dgm:linClrLst meth="repeat">
+      <a:schemeClr val="accent2">
+        <a:shade val="80000"/>
+      </a:schemeClr>
+    </dgm:linClrLst>
+    <dgm:effectClrLst/>
+    <dgm:txLinClrLst/>
+    <dgm:txFillClrLst meth="repeat">
+      <a:schemeClr val="tx1"/>
+    </dgm:txFillClrLst>
+    <dgm:txEffectClrLst/>
+  </dgm:styleLbl>
+  <dgm:styleLbl name="fgAcc1">
+    <dgm:fillClrLst meth="repeat">
+      <a:schemeClr val="lt1">
+        <a:alpha val="90000"/>
+      </a:schemeClr>
+    </dgm:fillClrLst>
+    <dgm:linClrLst meth="repeat">
+      <a:schemeClr val="accent2"/>
+    </dgm:linClrLst>
+    <dgm:effectClrLst/>
+    <dgm:txLinClrLst/>
+    <dgm:txFillClrLst meth="repeat">
+      <a:schemeClr val="dk1"/>
+    </dgm:txFillClrLst>
+    <dgm:txEffectClrLst/>
+  </dgm:styleLbl>
+  <dgm:styleLbl name="conFgAcc1">
+    <dgm:fillClrLst meth="repeat">
+      <a:schemeClr val="lt1">
+        <a:alpha val="90000"/>
+      </a:schemeClr>
+    </dgm:fillClrLst>
+    <dgm:linClrLst meth="repeat">
+      <a:schemeClr val="accent2"/>
+    </dgm:linClrLst>
+    <dgm:effectClrLst/>
+    <dgm:txLinClrLst/>
+    <dgm:txFillClrLst meth="repeat">
+      <a:schemeClr val="dk1"/>
+    </dgm:txFillClrLst>
+    <dgm:txEffectClrLst/>
+  </dgm:styleLbl>
+  <dgm:styleLbl name="alignAcc1">
+    <dgm:fillClrLst meth="repeat">
+      <a:schemeClr val="lt1">
+        <a:alpha val="90000"/>
+      </a:schemeClr>
+    </dgm:fillClrLst>
+    <dgm:linClrLst meth="repeat">
+      <a:schemeClr val="accent2"/>
+    </dgm:linClrLst>
+    <dgm:effectClrLst/>
+    <dgm:txLinClrLst/>
+    <dgm:txFillClrLst meth="repeat">
+      <a:schemeClr val="dk1"/>
+    </dgm:txFillClrLst>
+    <dgm:txEffectClrLst/>
+  </dgm:styleLbl>
+  <dgm:styleLbl name="trAlignAcc1">
+    <dgm:fillClrLst meth="repeat">
+      <a:schemeClr val="lt1">
+        <a:alpha val="40000"/>
+      </a:schemeClr>
+    </dgm:fillClrLst>
+    <dgm:linClrLst meth="repeat">
+      <a:schemeClr val="accent2"/>
+    </dgm:linClrLst>
+    <dgm:effectClrLst/>
+    <dgm:txLinClrLst/>
+    <dgm:txFillClrLst meth="repeat">
+      <a:schemeClr val="dk1"/>
+    </dgm:txFillClrLst>
+    <dgm:txEffectClrLst/>
+  </dgm:styleLbl>
+  <dgm:styleLbl name="bgAcc1">
+    <dgm:fillClrLst meth="repeat">
+      <a:schemeClr val="lt1">
+        <a:alpha val="90000"/>
+      </a:schemeClr>
+    </dgm:fillClrLst>
+    <dgm:linClrLst meth="repeat">
+      <a:schemeClr val="accent2"/>
+    </dgm:linClrLst>
+    <dgm:effectClrLst/>
+    <dgm:txLinClrLst/>
+    <dgm:txFillClrLst meth="repeat">
+      <a:schemeClr val="dk1"/>
+    </dgm:txFillClrLst>
+    <dgm:txEffectClrLst/>
+  </dgm:styleLbl>
+  <dgm:styleLbl name="solidFgAcc1">
+    <dgm:fillClrLst meth="repeat">
+      <a:schemeClr val="lt1"/>
+    </dgm:fillClrLst>
+    <dgm:linClrLst meth="repeat">
+      <a:schemeClr val="accent2"/>
+    </dgm:linClrLst>
+    <dgm:effectClrLst/>
+    <dgm:txLinClrLst/>
+    <dgm:txFillClrLst meth="repeat">
+      <a:schemeClr val="dk1"/>
+    </dgm:txFillClrLst>
+    <dgm:txEffectClrLst/>
+  </dgm:styleLbl>
+  <dgm:styleLbl name="solidAlignAcc1">
+    <dgm:fillClrLst meth="repeat">
+      <a:schemeClr val="lt1"/>
+    </dgm:fillClrLst>
+    <dgm:linClrLst meth="repeat">
+      <a:schemeClr val="accent2"/>
+    </dgm:linClrLst>
+    <dgm:effectClrLst/>
+    <dgm:txLinClrLst/>
+    <dgm:txFillClrLst meth="repeat">
+      <a:schemeClr val="dk1"/>
+    </dgm:txFillClrLst>
+    <dgm:txEffectClrLst/>
+  </dgm:styleLbl>
+  <dgm:styleLbl name="solidBgAcc1">
+    <dgm:fillClrLst meth="repeat">
+      <a:schemeClr val="lt1"/>
+    </dgm:fillClrLst>
+    <dgm:linClrLst meth="repeat">
+      <a:schemeClr val="accent2"/>
+    </dgm:linClrLst>
+    <dgm:effectClrLst/>
+    <dgm:txLinClrLst/>
+    <dgm:txFillClrLst meth="repeat">
+      <a:schemeClr val="dk1"/>
+    </dgm:txFillClrLst>
+    <dgm:txEffectClrLst/>
+  </dgm:styleLbl>
+  <dgm:styleLbl name="fgAccFollowNode1">
+    <dgm:fillClrLst meth="repeat">
+      <a:schemeClr val="accent2">
+        <a:alpha val="90000"/>
+        <a:tint val="40000"/>
+      </a:schemeClr>
+    </dgm:fillClrLst>
+    <dgm:linClrLst meth="repeat">
+      <a:schemeClr val="accent2">
+        <a:alpha val="90000"/>
+        <a:tint val="40000"/>
+      </a:schemeClr>
+    </dgm:linClrLst>
+    <dgm:effectClrLst/>
+    <dgm:txLinClrLst/>
+    <dgm:txFillClrLst meth="repeat">
+      <a:schemeClr val="dk1"/>
+    </dgm:txFillClrLst>
+    <dgm:txEffectClrLst/>
+  </dgm:styleLbl>
+  <dgm:styleLbl name="alignAccFollowNode1">
+    <dgm:fillClrLst meth="repeat">
+      <a:schemeClr val="accent2">
+        <a:alpha val="90000"/>
+        <a:tint val="40000"/>
+      </a:schemeClr>
+    </dgm:fillClrLst>
+    <dgm:linClrLst meth="repeat">
+      <a:schemeClr val="accent2">
+        <a:alpha val="90000"/>
+        <a:tint val="40000"/>
+      </a:schemeClr>
+    </dgm:linClrLst>
+    <dgm:effectClrLst/>
+    <dgm:txLinClrLst/>
+    <dgm:txFillClrLst meth="repeat">
+      <a:schemeClr val="dk1"/>
+    </dgm:txFillClrLst>
+    <dgm:txEffectClrLst/>
+  </dgm:styleLbl>
+  <dgm:styleLbl name="bgAccFollowNode1">
+    <dgm:fillClrLst meth="repeat">
+      <a:schemeClr val="accent2">
+        <a:alpha val="90000"/>
+        <a:tint val="40000"/>
+      </a:schemeClr>
+    </dgm:fillClrLst>
+    <dgm:linClrLst meth="repeat">
+      <a:schemeClr val="accent2">
+        <a:alpha val="90000"/>
+        <a:tint val="40000"/>
+      </a:schemeClr>
+    </dgm:linClrLst>
+    <dgm:effectClrLst/>
+    <dgm:txLinClrLst/>
+    <dgm:txFillClrLst meth="repeat">
+      <a:schemeClr val="dk1"/>
+    </dgm:txFillClrLst>
+    <dgm:txEffectClrLst/>
+  </dgm:styleLbl>
+  <dgm:styleLbl name="fgAcc0">
+    <dgm:fillClrLst meth="repeat">
+      <a:schemeClr val="lt1">
+        <a:alpha val="90000"/>
+      </a:schemeClr>
+    </dgm:fillClrLst>
+    <dgm:linClrLst meth="repeat">
+      <a:schemeClr val="accent2"/>
+    </dgm:linClrLst>
+    <dgm:effectClrLst/>
+    <dgm:txLinClrLst/>
+    <dgm:txFillClrLst meth="repeat">
+      <a:schemeClr val="dk1"/>
+    </dgm:txFillClrLst>
+    <dgm:txEffectClrLst/>
+  </dgm:styleLbl>
+  <dgm:styleLbl name="fgAcc2">
+    <dgm:fillClrLst meth="repeat">
+      <a:schemeClr val="lt1">
+        <a:alpha val="90000"/>
+      </a:schemeClr>
+    </dgm:fillClrLst>
+    <dgm:linClrLst meth="repeat">
+      <a:schemeClr val="accent2"/>
+    </dgm:linClrLst>
+    <dgm:effectClrLst/>
+    <dgm:txLinClrLst/>
+    <dgm:txFillClrLst meth="repeat">
+      <a:schemeClr val="dk1"/>
+    </dgm:txFillClrLst>
+    <dgm:txEffectClrLst/>
+  </dgm:styleLbl>
+  <dgm:styleLbl name="fgAcc3">
+    <dgm:fillClrLst meth="repeat">
+      <a:schemeClr val="lt1">
+        <a:alpha val="90000"/>
+      </a:schemeClr>
+    </dgm:fillClrLst>
+    <dgm:linClrLst meth="repeat">
+      <a:schemeClr val="accent2"/>
+    </dgm:linClrLst>
+    <dgm:effectClrLst/>
+    <dgm:txLinClrLst/>
+    <dgm:txFillClrLst meth="repeat">
+      <a:schemeClr val="dk1"/>
+    </dgm:txFillClrLst>
+    <dgm:txEffectClrLst/>
+  </dgm:styleLbl>
+  <dgm:styleLbl name="fgAcc4">
+    <dgm:fillClrLst meth="repeat">
+      <a:schemeClr val="lt1">
+        <a:alpha val="90000"/>
+      </a:schemeClr>
+    </dgm:fillClrLst>
+    <dgm:linClrLst meth="repeat">
+      <a:schemeClr val="accent2"/>
+    </dgm:linClrLst>
+    <dgm:effectClrLst/>
+    <dgm:txLinClrLst/>
+    <dgm:txFillClrLst meth="repeat">
+      <a:schemeClr val="dk1"/>
+    </dgm:txFillClrLst>
+    <dgm:txEffectClrLst/>
+  </dgm:styleLbl>
+  <dgm:styleLbl name="bgShp">
+    <dgm:fillClrLst meth="repeat">
+      <a:schemeClr val="bg1">
+        <a:lumMod val="95000"/>
+      </a:schemeClr>
+    </dgm:fillClrLst>
+    <dgm:linClrLst meth="repeat">
+      <a:schemeClr val="accent2"/>
+    </dgm:linClrLst>
+    <dgm:effectClrLst/>
+    <dgm:txLinClrLst/>
+    <dgm:txFillClrLst meth="repeat">
+      <a:schemeClr val="dk1"/>
+    </dgm:txFillClrLst>
+    <dgm:txEffectClrLst/>
+  </dgm:styleLbl>
+  <dgm:styleLbl name="dkBgShp">
+    <dgm:fillClrLst meth="repeat">
+      <a:schemeClr val="accent2">
+        <a:shade val="80000"/>
+      </a:schemeClr>
+    </dgm:fillClrLst>
+    <dgm:linClrLst meth="repeat">
+      <a:schemeClr val="accent2"/>
+    </dgm:linClrLst>
+    <dgm:effectClrLst/>
+    <dgm:txLinClrLst/>
+    <dgm:txFillClrLst meth="repeat">
+      <a:schemeClr val="lt1"/>
+    </dgm:txFillClrLst>
+    <dgm:txEffectClrLst/>
+  </dgm:styleLbl>
+  <dgm:styleLbl name="trBgShp">
+    <dgm:fillClrLst meth="repeat">
+      <a:schemeClr val="accent2">
+        <a:tint val="50000"/>
+        <a:alpha val="40000"/>
+      </a:schemeClr>
+    </dgm:fillClrLst>
+    <dgm:linClrLst meth="repeat">
+      <a:schemeClr val="accent2"/>
+    </dgm:linClrLst>
+    <dgm:effectClrLst/>
+    <dgm:txLinClrLst/>
+    <dgm:txFillClrLst meth="repeat">
+      <a:schemeClr val="lt1"/>
+    </dgm:txFillClrLst>
+    <dgm:txEffectClrLst/>
+  </dgm:styleLbl>
+  <dgm:styleLbl name="fgShp">
+    <dgm:fillClrLst meth="repeat">
+      <a:schemeClr val="accent2">
+        <a:tint val="60000"/>
+      </a:schemeClr>
+    </dgm:fillClrLst>
+    <dgm:linClrLst meth="repeat">
+      <a:schemeClr val="lt1"/>
+    </dgm:linClrLst>
+    <dgm:effectClrLst/>
+    <dgm:txLinClrLst/>
+    <dgm:txFillClrLst meth="repeat">
+      <a:schemeClr val="dk1"/>
+    </dgm:txFillClrLst>
+    <dgm:txEffectClrLst/>
+  </dgm:styleLbl>
+  <dgm:styleLbl name="revTx">
+    <dgm:fillClrLst meth="repeat">
+      <a:schemeClr val="lt1">
+        <a:alpha val="0"/>
+      </a:schemeClr>
+    </dgm:fillClrLst>
+    <dgm:linClrLst meth="repeat">
+      <a:schemeClr val="dk1">
+        <a:alpha val="0"/>
+      </a:schemeClr>
+    </dgm:linClrLst>
+    <dgm:effectClrLst/>
+    <dgm:txLinClrLst/>
+    <dgm:txFillClrLst meth="repeat">
+      <a:schemeClr val="tx1"/>
     </dgm:txFillClrLst>
     <dgm:txEffectClrLst/>
   </dgm:styleLbl>
@@ -1223,6 +1975,344 @@
   <dgm:extLst>
     <a:ext uri="http://schemas.microsoft.com/office/drawing/2008/diagram">
       <dsp:dataModelExt xmlns:dsp="http://schemas.microsoft.com/office/drawing/2008/diagram" relId="rId7" minVer="http://schemas.openxmlformats.org/drawingml/2006/diagram"/>
+    </a:ext>
+  </dgm:extLst>
+</dgm:dataModel>
+</file>
+
+<file path=ppt/diagrams/data2.xml><?xml version="1.0" encoding="utf-8"?>
+<dgm:dataModel xmlns:dgm="http://schemas.openxmlformats.org/drawingml/2006/diagram" xmlns:a="http://schemas.openxmlformats.org/drawingml/2006/main">
+  <dgm:ptLst>
+    <dgm:pt modelId="{A9E58DB8-F013-4457-8406-12B7B5B7CED0}" type="doc">
+      <dgm:prSet loTypeId="urn:microsoft.com/office/officeart/2018/2/layout/IconVerticalSolidList" loCatId="icon" qsTypeId="urn:microsoft.com/office/officeart/2005/8/quickstyle/simple1" qsCatId="simple" csTypeId="urn:microsoft.com/office/officeart/2018/5/colors/Iconchunking_neutralbg_accent2_2" csCatId="accent2" phldr="1"/>
+      <dgm:spPr/>
+      <dgm:t>
+        <a:bodyPr/>
+        <a:lstStyle/>
+        <a:p>
+          <a:endParaRPr lang="en-US"/>
+        </a:p>
+      </dgm:t>
+    </dgm:pt>
+    <dgm:pt modelId="{2A9657C6-511E-4B4D-8AD2-FA11CD52A4F3}">
+      <dgm:prSet/>
+      <dgm:spPr/>
+      <dgm:t>
+        <a:bodyPr/>
+        <a:lstStyle/>
+        <a:p>
+          <a:pPr>
+            <a:lnSpc>
+              <a:spcPct val="100000"/>
+            </a:lnSpc>
+          </a:pPr>
+          <a:r>
+            <a:rPr lang="en-US" dirty="0"/>
+            <a:t>NMAP OS Detection Engine (Very noisy and relies upon probability/guesswork)</a:t>
+          </a:r>
+        </a:p>
+      </dgm:t>
+    </dgm:pt>
+    <dgm:pt modelId="{BBD88251-7ABE-4F67-8E9C-ACD1C987C431}" type="parTrans" cxnId="{51E07532-3FC8-429C-B78E-0104FA4CD799}">
+      <dgm:prSet/>
+      <dgm:spPr/>
+      <dgm:t>
+        <a:bodyPr/>
+        <a:lstStyle/>
+        <a:p>
+          <a:endParaRPr lang="en-US"/>
+        </a:p>
+      </dgm:t>
+    </dgm:pt>
+    <dgm:pt modelId="{FC8D3C1A-2FE4-4AE5-AB17-E589AD36936C}" type="sibTrans" cxnId="{51E07532-3FC8-429C-B78E-0104FA4CD799}">
+      <dgm:prSet/>
+      <dgm:spPr/>
+      <dgm:t>
+        <a:bodyPr/>
+        <a:lstStyle/>
+        <a:p>
+          <a:endParaRPr lang="en-US"/>
+        </a:p>
+      </dgm:t>
+    </dgm:pt>
+    <dgm:pt modelId="{B530748B-56DA-4DB2-AE1D-B73F718F479C}">
+      <dgm:prSet/>
+      <dgm:spPr/>
+      <dgm:t>
+        <a:bodyPr/>
+        <a:lstStyle/>
+        <a:p>
+          <a:pPr>
+            <a:lnSpc>
+              <a:spcPct val="100000"/>
+            </a:lnSpc>
+          </a:pPr>
+          <a:r>
+            <a:rPr lang="en-US" dirty="0"/>
+            <a:t>p0f (Passive OS Detection Framework)</a:t>
+          </a:r>
+        </a:p>
+      </dgm:t>
+    </dgm:pt>
+    <dgm:pt modelId="{E7317D6B-B002-4E3C-BBD1-947551C23407}" type="parTrans" cxnId="{501212F3-6423-4530-9222-5F86838007B0}">
+      <dgm:prSet/>
+      <dgm:spPr/>
+      <dgm:t>
+        <a:bodyPr/>
+        <a:lstStyle/>
+        <a:p>
+          <a:endParaRPr lang="en-US"/>
+        </a:p>
+      </dgm:t>
+    </dgm:pt>
+    <dgm:pt modelId="{BC24E584-C776-486C-91A2-44A3D4C61060}" type="sibTrans" cxnId="{501212F3-6423-4530-9222-5F86838007B0}">
+      <dgm:prSet/>
+      <dgm:spPr/>
+      <dgm:t>
+        <a:bodyPr/>
+        <a:lstStyle/>
+        <a:p>
+          <a:endParaRPr lang="en-US"/>
+        </a:p>
+      </dgm:t>
+    </dgm:pt>
+    <dgm:pt modelId="{F1C03459-74C6-46EF-9653-E4D1FF0C14A4}">
+      <dgm:prSet/>
+      <dgm:spPr/>
+      <dgm:t>
+        <a:bodyPr/>
+        <a:lstStyle/>
+        <a:p>
+          <a:pPr>
+            <a:lnSpc>
+              <a:spcPct val="100000"/>
+            </a:lnSpc>
+          </a:pPr>
+          <a:r>
+            <a:rPr lang="en-US" dirty="0"/>
+            <a:t>Cross-checking target service banners</a:t>
+          </a:r>
+        </a:p>
+      </dgm:t>
+    </dgm:pt>
+    <dgm:pt modelId="{C9DC5D1C-8D93-4B6A-8F0F-E0F772A99394}" type="parTrans" cxnId="{0C34F279-7E81-46F0-9A17-4C7CE237866F}">
+      <dgm:prSet/>
+      <dgm:spPr/>
+      <dgm:t>
+        <a:bodyPr/>
+        <a:lstStyle/>
+        <a:p>
+          <a:endParaRPr lang="en-US"/>
+        </a:p>
+      </dgm:t>
+    </dgm:pt>
+    <dgm:pt modelId="{4E18357A-9FFB-4629-8059-101A375F85BC}" type="sibTrans" cxnId="{0C34F279-7E81-46F0-9A17-4C7CE237866F}">
+      <dgm:prSet/>
+      <dgm:spPr/>
+      <dgm:t>
+        <a:bodyPr/>
+        <a:lstStyle/>
+        <a:p>
+          <a:endParaRPr lang="en-US"/>
+        </a:p>
+      </dgm:t>
+    </dgm:pt>
+    <dgm:pt modelId="{3888880C-A7BF-464D-AFC1-44C62A6A2E70}" type="pres">
+      <dgm:prSet presAssocID="{A9E58DB8-F013-4457-8406-12B7B5B7CED0}" presName="root" presStyleCnt="0">
+        <dgm:presLayoutVars>
+          <dgm:dir/>
+          <dgm:resizeHandles val="exact"/>
+        </dgm:presLayoutVars>
+      </dgm:prSet>
+      <dgm:spPr/>
+    </dgm:pt>
+    <dgm:pt modelId="{2ABAF886-49FE-4155-87CB-16A849E49320}" type="pres">
+      <dgm:prSet presAssocID="{2A9657C6-511E-4B4D-8AD2-FA11CD52A4F3}" presName="compNode" presStyleCnt="0"/>
+      <dgm:spPr/>
+    </dgm:pt>
+    <dgm:pt modelId="{77827A21-42E1-4A58-AEDE-FBC168EBCA3B}" type="pres">
+      <dgm:prSet presAssocID="{2A9657C6-511E-4B4D-8AD2-FA11CD52A4F3}" presName="bgRect" presStyleLbl="bgShp" presStyleIdx="0" presStyleCnt="3"/>
+      <dgm:spPr/>
+    </dgm:pt>
+    <dgm:pt modelId="{7A8E55B7-2F46-4BDC-94F4-1B2E30520A5A}" type="pres">
+      <dgm:prSet presAssocID="{2A9657C6-511E-4B4D-8AD2-FA11CD52A4F3}" presName="iconRect" presStyleLbl="node1" presStyleIdx="0" presStyleCnt="3"/>
+      <dgm:spPr>
+        <a:blipFill>
+          <a:blip xmlns:r="http://schemas.openxmlformats.org/officeDocument/2006/relationships" r:embed="rId1">
+            <a:extLst>
+              <a:ext uri="{28A0092B-C50C-407E-A947-70E740481C1C}">
+                <a14:useLocalDpi xmlns:a14="http://schemas.microsoft.com/office/drawing/2010/main" val="0"/>
+              </a:ext>
+              <a:ext uri="{96DAC541-7B7A-43D3-8B79-37D633B846F1}">
+                <asvg:svgBlip xmlns:asvg="http://schemas.microsoft.com/office/drawing/2016/SVG/main" r:embed="rId2"/>
+              </a:ext>
+            </a:extLst>
+          </a:blip>
+          <a:stretch>
+            <a:fillRect/>
+          </a:stretch>
+        </a:blipFill>
+        <a:ln>
+          <a:noFill/>
+        </a:ln>
+      </dgm:spPr>
+      <dgm:extLst>
+        <a:ext uri="{E40237B7-FDA0-4F09-8148-C483321AD2D9}">
+          <dgm14:cNvPr xmlns:dgm14="http://schemas.microsoft.com/office/drawing/2010/diagram" id="0" name="" descr="Robot"/>
+        </a:ext>
+      </dgm:extLst>
+    </dgm:pt>
+    <dgm:pt modelId="{A0B1FD73-D12E-4CCC-A083-C25B3894D90C}" type="pres">
+      <dgm:prSet presAssocID="{2A9657C6-511E-4B4D-8AD2-FA11CD52A4F3}" presName="spaceRect" presStyleCnt="0"/>
+      <dgm:spPr/>
+    </dgm:pt>
+    <dgm:pt modelId="{7F0C6715-3EAC-4B05-974E-C493D1EA4B1B}" type="pres">
+      <dgm:prSet presAssocID="{2A9657C6-511E-4B4D-8AD2-FA11CD52A4F3}" presName="parTx" presStyleLbl="revTx" presStyleIdx="0" presStyleCnt="3">
+        <dgm:presLayoutVars>
+          <dgm:chMax val="0"/>
+          <dgm:chPref val="0"/>
+        </dgm:presLayoutVars>
+      </dgm:prSet>
+      <dgm:spPr/>
+    </dgm:pt>
+    <dgm:pt modelId="{9333CC95-68FB-4845-B650-932C88257901}" type="pres">
+      <dgm:prSet presAssocID="{FC8D3C1A-2FE4-4AE5-AB17-E589AD36936C}" presName="sibTrans" presStyleCnt="0"/>
+      <dgm:spPr/>
+    </dgm:pt>
+    <dgm:pt modelId="{CCFD0033-6032-4292-9A42-92BE57924B3B}" type="pres">
+      <dgm:prSet presAssocID="{B530748B-56DA-4DB2-AE1D-B73F718F479C}" presName="compNode" presStyleCnt="0"/>
+      <dgm:spPr/>
+    </dgm:pt>
+    <dgm:pt modelId="{572710C8-F92B-49BE-9269-738AE389E7B6}" type="pres">
+      <dgm:prSet presAssocID="{B530748B-56DA-4DB2-AE1D-B73F718F479C}" presName="bgRect" presStyleLbl="bgShp" presStyleIdx="1" presStyleCnt="3"/>
+      <dgm:spPr/>
+    </dgm:pt>
+    <dgm:pt modelId="{7A933036-665C-47C0-9436-4372F9420C97}" type="pres">
+      <dgm:prSet presAssocID="{B530748B-56DA-4DB2-AE1D-B73F718F479C}" presName="iconRect" presStyleLbl="node1" presStyleIdx="1" presStyleCnt="3"/>
+      <dgm:spPr>
+        <a:blipFill>
+          <a:blip xmlns:r="http://schemas.openxmlformats.org/officeDocument/2006/relationships" r:embed="rId3">
+            <a:extLst>
+              <a:ext uri="{28A0092B-C50C-407E-A947-70E740481C1C}">
+                <a14:useLocalDpi xmlns:a14="http://schemas.microsoft.com/office/drawing/2010/main" val="0"/>
+              </a:ext>
+              <a:ext uri="{96DAC541-7B7A-43D3-8B79-37D633B846F1}">
+                <asvg:svgBlip xmlns:asvg="http://schemas.microsoft.com/office/drawing/2016/SVG/main" r:embed="rId4"/>
+              </a:ext>
+            </a:extLst>
+          </a:blip>
+          <a:stretch>
+            <a:fillRect/>
+          </a:stretch>
+        </a:blipFill>
+        <a:ln>
+          <a:noFill/>
+        </a:ln>
+      </dgm:spPr>
+      <dgm:extLst>
+        <a:ext uri="{E40237B7-FDA0-4F09-8148-C483321AD2D9}">
+          <dgm14:cNvPr xmlns:dgm14="http://schemas.microsoft.com/office/drawing/2010/diagram" id="0" name="" descr="Optical disc"/>
+        </a:ext>
+      </dgm:extLst>
+    </dgm:pt>
+    <dgm:pt modelId="{645535B9-F198-48D5-9368-10E2926ECB41}" type="pres">
+      <dgm:prSet presAssocID="{B530748B-56DA-4DB2-AE1D-B73F718F479C}" presName="spaceRect" presStyleCnt="0"/>
+      <dgm:spPr/>
+    </dgm:pt>
+    <dgm:pt modelId="{382B83E6-236D-42DE-A9BA-D39F2E015777}" type="pres">
+      <dgm:prSet presAssocID="{B530748B-56DA-4DB2-AE1D-B73F718F479C}" presName="parTx" presStyleLbl="revTx" presStyleIdx="1" presStyleCnt="3">
+        <dgm:presLayoutVars>
+          <dgm:chMax val="0"/>
+          <dgm:chPref val="0"/>
+        </dgm:presLayoutVars>
+      </dgm:prSet>
+      <dgm:spPr/>
+    </dgm:pt>
+    <dgm:pt modelId="{B0226CC6-9A0A-426A-ADA7-6B05819E23FA}" type="pres">
+      <dgm:prSet presAssocID="{BC24E584-C776-486C-91A2-44A3D4C61060}" presName="sibTrans" presStyleCnt="0"/>
+      <dgm:spPr/>
+    </dgm:pt>
+    <dgm:pt modelId="{CA7574C5-3280-4420-A730-D01DE6421E5F}" type="pres">
+      <dgm:prSet presAssocID="{F1C03459-74C6-46EF-9653-E4D1FF0C14A4}" presName="compNode" presStyleCnt="0"/>
+      <dgm:spPr/>
+    </dgm:pt>
+    <dgm:pt modelId="{0C2A112A-923D-4716-948E-19F8B2D42C12}" type="pres">
+      <dgm:prSet presAssocID="{F1C03459-74C6-46EF-9653-E4D1FF0C14A4}" presName="bgRect" presStyleLbl="bgShp" presStyleIdx="2" presStyleCnt="3"/>
+      <dgm:spPr/>
+    </dgm:pt>
+    <dgm:pt modelId="{8DCFC0E8-0734-41DE-AAB6-63EDD573ED28}" type="pres">
+      <dgm:prSet presAssocID="{F1C03459-74C6-46EF-9653-E4D1FF0C14A4}" presName="iconRect" presStyleLbl="node1" presStyleIdx="2" presStyleCnt="3"/>
+      <dgm:spPr>
+        <a:blipFill>
+          <a:blip xmlns:r="http://schemas.openxmlformats.org/officeDocument/2006/relationships" r:embed="rId5">
+            <a:extLst>
+              <a:ext uri="{28A0092B-C50C-407E-A947-70E740481C1C}">
+                <a14:useLocalDpi xmlns:a14="http://schemas.microsoft.com/office/drawing/2010/main" val="0"/>
+              </a:ext>
+              <a:ext uri="{96DAC541-7B7A-43D3-8B79-37D633B846F1}">
+                <asvg:svgBlip xmlns:asvg="http://schemas.microsoft.com/office/drawing/2016/SVG/main" r:embed="rId6"/>
+              </a:ext>
+            </a:extLst>
+          </a:blip>
+          <a:stretch>
+            <a:fillRect/>
+          </a:stretch>
+        </a:blipFill>
+        <a:ln>
+          <a:noFill/>
+        </a:ln>
+      </dgm:spPr>
+      <dgm:extLst>
+        <a:ext uri="{E40237B7-FDA0-4F09-8148-C483321AD2D9}">
+          <dgm14:cNvPr xmlns:dgm14="http://schemas.microsoft.com/office/drawing/2010/diagram" id="0" name="" descr="Store"/>
+        </a:ext>
+      </dgm:extLst>
+    </dgm:pt>
+    <dgm:pt modelId="{C3846A36-B9E6-4454-A8E0-3D7A704B8602}" type="pres">
+      <dgm:prSet presAssocID="{F1C03459-74C6-46EF-9653-E4D1FF0C14A4}" presName="spaceRect" presStyleCnt="0"/>
+      <dgm:spPr/>
+    </dgm:pt>
+    <dgm:pt modelId="{1824DDD1-ED0C-4966-BFAF-F554F4B6044C}" type="pres">
+      <dgm:prSet presAssocID="{F1C03459-74C6-46EF-9653-E4D1FF0C14A4}" presName="parTx" presStyleLbl="revTx" presStyleIdx="2" presStyleCnt="3">
+        <dgm:presLayoutVars>
+          <dgm:chMax val="0"/>
+          <dgm:chPref val="0"/>
+        </dgm:presLayoutVars>
+      </dgm:prSet>
+      <dgm:spPr/>
+    </dgm:pt>
+  </dgm:ptLst>
+  <dgm:cxnLst>
+    <dgm:cxn modelId="{51E07532-3FC8-429C-B78E-0104FA4CD799}" srcId="{A9E58DB8-F013-4457-8406-12B7B5B7CED0}" destId="{2A9657C6-511E-4B4D-8AD2-FA11CD52A4F3}" srcOrd="0" destOrd="0" parTransId="{BBD88251-7ABE-4F67-8E9C-ACD1C987C431}" sibTransId="{FC8D3C1A-2FE4-4AE5-AB17-E589AD36936C}"/>
+    <dgm:cxn modelId="{0C34F279-7E81-46F0-9A17-4C7CE237866F}" srcId="{A9E58DB8-F013-4457-8406-12B7B5B7CED0}" destId="{F1C03459-74C6-46EF-9653-E4D1FF0C14A4}" srcOrd="2" destOrd="0" parTransId="{C9DC5D1C-8D93-4B6A-8F0F-E0F772A99394}" sibTransId="{4E18357A-9FFB-4629-8059-101A375F85BC}"/>
+    <dgm:cxn modelId="{F8A742CE-5838-4098-800E-0093C5FE5DE2}" type="presOf" srcId="{F1C03459-74C6-46EF-9653-E4D1FF0C14A4}" destId="{1824DDD1-ED0C-4966-BFAF-F554F4B6044C}" srcOrd="0" destOrd="0" presId="urn:microsoft.com/office/officeart/2018/2/layout/IconVerticalSolidList"/>
+    <dgm:cxn modelId="{AE21FBEC-6FA5-4C04-9CFA-56F44F294E16}" type="presOf" srcId="{A9E58DB8-F013-4457-8406-12B7B5B7CED0}" destId="{3888880C-A7BF-464D-AFC1-44C62A6A2E70}" srcOrd="0" destOrd="0" presId="urn:microsoft.com/office/officeart/2018/2/layout/IconVerticalSolidList"/>
+    <dgm:cxn modelId="{8B3D74EE-98D0-4CB3-9C76-AA4A3EC7143A}" type="presOf" srcId="{2A9657C6-511E-4B4D-8AD2-FA11CD52A4F3}" destId="{7F0C6715-3EAC-4B05-974E-C493D1EA4B1B}" srcOrd="0" destOrd="0" presId="urn:microsoft.com/office/officeart/2018/2/layout/IconVerticalSolidList"/>
+    <dgm:cxn modelId="{501212F3-6423-4530-9222-5F86838007B0}" srcId="{A9E58DB8-F013-4457-8406-12B7B5B7CED0}" destId="{B530748B-56DA-4DB2-AE1D-B73F718F479C}" srcOrd="1" destOrd="0" parTransId="{E7317D6B-B002-4E3C-BBD1-947551C23407}" sibTransId="{BC24E584-C776-486C-91A2-44A3D4C61060}"/>
+    <dgm:cxn modelId="{C64EAAF3-8DC4-4C70-8163-70A09DDB0115}" type="presOf" srcId="{B530748B-56DA-4DB2-AE1D-B73F718F479C}" destId="{382B83E6-236D-42DE-A9BA-D39F2E015777}" srcOrd="0" destOrd="0" presId="urn:microsoft.com/office/officeart/2018/2/layout/IconVerticalSolidList"/>
+    <dgm:cxn modelId="{AFC902A8-ECEF-4B95-9395-5868667841DF}" type="presParOf" srcId="{3888880C-A7BF-464D-AFC1-44C62A6A2E70}" destId="{2ABAF886-49FE-4155-87CB-16A849E49320}" srcOrd="0" destOrd="0" presId="urn:microsoft.com/office/officeart/2018/2/layout/IconVerticalSolidList"/>
+    <dgm:cxn modelId="{272F828A-4549-41C3-9DF1-A2F1CFDCCA19}" type="presParOf" srcId="{2ABAF886-49FE-4155-87CB-16A849E49320}" destId="{77827A21-42E1-4A58-AEDE-FBC168EBCA3B}" srcOrd="0" destOrd="0" presId="urn:microsoft.com/office/officeart/2018/2/layout/IconVerticalSolidList"/>
+    <dgm:cxn modelId="{9DD9D6DF-9A88-42E5-B1EF-5400816E3FFE}" type="presParOf" srcId="{2ABAF886-49FE-4155-87CB-16A849E49320}" destId="{7A8E55B7-2F46-4BDC-94F4-1B2E30520A5A}" srcOrd="1" destOrd="0" presId="urn:microsoft.com/office/officeart/2018/2/layout/IconVerticalSolidList"/>
+    <dgm:cxn modelId="{CE4C64A6-2732-43FE-8B3E-80C14221085C}" type="presParOf" srcId="{2ABAF886-49FE-4155-87CB-16A849E49320}" destId="{A0B1FD73-D12E-4CCC-A083-C25B3894D90C}" srcOrd="2" destOrd="0" presId="urn:microsoft.com/office/officeart/2018/2/layout/IconVerticalSolidList"/>
+    <dgm:cxn modelId="{F038C77D-7A6B-4B8F-AC4C-946BD7C1C52A}" type="presParOf" srcId="{2ABAF886-49FE-4155-87CB-16A849E49320}" destId="{7F0C6715-3EAC-4B05-974E-C493D1EA4B1B}" srcOrd="3" destOrd="0" presId="urn:microsoft.com/office/officeart/2018/2/layout/IconVerticalSolidList"/>
+    <dgm:cxn modelId="{466A8EE2-AB0B-4EC4-9FFC-F42690F0CD06}" type="presParOf" srcId="{3888880C-A7BF-464D-AFC1-44C62A6A2E70}" destId="{9333CC95-68FB-4845-B650-932C88257901}" srcOrd="1" destOrd="0" presId="urn:microsoft.com/office/officeart/2018/2/layout/IconVerticalSolidList"/>
+    <dgm:cxn modelId="{871799B6-8439-4284-A7C1-A6C424AF9A8D}" type="presParOf" srcId="{3888880C-A7BF-464D-AFC1-44C62A6A2E70}" destId="{CCFD0033-6032-4292-9A42-92BE57924B3B}" srcOrd="2" destOrd="0" presId="urn:microsoft.com/office/officeart/2018/2/layout/IconVerticalSolidList"/>
+    <dgm:cxn modelId="{D1CC91EC-CDAC-459A-AB6A-A53F54E4C389}" type="presParOf" srcId="{CCFD0033-6032-4292-9A42-92BE57924B3B}" destId="{572710C8-F92B-49BE-9269-738AE389E7B6}" srcOrd="0" destOrd="0" presId="urn:microsoft.com/office/officeart/2018/2/layout/IconVerticalSolidList"/>
+    <dgm:cxn modelId="{70D828F3-04E4-45C0-A155-465630F438E0}" type="presParOf" srcId="{CCFD0033-6032-4292-9A42-92BE57924B3B}" destId="{7A933036-665C-47C0-9436-4372F9420C97}" srcOrd="1" destOrd="0" presId="urn:microsoft.com/office/officeart/2018/2/layout/IconVerticalSolidList"/>
+    <dgm:cxn modelId="{49BDE769-09BB-4773-BEF9-BD7A2CEAC0E8}" type="presParOf" srcId="{CCFD0033-6032-4292-9A42-92BE57924B3B}" destId="{645535B9-F198-48D5-9368-10E2926ECB41}" srcOrd="2" destOrd="0" presId="urn:microsoft.com/office/officeart/2018/2/layout/IconVerticalSolidList"/>
+    <dgm:cxn modelId="{A992C43D-A840-4CA2-911F-8CF8A703A4B8}" type="presParOf" srcId="{CCFD0033-6032-4292-9A42-92BE57924B3B}" destId="{382B83E6-236D-42DE-A9BA-D39F2E015777}" srcOrd="3" destOrd="0" presId="urn:microsoft.com/office/officeart/2018/2/layout/IconVerticalSolidList"/>
+    <dgm:cxn modelId="{DB5EC92F-4169-4E6C-91D7-3AED80B89C6E}" type="presParOf" srcId="{3888880C-A7BF-464D-AFC1-44C62A6A2E70}" destId="{B0226CC6-9A0A-426A-ADA7-6B05819E23FA}" srcOrd="3" destOrd="0" presId="urn:microsoft.com/office/officeart/2018/2/layout/IconVerticalSolidList"/>
+    <dgm:cxn modelId="{41271C4A-2396-449D-A81D-457635757CD4}" type="presParOf" srcId="{3888880C-A7BF-464D-AFC1-44C62A6A2E70}" destId="{CA7574C5-3280-4420-A730-D01DE6421E5F}" srcOrd="4" destOrd="0" presId="urn:microsoft.com/office/officeart/2018/2/layout/IconVerticalSolidList"/>
+    <dgm:cxn modelId="{727B6CDF-D912-46A0-8A21-334A1665BC02}" type="presParOf" srcId="{CA7574C5-3280-4420-A730-D01DE6421E5F}" destId="{0C2A112A-923D-4716-948E-19F8B2D42C12}" srcOrd="0" destOrd="0" presId="urn:microsoft.com/office/officeart/2018/2/layout/IconVerticalSolidList"/>
+    <dgm:cxn modelId="{FEE16449-E6CA-4426-88FC-325700533272}" type="presParOf" srcId="{CA7574C5-3280-4420-A730-D01DE6421E5F}" destId="{8DCFC0E8-0734-41DE-AAB6-63EDD573ED28}" srcOrd="1" destOrd="0" presId="urn:microsoft.com/office/officeart/2018/2/layout/IconVerticalSolidList"/>
+    <dgm:cxn modelId="{1B309CFC-482B-41D7-9E07-99B861A1E2AA}" type="presParOf" srcId="{CA7574C5-3280-4420-A730-D01DE6421E5F}" destId="{C3846A36-B9E6-4454-A8E0-3D7A704B8602}" srcOrd="2" destOrd="0" presId="urn:microsoft.com/office/officeart/2018/2/layout/IconVerticalSolidList"/>
+    <dgm:cxn modelId="{1A986736-BE37-4CB8-A8D2-00AA9EA28211}" type="presParOf" srcId="{CA7574C5-3280-4420-A730-D01DE6421E5F}" destId="{1824DDD1-ED0C-4966-BFAF-F554F4B6044C}" srcOrd="3" destOrd="0" presId="urn:microsoft.com/office/officeart/2018/2/layout/IconVerticalSolidList"/>
+  </dgm:cxnLst>
+  <dgm:bg/>
+  <dgm:whole/>
+  <dgm:extLst>
+    <a:ext uri="http://schemas.microsoft.com/office/drawing/2008/diagram">
+      <dsp:dataModelExt xmlns:dsp="http://schemas.microsoft.com/office/drawing/2008/diagram" relId="rId6" minVer="http://schemas.openxmlformats.org/drawingml/2006/diagram"/>
     </a:ext>
   </dgm:extLst>
 </dgm:dataModel>
@@ -1690,6 +2780,471 @@
 </dsp:drawing>
 </file>
 
+<file path=ppt/diagrams/drawing2.xml><?xml version="1.0" encoding="utf-8"?>
+<dsp:drawing xmlns:dgm="http://schemas.openxmlformats.org/drawingml/2006/diagram" xmlns:dsp="http://schemas.microsoft.com/office/drawing/2008/diagram" xmlns:a="http://schemas.openxmlformats.org/drawingml/2006/main">
+  <dsp:spTree>
+    <dsp:nvGrpSpPr>
+      <dsp:cNvPr id="0" name=""/>
+      <dsp:cNvGrpSpPr/>
+    </dsp:nvGrpSpPr>
+    <dsp:grpSpPr/>
+    <dsp:sp modelId="{77827A21-42E1-4A58-AEDE-FBC168EBCA3B}">
+      <dsp:nvSpPr>
+        <dsp:cNvPr id="0" name=""/>
+        <dsp:cNvSpPr/>
+      </dsp:nvSpPr>
+      <dsp:spPr>
+        <a:xfrm>
+          <a:off x="0" y="449"/>
+          <a:ext cx="11029950" cy="1050668"/>
+        </a:xfrm>
+        <a:prstGeom prst="roundRect">
+          <a:avLst>
+            <a:gd name="adj" fmla="val 10000"/>
+          </a:avLst>
+        </a:prstGeom>
+        <a:solidFill>
+          <a:schemeClr val="bg1">
+            <a:lumMod val="95000"/>
+            <a:hueOff val="0"/>
+            <a:satOff val="0"/>
+            <a:lumOff val="0"/>
+            <a:alphaOff val="0"/>
+          </a:schemeClr>
+        </a:solidFill>
+        <a:ln>
+          <a:noFill/>
+        </a:ln>
+        <a:effectLst/>
+      </dsp:spPr>
+      <dsp:style>
+        <a:lnRef idx="0">
+          <a:scrgbClr r="0" g="0" b="0"/>
+        </a:lnRef>
+        <a:fillRef idx="1">
+          <a:scrgbClr r="0" g="0" b="0"/>
+        </a:fillRef>
+        <a:effectRef idx="0">
+          <a:scrgbClr r="0" g="0" b="0"/>
+        </a:effectRef>
+        <a:fontRef idx="minor"/>
+      </dsp:style>
+    </dsp:sp>
+    <dsp:sp modelId="{7A8E55B7-2F46-4BDC-94F4-1B2E30520A5A}">
+      <dsp:nvSpPr>
+        <dsp:cNvPr id="0" name=""/>
+        <dsp:cNvSpPr/>
+      </dsp:nvSpPr>
+      <dsp:spPr>
+        <a:xfrm>
+          <a:off x="317827" y="236849"/>
+          <a:ext cx="577867" cy="577867"/>
+        </a:xfrm>
+        <a:prstGeom prst="rect">
+          <a:avLst/>
+        </a:prstGeom>
+        <a:blipFill>
+          <a:blip xmlns:r="http://schemas.openxmlformats.org/officeDocument/2006/relationships" r:embed="rId1">
+            <a:extLst>
+              <a:ext uri="{28A0092B-C50C-407E-A947-70E740481C1C}">
+                <a14:useLocalDpi xmlns:a14="http://schemas.microsoft.com/office/drawing/2010/main" val="0"/>
+              </a:ext>
+              <a:ext uri="{96DAC541-7B7A-43D3-8B79-37D633B846F1}">
+                <asvg:svgBlip xmlns:asvg="http://schemas.microsoft.com/office/drawing/2016/SVG/main" r:embed="rId2"/>
+              </a:ext>
+            </a:extLst>
+          </a:blip>
+          <a:stretch>
+            <a:fillRect/>
+          </a:stretch>
+        </a:blipFill>
+        <a:ln w="22225" cap="rnd" cmpd="sng" algn="ctr">
+          <a:noFill/>
+          <a:prstDash val="solid"/>
+        </a:ln>
+        <a:effectLst/>
+      </dsp:spPr>
+      <dsp:style>
+        <a:lnRef idx="2">
+          <a:scrgbClr r="0" g="0" b="0"/>
+        </a:lnRef>
+        <a:fillRef idx="1">
+          <a:scrgbClr r="0" g="0" b="0"/>
+        </a:fillRef>
+        <a:effectRef idx="0">
+          <a:scrgbClr r="0" g="0" b="0"/>
+        </a:effectRef>
+        <a:fontRef idx="minor">
+          <a:schemeClr val="lt1"/>
+        </a:fontRef>
+      </dsp:style>
+    </dsp:sp>
+    <dsp:sp modelId="{7F0C6715-3EAC-4B05-974E-C493D1EA4B1B}">
+      <dsp:nvSpPr>
+        <dsp:cNvPr id="0" name=""/>
+        <dsp:cNvSpPr/>
+      </dsp:nvSpPr>
+      <dsp:spPr>
+        <a:xfrm>
+          <a:off x="1213522" y="449"/>
+          <a:ext cx="9816427" cy="1050668"/>
+        </a:xfrm>
+        <a:prstGeom prst="rect">
+          <a:avLst/>
+        </a:prstGeom>
+        <a:noFill/>
+        <a:ln>
+          <a:noFill/>
+        </a:ln>
+        <a:effectLst/>
+      </dsp:spPr>
+      <dsp:style>
+        <a:lnRef idx="0">
+          <a:scrgbClr r="0" g="0" b="0"/>
+        </a:lnRef>
+        <a:fillRef idx="0">
+          <a:scrgbClr r="0" g="0" b="0"/>
+        </a:fillRef>
+        <a:effectRef idx="0">
+          <a:scrgbClr r="0" g="0" b="0"/>
+        </a:effectRef>
+        <a:fontRef idx="minor"/>
+      </dsp:style>
+      <dsp:txBody>
+        <a:bodyPr spcFirstLastPara="0" vert="horz" wrap="square" lIns="111196" tIns="111196" rIns="111196" bIns="111196" numCol="1" spcCol="1270" anchor="ctr" anchorCtr="0">
+          <a:noAutofit/>
+        </a:bodyPr>
+        <a:lstStyle/>
+        <a:p>
+          <a:pPr marL="0" lvl="0" indent="0" algn="l" defTabSz="1111250">
+            <a:lnSpc>
+              <a:spcPct val="100000"/>
+            </a:lnSpc>
+            <a:spcBef>
+              <a:spcPct val="0"/>
+            </a:spcBef>
+            <a:spcAft>
+              <a:spcPct val="35000"/>
+            </a:spcAft>
+            <a:buNone/>
+          </a:pPr>
+          <a:r>
+            <a:rPr lang="en-US" sz="2500" kern="1200" dirty="0"/>
+            <a:t>NMAP OS Detection Engine (Very noisy and relies upon probability/guesswork)</a:t>
+          </a:r>
+        </a:p>
+      </dsp:txBody>
+      <dsp:txXfrm>
+        <a:off x="1213522" y="449"/>
+        <a:ext cx="9816427" cy="1050668"/>
+      </dsp:txXfrm>
+    </dsp:sp>
+    <dsp:sp modelId="{572710C8-F92B-49BE-9269-738AE389E7B6}">
+      <dsp:nvSpPr>
+        <dsp:cNvPr id="0" name=""/>
+        <dsp:cNvSpPr/>
+      </dsp:nvSpPr>
+      <dsp:spPr>
+        <a:xfrm>
+          <a:off x="0" y="1313784"/>
+          <a:ext cx="11029950" cy="1050668"/>
+        </a:xfrm>
+        <a:prstGeom prst="roundRect">
+          <a:avLst>
+            <a:gd name="adj" fmla="val 10000"/>
+          </a:avLst>
+        </a:prstGeom>
+        <a:solidFill>
+          <a:schemeClr val="bg1">
+            <a:lumMod val="95000"/>
+            <a:hueOff val="0"/>
+            <a:satOff val="0"/>
+            <a:lumOff val="0"/>
+            <a:alphaOff val="0"/>
+          </a:schemeClr>
+        </a:solidFill>
+        <a:ln>
+          <a:noFill/>
+        </a:ln>
+        <a:effectLst/>
+      </dsp:spPr>
+      <dsp:style>
+        <a:lnRef idx="0">
+          <a:scrgbClr r="0" g="0" b="0"/>
+        </a:lnRef>
+        <a:fillRef idx="1">
+          <a:scrgbClr r="0" g="0" b="0"/>
+        </a:fillRef>
+        <a:effectRef idx="0">
+          <a:scrgbClr r="0" g="0" b="0"/>
+        </a:effectRef>
+        <a:fontRef idx="minor"/>
+      </dsp:style>
+    </dsp:sp>
+    <dsp:sp modelId="{7A933036-665C-47C0-9436-4372F9420C97}">
+      <dsp:nvSpPr>
+        <dsp:cNvPr id="0" name=""/>
+        <dsp:cNvSpPr/>
+      </dsp:nvSpPr>
+      <dsp:spPr>
+        <a:xfrm>
+          <a:off x="317827" y="1550185"/>
+          <a:ext cx="577867" cy="577867"/>
+        </a:xfrm>
+        <a:prstGeom prst="rect">
+          <a:avLst/>
+        </a:prstGeom>
+        <a:blipFill>
+          <a:blip xmlns:r="http://schemas.openxmlformats.org/officeDocument/2006/relationships" r:embed="rId3">
+            <a:extLst>
+              <a:ext uri="{28A0092B-C50C-407E-A947-70E740481C1C}">
+                <a14:useLocalDpi xmlns:a14="http://schemas.microsoft.com/office/drawing/2010/main" val="0"/>
+              </a:ext>
+              <a:ext uri="{96DAC541-7B7A-43D3-8B79-37D633B846F1}">
+                <asvg:svgBlip xmlns:asvg="http://schemas.microsoft.com/office/drawing/2016/SVG/main" r:embed="rId4"/>
+              </a:ext>
+            </a:extLst>
+          </a:blip>
+          <a:stretch>
+            <a:fillRect/>
+          </a:stretch>
+        </a:blipFill>
+        <a:ln w="22225" cap="rnd" cmpd="sng" algn="ctr">
+          <a:noFill/>
+          <a:prstDash val="solid"/>
+        </a:ln>
+        <a:effectLst/>
+      </dsp:spPr>
+      <dsp:style>
+        <a:lnRef idx="2">
+          <a:scrgbClr r="0" g="0" b="0"/>
+        </a:lnRef>
+        <a:fillRef idx="1">
+          <a:scrgbClr r="0" g="0" b="0"/>
+        </a:fillRef>
+        <a:effectRef idx="0">
+          <a:scrgbClr r="0" g="0" b="0"/>
+        </a:effectRef>
+        <a:fontRef idx="minor">
+          <a:schemeClr val="lt1"/>
+        </a:fontRef>
+      </dsp:style>
+    </dsp:sp>
+    <dsp:sp modelId="{382B83E6-236D-42DE-A9BA-D39F2E015777}">
+      <dsp:nvSpPr>
+        <dsp:cNvPr id="0" name=""/>
+        <dsp:cNvSpPr/>
+      </dsp:nvSpPr>
+      <dsp:spPr>
+        <a:xfrm>
+          <a:off x="1213522" y="1313784"/>
+          <a:ext cx="9816427" cy="1050668"/>
+        </a:xfrm>
+        <a:prstGeom prst="rect">
+          <a:avLst/>
+        </a:prstGeom>
+        <a:noFill/>
+        <a:ln>
+          <a:noFill/>
+        </a:ln>
+        <a:effectLst/>
+      </dsp:spPr>
+      <dsp:style>
+        <a:lnRef idx="0">
+          <a:scrgbClr r="0" g="0" b="0"/>
+        </a:lnRef>
+        <a:fillRef idx="0">
+          <a:scrgbClr r="0" g="0" b="0"/>
+        </a:fillRef>
+        <a:effectRef idx="0">
+          <a:scrgbClr r="0" g="0" b="0"/>
+        </a:effectRef>
+        <a:fontRef idx="minor"/>
+      </dsp:style>
+      <dsp:txBody>
+        <a:bodyPr spcFirstLastPara="0" vert="horz" wrap="square" lIns="111196" tIns="111196" rIns="111196" bIns="111196" numCol="1" spcCol="1270" anchor="ctr" anchorCtr="0">
+          <a:noAutofit/>
+        </a:bodyPr>
+        <a:lstStyle/>
+        <a:p>
+          <a:pPr marL="0" lvl="0" indent="0" algn="l" defTabSz="1111250">
+            <a:lnSpc>
+              <a:spcPct val="100000"/>
+            </a:lnSpc>
+            <a:spcBef>
+              <a:spcPct val="0"/>
+            </a:spcBef>
+            <a:spcAft>
+              <a:spcPct val="35000"/>
+            </a:spcAft>
+            <a:buNone/>
+          </a:pPr>
+          <a:r>
+            <a:rPr lang="en-US" sz="2500" kern="1200" dirty="0"/>
+            <a:t>p0f (Passive OS Detection Framework)</a:t>
+          </a:r>
+        </a:p>
+      </dsp:txBody>
+      <dsp:txXfrm>
+        <a:off x="1213522" y="1313784"/>
+        <a:ext cx="9816427" cy="1050668"/>
+      </dsp:txXfrm>
+    </dsp:sp>
+    <dsp:sp modelId="{0C2A112A-923D-4716-948E-19F8B2D42C12}">
+      <dsp:nvSpPr>
+        <dsp:cNvPr id="0" name=""/>
+        <dsp:cNvSpPr/>
+      </dsp:nvSpPr>
+      <dsp:spPr>
+        <a:xfrm>
+          <a:off x="0" y="2627120"/>
+          <a:ext cx="11029950" cy="1050668"/>
+        </a:xfrm>
+        <a:prstGeom prst="roundRect">
+          <a:avLst>
+            <a:gd name="adj" fmla="val 10000"/>
+          </a:avLst>
+        </a:prstGeom>
+        <a:solidFill>
+          <a:schemeClr val="bg1">
+            <a:lumMod val="95000"/>
+            <a:hueOff val="0"/>
+            <a:satOff val="0"/>
+            <a:lumOff val="0"/>
+            <a:alphaOff val="0"/>
+          </a:schemeClr>
+        </a:solidFill>
+        <a:ln>
+          <a:noFill/>
+        </a:ln>
+        <a:effectLst/>
+      </dsp:spPr>
+      <dsp:style>
+        <a:lnRef idx="0">
+          <a:scrgbClr r="0" g="0" b="0"/>
+        </a:lnRef>
+        <a:fillRef idx="1">
+          <a:scrgbClr r="0" g="0" b="0"/>
+        </a:fillRef>
+        <a:effectRef idx="0">
+          <a:scrgbClr r="0" g="0" b="0"/>
+        </a:effectRef>
+        <a:fontRef idx="minor"/>
+      </dsp:style>
+    </dsp:sp>
+    <dsp:sp modelId="{8DCFC0E8-0734-41DE-AAB6-63EDD573ED28}">
+      <dsp:nvSpPr>
+        <dsp:cNvPr id="0" name=""/>
+        <dsp:cNvSpPr/>
+      </dsp:nvSpPr>
+      <dsp:spPr>
+        <a:xfrm>
+          <a:off x="317827" y="2863520"/>
+          <a:ext cx="577867" cy="577867"/>
+        </a:xfrm>
+        <a:prstGeom prst="rect">
+          <a:avLst/>
+        </a:prstGeom>
+        <a:blipFill>
+          <a:blip xmlns:r="http://schemas.openxmlformats.org/officeDocument/2006/relationships" r:embed="rId5">
+            <a:extLst>
+              <a:ext uri="{28A0092B-C50C-407E-A947-70E740481C1C}">
+                <a14:useLocalDpi xmlns:a14="http://schemas.microsoft.com/office/drawing/2010/main" val="0"/>
+              </a:ext>
+              <a:ext uri="{96DAC541-7B7A-43D3-8B79-37D633B846F1}">
+                <asvg:svgBlip xmlns:asvg="http://schemas.microsoft.com/office/drawing/2016/SVG/main" r:embed="rId6"/>
+              </a:ext>
+            </a:extLst>
+          </a:blip>
+          <a:stretch>
+            <a:fillRect/>
+          </a:stretch>
+        </a:blipFill>
+        <a:ln w="22225" cap="rnd" cmpd="sng" algn="ctr">
+          <a:noFill/>
+          <a:prstDash val="solid"/>
+        </a:ln>
+        <a:effectLst/>
+      </dsp:spPr>
+      <dsp:style>
+        <a:lnRef idx="2">
+          <a:scrgbClr r="0" g="0" b="0"/>
+        </a:lnRef>
+        <a:fillRef idx="1">
+          <a:scrgbClr r="0" g="0" b="0"/>
+        </a:fillRef>
+        <a:effectRef idx="0">
+          <a:scrgbClr r="0" g="0" b="0"/>
+        </a:effectRef>
+        <a:fontRef idx="minor">
+          <a:schemeClr val="lt1"/>
+        </a:fontRef>
+      </dsp:style>
+    </dsp:sp>
+    <dsp:sp modelId="{1824DDD1-ED0C-4966-BFAF-F554F4B6044C}">
+      <dsp:nvSpPr>
+        <dsp:cNvPr id="0" name=""/>
+        <dsp:cNvSpPr/>
+      </dsp:nvSpPr>
+      <dsp:spPr>
+        <a:xfrm>
+          <a:off x="1213522" y="2627120"/>
+          <a:ext cx="9816427" cy="1050668"/>
+        </a:xfrm>
+        <a:prstGeom prst="rect">
+          <a:avLst/>
+        </a:prstGeom>
+        <a:noFill/>
+        <a:ln>
+          <a:noFill/>
+        </a:ln>
+        <a:effectLst/>
+      </dsp:spPr>
+      <dsp:style>
+        <a:lnRef idx="0">
+          <a:scrgbClr r="0" g="0" b="0"/>
+        </a:lnRef>
+        <a:fillRef idx="0">
+          <a:scrgbClr r="0" g="0" b="0"/>
+        </a:fillRef>
+        <a:effectRef idx="0">
+          <a:scrgbClr r="0" g="0" b="0"/>
+        </a:effectRef>
+        <a:fontRef idx="minor"/>
+      </dsp:style>
+      <dsp:txBody>
+        <a:bodyPr spcFirstLastPara="0" vert="horz" wrap="square" lIns="111196" tIns="111196" rIns="111196" bIns="111196" numCol="1" spcCol="1270" anchor="ctr" anchorCtr="0">
+          <a:noAutofit/>
+        </a:bodyPr>
+        <a:lstStyle/>
+        <a:p>
+          <a:pPr marL="0" lvl="0" indent="0" algn="l" defTabSz="1111250">
+            <a:lnSpc>
+              <a:spcPct val="100000"/>
+            </a:lnSpc>
+            <a:spcBef>
+              <a:spcPct val="0"/>
+            </a:spcBef>
+            <a:spcAft>
+              <a:spcPct val="35000"/>
+            </a:spcAft>
+            <a:buNone/>
+          </a:pPr>
+          <a:r>
+            <a:rPr lang="en-US" sz="2500" kern="1200" dirty="0"/>
+            <a:t>Cross-checking target service banners</a:t>
+          </a:r>
+        </a:p>
+      </dsp:txBody>
+      <dsp:txXfrm>
+        <a:off x="1213522" y="2627120"/>
+        <a:ext cx="9816427" cy="1050668"/>
+      </dsp:txXfrm>
+    </dsp:sp>
+  </dsp:spTree>
+</dsp:drawing>
+</file>
+
 <file path=ppt/diagrams/layout1.xml><?xml version="1.0" encoding="utf-8"?>
 <dgm:layoutDef xmlns:dgm="http://schemas.openxmlformats.org/drawingml/2006/diagram" xmlns:a="http://schemas.openxmlformats.org/drawingml/2006/main" uniqueId="urn:microsoft.com/office/officeart/2018/5/layout/IconCircleLabelList">
   <dgm:title val="Icon Circle Label List"/>
@@ -1905,7 +3460,1335 @@
 </dgm:layoutDef>
 </file>
 
+<file path=ppt/diagrams/layout2.xml><?xml version="1.0" encoding="utf-8"?>
+<dgm:layoutDef xmlns:dgm="http://schemas.openxmlformats.org/drawingml/2006/diagram" xmlns:a="http://schemas.openxmlformats.org/drawingml/2006/main" uniqueId="urn:microsoft.com/office/officeart/2018/2/layout/IconVerticalSolidList">
+  <dgm:title val="Icon Vertical Solid List"/>
+  <dgm:desc val="Use to show a series of visuals from top to bottom with Level 1 or Level 1 and Level 2 text grouped in a shape. Works best with icons or small pictures with lengthier descriptions."/>
+  <dgm:catLst>
+    <dgm:cat type="icon" pri="500"/>
+  </dgm:catLst>
+  <dgm:sampData useDef="1">
+    <dgm:dataModel>
+      <dgm:ptLst/>
+      <dgm:bg/>
+      <dgm:whole/>
+    </dgm:dataModel>
+  </dgm:sampData>
+  <dgm:styleData useDef="1">
+    <dgm:dataModel>
+      <dgm:ptLst/>
+      <dgm:bg/>
+      <dgm:whole/>
+    </dgm:dataModel>
+  </dgm:styleData>
+  <dgm:clrData useDef="1">
+    <dgm:dataModel>
+      <dgm:ptLst/>
+      <dgm:bg/>
+      <dgm:whole/>
+    </dgm:dataModel>
+  </dgm:clrData>
+  <dgm:layoutNode name="root">
+    <dgm:varLst>
+      <dgm:dir/>
+      <dgm:resizeHandles val="exact"/>
+    </dgm:varLst>
+    <dgm:choose name="Name0">
+      <dgm:if name="Name1" axis="self" func="var" arg="dir" op="equ" val="norm">
+        <dgm:alg type="lin">
+          <dgm:param type="linDir" val="fromT"/>
+          <dgm:param type="nodeHorzAlign" val="l"/>
+        </dgm:alg>
+      </dgm:if>
+      <dgm:else name="Name2">
+        <dgm:alg type="lin">
+          <dgm:param type="linDir" val="fromT"/>
+          <dgm:param type="nodeHorzAlign" val="r"/>
+        </dgm:alg>
+      </dgm:else>
+    </dgm:choose>
+    <dgm:shape xmlns:r="http://schemas.openxmlformats.org/officeDocument/2006/relationships" r:blip="">
+      <dgm:adjLst/>
+    </dgm:shape>
+    <dgm:presOf/>
+    <dgm:choose name="Name3">
+      <dgm:if name="Name4" axis="ch" ptType="node" func="cnt" op="lte" val="3">
+        <dgm:constrLst>
+          <dgm:constr type="h" for="ch" forName="compNode" refType="h" fact="0.3"/>
+          <dgm:constr type="w" for="ch" forName="compNode" refType="w"/>
+          <dgm:constr type="h" for="ch" forName="sibTrans" refType="h" refFor="ch" refForName="compNode" fact="0.25"/>
+          <dgm:constr type="primFontSz" for="des" forName="parTx" val="25"/>
+          <dgm:constr type="primFontSz" for="des" forName="desTx" refType="primFontSz" refFor="des" refForName="parTx" op="lte" fact="0.75"/>
+          <dgm:constr type="h" for="des" forName="compNode" op="equ"/>
+          <dgm:constr type="h" for="des" forName="bgRect" op="equ"/>
+          <dgm:constr type="h" for="des" forName="iconRect" op="equ"/>
+          <dgm:constr type="w" for="des" forName="iconRect" op="equ"/>
+          <dgm:constr type="h" for="des" forName="spaceRect" op="equ"/>
+          <dgm:constr type="h" for="des" forName="parTx" op="equ"/>
+          <dgm:constr type="h" for="des" forName="desTx" op="equ"/>
+        </dgm:constrLst>
+      </dgm:if>
+      <dgm:if name="Name5" axis="ch" ptType="node" func="cnt" op="lte" val="4">
+        <dgm:constrLst>
+          <dgm:constr type="h" for="ch" forName="compNode" refType="h" fact="0.3"/>
+          <dgm:constr type="w" for="ch" forName="compNode" refType="w"/>
+          <dgm:constr type="h" for="ch" forName="sibTrans" refType="h" refFor="ch" refForName="compNode" fact="0.25"/>
+          <dgm:constr type="primFontSz" for="des" forName="parTx" val="22"/>
+          <dgm:constr type="primFontSz" for="des" forName="desTx" refType="primFontSz" refFor="des" refForName="parTx" op="lte" fact="0.75"/>
+          <dgm:constr type="h" for="des" forName="compNode" op="equ"/>
+          <dgm:constr type="h" for="des" forName="bgRect" op="equ"/>
+          <dgm:constr type="h" for="des" forName="iconRect" op="equ"/>
+          <dgm:constr type="w" for="des" forName="iconRect" op="equ"/>
+          <dgm:constr type="h" for="des" forName="spaceRect" op="equ"/>
+          <dgm:constr type="h" for="des" forName="parTx" op="equ"/>
+          <dgm:constr type="h" for="des" forName="desTx" op="equ"/>
+        </dgm:constrLst>
+      </dgm:if>
+      <dgm:if name="Name6" axis="ch" ptType="node" func="cnt" op="lte" val="6">
+        <dgm:constrLst>
+          <dgm:constr type="h" for="ch" forName="compNode" refType="h" fact="0.3"/>
+          <dgm:constr type="w" for="ch" forName="compNode" refType="w"/>
+          <dgm:constr type="h" for="ch" forName="sibTrans" refType="h" refFor="ch" refForName="compNode" fact="0.25"/>
+          <dgm:constr type="primFontSz" for="des" forName="parTx" val="19"/>
+          <dgm:constr type="primFontSz" for="des" forName="desTx" refType="primFontSz" refFor="des" refForName="parTx" op="lte" fact="0.75"/>
+          <dgm:constr type="h" for="des" forName="compNode" op="equ"/>
+          <dgm:constr type="h" for="des" forName="bgRect" op="equ"/>
+          <dgm:constr type="h" for="des" forName="iconRect" op="equ"/>
+          <dgm:constr type="w" for="des" forName="iconRect" op="equ"/>
+          <dgm:constr type="h" for="des" forName="spaceRect" op="equ"/>
+          <dgm:constr type="h" for="des" forName="parTx" op="equ"/>
+          <dgm:constr type="h" for="des" forName="desTx" op="equ"/>
+        </dgm:constrLst>
+      </dgm:if>
+      <dgm:else name="Name7">
+        <dgm:constrLst>
+          <dgm:constr type="h" for="ch" forName="compNode" refType="h" fact="0.3"/>
+          <dgm:constr type="w" for="ch" forName="compNode" refType="w"/>
+          <dgm:constr type="h" for="ch" forName="sibTrans" refType="h" refFor="ch" refForName="compNode" fact="0.25"/>
+          <dgm:constr type="primFontSz" for="des" forName="parTx" val="16"/>
+          <dgm:constr type="primFontSz" for="des" forName="desTx" refType="primFontSz" refFor="des" refForName="parTx" op="lte" fact="0.75"/>
+          <dgm:constr type="h" for="des" forName="compNode" op="equ"/>
+          <dgm:constr type="h" for="des" forName="bgRect" op="equ"/>
+          <dgm:constr type="h" for="des" forName="iconRect" op="equ"/>
+          <dgm:constr type="w" for="des" forName="iconRect" op="equ"/>
+          <dgm:constr type="h" for="des" forName="spaceRect" op="equ"/>
+          <dgm:constr type="h" for="des" forName="parTx" op="equ"/>
+          <dgm:constr type="h" for="des" forName="desTx" op="equ"/>
+        </dgm:constrLst>
+      </dgm:else>
+    </dgm:choose>
+    <dgm:ruleLst>
+      <dgm:rule type="h" for="ch" forName="compNode" val="0" fact="NaN" max="NaN"/>
+    </dgm:ruleLst>
+    <dgm:forEach name="Name8" axis="ch" ptType="node">
+      <dgm:layoutNode name="compNode">
+        <dgm:alg type="composite"/>
+        <dgm:shape xmlns:r="http://schemas.openxmlformats.org/officeDocument/2006/relationships" r:blip="">
+          <dgm:adjLst/>
+        </dgm:shape>
+        <dgm:presOf axis="self"/>
+        <dgm:choose name="Name9">
+          <dgm:if name="Name10" axis="ch" ptType="node" func="cnt" op="gte" val="1">
+            <dgm:constrLst>
+              <dgm:constr type="w" for="ch" forName="bgRect" refType="w"/>
+              <dgm:constr type="h" for="ch" forName="bgRect" refType="h"/>
+              <dgm:constr type="l" for="ch" forName="bgRect"/>
+              <dgm:constr type="t" for="ch" forName="bgRect"/>
+              <dgm:constr type="h" for="ch" forName="iconRect" refType="h" fact="0.55"/>
+              <dgm:constr type="w" for="ch" forName="iconRect" refType="h" refFor="ch" refForName="iconRect"/>
+              <dgm:constr type="l" for="ch" forName="iconRect" refType="h" refFor="ch" refForName="iconRect" fact="0.55"/>
+              <dgm:constr type="ctrY" for="ch" forName="iconRect" refType="ctrY" refFor="ch" refForName="bgRect"/>
+              <dgm:constr type="w" for="ch" forName="spaceRect" refType="l" refFor="ch" refForName="iconRect"/>
+              <dgm:constr type="h" for="ch" forName="spaceRect" refType="h"/>
+              <dgm:constr type="l" for="ch" forName="spaceRect" refType="r" refFor="ch" refForName="iconRect"/>
+              <dgm:constr type="t" for="ch" forName="spaceRect"/>
+              <dgm:constr type="w" for="ch" forName="parTx" refType="w" fact="0.45"/>
+              <dgm:constr type="h" for="ch" forName="parTx" refType="h"/>
+              <dgm:constr type="l" for="ch" forName="parTx" refType="r" refFor="ch" refForName="spaceRect"/>
+              <dgm:constr type="t" for="ch" forName="parTx"/>
+              <dgm:constr type="h" for="ch" forName="desTx" refType="h"/>
+              <dgm:constr type="l" for="ch" forName="desTx" refType="r" refFor="ch" refForName="parTx"/>
+              <dgm:constr type="t" for="ch" forName="desTx"/>
+            </dgm:constrLst>
+          </dgm:if>
+          <dgm:else name="Name11">
+            <dgm:constrLst>
+              <dgm:constr type="w" for="ch" forName="bgRect" refType="w"/>
+              <dgm:constr type="h" for="ch" forName="bgRect" refType="h"/>
+              <dgm:constr type="l" for="ch" forName="bgRect"/>
+              <dgm:constr type="t" for="ch" forName="bgRect"/>
+              <dgm:constr type="h" for="ch" forName="iconRect" refType="h" fact="0.55"/>
+              <dgm:constr type="w" for="ch" forName="iconRect" refType="h" refFor="ch" refForName="iconRect"/>
+              <dgm:constr type="l" for="ch" forName="iconRect" refType="h" refFor="ch" refForName="iconRect" fact="0.55"/>
+              <dgm:constr type="ctrY" for="ch" forName="iconRect" refType="ctrY" refFor="ch" refForName="bgRect"/>
+              <dgm:constr type="w" for="ch" forName="spaceRect" refType="l" refFor="ch" refForName="iconRect"/>
+              <dgm:constr type="h" for="ch" forName="spaceRect" refType="h"/>
+              <dgm:constr type="l" for="ch" forName="spaceRect" refType="r" refFor="ch" refForName="iconRect"/>
+              <dgm:constr type="t" for="ch" forName="spaceRect"/>
+              <dgm:constr type="h" for="ch" forName="parTx" refType="h"/>
+              <dgm:constr type="l" for="ch" forName="parTx" refType="r" refFor="ch" refForName="spaceRect"/>
+              <dgm:constr type="t" for="ch" forName="parTx"/>
+            </dgm:constrLst>
+          </dgm:else>
+        </dgm:choose>
+        <dgm:ruleLst>
+          <dgm:rule type="h" val="INF" fact="NaN" max="NaN"/>
+        </dgm:ruleLst>
+        <dgm:layoutNode name="bgRect" styleLbl="bgShp">
+          <dgm:alg type="sp"/>
+          <dgm:shape xmlns:r="http://schemas.openxmlformats.org/officeDocument/2006/relationships" type="roundRect" r:blip="">
+            <dgm:adjLst>
+              <dgm:adj idx="1" val="0.1"/>
+            </dgm:adjLst>
+          </dgm:shape>
+          <dgm:presOf/>
+          <dgm:constrLst/>
+          <dgm:ruleLst/>
+        </dgm:layoutNode>
+        <dgm:layoutNode name="iconRect" styleLbl="node1">
+          <dgm:alg type="sp"/>
+          <dgm:shape xmlns:r="http://schemas.openxmlformats.org/officeDocument/2006/relationships" type="rect" r:blip="" blipPhldr="1">
+            <dgm:adjLst/>
+          </dgm:shape>
+          <dgm:presOf/>
+          <dgm:constrLst/>
+          <dgm:ruleLst/>
+        </dgm:layoutNode>
+        <dgm:layoutNode name="spaceRect">
+          <dgm:alg type="sp"/>
+          <dgm:shape xmlns:r="http://schemas.openxmlformats.org/officeDocument/2006/relationships" r:blip="">
+            <dgm:adjLst/>
+          </dgm:shape>
+          <dgm:presOf/>
+          <dgm:constrLst/>
+          <dgm:ruleLst/>
+        </dgm:layoutNode>
+        <dgm:layoutNode name="parTx" styleLbl="revTx">
+          <dgm:varLst>
+            <dgm:chMax val="0"/>
+            <dgm:chPref val="0"/>
+          </dgm:varLst>
+          <dgm:alg type="tx">
+            <dgm:param type="txAnchorVert" val="mid"/>
+            <dgm:param type="parTxLTRAlign" val="l"/>
+            <dgm:param type="shpTxLTRAlignCh" val="l"/>
+            <dgm:param type="parTxRTLAlign" val="r"/>
+            <dgm:param type="shpTxRTLAlignCh" val="r"/>
+          </dgm:alg>
+          <dgm:shape xmlns:r="http://schemas.openxmlformats.org/officeDocument/2006/relationships" type="rect" r:blip="">
+            <dgm:adjLst/>
+          </dgm:shape>
+          <dgm:presOf axis="self" ptType="node"/>
+          <dgm:constrLst>
+            <dgm:constr type="lMarg" refType="h" fact="0.3"/>
+            <dgm:constr type="rMarg" refType="h" fact="0.3"/>
+            <dgm:constr type="tMarg" refType="h" fact="0.3"/>
+            <dgm:constr type="bMarg" refType="h" fact="0.3"/>
+          </dgm:constrLst>
+          <dgm:ruleLst>
+            <dgm:rule type="primFontSz" val="14" fact="NaN" max="NaN"/>
+            <dgm:rule type="h" val="INF" fact="NaN" max="NaN"/>
+          </dgm:ruleLst>
+        </dgm:layoutNode>
+        <dgm:choose name="Name12">
+          <dgm:if name="Name13" axis="ch" ptType="node" func="cnt" op="gte" val="1">
+            <dgm:layoutNode name="desTx" styleLbl="revTx">
+              <dgm:varLst/>
+              <dgm:alg type="tx">
+                <dgm:param type="txAnchorVertCh" val="mid"/>
+                <dgm:param type="parTxLTRAlign" val="l"/>
+                <dgm:param type="shpTxLTRAlignCh" val="l"/>
+                <dgm:param type="parTxRTLAlign" val="r"/>
+                <dgm:param type="shpTxRTLAlignCh" val="r"/>
+                <dgm:param type="stBulletLvl" val="0"/>
+              </dgm:alg>
+              <dgm:shape xmlns:r="http://schemas.openxmlformats.org/officeDocument/2006/relationships" type="rect" r:blip="">
+                <dgm:adjLst/>
+              </dgm:shape>
+              <dgm:presOf axis="des" ptType="node"/>
+              <dgm:constrLst>
+                <dgm:constr type="primFontSz" val="18"/>
+                <dgm:constr type="secFontSz" refType="primFontSz"/>
+                <dgm:constr type="lMarg" refType="h" fact="0.3"/>
+                <dgm:constr type="rMarg" refType="h" fact="0.3"/>
+                <dgm:constr type="tMarg" refType="h" fact="0.3"/>
+                <dgm:constr type="bMarg" refType="h" fact="0.3"/>
+              </dgm:constrLst>
+              <dgm:ruleLst>
+                <dgm:rule type="primFontSz" val="11" fact="NaN" max="NaN"/>
+              </dgm:ruleLst>
+            </dgm:layoutNode>
+          </dgm:if>
+          <dgm:else name="Name14"/>
+        </dgm:choose>
+      </dgm:layoutNode>
+      <dgm:forEach name="Name15" axis="followSib" ptType="sibTrans" cnt="1">
+        <dgm:layoutNode name="sibTrans">
+          <dgm:alg type="sp"/>
+          <dgm:shape xmlns:r="http://schemas.openxmlformats.org/officeDocument/2006/relationships" r:blip="">
+            <dgm:adjLst/>
+          </dgm:shape>
+          <dgm:presOf axis="self"/>
+          <dgm:constrLst/>
+          <dgm:ruleLst/>
+        </dgm:layoutNode>
+      </dgm:forEach>
+    </dgm:forEach>
+  </dgm:layoutNode>
+  <dgm:extLst>
+    <a:ext uri="{68A01E43-0DF5-4B5B-8FA6-DAF915123BFB}">
+      <dgm1612:lstStyle xmlns:dgm1612="http://schemas.microsoft.com/office/drawing/2016/12/diagram">
+        <a:lvl1pPr>
+          <a:lnSpc>
+            <a:spcPct val="100000"/>
+          </a:lnSpc>
+        </a:lvl1pPr>
+        <a:lvl2pPr>
+          <a:lnSpc>
+            <a:spcPct val="100000"/>
+          </a:lnSpc>
+        </a:lvl2pPr>
+      </dgm1612:lstStyle>
+    </a:ext>
+  </dgm:extLst>
+</dgm:layoutDef>
+</file>
+
 <file path=ppt/diagrams/quickStyle1.xml><?xml version="1.0" encoding="utf-8"?>
+<dgm:styleDef xmlns:dgm="http://schemas.openxmlformats.org/drawingml/2006/diagram" xmlns:a="http://schemas.openxmlformats.org/drawingml/2006/main" uniqueId="urn:microsoft.com/office/officeart/2005/8/quickstyle/simple1">
+  <dgm:title val=""/>
+  <dgm:desc val=""/>
+  <dgm:catLst>
+    <dgm:cat type="simple" pri="10100"/>
+  </dgm:catLst>
+  <dgm:scene3d>
+    <a:camera prst="orthographicFront"/>
+    <a:lightRig rig="threePt" dir="t"/>
+  </dgm:scene3d>
+  <dgm:styleLbl name="node0">
+    <dgm:scene3d>
+      <a:camera prst="orthographicFront"/>
+      <a:lightRig rig="threePt" dir="t"/>
+    </dgm:scene3d>
+    <dgm:sp3d/>
+    <dgm:txPr/>
+    <dgm:style>
+      <a:lnRef idx="2">
+        <a:scrgbClr r="0" g="0" b="0"/>
+      </a:lnRef>
+      <a:fillRef idx="1">
+        <a:scrgbClr r="0" g="0" b="0"/>
+      </a:fillRef>
+      <a:effectRef idx="0">
+        <a:scrgbClr r="0" g="0" b="0"/>
+      </a:effectRef>
+      <a:fontRef idx="minor">
+        <a:schemeClr val="lt1"/>
+      </a:fontRef>
+    </dgm:style>
+  </dgm:styleLbl>
+  <dgm:styleLbl name="lnNode1">
+    <dgm:scene3d>
+      <a:camera prst="orthographicFront"/>
+      <a:lightRig rig="threePt" dir="t"/>
+    </dgm:scene3d>
+    <dgm:sp3d/>
+    <dgm:txPr/>
+    <dgm:style>
+      <a:lnRef idx="2">
+        <a:scrgbClr r="0" g="0" b="0"/>
+      </a:lnRef>
+      <a:fillRef idx="1">
+        <a:scrgbClr r="0" g="0" b="0"/>
+      </a:fillRef>
+      <a:effectRef idx="0">
+        <a:scrgbClr r="0" g="0" b="0"/>
+      </a:effectRef>
+      <a:fontRef idx="minor">
+        <a:schemeClr val="lt1"/>
+      </a:fontRef>
+    </dgm:style>
+  </dgm:styleLbl>
+  <dgm:styleLbl name="vennNode1">
+    <dgm:scene3d>
+      <a:camera prst="orthographicFront"/>
+      <a:lightRig rig="threePt" dir="t"/>
+    </dgm:scene3d>
+    <dgm:sp3d/>
+    <dgm:txPr/>
+    <dgm:style>
+      <a:lnRef idx="2">
+        <a:scrgbClr r="0" g="0" b="0"/>
+      </a:lnRef>
+      <a:fillRef idx="1">
+        <a:scrgbClr r="0" g="0" b="0"/>
+      </a:fillRef>
+      <a:effectRef idx="0">
+        <a:scrgbClr r="0" g="0" b="0"/>
+      </a:effectRef>
+      <a:fontRef idx="minor">
+        <a:schemeClr val="tx1"/>
+      </a:fontRef>
+    </dgm:style>
+  </dgm:styleLbl>
+  <dgm:styleLbl name="alignNode1">
+    <dgm:scene3d>
+      <a:camera prst="orthographicFront"/>
+      <a:lightRig rig="threePt" dir="t"/>
+    </dgm:scene3d>
+    <dgm:sp3d/>
+    <dgm:txPr/>
+    <dgm:style>
+      <a:lnRef idx="2">
+        <a:scrgbClr r="0" g="0" b="0"/>
+      </a:lnRef>
+      <a:fillRef idx="1">
+        <a:scrgbClr r="0" g="0" b="0"/>
+      </a:fillRef>
+      <a:effectRef idx="0">
+        <a:scrgbClr r="0" g="0" b="0"/>
+      </a:effectRef>
+      <a:fontRef idx="minor">
+        <a:schemeClr val="lt1"/>
+      </a:fontRef>
+    </dgm:style>
+  </dgm:styleLbl>
+  <dgm:styleLbl name="node1">
+    <dgm:scene3d>
+      <a:camera prst="orthographicFront"/>
+      <a:lightRig rig="threePt" dir="t"/>
+    </dgm:scene3d>
+    <dgm:sp3d/>
+    <dgm:txPr/>
+    <dgm:style>
+      <a:lnRef idx="2">
+        <a:scrgbClr r="0" g="0" b="0"/>
+      </a:lnRef>
+      <a:fillRef idx="1">
+        <a:scrgbClr r="0" g="0" b="0"/>
+      </a:fillRef>
+      <a:effectRef idx="0">
+        <a:scrgbClr r="0" g="0" b="0"/>
+      </a:effectRef>
+      <a:fontRef idx="minor">
+        <a:schemeClr val="lt1"/>
+      </a:fontRef>
+    </dgm:style>
+  </dgm:styleLbl>
+  <dgm:styleLbl name="node2">
+    <dgm:scene3d>
+      <a:camera prst="orthographicFront"/>
+      <a:lightRig rig="threePt" dir="t"/>
+    </dgm:scene3d>
+    <dgm:sp3d/>
+    <dgm:txPr/>
+    <dgm:style>
+      <a:lnRef idx="2">
+        <a:scrgbClr r="0" g="0" b="0"/>
+      </a:lnRef>
+      <a:fillRef idx="1">
+        <a:scrgbClr r="0" g="0" b="0"/>
+      </a:fillRef>
+      <a:effectRef idx="0">
+        <a:scrgbClr r="0" g="0" b="0"/>
+      </a:effectRef>
+      <a:fontRef idx="minor">
+        <a:schemeClr val="lt1"/>
+      </a:fontRef>
+    </dgm:style>
+  </dgm:styleLbl>
+  <dgm:styleLbl name="node3">
+    <dgm:scene3d>
+      <a:camera prst="orthographicFront"/>
+      <a:lightRig rig="threePt" dir="t"/>
+    </dgm:scene3d>
+    <dgm:sp3d/>
+    <dgm:txPr/>
+    <dgm:style>
+      <a:lnRef idx="2">
+        <a:scrgbClr r="0" g="0" b="0"/>
+      </a:lnRef>
+      <a:fillRef idx="1">
+        <a:scrgbClr r="0" g="0" b="0"/>
+      </a:fillRef>
+      <a:effectRef idx="0">
+        <a:scrgbClr r="0" g="0" b="0"/>
+      </a:effectRef>
+      <a:fontRef idx="minor">
+        <a:schemeClr val="lt1"/>
+      </a:fontRef>
+    </dgm:style>
+  </dgm:styleLbl>
+  <dgm:styleLbl name="node4">
+    <dgm:scene3d>
+      <a:camera prst="orthographicFront"/>
+      <a:lightRig rig="threePt" dir="t"/>
+    </dgm:scene3d>
+    <dgm:sp3d/>
+    <dgm:txPr/>
+    <dgm:style>
+      <a:lnRef idx="2">
+        <a:scrgbClr r="0" g="0" b="0"/>
+      </a:lnRef>
+      <a:fillRef idx="1">
+        <a:scrgbClr r="0" g="0" b="0"/>
+      </a:fillRef>
+      <a:effectRef idx="0">
+        <a:scrgbClr r="0" g="0" b="0"/>
+      </a:effectRef>
+      <a:fontRef idx="minor">
+        <a:schemeClr val="lt1"/>
+      </a:fontRef>
+    </dgm:style>
+  </dgm:styleLbl>
+  <dgm:styleLbl name="fgImgPlace1">
+    <dgm:scene3d>
+      <a:camera prst="orthographicFront"/>
+      <a:lightRig rig="threePt" dir="t"/>
+    </dgm:scene3d>
+    <dgm:sp3d/>
+    <dgm:txPr/>
+    <dgm:style>
+      <a:lnRef idx="2">
+        <a:scrgbClr r="0" g="0" b="0"/>
+      </a:lnRef>
+      <a:fillRef idx="1">
+        <a:scrgbClr r="0" g="0" b="0"/>
+      </a:fillRef>
+      <a:effectRef idx="0">
+        <a:scrgbClr r="0" g="0" b="0"/>
+      </a:effectRef>
+      <a:fontRef idx="minor"/>
+    </dgm:style>
+  </dgm:styleLbl>
+  <dgm:styleLbl name="alignImgPlace1">
+    <dgm:scene3d>
+      <a:camera prst="orthographicFront"/>
+      <a:lightRig rig="threePt" dir="t"/>
+    </dgm:scene3d>
+    <dgm:sp3d/>
+    <dgm:txPr/>
+    <dgm:style>
+      <a:lnRef idx="2">
+        <a:scrgbClr r="0" g="0" b="0"/>
+      </a:lnRef>
+      <a:fillRef idx="1">
+        <a:scrgbClr r="0" g="0" b="0"/>
+      </a:fillRef>
+      <a:effectRef idx="0">
+        <a:scrgbClr r="0" g="0" b="0"/>
+      </a:effectRef>
+      <a:fontRef idx="minor"/>
+    </dgm:style>
+  </dgm:styleLbl>
+  <dgm:styleLbl name="bgImgPlace1">
+    <dgm:scene3d>
+      <a:camera prst="orthographicFront"/>
+      <a:lightRig rig="threePt" dir="t"/>
+    </dgm:scene3d>
+    <dgm:sp3d/>
+    <dgm:txPr/>
+    <dgm:style>
+      <a:lnRef idx="2">
+        <a:scrgbClr r="0" g="0" b="0"/>
+      </a:lnRef>
+      <a:fillRef idx="1">
+        <a:scrgbClr r="0" g="0" b="0"/>
+      </a:fillRef>
+      <a:effectRef idx="0">
+        <a:scrgbClr r="0" g="0" b="0"/>
+      </a:effectRef>
+      <a:fontRef idx="minor"/>
+    </dgm:style>
+  </dgm:styleLbl>
+  <dgm:styleLbl name="sibTrans2D1">
+    <dgm:scene3d>
+      <a:camera prst="orthographicFront"/>
+      <a:lightRig rig="threePt" dir="t"/>
+    </dgm:scene3d>
+    <dgm:sp3d/>
+    <dgm:txPr/>
+    <dgm:style>
+      <a:lnRef idx="0">
+        <a:scrgbClr r="0" g="0" b="0"/>
+      </a:lnRef>
+      <a:fillRef idx="1">
+        <a:scrgbClr r="0" g="0" b="0"/>
+      </a:fillRef>
+      <a:effectRef idx="0">
+        <a:scrgbClr r="0" g="0" b="0"/>
+      </a:effectRef>
+      <a:fontRef idx="minor">
+        <a:schemeClr val="lt1"/>
+      </a:fontRef>
+    </dgm:style>
+  </dgm:styleLbl>
+  <dgm:styleLbl name="fgSibTrans2D1">
+    <dgm:scene3d>
+      <a:camera prst="orthographicFront"/>
+      <a:lightRig rig="threePt" dir="t"/>
+    </dgm:scene3d>
+    <dgm:sp3d/>
+    <dgm:txPr/>
+    <dgm:style>
+      <a:lnRef idx="0">
+        <a:scrgbClr r="0" g="0" b="0"/>
+      </a:lnRef>
+      <a:fillRef idx="1">
+        <a:scrgbClr r="0" g="0" b="0"/>
+      </a:fillRef>
+      <a:effectRef idx="0">
+        <a:scrgbClr r="0" g="0" b="0"/>
+      </a:effectRef>
+      <a:fontRef idx="minor">
+        <a:schemeClr val="lt1"/>
+      </a:fontRef>
+    </dgm:style>
+  </dgm:styleLbl>
+  <dgm:styleLbl name="bgSibTrans2D1">
+    <dgm:scene3d>
+      <a:camera prst="orthographicFront"/>
+      <a:lightRig rig="threePt" dir="t"/>
+    </dgm:scene3d>
+    <dgm:sp3d/>
+    <dgm:txPr/>
+    <dgm:style>
+      <a:lnRef idx="0">
+        <a:scrgbClr r="0" g="0" b="0"/>
+      </a:lnRef>
+      <a:fillRef idx="1">
+        <a:scrgbClr r="0" g="0" b="0"/>
+      </a:fillRef>
+      <a:effectRef idx="0">
+        <a:scrgbClr r="0" g="0" b="0"/>
+      </a:effectRef>
+      <a:fontRef idx="minor">
+        <a:schemeClr val="lt1"/>
+      </a:fontRef>
+    </dgm:style>
+  </dgm:styleLbl>
+  <dgm:styleLbl name="sibTrans1D1">
+    <dgm:scene3d>
+      <a:camera prst="orthographicFront"/>
+      <a:lightRig rig="threePt" dir="t"/>
+    </dgm:scene3d>
+    <dgm:sp3d/>
+    <dgm:txPr/>
+    <dgm:style>
+      <a:lnRef idx="1">
+        <a:scrgbClr r="0" g="0" b="0"/>
+      </a:lnRef>
+      <a:fillRef idx="0">
+        <a:scrgbClr r="0" g="0" b="0"/>
+      </a:fillRef>
+      <a:effectRef idx="0">
+        <a:scrgbClr r="0" g="0" b="0"/>
+      </a:effectRef>
+      <a:fontRef idx="minor"/>
+    </dgm:style>
+  </dgm:styleLbl>
+  <dgm:styleLbl name="callout">
+    <dgm:scene3d>
+      <a:camera prst="orthographicFront"/>
+      <a:lightRig rig="threePt" dir="t"/>
+    </dgm:scene3d>
+    <dgm:sp3d/>
+    <dgm:txPr/>
+    <dgm:style>
+      <a:lnRef idx="2">
+        <a:scrgbClr r="0" g="0" b="0"/>
+      </a:lnRef>
+      <a:fillRef idx="1">
+        <a:scrgbClr r="0" g="0" b="0"/>
+      </a:fillRef>
+      <a:effectRef idx="0">
+        <a:scrgbClr r="0" g="0" b="0"/>
+      </a:effectRef>
+      <a:fontRef idx="minor"/>
+    </dgm:style>
+  </dgm:styleLbl>
+  <dgm:styleLbl name="asst0">
+    <dgm:scene3d>
+      <a:camera prst="orthographicFront"/>
+      <a:lightRig rig="threePt" dir="t"/>
+    </dgm:scene3d>
+    <dgm:sp3d/>
+    <dgm:txPr/>
+    <dgm:style>
+      <a:lnRef idx="2">
+        <a:scrgbClr r="0" g="0" b="0"/>
+      </a:lnRef>
+      <a:fillRef idx="1">
+        <a:scrgbClr r="0" g="0" b="0"/>
+      </a:fillRef>
+      <a:effectRef idx="0">
+        <a:scrgbClr r="0" g="0" b="0"/>
+      </a:effectRef>
+      <a:fontRef idx="minor">
+        <a:schemeClr val="lt1"/>
+      </a:fontRef>
+    </dgm:style>
+  </dgm:styleLbl>
+  <dgm:styleLbl name="asst1">
+    <dgm:scene3d>
+      <a:camera prst="orthographicFront"/>
+      <a:lightRig rig="threePt" dir="t"/>
+    </dgm:scene3d>
+    <dgm:sp3d/>
+    <dgm:txPr/>
+    <dgm:style>
+      <a:lnRef idx="2">
+        <a:scrgbClr r="0" g="0" b="0"/>
+      </a:lnRef>
+      <a:fillRef idx="1">
+        <a:scrgbClr r="0" g="0" b="0"/>
+      </a:fillRef>
+      <a:effectRef idx="0">
+        <a:scrgbClr r="0" g="0" b="0"/>
+      </a:effectRef>
+      <a:fontRef idx="minor">
+        <a:schemeClr val="lt1"/>
+      </a:fontRef>
+    </dgm:style>
+  </dgm:styleLbl>
+  <dgm:styleLbl name="asst2">
+    <dgm:scene3d>
+      <a:camera prst="orthographicFront"/>
+      <a:lightRig rig="threePt" dir="t"/>
+    </dgm:scene3d>
+    <dgm:sp3d/>
+    <dgm:txPr/>
+    <dgm:style>
+      <a:lnRef idx="2">
+        <a:scrgbClr r="0" g="0" b="0"/>
+      </a:lnRef>
+      <a:fillRef idx="1">
+        <a:scrgbClr r="0" g="0" b="0"/>
+      </a:fillRef>
+      <a:effectRef idx="0">
+        <a:scrgbClr r="0" g="0" b="0"/>
+      </a:effectRef>
+      <a:fontRef idx="minor">
+        <a:schemeClr val="lt1"/>
+      </a:fontRef>
+    </dgm:style>
+  </dgm:styleLbl>
+  <dgm:styleLbl name="asst3">
+    <dgm:scene3d>
+      <a:camera prst="orthographicFront"/>
+      <a:lightRig rig="threePt" dir="t"/>
+    </dgm:scene3d>
+    <dgm:sp3d/>
+    <dgm:txPr/>
+    <dgm:style>
+      <a:lnRef idx="2">
+        <a:scrgbClr r="0" g="0" b="0"/>
+      </a:lnRef>
+      <a:fillRef idx="1">
+        <a:scrgbClr r="0" g="0" b="0"/>
+      </a:fillRef>
+      <a:effectRef idx="0">
+        <a:scrgbClr r="0" g="0" b="0"/>
+      </a:effectRef>
+      <a:fontRef idx="minor">
+        <a:schemeClr val="lt1"/>
+      </a:fontRef>
+    </dgm:style>
+  </dgm:styleLbl>
+  <dgm:styleLbl name="asst4">
+    <dgm:scene3d>
+      <a:camera prst="orthographicFront"/>
+      <a:lightRig rig="threePt" dir="t"/>
+    </dgm:scene3d>
+    <dgm:sp3d/>
+    <dgm:txPr/>
+    <dgm:style>
+      <a:lnRef idx="2">
+        <a:scrgbClr r="0" g="0" b="0"/>
+      </a:lnRef>
+      <a:fillRef idx="1">
+        <a:scrgbClr r="0" g="0" b="0"/>
+      </a:fillRef>
+      <a:effectRef idx="0">
+        <a:scrgbClr r="0" g="0" b="0"/>
+      </a:effectRef>
+      <a:fontRef idx="minor">
+        <a:schemeClr val="lt1"/>
+      </a:fontRef>
+    </dgm:style>
+  </dgm:styleLbl>
+  <dgm:styleLbl name="parChTrans2D1">
+    <dgm:scene3d>
+      <a:camera prst="orthographicFront"/>
+      <a:lightRig rig="threePt" dir="t"/>
+    </dgm:scene3d>
+    <dgm:sp3d/>
+    <dgm:txPr/>
+    <dgm:style>
+      <a:lnRef idx="2">
+        <a:scrgbClr r="0" g="0" b="0"/>
+      </a:lnRef>
+      <a:fillRef idx="1">
+        <a:scrgbClr r="0" g="0" b="0"/>
+      </a:fillRef>
+      <a:effectRef idx="0">
+        <a:scrgbClr r="0" g="0" b="0"/>
+      </a:effectRef>
+      <a:fontRef idx="minor">
+        <a:schemeClr val="lt1"/>
+      </a:fontRef>
+    </dgm:style>
+  </dgm:styleLbl>
+  <dgm:styleLbl name="parChTrans2D2">
+    <dgm:scene3d>
+      <a:camera prst="orthographicFront"/>
+      <a:lightRig rig="threePt" dir="t"/>
+    </dgm:scene3d>
+    <dgm:sp3d/>
+    <dgm:txPr/>
+    <dgm:style>
+      <a:lnRef idx="2">
+        <a:scrgbClr r="0" g="0" b="0"/>
+      </a:lnRef>
+      <a:fillRef idx="1">
+        <a:scrgbClr r="0" g="0" b="0"/>
+      </a:fillRef>
+      <a:effectRef idx="0">
+        <a:scrgbClr r="0" g="0" b="0"/>
+      </a:effectRef>
+      <a:fontRef idx="minor">
+        <a:schemeClr val="lt1"/>
+      </a:fontRef>
+    </dgm:style>
+  </dgm:styleLbl>
+  <dgm:styleLbl name="parChTrans2D3">
+    <dgm:scene3d>
+      <a:camera prst="orthographicFront"/>
+      <a:lightRig rig="threePt" dir="t"/>
+    </dgm:scene3d>
+    <dgm:sp3d/>
+    <dgm:txPr/>
+    <dgm:style>
+      <a:lnRef idx="2">
+        <a:scrgbClr r="0" g="0" b="0"/>
+      </a:lnRef>
+      <a:fillRef idx="1">
+        <a:scrgbClr r="0" g="0" b="0"/>
+      </a:fillRef>
+      <a:effectRef idx="0">
+        <a:scrgbClr r="0" g="0" b="0"/>
+      </a:effectRef>
+      <a:fontRef idx="minor">
+        <a:schemeClr val="lt1"/>
+      </a:fontRef>
+    </dgm:style>
+  </dgm:styleLbl>
+  <dgm:styleLbl name="parChTrans2D4">
+    <dgm:scene3d>
+      <a:camera prst="orthographicFront"/>
+      <a:lightRig rig="threePt" dir="t"/>
+    </dgm:scene3d>
+    <dgm:sp3d/>
+    <dgm:txPr/>
+    <dgm:style>
+      <a:lnRef idx="2">
+        <a:scrgbClr r="0" g="0" b="0"/>
+      </a:lnRef>
+      <a:fillRef idx="1">
+        <a:scrgbClr r="0" g="0" b="0"/>
+      </a:fillRef>
+      <a:effectRef idx="0">
+        <a:scrgbClr r="0" g="0" b="0"/>
+      </a:effectRef>
+      <a:fontRef idx="minor">
+        <a:schemeClr val="lt1"/>
+      </a:fontRef>
+    </dgm:style>
+  </dgm:styleLbl>
+  <dgm:styleLbl name="parChTrans1D1">
+    <dgm:scene3d>
+      <a:camera prst="orthographicFront"/>
+      <a:lightRig rig="threePt" dir="t"/>
+    </dgm:scene3d>
+    <dgm:sp3d/>
+    <dgm:txPr/>
+    <dgm:style>
+      <a:lnRef idx="2">
+        <a:scrgbClr r="0" g="0" b="0"/>
+      </a:lnRef>
+      <a:fillRef idx="0">
+        <a:scrgbClr r="0" g="0" b="0"/>
+      </a:fillRef>
+      <a:effectRef idx="0">
+        <a:scrgbClr r="0" g="0" b="0"/>
+      </a:effectRef>
+      <a:fontRef idx="minor"/>
+    </dgm:style>
+  </dgm:styleLbl>
+  <dgm:styleLbl name="parChTrans1D2">
+    <dgm:scene3d>
+      <a:camera prst="orthographicFront"/>
+      <a:lightRig rig="threePt" dir="t"/>
+    </dgm:scene3d>
+    <dgm:sp3d/>
+    <dgm:txPr/>
+    <dgm:style>
+      <a:lnRef idx="2">
+        <a:scrgbClr r="0" g="0" b="0"/>
+      </a:lnRef>
+      <a:fillRef idx="0">
+        <a:scrgbClr r="0" g="0" b="0"/>
+      </a:fillRef>
+      <a:effectRef idx="0">
+        <a:scrgbClr r="0" g="0" b="0"/>
+      </a:effectRef>
+      <a:fontRef idx="minor"/>
+    </dgm:style>
+  </dgm:styleLbl>
+  <dgm:styleLbl name="parChTrans1D3">
+    <dgm:scene3d>
+      <a:camera prst="orthographicFront"/>
+      <a:lightRig rig="threePt" dir="t"/>
+    </dgm:scene3d>
+    <dgm:sp3d/>
+    <dgm:txPr/>
+    <dgm:style>
+      <a:lnRef idx="2">
+        <a:scrgbClr r="0" g="0" b="0"/>
+      </a:lnRef>
+      <a:fillRef idx="0">
+        <a:scrgbClr r="0" g="0" b="0"/>
+      </a:fillRef>
+      <a:effectRef idx="0">
+        <a:scrgbClr r="0" g="0" b="0"/>
+      </a:effectRef>
+      <a:fontRef idx="minor"/>
+    </dgm:style>
+  </dgm:styleLbl>
+  <dgm:styleLbl name="parChTrans1D4">
+    <dgm:scene3d>
+      <a:camera prst="orthographicFront"/>
+      <a:lightRig rig="threePt" dir="t"/>
+    </dgm:scene3d>
+    <dgm:sp3d/>
+    <dgm:txPr/>
+    <dgm:style>
+      <a:lnRef idx="2">
+        <a:scrgbClr r="0" g="0" b="0"/>
+      </a:lnRef>
+      <a:fillRef idx="0">
+        <a:scrgbClr r="0" g="0" b="0"/>
+      </a:fillRef>
+      <a:effectRef idx="0">
+        <a:scrgbClr r="0" g="0" b="0"/>
+      </a:effectRef>
+      <a:fontRef idx="minor"/>
+    </dgm:style>
+  </dgm:styleLbl>
+  <dgm:styleLbl name="fgAcc1">
+    <dgm:scene3d>
+      <a:camera prst="orthographicFront"/>
+      <a:lightRig rig="threePt" dir="t"/>
+    </dgm:scene3d>
+    <dgm:sp3d/>
+    <dgm:txPr/>
+    <dgm:style>
+      <a:lnRef idx="2">
+        <a:scrgbClr r="0" g="0" b="0"/>
+      </a:lnRef>
+      <a:fillRef idx="1">
+        <a:scrgbClr r="0" g="0" b="0"/>
+      </a:fillRef>
+      <a:effectRef idx="0">
+        <a:scrgbClr r="0" g="0" b="0"/>
+      </a:effectRef>
+      <a:fontRef idx="minor"/>
+    </dgm:style>
+  </dgm:styleLbl>
+  <dgm:styleLbl name="conFgAcc1">
+    <dgm:scene3d>
+      <a:camera prst="orthographicFront"/>
+      <a:lightRig rig="threePt" dir="t"/>
+    </dgm:scene3d>
+    <dgm:sp3d/>
+    <dgm:txPr/>
+    <dgm:style>
+      <a:lnRef idx="2">
+        <a:scrgbClr r="0" g="0" b="0"/>
+      </a:lnRef>
+      <a:fillRef idx="1">
+        <a:scrgbClr r="0" g="0" b="0"/>
+      </a:fillRef>
+      <a:effectRef idx="0">
+        <a:scrgbClr r="0" g="0" b="0"/>
+      </a:effectRef>
+      <a:fontRef idx="minor"/>
+    </dgm:style>
+  </dgm:styleLbl>
+  <dgm:styleLbl name="alignAcc1">
+    <dgm:scene3d>
+      <a:camera prst="orthographicFront"/>
+      <a:lightRig rig="threePt" dir="t"/>
+    </dgm:scene3d>
+    <dgm:sp3d/>
+    <dgm:txPr/>
+    <dgm:style>
+      <a:lnRef idx="2">
+        <a:scrgbClr r="0" g="0" b="0"/>
+      </a:lnRef>
+      <a:fillRef idx="1">
+        <a:scrgbClr r="0" g="0" b="0"/>
+      </a:fillRef>
+      <a:effectRef idx="0">
+        <a:scrgbClr r="0" g="0" b="0"/>
+      </a:effectRef>
+      <a:fontRef idx="minor"/>
+    </dgm:style>
+  </dgm:styleLbl>
+  <dgm:styleLbl name="trAlignAcc1">
+    <dgm:scene3d>
+      <a:camera prst="orthographicFront"/>
+      <a:lightRig rig="threePt" dir="t"/>
+    </dgm:scene3d>
+    <dgm:sp3d/>
+    <dgm:txPr/>
+    <dgm:style>
+      <a:lnRef idx="1">
+        <a:scrgbClr r="0" g="0" b="0"/>
+      </a:lnRef>
+      <a:fillRef idx="1">
+        <a:scrgbClr r="0" g="0" b="0"/>
+      </a:fillRef>
+      <a:effectRef idx="0">
+        <a:scrgbClr r="0" g="0" b="0"/>
+      </a:effectRef>
+      <a:fontRef idx="minor"/>
+    </dgm:style>
+  </dgm:styleLbl>
+  <dgm:styleLbl name="bgAcc1">
+    <dgm:scene3d>
+      <a:camera prst="orthographicFront"/>
+      <a:lightRig rig="threePt" dir="t"/>
+    </dgm:scene3d>
+    <dgm:sp3d/>
+    <dgm:txPr/>
+    <dgm:style>
+      <a:lnRef idx="2">
+        <a:scrgbClr r="0" g="0" b="0"/>
+      </a:lnRef>
+      <a:fillRef idx="1">
+        <a:scrgbClr r="0" g="0" b="0"/>
+      </a:fillRef>
+      <a:effectRef idx="0">
+        <a:scrgbClr r="0" g="0" b="0"/>
+      </a:effectRef>
+      <a:fontRef idx="minor"/>
+    </dgm:style>
+  </dgm:styleLbl>
+  <dgm:styleLbl name="solidFgAcc1">
+    <dgm:scene3d>
+      <a:camera prst="orthographicFront"/>
+      <a:lightRig rig="threePt" dir="t"/>
+    </dgm:scene3d>
+    <dgm:sp3d/>
+    <dgm:txPr/>
+    <dgm:style>
+      <a:lnRef idx="2">
+        <a:scrgbClr r="0" g="0" b="0"/>
+      </a:lnRef>
+      <a:fillRef idx="1">
+        <a:scrgbClr r="0" g="0" b="0"/>
+      </a:fillRef>
+      <a:effectRef idx="0">
+        <a:scrgbClr r="0" g="0" b="0"/>
+      </a:effectRef>
+      <a:fontRef idx="minor"/>
+    </dgm:style>
+  </dgm:styleLbl>
+  <dgm:styleLbl name="solidAlignAcc1">
+    <dgm:scene3d>
+      <a:camera prst="orthographicFront"/>
+      <a:lightRig rig="threePt" dir="t"/>
+    </dgm:scene3d>
+    <dgm:sp3d/>
+    <dgm:txPr/>
+    <dgm:style>
+      <a:lnRef idx="2">
+        <a:scrgbClr r="0" g="0" b="0"/>
+      </a:lnRef>
+      <a:fillRef idx="1">
+        <a:scrgbClr r="0" g="0" b="0"/>
+      </a:fillRef>
+      <a:effectRef idx="0">
+        <a:scrgbClr r="0" g="0" b="0"/>
+      </a:effectRef>
+      <a:fontRef idx="minor"/>
+    </dgm:style>
+  </dgm:styleLbl>
+  <dgm:styleLbl name="solidBgAcc1">
+    <dgm:scene3d>
+      <a:camera prst="orthographicFront"/>
+      <a:lightRig rig="threePt" dir="t"/>
+    </dgm:scene3d>
+    <dgm:sp3d/>
+    <dgm:txPr/>
+    <dgm:style>
+      <a:lnRef idx="2">
+        <a:scrgbClr r="0" g="0" b="0"/>
+      </a:lnRef>
+      <a:fillRef idx="1">
+        <a:scrgbClr r="0" g="0" b="0"/>
+      </a:fillRef>
+      <a:effectRef idx="0">
+        <a:scrgbClr r="0" g="0" b="0"/>
+      </a:effectRef>
+      <a:fontRef idx="minor"/>
+    </dgm:style>
+  </dgm:styleLbl>
+  <dgm:styleLbl name="fgAccFollowNode1">
+    <dgm:scene3d>
+      <a:camera prst="orthographicFront"/>
+      <a:lightRig rig="threePt" dir="t"/>
+    </dgm:scene3d>
+    <dgm:sp3d/>
+    <dgm:txPr/>
+    <dgm:style>
+      <a:lnRef idx="2">
+        <a:scrgbClr r="0" g="0" b="0"/>
+      </a:lnRef>
+      <a:fillRef idx="1">
+        <a:scrgbClr r="0" g="0" b="0"/>
+      </a:fillRef>
+      <a:effectRef idx="0">
+        <a:scrgbClr r="0" g="0" b="0"/>
+      </a:effectRef>
+      <a:fontRef idx="minor"/>
+    </dgm:style>
+  </dgm:styleLbl>
+  <dgm:styleLbl name="alignAccFollowNode1">
+    <dgm:scene3d>
+      <a:camera prst="orthographicFront"/>
+      <a:lightRig rig="threePt" dir="t"/>
+    </dgm:scene3d>
+    <dgm:sp3d/>
+    <dgm:txPr/>
+    <dgm:style>
+      <a:lnRef idx="2">
+        <a:scrgbClr r="0" g="0" b="0"/>
+      </a:lnRef>
+      <a:fillRef idx="1">
+        <a:scrgbClr r="0" g="0" b="0"/>
+      </a:fillRef>
+      <a:effectRef idx="0">
+        <a:scrgbClr r="0" g="0" b="0"/>
+      </a:effectRef>
+      <a:fontRef idx="minor"/>
+    </dgm:style>
+  </dgm:styleLbl>
+  <dgm:styleLbl name="bgAccFollowNode1">
+    <dgm:scene3d>
+      <a:camera prst="orthographicFront"/>
+      <a:lightRig rig="threePt" dir="t"/>
+    </dgm:scene3d>
+    <dgm:sp3d/>
+    <dgm:txPr/>
+    <dgm:style>
+      <a:lnRef idx="2">
+        <a:scrgbClr r="0" g="0" b="0"/>
+      </a:lnRef>
+      <a:fillRef idx="1">
+        <a:scrgbClr r="0" g="0" b="0"/>
+      </a:fillRef>
+      <a:effectRef idx="0">
+        <a:scrgbClr r="0" g="0" b="0"/>
+      </a:effectRef>
+      <a:fontRef idx="minor"/>
+    </dgm:style>
+  </dgm:styleLbl>
+  <dgm:styleLbl name="fgAcc0">
+    <dgm:scene3d>
+      <a:camera prst="orthographicFront"/>
+      <a:lightRig rig="threePt" dir="t"/>
+    </dgm:scene3d>
+    <dgm:sp3d/>
+    <dgm:txPr/>
+    <dgm:style>
+      <a:lnRef idx="2">
+        <a:scrgbClr r="0" g="0" b="0"/>
+      </a:lnRef>
+      <a:fillRef idx="1">
+        <a:scrgbClr r="0" g="0" b="0"/>
+      </a:fillRef>
+      <a:effectRef idx="0">
+        <a:scrgbClr r="0" g="0" b="0"/>
+      </a:effectRef>
+      <a:fontRef idx="minor"/>
+    </dgm:style>
+  </dgm:styleLbl>
+  <dgm:styleLbl name="fgAcc2">
+    <dgm:scene3d>
+      <a:camera prst="orthographicFront"/>
+      <a:lightRig rig="threePt" dir="t"/>
+    </dgm:scene3d>
+    <dgm:sp3d/>
+    <dgm:txPr/>
+    <dgm:style>
+      <a:lnRef idx="2">
+        <a:scrgbClr r="0" g="0" b="0"/>
+      </a:lnRef>
+      <a:fillRef idx="1">
+        <a:scrgbClr r="0" g="0" b="0"/>
+      </a:fillRef>
+      <a:effectRef idx="0">
+        <a:scrgbClr r="0" g="0" b="0"/>
+      </a:effectRef>
+      <a:fontRef idx="minor"/>
+    </dgm:style>
+  </dgm:styleLbl>
+  <dgm:styleLbl name="fgAcc3">
+    <dgm:scene3d>
+      <a:camera prst="orthographicFront"/>
+      <a:lightRig rig="threePt" dir="t"/>
+    </dgm:scene3d>
+    <dgm:sp3d/>
+    <dgm:txPr/>
+    <dgm:style>
+      <a:lnRef idx="2">
+        <a:scrgbClr r="0" g="0" b="0"/>
+      </a:lnRef>
+      <a:fillRef idx="1">
+        <a:scrgbClr r="0" g="0" b="0"/>
+      </a:fillRef>
+      <a:effectRef idx="0">
+        <a:scrgbClr r="0" g="0" b="0"/>
+      </a:effectRef>
+      <a:fontRef idx="minor"/>
+    </dgm:style>
+  </dgm:styleLbl>
+  <dgm:styleLbl name="fgAcc4">
+    <dgm:scene3d>
+      <a:camera prst="orthographicFront"/>
+      <a:lightRig rig="threePt" dir="t"/>
+    </dgm:scene3d>
+    <dgm:sp3d/>
+    <dgm:txPr/>
+    <dgm:style>
+      <a:lnRef idx="2">
+        <a:scrgbClr r="0" g="0" b="0"/>
+      </a:lnRef>
+      <a:fillRef idx="1">
+        <a:scrgbClr r="0" g="0" b="0"/>
+      </a:fillRef>
+      <a:effectRef idx="0">
+        <a:scrgbClr r="0" g="0" b="0"/>
+      </a:effectRef>
+      <a:fontRef idx="minor"/>
+    </dgm:style>
+  </dgm:styleLbl>
+  <dgm:styleLbl name="bgShp">
+    <dgm:scene3d>
+      <a:camera prst="orthographicFront"/>
+      <a:lightRig rig="threePt" dir="t"/>
+    </dgm:scene3d>
+    <dgm:sp3d/>
+    <dgm:txPr/>
+    <dgm:style>
+      <a:lnRef idx="0">
+        <a:scrgbClr r="0" g="0" b="0"/>
+      </a:lnRef>
+      <a:fillRef idx="1">
+        <a:scrgbClr r="0" g="0" b="0"/>
+      </a:fillRef>
+      <a:effectRef idx="0">
+        <a:scrgbClr r="0" g="0" b="0"/>
+      </a:effectRef>
+      <a:fontRef idx="minor"/>
+    </dgm:style>
+  </dgm:styleLbl>
+  <dgm:styleLbl name="dkBgShp">
+    <dgm:scene3d>
+      <a:camera prst="orthographicFront"/>
+      <a:lightRig rig="threePt" dir="t"/>
+    </dgm:scene3d>
+    <dgm:sp3d/>
+    <dgm:txPr/>
+    <dgm:style>
+      <a:lnRef idx="0">
+        <a:scrgbClr r="0" g="0" b="0"/>
+      </a:lnRef>
+      <a:fillRef idx="1">
+        <a:scrgbClr r="0" g="0" b="0"/>
+      </a:fillRef>
+      <a:effectRef idx="0">
+        <a:scrgbClr r="0" g="0" b="0"/>
+      </a:effectRef>
+      <a:fontRef idx="minor"/>
+    </dgm:style>
+  </dgm:styleLbl>
+  <dgm:styleLbl name="trBgShp">
+    <dgm:scene3d>
+      <a:camera prst="orthographicFront"/>
+      <a:lightRig rig="threePt" dir="t"/>
+    </dgm:scene3d>
+    <dgm:sp3d/>
+    <dgm:txPr/>
+    <dgm:style>
+      <a:lnRef idx="0">
+        <a:scrgbClr r="0" g="0" b="0"/>
+      </a:lnRef>
+      <a:fillRef idx="1">
+        <a:scrgbClr r="0" g="0" b="0"/>
+      </a:fillRef>
+      <a:effectRef idx="0">
+        <a:scrgbClr r="0" g="0" b="0"/>
+      </a:effectRef>
+      <a:fontRef idx="minor"/>
+    </dgm:style>
+  </dgm:styleLbl>
+  <dgm:styleLbl name="fgShp">
+    <dgm:scene3d>
+      <a:camera prst="orthographicFront"/>
+      <a:lightRig rig="threePt" dir="t"/>
+    </dgm:scene3d>
+    <dgm:sp3d/>
+    <dgm:txPr/>
+    <dgm:style>
+      <a:lnRef idx="2">
+        <a:scrgbClr r="0" g="0" b="0"/>
+      </a:lnRef>
+      <a:fillRef idx="1">
+        <a:scrgbClr r="0" g="0" b="0"/>
+      </a:fillRef>
+      <a:effectRef idx="0">
+        <a:scrgbClr r="0" g="0" b="0"/>
+      </a:effectRef>
+      <a:fontRef idx="minor"/>
+    </dgm:style>
+  </dgm:styleLbl>
+  <dgm:styleLbl name="revTx">
+    <dgm:scene3d>
+      <a:camera prst="orthographicFront"/>
+      <a:lightRig rig="threePt" dir="t"/>
+    </dgm:scene3d>
+    <dgm:sp3d/>
+    <dgm:txPr/>
+    <dgm:style>
+      <a:lnRef idx="0">
+        <a:scrgbClr r="0" g="0" b="0"/>
+      </a:lnRef>
+      <a:fillRef idx="0">
+        <a:scrgbClr r="0" g="0" b="0"/>
+      </a:fillRef>
+      <a:effectRef idx="0">
+        <a:scrgbClr r="0" g="0" b="0"/>
+      </a:effectRef>
+      <a:fontRef idx="minor"/>
+    </dgm:style>
+  </dgm:styleLbl>
+</dgm:styleDef>
+</file>
+
+<file path=ppt/diagrams/quickStyle2.xml><?xml version="1.0" encoding="utf-8"?>
 <dgm:styleDef xmlns:dgm="http://schemas.openxmlformats.org/drawingml/2006/diagram" xmlns:a="http://schemas.openxmlformats.org/drawingml/2006/main" uniqueId="urn:microsoft.com/office/officeart/2005/8/quickstyle/simple1">
   <dgm:title val=""/>
   <dgm:desc val=""/>
@@ -3021,7 +5904,7 @@
           <a:p>
             <a:fld id="{CAC8DC2F-1056-472E-80EB-EAADF9D565BE}" type="datetimeFigureOut">
               <a:rPr lang="en-GB" smtClean="0"/>
-              <a:t>17/09/2021</a:t>
+              <a:t>21/09/2021</a:t>
             </a:fld>
             <a:endParaRPr lang="en-GB"/>
           </a:p>
@@ -3334,17 +6217,47 @@
           <a:lstStyle/>
           <a:p>
             <a:r>
-              <a:rPr lang="en-GB" dirty="0"/>
-              <a:t>Starting off with my first point. Active reconnaissance is a follow-up phase from passive reconnaissance. It involves direct interaction with the target which means to attempt port scans, sending data to the target servers trying to gain information through processes such as banner grabbing which can be gained passively. Coming to my next point. The higher risk of “getting burnt”. The definition of this is that you face a higher risk of getting detected by organisational defences and actively blocked. This would result in being burnt meaning you cannot proceed with a stealthy presence as you’ve sounded alarms and been caught. </a:t>
+              <a:rPr lang="en-US" dirty="0"/>
+              <a:t>Quick agenda before starting this presentation. I’ll firstly be introducing active reconnaissance talking about its uses and pros/cons.</a:t>
             </a:r>
           </a:p>
           <a:p>
-            <a:endParaRPr lang="en-GB" dirty="0"/>
-          </a:p>
-          <a:p>
+            <a:endParaRPr lang="en-US" dirty="0"/>
+          </a:p>
+          <a:p>
+            <a:r>
+              <a:rPr lang="en-US" dirty="0"/>
+              <a:t>Next I’ll be talking about the offensive security uses of the ICMP protocol</a:t>
+            </a:r>
             <a:r>
               <a:rPr lang="en-GB" dirty="0"/>
-              <a:t>However, aside from the dangers of active reconnaissance from an adversarial perspective: Active recon is more reliable as you are querying the target directly for information. This means you know for sure that the target is holding </a:t>
+              <a:t> involving establishing backdoors and information gathering.</a:t>
+            </a:r>
+          </a:p>
+          <a:p>
+            <a:endParaRPr lang="en-GB" dirty="0"/>
+          </a:p>
+          <a:p>
+            <a:r>
+              <a:rPr lang="en-GB" dirty="0"/>
+              <a:t>Moving onto enumerating firewall rules from the external perimeter and port scanning methods using tools such as NMAP and </a:t>
+            </a:r>
+            <a:r>
+              <a:rPr lang="en-GB" dirty="0" err="1"/>
+              <a:t>Scapy</a:t>
+            </a:r>
+            <a:r>
+              <a:rPr lang="en-GB" dirty="0"/>
+              <a:t>.</a:t>
+            </a:r>
+          </a:p>
+          <a:p>
+            <a:endParaRPr lang="en-GB" dirty="0"/>
+          </a:p>
+          <a:p>
+            <a:r>
+              <a:rPr lang="en-GB" dirty="0"/>
+              <a:t>Finally I’ll be discussing vulnerability/port scanning with burner machines. </a:t>
             </a:r>
           </a:p>
         </p:txBody>
@@ -3366,7 +6279,7 @@
           <a:p>
             <a:fld id="{B0863950-9A2F-47EA-ADEC-B79BCD7B56CE}" type="slidenum">
               <a:rPr lang="en-GB" smtClean="0"/>
-              <a:t>3</a:t>
+              <a:t>2</a:t>
             </a:fld>
             <a:endParaRPr lang="en-GB"/>
           </a:p>
@@ -3375,7 +6288,7 @@
     </p:spTree>
     <p:extLst>
       <p:ext uri="{BB962C8B-B14F-4D97-AF65-F5344CB8AC3E}">
-        <p14:creationId xmlns:p14="http://schemas.microsoft.com/office/powerpoint/2010/main" val="4145477999"/>
+        <p14:creationId xmlns:p14="http://schemas.microsoft.com/office/powerpoint/2010/main" val="1098036969"/>
       </p:ext>
     </p:extLst>
   </p:cSld>
@@ -3429,7 +6342,138 @@
           <a:bodyPr/>
           <a:lstStyle/>
           <a:p>
+            <a:r>
+              <a:rPr lang="en-GB" dirty="0"/>
+              <a:t>Starting off with my first point. Active reconnaissance is a follow-up phase from passive reconnaissance. It involves direct interaction with the target which means to attempt port scans, sending data to the target servers trying to gain information through processes such as banner grabbing which can be gained passively. Coming to my next point. The higher risk of “getting burnt”. The definition of this is that you face a higher risk of getting detected by organisational defences and actively blocked. This would result in being burnt meaning you cannot proceed with a stealthy presence as you’ve sounded alarms and been caught. </a:t>
+            </a:r>
+          </a:p>
+          <a:p>
             <a:endParaRPr lang="en-GB" dirty="0"/>
+          </a:p>
+          <a:p>
+            <a:r>
+              <a:rPr lang="en-GB" dirty="0"/>
+              <a:t>However, aside from the dangers of active reconnaissance from an adversarial perspective: Active recon is more reliable as you are querying the target directly for information. This means you know for sure that the target is holding the information you are receiving in queries and it is not an outdated record. However, with high chances of accurate information can come the high probability of detection. </a:t>
+            </a:r>
+            <a:r>
+              <a:rPr lang="en-GB"/>
+              <a:t>So </a:t>
+            </a:r>
+            <a:endParaRPr lang="en-GB" dirty="0"/>
+          </a:p>
+        </p:txBody>
+      </p:sp>
+      <p:sp>
+        <p:nvSpPr>
+          <p:cNvPr id="4" name="Slide Number Placeholder 3"/>
+          <p:cNvSpPr>
+            <a:spLocks noGrp="1"/>
+          </p:cNvSpPr>
+          <p:nvPr>
+            <p:ph type="sldNum" sz="quarter" idx="5"/>
+          </p:nvPr>
+        </p:nvSpPr>
+        <p:spPr/>
+        <p:txBody>
+          <a:bodyPr/>
+          <a:lstStyle/>
+          <a:p>
+            <a:fld id="{B0863950-9A2F-47EA-ADEC-B79BCD7B56CE}" type="slidenum">
+              <a:rPr lang="en-GB" smtClean="0"/>
+              <a:t>3</a:t>
+            </a:fld>
+            <a:endParaRPr lang="en-GB"/>
+          </a:p>
+        </p:txBody>
+      </p:sp>
+    </p:spTree>
+    <p:extLst>
+      <p:ext uri="{BB962C8B-B14F-4D97-AF65-F5344CB8AC3E}">
+        <p14:creationId xmlns:p14="http://schemas.microsoft.com/office/powerpoint/2010/main" val="4145477999"/>
+      </p:ext>
+    </p:extLst>
+  </p:cSld>
+  <p:clrMapOvr>
+    <a:masterClrMapping/>
+  </p:clrMapOvr>
+</p:notes>
+</file>
+
+<file path=ppt/notesSlides/notesSlide3.xml><?xml version="1.0" encoding="utf-8"?>
+<p:notes xmlns:a="http://schemas.openxmlformats.org/drawingml/2006/main" xmlns:r="http://schemas.openxmlformats.org/officeDocument/2006/relationships" xmlns:p="http://schemas.openxmlformats.org/presentationml/2006/main">
+  <p:cSld>
+    <p:spTree>
+      <p:nvGrpSpPr>
+        <p:cNvPr id="1" name=""/>
+        <p:cNvGrpSpPr/>
+        <p:nvPr/>
+      </p:nvGrpSpPr>
+      <p:grpSpPr>
+        <a:xfrm>
+          <a:off x="0" y="0"/>
+          <a:ext cx="0" cy="0"/>
+          <a:chOff x="0" y="0"/>
+          <a:chExt cx="0" cy="0"/>
+        </a:xfrm>
+      </p:grpSpPr>
+      <p:sp>
+        <p:nvSpPr>
+          <p:cNvPr id="2" name="Slide Image Placeholder 1"/>
+          <p:cNvSpPr>
+            <a:spLocks noGrp="1" noRot="1" noChangeAspect="1"/>
+          </p:cNvSpPr>
+          <p:nvPr>
+            <p:ph type="sldImg"/>
+          </p:nvPr>
+        </p:nvSpPr>
+        <p:spPr/>
+      </p:sp>
+      <p:sp>
+        <p:nvSpPr>
+          <p:cNvPr id="3" name="Notes Placeholder 2"/>
+          <p:cNvSpPr>
+            <a:spLocks noGrp="1"/>
+          </p:cNvSpPr>
+          <p:nvPr>
+            <p:ph type="body" idx="1"/>
+          </p:nvPr>
+        </p:nvSpPr>
+        <p:spPr/>
+        <p:txBody>
+          <a:bodyPr/>
+          <a:lstStyle/>
+          <a:p>
+            <a:r>
+              <a:rPr lang="en-US" dirty="0"/>
+              <a:t>ICMP as you all know is a protocol designed for diagnostics and troubleshooting. If you can reach a device with a ping message, then great you know it’s up and running; otherwise, there might be a problem which ICMP might be able to tell you based on the error code which is given back. In an ideal world we’d always use ICMP to check for issues. But with security in the question, ICMP is not available because of its ability to allow host discovery for an attacker. Attackers can use off the shelf tools such as NMAP which generally send pings unless told not to which can allow scanners to discover hosts. It’s also not an unusual practice for ICMP being disabled on internal network hosts to harden the internal perimeter of a network. </a:t>
+            </a:r>
+          </a:p>
+          <a:p>
+            <a:endParaRPr lang="en-US" dirty="0"/>
+          </a:p>
+          <a:p>
+            <a:r>
+              <a:rPr lang="en-US" dirty="0"/>
+              <a:t>However, where ICMP is available, there are multiple uses of ICMP other than host discovery such as establishing covert channels in addition to identifying an operating system. </a:t>
+            </a:r>
+          </a:p>
+          <a:p>
+            <a:endParaRPr lang="en-US" dirty="0"/>
+          </a:p>
+          <a:p>
+            <a:r>
+              <a:rPr lang="en-US" dirty="0"/>
+              <a:t>Establishing a covert channel is not a part of active reconnaissance so it will be covered in later training sessions of this course where it is applicable. However identification of an operating system using pings is a perfect example of active reconnaissance which will be discussed further here. So how can we find this information? When we send an ICMP packet from our end it is known as an ECHO Request message. If we get a response, we’ll see an ECHO reply which will contain a time to live known as the TTL. The TTL can help us identify an operating system since each key operating system type has its own TTL value which will be sent in ICMP communications shown in the next slide.</a:t>
+            </a:r>
+          </a:p>
+          <a:p>
+            <a:endParaRPr lang="en-US" dirty="0"/>
+          </a:p>
+          <a:p>
+            <a:r>
+              <a:rPr lang="en-US" dirty="0"/>
+              <a:t>We can firstly make use of the payload/data field in which we can establish covert channel communications with our target. What does this mean? Consider a hardened host which is firewalled.  Depending on how the firewall is configured such as having egress filtering we can’t communicate with our attacking hosts from the target machine known as a reverse shell. However, if ICMP is available: ICMP is a completely separate communications channel which means any defenses applied to TCP/UDP would not exist for ICMP. The second point is that ICMP does not work at port level rather it uses echo request/reply packets to communicate which is the communications channel. Using </a:t>
+            </a:r>
           </a:p>
         </p:txBody>
       </p:sp>
@@ -3460,6 +6504,186 @@
     <p:extLst>
       <p:ext uri="{BB962C8B-B14F-4D97-AF65-F5344CB8AC3E}">
         <p14:creationId xmlns:p14="http://schemas.microsoft.com/office/powerpoint/2010/main" val="4258840664"/>
+      </p:ext>
+    </p:extLst>
+  </p:cSld>
+  <p:clrMapOvr>
+    <a:masterClrMapping/>
+  </p:clrMapOvr>
+</p:notes>
+</file>
+
+<file path=ppt/notesSlides/notesSlide4.xml><?xml version="1.0" encoding="utf-8"?>
+<p:notes xmlns:a="http://schemas.openxmlformats.org/drawingml/2006/main" xmlns:r="http://schemas.openxmlformats.org/officeDocument/2006/relationships" xmlns:p="http://schemas.openxmlformats.org/presentationml/2006/main">
+  <p:cSld>
+    <p:spTree>
+      <p:nvGrpSpPr>
+        <p:cNvPr id="1" name=""/>
+        <p:cNvGrpSpPr/>
+        <p:nvPr/>
+      </p:nvGrpSpPr>
+      <p:grpSpPr>
+        <a:xfrm>
+          <a:off x="0" y="0"/>
+          <a:ext cx="0" cy="0"/>
+          <a:chOff x="0" y="0"/>
+          <a:chExt cx="0" cy="0"/>
+        </a:xfrm>
+      </p:grpSpPr>
+      <p:sp>
+        <p:nvSpPr>
+          <p:cNvPr id="2" name="Slide Image Placeholder 1"/>
+          <p:cNvSpPr>
+            <a:spLocks noGrp="1" noRot="1" noChangeAspect="1"/>
+          </p:cNvSpPr>
+          <p:nvPr>
+            <p:ph type="sldImg"/>
+          </p:nvPr>
+        </p:nvSpPr>
+        <p:spPr/>
+      </p:sp>
+      <p:sp>
+        <p:nvSpPr>
+          <p:cNvPr id="3" name="Notes Placeholder 2"/>
+          <p:cNvSpPr>
+            <a:spLocks noGrp="1"/>
+          </p:cNvSpPr>
+          <p:nvPr>
+            <p:ph type="body" idx="1"/>
+          </p:nvPr>
+        </p:nvSpPr>
+        <p:spPr/>
+        <p:txBody>
+          <a:bodyPr/>
+          <a:lstStyle/>
+          <a:p>
+            <a:r>
+              <a:rPr lang="en-US" dirty="0"/>
+              <a:t>When analyzing the TTL value of any packet which has come as a reply of your ping request, the default TTL values will not always equate to what is being seen in the table. The reason for this is because ICMP packets go through packet hops which involve the packet going by several hosts to reach the destination. To get the true TTL values we can perform some simple </a:t>
+            </a:r>
+            <a:r>
+              <a:rPr lang="en-US" dirty="0" err="1"/>
+              <a:t>maths</a:t>
+            </a:r>
+            <a:r>
+              <a:rPr lang="en-US" dirty="0"/>
+              <a:t> where we use the formula of number of hops + TTL value which will give us one of the original TTL values in the table. </a:t>
+            </a:r>
+            <a:endParaRPr lang="en-GB" dirty="0"/>
+          </a:p>
+        </p:txBody>
+      </p:sp>
+      <p:sp>
+        <p:nvSpPr>
+          <p:cNvPr id="4" name="Slide Number Placeholder 3"/>
+          <p:cNvSpPr>
+            <a:spLocks noGrp="1"/>
+          </p:cNvSpPr>
+          <p:nvPr>
+            <p:ph type="sldNum" sz="quarter" idx="5"/>
+          </p:nvPr>
+        </p:nvSpPr>
+        <p:spPr/>
+        <p:txBody>
+          <a:bodyPr/>
+          <a:lstStyle/>
+          <a:p>
+            <a:fld id="{B0863950-9A2F-47EA-ADEC-B79BCD7B56CE}" type="slidenum">
+              <a:rPr lang="en-GB" smtClean="0"/>
+              <a:t>5</a:t>
+            </a:fld>
+            <a:endParaRPr lang="en-GB"/>
+          </a:p>
+        </p:txBody>
+      </p:sp>
+    </p:spTree>
+    <p:extLst>
+      <p:ext uri="{BB962C8B-B14F-4D97-AF65-F5344CB8AC3E}">
+        <p14:creationId xmlns:p14="http://schemas.microsoft.com/office/powerpoint/2010/main" val="1712923513"/>
+      </p:ext>
+    </p:extLst>
+  </p:cSld>
+  <p:clrMapOvr>
+    <a:masterClrMapping/>
+  </p:clrMapOvr>
+</p:notes>
+</file>
+
+<file path=ppt/notesSlides/notesSlide5.xml><?xml version="1.0" encoding="utf-8"?>
+<p:notes xmlns:a="http://schemas.openxmlformats.org/drawingml/2006/main" xmlns:r="http://schemas.openxmlformats.org/officeDocument/2006/relationships" xmlns:p="http://schemas.openxmlformats.org/presentationml/2006/main">
+  <p:cSld>
+    <p:spTree>
+      <p:nvGrpSpPr>
+        <p:cNvPr id="1" name=""/>
+        <p:cNvGrpSpPr/>
+        <p:nvPr/>
+      </p:nvGrpSpPr>
+      <p:grpSpPr>
+        <a:xfrm>
+          <a:off x="0" y="0"/>
+          <a:ext cx="0" cy="0"/>
+          <a:chOff x="0" y="0"/>
+          <a:chExt cx="0" cy="0"/>
+        </a:xfrm>
+      </p:grpSpPr>
+      <p:sp>
+        <p:nvSpPr>
+          <p:cNvPr id="2" name="Slide Image Placeholder 1"/>
+          <p:cNvSpPr>
+            <a:spLocks noGrp="1" noRot="1" noChangeAspect="1"/>
+          </p:cNvSpPr>
+          <p:nvPr>
+            <p:ph type="sldImg"/>
+          </p:nvPr>
+        </p:nvSpPr>
+        <p:spPr/>
+      </p:sp>
+      <p:sp>
+        <p:nvSpPr>
+          <p:cNvPr id="3" name="Notes Placeholder 2"/>
+          <p:cNvSpPr>
+            <a:spLocks noGrp="1"/>
+          </p:cNvSpPr>
+          <p:nvPr>
+            <p:ph type="body" idx="1"/>
+          </p:nvPr>
+        </p:nvSpPr>
+        <p:spPr/>
+        <p:txBody>
+          <a:bodyPr/>
+          <a:lstStyle/>
+          <a:p>
+            <a:endParaRPr lang="en-GB" dirty="0"/>
+          </a:p>
+        </p:txBody>
+      </p:sp>
+      <p:sp>
+        <p:nvSpPr>
+          <p:cNvPr id="4" name="Slide Number Placeholder 3"/>
+          <p:cNvSpPr>
+            <a:spLocks noGrp="1"/>
+          </p:cNvSpPr>
+          <p:nvPr>
+            <p:ph type="sldNum" sz="quarter" idx="5"/>
+          </p:nvPr>
+        </p:nvSpPr>
+        <p:spPr/>
+        <p:txBody>
+          <a:bodyPr/>
+          <a:lstStyle/>
+          <a:p>
+            <a:fld id="{B0863950-9A2F-47EA-ADEC-B79BCD7B56CE}" type="slidenum">
+              <a:rPr lang="en-GB" smtClean="0"/>
+              <a:t>20</a:t>
+            </a:fld>
+            <a:endParaRPr lang="en-GB"/>
+          </a:p>
+        </p:txBody>
+      </p:sp>
+    </p:spTree>
+    <p:extLst>
+      <p:ext uri="{BB962C8B-B14F-4D97-AF65-F5344CB8AC3E}">
+        <p14:creationId xmlns:p14="http://schemas.microsoft.com/office/powerpoint/2010/main" val="3666031599"/>
       </p:ext>
     </p:extLst>
   </p:cSld>
@@ -3715,7 +6939,7 @@
             <a:fld id="{B61BEF0D-F0BB-DE4B-95CE-6DB70DBA9567}" type="datetimeFigureOut">
               <a:rPr lang="en-US" dirty="0"/>
               <a:pPr/>
-              <a:t>9/17/2021</a:t>
+              <a:t>9/21/2021</a:t>
             </a:fld>
             <a:endParaRPr lang="en-US" dirty="0"/>
           </a:p>
@@ -3974,7 +7198,7 @@
             <a:fld id="{B61BEF0D-F0BB-DE4B-95CE-6DB70DBA9567}" type="datetimeFigureOut">
               <a:rPr lang="en-US" dirty="0"/>
               <a:pPr/>
-              <a:t>9/17/2021</a:t>
+              <a:t>9/21/2021</a:t>
             </a:fld>
             <a:endParaRPr lang="en-US" dirty="0"/>
           </a:p>
@@ -4206,7 +7430,7 @@
             <a:fld id="{B61BEF0D-F0BB-DE4B-95CE-6DB70DBA9567}" type="datetimeFigureOut">
               <a:rPr lang="en-US" dirty="0"/>
               <a:pPr/>
-              <a:t>9/17/2021</a:t>
+              <a:t>9/21/2021</a:t>
             </a:fld>
             <a:endParaRPr lang="en-US" dirty="0"/>
           </a:p>
@@ -4443,7 +7667,7 @@
             <a:fld id="{B61BEF0D-F0BB-DE4B-95CE-6DB70DBA9567}" type="datetimeFigureOut">
               <a:rPr lang="en-US" dirty="0"/>
               <a:pPr/>
-              <a:t>9/17/2021</a:t>
+              <a:t>9/21/2021</a:t>
             </a:fld>
             <a:endParaRPr lang="en-US" dirty="0"/>
           </a:p>
@@ -4747,7 +7971,7 @@
             <a:fld id="{B61BEF0D-F0BB-DE4B-95CE-6DB70DBA9567}" type="datetimeFigureOut">
               <a:rPr lang="en-US" dirty="0"/>
               <a:pPr/>
-              <a:t>9/17/2021</a:t>
+              <a:t>9/21/2021</a:t>
             </a:fld>
             <a:endParaRPr lang="en-US" dirty="0"/>
           </a:p>
@@ -5046,7 +8270,7 @@
             <a:fld id="{B61BEF0D-F0BB-DE4B-95CE-6DB70DBA9567}" type="datetimeFigureOut">
               <a:rPr lang="en-US" dirty="0"/>
               <a:pPr/>
-              <a:t>9/17/2021</a:t>
+              <a:t>9/21/2021</a:t>
             </a:fld>
             <a:endParaRPr lang="en-US" dirty="0"/>
           </a:p>
@@ -5465,7 +8689,7 @@
             <a:fld id="{B61BEF0D-F0BB-DE4B-95CE-6DB70DBA9567}" type="datetimeFigureOut">
               <a:rPr lang="en-US" dirty="0"/>
               <a:pPr/>
-              <a:t>9/17/2021</a:t>
+              <a:t>9/21/2021</a:t>
             </a:fld>
             <a:endParaRPr lang="en-US" dirty="0"/>
           </a:p>
@@ -5624,7 +8848,7 @@
             <a:fld id="{B61BEF0D-F0BB-DE4B-95CE-6DB70DBA9567}" type="datetimeFigureOut">
               <a:rPr lang="en-US" dirty="0"/>
               <a:pPr/>
-              <a:t>9/17/2021</a:t>
+              <a:t>9/21/2021</a:t>
             </a:fld>
             <a:endParaRPr lang="en-US" dirty="0"/>
           </a:p>
@@ -5716,7 +8940,7 @@
             <a:fld id="{B61BEF0D-F0BB-DE4B-95CE-6DB70DBA9567}" type="datetimeFigureOut">
               <a:rPr lang="en-US" dirty="0"/>
               <a:pPr/>
-              <a:t>9/17/2021</a:t>
+              <a:t>9/21/2021</a:t>
             </a:fld>
             <a:endParaRPr lang="en-US" dirty="0"/>
           </a:p>
@@ -6091,7 +9315,7 @@
             <a:fld id="{B61BEF0D-F0BB-DE4B-95CE-6DB70DBA9567}" type="datetimeFigureOut">
               <a:rPr lang="en-US" dirty="0"/>
               <a:pPr/>
-              <a:t>9/17/2021</a:t>
+              <a:t>9/21/2021</a:t>
             </a:fld>
             <a:endParaRPr lang="en-US" dirty="0"/>
           </a:p>
@@ -6377,7 +9601,7 @@
             <a:fld id="{B61BEF0D-F0BB-DE4B-95CE-6DB70DBA9567}" type="datetimeFigureOut">
               <a:rPr lang="en-US" dirty="0"/>
               <a:pPr/>
-              <a:t>9/17/2021</a:t>
+              <a:t>9/21/2021</a:t>
             </a:fld>
             <a:endParaRPr lang="en-US" dirty="0"/>
           </a:p>
@@ -6585,7 +9809,7 @@
             <a:fld id="{B61BEF0D-F0BB-DE4B-95CE-6DB70DBA9567}" type="datetimeFigureOut">
               <a:rPr lang="en-US" dirty="0"/>
               <a:pPr/>
-              <a:t>9/17/2021</a:t>
+              <a:t>9/21/2021</a:t>
             </a:fld>
             <a:endParaRPr lang="en-US" dirty="0"/>
           </a:p>
@@ -7260,6 +10484,120 @@
 <file path=ppt/slides/slide10.xml><?xml version="1.0" encoding="utf-8"?>
 <p:sld xmlns:a="http://schemas.openxmlformats.org/drawingml/2006/main" xmlns:r="http://schemas.openxmlformats.org/officeDocument/2006/relationships" xmlns:p="http://schemas.openxmlformats.org/presentationml/2006/main">
   <p:cSld>
+    <p:spTree>
+      <p:nvGrpSpPr>
+        <p:cNvPr id="1" name=""/>
+        <p:cNvGrpSpPr/>
+        <p:nvPr/>
+      </p:nvGrpSpPr>
+      <p:grpSpPr>
+        <a:xfrm>
+          <a:off x="0" y="0"/>
+          <a:ext cx="0" cy="0"/>
+          <a:chOff x="0" y="0"/>
+          <a:chExt cx="0" cy="0"/>
+        </a:xfrm>
+      </p:grpSpPr>
+      <p:sp>
+        <p:nvSpPr>
+          <p:cNvPr id="2" name="Title 1">
+            <a:extLst>
+              <a:ext uri="{FF2B5EF4-FFF2-40B4-BE49-F238E27FC236}">
+                <a16:creationId xmlns:a16="http://schemas.microsoft.com/office/drawing/2014/main" id="{B9B389AF-CF51-4B0E-88B6-362FDAA1AA31}"/>
+              </a:ext>
+            </a:extLst>
+          </p:cNvPr>
+          <p:cNvSpPr>
+            <a:spLocks noGrp="1"/>
+          </p:cNvSpPr>
+          <p:nvPr>
+            <p:ph type="title"/>
+          </p:nvPr>
+        </p:nvSpPr>
+        <p:spPr/>
+        <p:txBody>
+          <a:bodyPr/>
+          <a:lstStyle/>
+          <a:p>
+            <a:pPr algn="ctr"/>
+            <a:r>
+              <a:rPr lang="en-GB" dirty="0"/>
+              <a:t>Scanning methods</a:t>
+            </a:r>
+          </a:p>
+        </p:txBody>
+      </p:sp>
+      <p:sp>
+        <p:nvSpPr>
+          <p:cNvPr id="3" name="Content Placeholder 2">
+            <a:extLst>
+              <a:ext uri="{FF2B5EF4-FFF2-40B4-BE49-F238E27FC236}">
+                <a16:creationId xmlns:a16="http://schemas.microsoft.com/office/drawing/2014/main" id="{F653D789-ABAE-4934-AD56-745AF698980C}"/>
+              </a:ext>
+            </a:extLst>
+          </p:cNvPr>
+          <p:cNvSpPr>
+            <a:spLocks noGrp="1"/>
+          </p:cNvSpPr>
+          <p:nvPr>
+            <p:ph idx="1"/>
+          </p:nvPr>
+        </p:nvSpPr>
+        <p:spPr/>
+        <p:txBody>
+          <a:bodyPr/>
+          <a:lstStyle/>
+          <a:p>
+            <a:r>
+              <a:rPr lang="en-GB" dirty="0"/>
+              <a:t>Using “exotic” TCP flags</a:t>
+            </a:r>
+          </a:p>
+          <a:p>
+            <a:endParaRPr lang="en-GB" dirty="0"/>
+          </a:p>
+          <a:p>
+            <a:r>
+              <a:rPr lang="en-GB" dirty="0"/>
+              <a:t>Usual ports (Targeting most frequent ports) reducing payload size of scanning</a:t>
+            </a:r>
+          </a:p>
+          <a:p>
+            <a:endParaRPr lang="en-GB" dirty="0"/>
+          </a:p>
+          <a:p>
+            <a:r>
+              <a:rPr lang="en-GB" dirty="0"/>
+              <a:t>Aggressive scans with known tools (Easy way of getting blocked)</a:t>
+            </a:r>
+          </a:p>
+          <a:p>
+            <a:endParaRPr lang="en-GB" dirty="0"/>
+          </a:p>
+          <a:p>
+            <a:r>
+              <a:rPr lang="en-GB" dirty="0"/>
+              <a:t>Stealthier scans with custom tools (Preferable to remain hidden)</a:t>
+            </a:r>
+          </a:p>
+        </p:txBody>
+      </p:sp>
+    </p:spTree>
+    <p:extLst>
+      <p:ext uri="{BB962C8B-B14F-4D97-AF65-F5344CB8AC3E}">
+        <p14:creationId xmlns:p14="http://schemas.microsoft.com/office/powerpoint/2010/main" val="3726213110"/>
+      </p:ext>
+    </p:extLst>
+  </p:cSld>
+  <p:clrMapOvr>
+    <a:masterClrMapping/>
+  </p:clrMapOvr>
+</p:sld>
+</file>
+
+<file path=ppt/slides/slide11.xml><?xml version="1.0" encoding="utf-8"?>
+<p:sld xmlns:a="http://schemas.openxmlformats.org/drawingml/2006/main" xmlns:r="http://schemas.openxmlformats.org/officeDocument/2006/relationships" xmlns:p="http://schemas.openxmlformats.org/presentationml/2006/main">
+  <p:cSld>
     <p:bg>
       <p:bgPr>
         <a:solidFill>
@@ -7441,18 +10779,13 @@
           <a:p>
             <a:pPr algn="ctr"/>
             <a:r>
-              <a:rPr lang="en-GB" sz="5000" dirty="0" err="1">
+              <a:rPr lang="en-GB" sz="5000" dirty="0">
                 <a:solidFill>
                   <a:srgbClr val="FFFFFF"/>
                 </a:solidFill>
               </a:rPr>
-              <a:t>SCapy</a:t>
+              <a:t>NMAP</a:t>
             </a:r>
-            <a:endParaRPr lang="en-GB" sz="5000" dirty="0">
-              <a:solidFill>
-                <a:srgbClr val="FFFFFF"/>
-              </a:solidFill>
-            </a:endParaRPr>
           </a:p>
         </p:txBody>
       </p:sp>
@@ -7598,6 +10931,771 @@
             <a:pPr algn="ctr"/>
             <a:r>
               <a:rPr lang="en-GB" sz="2000" dirty="0"/>
+              <a:t>One of the best port scanning tools capable to perform various port scanning techniques</a:t>
+            </a:r>
+          </a:p>
+          <a:p>
+            <a:pPr algn="ctr"/>
+            <a:endParaRPr lang="en-GB" sz="2000" dirty="0"/>
+          </a:p>
+          <a:p>
+            <a:pPr algn="ctr"/>
+            <a:r>
+              <a:rPr lang="en-GB" sz="2000" dirty="0"/>
+              <a:t>Armed with a scripting engine allowing for customisation of traffic</a:t>
+            </a:r>
+          </a:p>
+          <a:p>
+            <a:pPr algn="ctr"/>
+            <a:endParaRPr lang="en-GB" sz="2000" dirty="0"/>
+          </a:p>
+          <a:p>
+            <a:pPr algn="ctr"/>
+            <a:r>
+              <a:rPr lang="en-GB" sz="2000" dirty="0"/>
+              <a:t>Can be very loud sending a high volume of packets resulting in detection</a:t>
+            </a:r>
+          </a:p>
+        </p:txBody>
+      </p:sp>
+    </p:spTree>
+    <p:extLst>
+      <p:ext uri="{BB962C8B-B14F-4D97-AF65-F5344CB8AC3E}">
+        <p14:creationId xmlns:p14="http://schemas.microsoft.com/office/powerpoint/2010/main" val="102639584"/>
+      </p:ext>
+    </p:extLst>
+  </p:cSld>
+  <p:clrMapOvr>
+    <a:masterClrMapping/>
+  </p:clrMapOvr>
+</p:sld>
+</file>
+
+<file path=ppt/slides/slide12.xml><?xml version="1.0" encoding="utf-8"?>
+<p:sld xmlns:a="http://schemas.openxmlformats.org/drawingml/2006/main" xmlns:r="http://schemas.openxmlformats.org/officeDocument/2006/relationships" xmlns:p="http://schemas.openxmlformats.org/presentationml/2006/main">
+  <p:cSld>
+    <p:bg>
+      <p:bgPr>
+        <a:solidFill>
+          <a:schemeClr val="bg1"/>
+        </a:solidFill>
+        <a:effectLst/>
+      </p:bgPr>
+    </p:bg>
+    <p:spTree>
+      <p:nvGrpSpPr>
+        <p:cNvPr id="1" name=""/>
+        <p:cNvGrpSpPr/>
+        <p:nvPr/>
+      </p:nvGrpSpPr>
+      <p:grpSpPr>
+        <a:xfrm>
+          <a:off x="0" y="0"/>
+          <a:ext cx="0" cy="0"/>
+          <a:chOff x="0" y="0"/>
+          <a:chExt cx="0" cy="0"/>
+        </a:xfrm>
+      </p:grpSpPr>
+      <p:sp>
+        <p:nvSpPr>
+          <p:cNvPr id="8" name="Rectangle 7">
+            <a:extLst>
+              <a:ext uri="{FF2B5EF4-FFF2-40B4-BE49-F238E27FC236}">
+                <a16:creationId xmlns:a16="http://schemas.microsoft.com/office/drawing/2014/main" id="{1A59258C-AAC2-41CD-973C-7439B122A3FF}"/>
+              </a:ext>
+              <a:ext uri="{C183D7F6-B498-43B3-948B-1728B52AA6E4}">
+                <adec:decorative xmlns:adec="http://schemas.microsoft.com/office/drawing/2017/decorative" val="1"/>
+              </a:ext>
+            </a:extLst>
+          </p:cNvPr>
+          <p:cNvSpPr>
+            <a:spLocks noGrp="1" noRot="1" noChangeAspect="1" noMove="1" noResize="1" noEditPoints="1" noAdjustHandles="1" noChangeArrowheads="1" noChangeShapeType="1" noTextEdit="1"/>
+          </p:cNvSpPr>
+          <p:nvPr>
+            <p:extLst>
+              <p:ext uri="{386F3935-93C4-4BCD-93E2-E3B085C9AB24}">
+                <p16:designElem xmlns:p16="http://schemas.microsoft.com/office/powerpoint/2015/main" val="1"/>
+              </p:ext>
+            </p:extLst>
+          </p:nvPr>
+        </p:nvSpPr>
+        <p:spPr>
+          <a:xfrm>
+            <a:off x="0" y="0"/>
+            <a:ext cx="12192000" cy="6858000"/>
+          </a:xfrm>
+          <a:prstGeom prst="rect">
+            <a:avLst/>
+          </a:prstGeom>
+          <a:solidFill>
+            <a:srgbClr val="FFFFFF"/>
+          </a:solidFill>
+          <a:ln>
+            <a:noFill/>
+          </a:ln>
+        </p:spPr>
+        <p:style>
+          <a:lnRef idx="2">
+            <a:schemeClr val="accent1">
+              <a:shade val="50000"/>
+            </a:schemeClr>
+          </a:lnRef>
+          <a:fillRef idx="1">
+            <a:schemeClr val="accent1"/>
+          </a:fillRef>
+          <a:effectRef idx="0">
+            <a:schemeClr val="accent1"/>
+          </a:effectRef>
+          <a:fontRef idx="minor">
+            <a:schemeClr val="lt1"/>
+          </a:fontRef>
+        </p:style>
+        <p:txBody>
+          <a:bodyPr rtlCol="0" anchor="ctr"/>
+          <a:lstStyle/>
+          <a:p>
+            <a:pPr marL="285750" indent="-285750" algn="ctr">
+              <a:buClr>
+                <a:schemeClr val="accent1"/>
+              </a:buClr>
+              <a:buFont typeface="Arial" panose="020B0604020202020204" pitchFamily="34" charset="0"/>
+              <a:buChar char="•"/>
+            </a:pPr>
+            <a:endParaRPr lang="en-US" dirty="0"/>
+          </a:p>
+        </p:txBody>
+      </p:sp>
+      <p:sp>
+        <p:nvSpPr>
+          <p:cNvPr id="10" name="Rectangle 9">
+            <a:extLst>
+              <a:ext uri="{FF2B5EF4-FFF2-40B4-BE49-F238E27FC236}">
+                <a16:creationId xmlns:a16="http://schemas.microsoft.com/office/drawing/2014/main" id="{54516B72-0116-42B2-82A2-B11218A36636}"/>
+              </a:ext>
+              <a:ext uri="{C183D7F6-B498-43B3-948B-1728B52AA6E4}">
+                <adec:decorative xmlns:adec="http://schemas.microsoft.com/office/drawing/2017/decorative" val="1"/>
+              </a:ext>
+            </a:extLst>
+          </p:cNvPr>
+          <p:cNvSpPr>
+            <a:spLocks noGrp="1" noRot="1" noChangeAspect="1" noMove="1" noResize="1" noEditPoints="1" noAdjustHandles="1" noChangeArrowheads="1" noChangeShapeType="1" noTextEdit="1"/>
+          </p:cNvSpPr>
+          <p:nvPr>
+            <p:extLst>
+              <p:ext uri="{386F3935-93C4-4BCD-93E2-E3B085C9AB24}">
+                <p16:designElem xmlns:p16="http://schemas.microsoft.com/office/powerpoint/2015/main" val="1"/>
+              </p:ext>
+            </p:extLst>
+          </p:nvPr>
+        </p:nvSpPr>
+        <p:spPr>
+          <a:xfrm>
+            <a:off x="-1" y="0"/>
+            <a:ext cx="6113191" cy="6858000"/>
+          </a:xfrm>
+          <a:prstGeom prst="rect">
+            <a:avLst/>
+          </a:prstGeom>
+          <a:ln>
+            <a:noFill/>
+          </a:ln>
+        </p:spPr>
+        <p:style>
+          <a:lnRef idx="2">
+            <a:schemeClr val="accent1">
+              <a:shade val="50000"/>
+            </a:schemeClr>
+          </a:lnRef>
+          <a:fillRef idx="1">
+            <a:schemeClr val="accent1"/>
+          </a:fillRef>
+          <a:effectRef idx="0">
+            <a:schemeClr val="accent1"/>
+          </a:effectRef>
+          <a:fontRef idx="minor">
+            <a:schemeClr val="lt1"/>
+          </a:fontRef>
+        </p:style>
+        <p:txBody>
+          <a:bodyPr rtlCol="0" anchor="ctr"/>
+          <a:lstStyle/>
+          <a:p>
+            <a:pPr algn="ctr"/>
+            <a:endParaRPr lang="en-US"/>
+          </a:p>
+        </p:txBody>
+      </p:sp>
+      <p:sp>
+        <p:nvSpPr>
+          <p:cNvPr id="2" name="Title 1">
+            <a:extLst>
+              <a:ext uri="{FF2B5EF4-FFF2-40B4-BE49-F238E27FC236}">
+                <a16:creationId xmlns:a16="http://schemas.microsoft.com/office/drawing/2014/main" id="{99B6B504-03DB-450E-A2C9-2B3C97FBE8D6}"/>
+              </a:ext>
+            </a:extLst>
+          </p:cNvPr>
+          <p:cNvSpPr>
+            <a:spLocks noGrp="1"/>
+          </p:cNvSpPr>
+          <p:nvPr>
+            <p:ph type="title"/>
+          </p:nvPr>
+        </p:nvSpPr>
+        <p:spPr>
+          <a:xfrm>
+            <a:off x="643468" y="1033389"/>
+            <a:ext cx="4826256" cy="4825409"/>
+          </a:xfrm>
+        </p:spPr>
+        <p:txBody>
+          <a:bodyPr anchor="ctr">
+            <a:normAutofit/>
+          </a:bodyPr>
+          <a:lstStyle/>
+          <a:p>
+            <a:pPr algn="ctr"/>
+            <a:r>
+              <a:rPr lang="en-GB" sz="5000" dirty="0">
+                <a:solidFill>
+                  <a:srgbClr val="FFFFFF"/>
+                </a:solidFill>
+              </a:rPr>
+              <a:t>Netcat</a:t>
+            </a:r>
+          </a:p>
+        </p:txBody>
+      </p:sp>
+      <p:sp>
+        <p:nvSpPr>
+          <p:cNvPr id="12" name="Rectangle 11">
+            <a:extLst>
+              <a:ext uri="{FF2B5EF4-FFF2-40B4-BE49-F238E27FC236}">
+                <a16:creationId xmlns:a16="http://schemas.microsoft.com/office/drawing/2014/main" id="{7CDB507F-21B7-4C27-B0FC-D9C465C6DB44}"/>
+              </a:ext>
+              <a:ext uri="{C183D7F6-B498-43B3-948B-1728B52AA6E4}">
+                <adec:decorative xmlns:adec="http://schemas.microsoft.com/office/drawing/2017/decorative" val="1"/>
+              </a:ext>
+            </a:extLst>
+          </p:cNvPr>
+          <p:cNvSpPr>
+            <a:spLocks noGrp="1" noRot="1" noChangeAspect="1" noMove="1" noResize="1" noEditPoints="1" noAdjustHandles="1" noChangeArrowheads="1" noChangeShapeType="1" noTextEdit="1"/>
+          </p:cNvSpPr>
+          <p:nvPr>
+            <p:extLst>
+              <p:ext uri="{386F3935-93C4-4BCD-93E2-E3B085C9AB24}">
+                <p16:designElem xmlns:p16="http://schemas.microsoft.com/office/powerpoint/2015/main" val="1"/>
+              </p:ext>
+            </p:extLst>
+          </p:nvPr>
+        </p:nvSpPr>
+        <p:spPr>
+          <a:xfrm>
+            <a:off x="642579" y="460868"/>
+            <a:ext cx="4828032" cy="111654"/>
+          </a:xfrm>
+          <a:prstGeom prst="rect">
+            <a:avLst/>
+          </a:prstGeom>
+          <a:solidFill>
+            <a:srgbClr val="FFFFFF"/>
+          </a:solidFill>
+          <a:ln>
+            <a:noFill/>
+          </a:ln>
+          <a:effectLst/>
+        </p:spPr>
+        <p:style>
+          <a:lnRef idx="1">
+            <a:schemeClr val="accent1"/>
+          </a:lnRef>
+          <a:fillRef idx="3">
+            <a:schemeClr val="accent1"/>
+          </a:fillRef>
+          <a:effectRef idx="2">
+            <a:schemeClr val="accent1"/>
+          </a:effectRef>
+          <a:fontRef idx="minor">
+            <a:schemeClr val="lt1"/>
+          </a:fontRef>
+        </p:style>
+      </p:sp>
+      <p:sp>
+        <p:nvSpPr>
+          <p:cNvPr id="14" name="Rectangle 13">
+            <a:extLst>
+              <a:ext uri="{FF2B5EF4-FFF2-40B4-BE49-F238E27FC236}">
+                <a16:creationId xmlns:a16="http://schemas.microsoft.com/office/drawing/2014/main" id="{7AB1AE17-B7A3-4363-95CD-25441E2FF1F3}"/>
+              </a:ext>
+              <a:ext uri="{C183D7F6-B498-43B3-948B-1728B52AA6E4}">
+                <adec:decorative xmlns:adec="http://schemas.microsoft.com/office/drawing/2017/decorative" val="1"/>
+              </a:ext>
+            </a:extLst>
+          </p:cNvPr>
+          <p:cNvSpPr>
+            <a:spLocks noGrp="1" noRot="1" noChangeAspect="1" noMove="1" noResize="1" noEditPoints="1" noAdjustHandles="1" noChangeArrowheads="1" noChangeShapeType="1" noTextEdit="1"/>
+          </p:cNvSpPr>
+          <p:nvPr>
+            <p:extLst>
+              <p:ext uri="{386F3935-93C4-4BCD-93E2-E3B085C9AB24}">
+                <p16:designElem xmlns:p16="http://schemas.microsoft.com/office/powerpoint/2015/main" val="1"/>
+              </p:ext>
+            </p:extLst>
+          </p:nvPr>
+        </p:nvSpPr>
+        <p:spPr>
+          <a:xfrm>
+            <a:off x="6782774" y="460868"/>
+            <a:ext cx="4828032" cy="111654"/>
+          </a:xfrm>
+          <a:prstGeom prst="rect">
+            <a:avLst/>
+          </a:prstGeom>
+          <a:solidFill>
+            <a:schemeClr val="accent2"/>
+          </a:solidFill>
+          <a:ln>
+            <a:noFill/>
+          </a:ln>
+          <a:effectLst/>
+        </p:spPr>
+        <p:style>
+          <a:lnRef idx="1">
+            <a:schemeClr val="accent1"/>
+          </a:lnRef>
+          <a:fillRef idx="3">
+            <a:schemeClr val="accent1"/>
+          </a:fillRef>
+          <a:effectRef idx="2">
+            <a:schemeClr val="accent1"/>
+          </a:effectRef>
+          <a:fontRef idx="minor">
+            <a:schemeClr val="lt1"/>
+          </a:fontRef>
+        </p:style>
+      </p:sp>
+      <p:sp>
+        <p:nvSpPr>
+          <p:cNvPr id="3" name="Content Placeholder 2">
+            <a:extLst>
+              <a:ext uri="{FF2B5EF4-FFF2-40B4-BE49-F238E27FC236}">
+                <a16:creationId xmlns:a16="http://schemas.microsoft.com/office/drawing/2014/main" id="{775A717A-39A2-4D8B-B76C-C5ED05D90258}"/>
+              </a:ext>
+            </a:extLst>
+          </p:cNvPr>
+          <p:cNvSpPr>
+            <a:spLocks noGrp="1"/>
+          </p:cNvSpPr>
+          <p:nvPr>
+            <p:ph idx="1"/>
+          </p:nvPr>
+        </p:nvSpPr>
+        <p:spPr>
+          <a:xfrm>
+            <a:off x="6755769" y="1033390"/>
+            <a:ext cx="4855037" cy="4825409"/>
+          </a:xfrm>
+          <a:ln w="57150">
+            <a:noFill/>
+          </a:ln>
+        </p:spPr>
+        <p:txBody>
+          <a:bodyPr anchor="ctr">
+            <a:normAutofit/>
+          </a:bodyPr>
+          <a:lstStyle/>
+          <a:p>
+            <a:pPr algn="ctr"/>
+            <a:r>
+              <a:rPr lang="en-GB" sz="2000" dirty="0"/>
+              <a:t>More barebones compared to NMAP but can be used for reverse shell operations</a:t>
+            </a:r>
+          </a:p>
+          <a:p>
+            <a:pPr algn="ctr"/>
+            <a:endParaRPr lang="en-GB" sz="2000" dirty="0"/>
+          </a:p>
+          <a:p>
+            <a:pPr algn="ctr"/>
+            <a:r>
+              <a:rPr lang="en-GB" sz="2000" dirty="0"/>
+              <a:t>Can scan ports sending one packet to confirm availability but no scripting engine capabilities</a:t>
+            </a:r>
+          </a:p>
+          <a:p>
+            <a:pPr algn="ctr"/>
+            <a:endParaRPr lang="en-GB" sz="2000" dirty="0"/>
+          </a:p>
+          <a:p>
+            <a:pPr algn="ctr"/>
+            <a:r>
+              <a:rPr lang="en-GB" sz="2000" dirty="0"/>
+              <a:t>Less traffic generation resulting in stealthier approach</a:t>
+            </a:r>
+          </a:p>
+          <a:p>
+            <a:pPr algn="ctr"/>
+            <a:endParaRPr lang="en-GB" sz="2000" dirty="0"/>
+          </a:p>
+          <a:p>
+            <a:pPr algn="ctr"/>
+            <a:endParaRPr lang="en-GB" sz="2000" dirty="0"/>
+          </a:p>
+        </p:txBody>
+      </p:sp>
+    </p:spTree>
+    <p:extLst>
+      <p:ext uri="{BB962C8B-B14F-4D97-AF65-F5344CB8AC3E}">
+        <p14:creationId xmlns:p14="http://schemas.microsoft.com/office/powerpoint/2010/main" val="2853520093"/>
+      </p:ext>
+    </p:extLst>
+  </p:cSld>
+  <p:clrMapOvr>
+    <a:masterClrMapping/>
+  </p:clrMapOvr>
+</p:sld>
+</file>
+
+<file path=ppt/slides/slide13.xml><?xml version="1.0" encoding="utf-8"?>
+<p:sld xmlns:a="http://schemas.openxmlformats.org/drawingml/2006/main" xmlns:r="http://schemas.openxmlformats.org/officeDocument/2006/relationships" xmlns:p="http://schemas.openxmlformats.org/presentationml/2006/main">
+  <p:cSld>
+    <p:bg>
+      <p:bgPr>
+        <a:solidFill>
+          <a:schemeClr val="bg1"/>
+        </a:solidFill>
+        <a:effectLst/>
+      </p:bgPr>
+    </p:bg>
+    <p:spTree>
+      <p:nvGrpSpPr>
+        <p:cNvPr id="1" name=""/>
+        <p:cNvGrpSpPr/>
+        <p:nvPr/>
+      </p:nvGrpSpPr>
+      <p:grpSpPr>
+        <a:xfrm>
+          <a:off x="0" y="0"/>
+          <a:ext cx="0" cy="0"/>
+          <a:chOff x="0" y="0"/>
+          <a:chExt cx="0" cy="0"/>
+        </a:xfrm>
+      </p:grpSpPr>
+      <p:sp>
+        <p:nvSpPr>
+          <p:cNvPr id="8" name="Rectangle 7">
+            <a:extLst>
+              <a:ext uri="{FF2B5EF4-FFF2-40B4-BE49-F238E27FC236}">
+                <a16:creationId xmlns:a16="http://schemas.microsoft.com/office/drawing/2014/main" id="{1A59258C-AAC2-41CD-973C-7439B122A3FF}"/>
+              </a:ext>
+              <a:ext uri="{C183D7F6-B498-43B3-948B-1728B52AA6E4}">
+                <adec:decorative xmlns:adec="http://schemas.microsoft.com/office/drawing/2017/decorative" val="1"/>
+              </a:ext>
+            </a:extLst>
+          </p:cNvPr>
+          <p:cNvSpPr>
+            <a:spLocks noGrp="1" noRot="1" noChangeAspect="1" noMove="1" noResize="1" noEditPoints="1" noAdjustHandles="1" noChangeArrowheads="1" noChangeShapeType="1" noTextEdit="1"/>
+          </p:cNvSpPr>
+          <p:nvPr>
+            <p:extLst>
+              <p:ext uri="{386F3935-93C4-4BCD-93E2-E3B085C9AB24}">
+                <p16:designElem xmlns:p16="http://schemas.microsoft.com/office/powerpoint/2015/main" val="1"/>
+              </p:ext>
+            </p:extLst>
+          </p:nvPr>
+        </p:nvSpPr>
+        <p:spPr>
+          <a:xfrm>
+            <a:off x="0" y="0"/>
+            <a:ext cx="12192000" cy="6858000"/>
+          </a:xfrm>
+          <a:prstGeom prst="rect">
+            <a:avLst/>
+          </a:prstGeom>
+          <a:solidFill>
+            <a:srgbClr val="FFFFFF"/>
+          </a:solidFill>
+          <a:ln>
+            <a:noFill/>
+          </a:ln>
+        </p:spPr>
+        <p:style>
+          <a:lnRef idx="2">
+            <a:schemeClr val="accent1">
+              <a:shade val="50000"/>
+            </a:schemeClr>
+          </a:lnRef>
+          <a:fillRef idx="1">
+            <a:schemeClr val="accent1"/>
+          </a:fillRef>
+          <a:effectRef idx="0">
+            <a:schemeClr val="accent1"/>
+          </a:effectRef>
+          <a:fontRef idx="minor">
+            <a:schemeClr val="lt1"/>
+          </a:fontRef>
+        </p:style>
+        <p:txBody>
+          <a:bodyPr rtlCol="0" anchor="ctr"/>
+          <a:lstStyle/>
+          <a:p>
+            <a:pPr marL="285750" indent="-285750" algn="ctr">
+              <a:buClr>
+                <a:schemeClr val="accent1"/>
+              </a:buClr>
+              <a:buFont typeface="Arial" panose="020B0604020202020204" pitchFamily="34" charset="0"/>
+              <a:buChar char="•"/>
+            </a:pPr>
+            <a:endParaRPr lang="en-US" dirty="0"/>
+          </a:p>
+        </p:txBody>
+      </p:sp>
+      <p:sp>
+        <p:nvSpPr>
+          <p:cNvPr id="10" name="Rectangle 9">
+            <a:extLst>
+              <a:ext uri="{FF2B5EF4-FFF2-40B4-BE49-F238E27FC236}">
+                <a16:creationId xmlns:a16="http://schemas.microsoft.com/office/drawing/2014/main" id="{54516B72-0116-42B2-82A2-B11218A36636}"/>
+              </a:ext>
+              <a:ext uri="{C183D7F6-B498-43B3-948B-1728B52AA6E4}">
+                <adec:decorative xmlns:adec="http://schemas.microsoft.com/office/drawing/2017/decorative" val="1"/>
+              </a:ext>
+            </a:extLst>
+          </p:cNvPr>
+          <p:cNvSpPr>
+            <a:spLocks noGrp="1" noRot="1" noChangeAspect="1" noMove="1" noResize="1" noEditPoints="1" noAdjustHandles="1" noChangeArrowheads="1" noChangeShapeType="1" noTextEdit="1"/>
+          </p:cNvSpPr>
+          <p:nvPr>
+            <p:extLst>
+              <p:ext uri="{386F3935-93C4-4BCD-93E2-E3B085C9AB24}">
+                <p16:designElem xmlns:p16="http://schemas.microsoft.com/office/powerpoint/2015/main" val="1"/>
+              </p:ext>
+            </p:extLst>
+          </p:nvPr>
+        </p:nvSpPr>
+        <p:spPr>
+          <a:xfrm>
+            <a:off x="-1" y="0"/>
+            <a:ext cx="6113191" cy="6858000"/>
+          </a:xfrm>
+          <a:prstGeom prst="rect">
+            <a:avLst/>
+          </a:prstGeom>
+          <a:ln>
+            <a:noFill/>
+          </a:ln>
+        </p:spPr>
+        <p:style>
+          <a:lnRef idx="2">
+            <a:schemeClr val="accent1">
+              <a:shade val="50000"/>
+            </a:schemeClr>
+          </a:lnRef>
+          <a:fillRef idx="1">
+            <a:schemeClr val="accent1"/>
+          </a:fillRef>
+          <a:effectRef idx="0">
+            <a:schemeClr val="accent1"/>
+          </a:effectRef>
+          <a:fontRef idx="minor">
+            <a:schemeClr val="lt1"/>
+          </a:fontRef>
+        </p:style>
+        <p:txBody>
+          <a:bodyPr rtlCol="0" anchor="ctr"/>
+          <a:lstStyle/>
+          <a:p>
+            <a:pPr algn="ctr"/>
+            <a:endParaRPr lang="en-US"/>
+          </a:p>
+        </p:txBody>
+      </p:sp>
+      <p:sp>
+        <p:nvSpPr>
+          <p:cNvPr id="2" name="Title 1">
+            <a:extLst>
+              <a:ext uri="{FF2B5EF4-FFF2-40B4-BE49-F238E27FC236}">
+                <a16:creationId xmlns:a16="http://schemas.microsoft.com/office/drawing/2014/main" id="{99B6B504-03DB-450E-A2C9-2B3C97FBE8D6}"/>
+              </a:ext>
+            </a:extLst>
+          </p:cNvPr>
+          <p:cNvSpPr>
+            <a:spLocks noGrp="1"/>
+          </p:cNvSpPr>
+          <p:nvPr>
+            <p:ph type="title"/>
+          </p:nvPr>
+        </p:nvSpPr>
+        <p:spPr>
+          <a:xfrm>
+            <a:off x="643468" y="1033389"/>
+            <a:ext cx="4826256" cy="4825409"/>
+          </a:xfrm>
+        </p:spPr>
+        <p:txBody>
+          <a:bodyPr anchor="ctr">
+            <a:normAutofit/>
+          </a:bodyPr>
+          <a:lstStyle/>
+          <a:p>
+            <a:pPr algn="ctr"/>
+            <a:r>
+              <a:rPr lang="en-GB" sz="5000" dirty="0" err="1">
+                <a:solidFill>
+                  <a:srgbClr val="FFFFFF"/>
+                </a:solidFill>
+              </a:rPr>
+              <a:t>SCapy</a:t>
+            </a:r>
+            <a:endParaRPr lang="en-GB" sz="5000" dirty="0">
+              <a:solidFill>
+                <a:srgbClr val="FFFFFF"/>
+              </a:solidFill>
+            </a:endParaRPr>
+          </a:p>
+        </p:txBody>
+      </p:sp>
+      <p:sp>
+        <p:nvSpPr>
+          <p:cNvPr id="12" name="Rectangle 11">
+            <a:extLst>
+              <a:ext uri="{FF2B5EF4-FFF2-40B4-BE49-F238E27FC236}">
+                <a16:creationId xmlns:a16="http://schemas.microsoft.com/office/drawing/2014/main" id="{7CDB507F-21B7-4C27-B0FC-D9C465C6DB44}"/>
+              </a:ext>
+              <a:ext uri="{C183D7F6-B498-43B3-948B-1728B52AA6E4}">
+                <adec:decorative xmlns:adec="http://schemas.microsoft.com/office/drawing/2017/decorative" val="1"/>
+              </a:ext>
+            </a:extLst>
+          </p:cNvPr>
+          <p:cNvSpPr>
+            <a:spLocks noGrp="1" noRot="1" noChangeAspect="1" noMove="1" noResize="1" noEditPoints="1" noAdjustHandles="1" noChangeArrowheads="1" noChangeShapeType="1" noTextEdit="1"/>
+          </p:cNvSpPr>
+          <p:nvPr>
+            <p:extLst>
+              <p:ext uri="{386F3935-93C4-4BCD-93E2-E3B085C9AB24}">
+                <p16:designElem xmlns:p16="http://schemas.microsoft.com/office/powerpoint/2015/main" val="1"/>
+              </p:ext>
+            </p:extLst>
+          </p:nvPr>
+        </p:nvSpPr>
+        <p:spPr>
+          <a:xfrm>
+            <a:off x="642579" y="460868"/>
+            <a:ext cx="4828032" cy="111654"/>
+          </a:xfrm>
+          <a:prstGeom prst="rect">
+            <a:avLst/>
+          </a:prstGeom>
+          <a:solidFill>
+            <a:srgbClr val="FFFFFF"/>
+          </a:solidFill>
+          <a:ln>
+            <a:noFill/>
+          </a:ln>
+          <a:effectLst/>
+        </p:spPr>
+        <p:style>
+          <a:lnRef idx="1">
+            <a:schemeClr val="accent1"/>
+          </a:lnRef>
+          <a:fillRef idx="3">
+            <a:schemeClr val="accent1"/>
+          </a:fillRef>
+          <a:effectRef idx="2">
+            <a:schemeClr val="accent1"/>
+          </a:effectRef>
+          <a:fontRef idx="minor">
+            <a:schemeClr val="lt1"/>
+          </a:fontRef>
+        </p:style>
+      </p:sp>
+      <p:sp>
+        <p:nvSpPr>
+          <p:cNvPr id="14" name="Rectangle 13">
+            <a:extLst>
+              <a:ext uri="{FF2B5EF4-FFF2-40B4-BE49-F238E27FC236}">
+                <a16:creationId xmlns:a16="http://schemas.microsoft.com/office/drawing/2014/main" id="{7AB1AE17-B7A3-4363-95CD-25441E2FF1F3}"/>
+              </a:ext>
+              <a:ext uri="{C183D7F6-B498-43B3-948B-1728B52AA6E4}">
+                <adec:decorative xmlns:adec="http://schemas.microsoft.com/office/drawing/2017/decorative" val="1"/>
+              </a:ext>
+            </a:extLst>
+          </p:cNvPr>
+          <p:cNvSpPr>
+            <a:spLocks noGrp="1" noRot="1" noChangeAspect="1" noMove="1" noResize="1" noEditPoints="1" noAdjustHandles="1" noChangeArrowheads="1" noChangeShapeType="1" noTextEdit="1"/>
+          </p:cNvSpPr>
+          <p:nvPr>
+            <p:extLst>
+              <p:ext uri="{386F3935-93C4-4BCD-93E2-E3B085C9AB24}">
+                <p16:designElem xmlns:p16="http://schemas.microsoft.com/office/powerpoint/2015/main" val="1"/>
+              </p:ext>
+            </p:extLst>
+          </p:nvPr>
+        </p:nvSpPr>
+        <p:spPr>
+          <a:xfrm>
+            <a:off x="6782774" y="460868"/>
+            <a:ext cx="4828032" cy="111654"/>
+          </a:xfrm>
+          <a:prstGeom prst="rect">
+            <a:avLst/>
+          </a:prstGeom>
+          <a:solidFill>
+            <a:schemeClr val="accent2"/>
+          </a:solidFill>
+          <a:ln>
+            <a:noFill/>
+          </a:ln>
+          <a:effectLst/>
+        </p:spPr>
+        <p:style>
+          <a:lnRef idx="1">
+            <a:schemeClr val="accent1"/>
+          </a:lnRef>
+          <a:fillRef idx="3">
+            <a:schemeClr val="accent1"/>
+          </a:fillRef>
+          <a:effectRef idx="2">
+            <a:schemeClr val="accent1"/>
+          </a:effectRef>
+          <a:fontRef idx="minor">
+            <a:schemeClr val="lt1"/>
+          </a:fontRef>
+        </p:style>
+      </p:sp>
+      <p:sp>
+        <p:nvSpPr>
+          <p:cNvPr id="3" name="Content Placeholder 2">
+            <a:extLst>
+              <a:ext uri="{FF2B5EF4-FFF2-40B4-BE49-F238E27FC236}">
+                <a16:creationId xmlns:a16="http://schemas.microsoft.com/office/drawing/2014/main" id="{775A717A-39A2-4D8B-B76C-C5ED05D90258}"/>
+              </a:ext>
+            </a:extLst>
+          </p:cNvPr>
+          <p:cNvSpPr>
+            <a:spLocks noGrp="1"/>
+          </p:cNvSpPr>
+          <p:nvPr>
+            <p:ph idx="1"/>
+          </p:nvPr>
+        </p:nvSpPr>
+        <p:spPr>
+          <a:xfrm>
+            <a:off x="6755769" y="1033390"/>
+            <a:ext cx="4855037" cy="4825409"/>
+          </a:xfrm>
+          <a:ln w="57150">
+            <a:noFill/>
+          </a:ln>
+        </p:spPr>
+        <p:txBody>
+          <a:bodyPr anchor="ctr">
+            <a:normAutofit/>
+          </a:bodyPr>
+          <a:lstStyle/>
+          <a:p>
+            <a:pPr algn="ctr"/>
+            <a:r>
+              <a:rPr lang="en-GB" sz="2000" dirty="0"/>
               <a:t>Packet crafting framework/Python </a:t>
             </a:r>
             <a:r>
@@ -7646,7 +11744,7 @@
 </p:sld>
 </file>
 
-<file path=ppt/slides/slide11.xml><?xml version="1.0" encoding="utf-8"?>
+<file path=ppt/slides/slide14.xml><?xml version="1.0" encoding="utf-8"?>
 <p:sld xmlns:a="http://schemas.openxmlformats.org/drawingml/2006/main" xmlns:r="http://schemas.openxmlformats.org/officeDocument/2006/relationships" xmlns:p="http://schemas.openxmlformats.org/presentationml/2006/main">
   <p:cSld>
     <p:bg>
@@ -8379,289 +12477,6 @@
 </p:sld>
 </file>
 
-<file path=ppt/slides/slide12.xml><?xml version="1.0" encoding="utf-8"?>
-<p:sld xmlns:a="http://schemas.openxmlformats.org/drawingml/2006/main" xmlns:r="http://schemas.openxmlformats.org/officeDocument/2006/relationships" xmlns:p="http://schemas.openxmlformats.org/presentationml/2006/main">
-  <p:cSld>
-    <p:spTree>
-      <p:nvGrpSpPr>
-        <p:cNvPr id="1" name=""/>
-        <p:cNvGrpSpPr/>
-        <p:nvPr/>
-      </p:nvGrpSpPr>
-      <p:grpSpPr>
-        <a:xfrm>
-          <a:off x="0" y="0"/>
-          <a:ext cx="0" cy="0"/>
-          <a:chOff x="0" y="0"/>
-          <a:chExt cx="0" cy="0"/>
-        </a:xfrm>
-      </p:grpSpPr>
-      <p:sp>
-        <p:nvSpPr>
-          <p:cNvPr id="2" name="Title 1">
-            <a:extLst>
-              <a:ext uri="{FF2B5EF4-FFF2-40B4-BE49-F238E27FC236}">
-                <a16:creationId xmlns:a16="http://schemas.microsoft.com/office/drawing/2014/main" id="{F696B6ED-47BD-4BE0-83FF-31EE7FB9DBE5}"/>
-              </a:ext>
-            </a:extLst>
-          </p:cNvPr>
-          <p:cNvSpPr>
-            <a:spLocks noGrp="1"/>
-          </p:cNvSpPr>
-          <p:nvPr>
-            <p:ph type="title"/>
-          </p:nvPr>
-        </p:nvSpPr>
-        <p:spPr/>
-        <p:txBody>
-          <a:bodyPr/>
-          <a:lstStyle/>
-          <a:p>
-            <a:pPr algn="ctr"/>
-            <a:r>
-              <a:rPr lang="en-GB" dirty="0"/>
-              <a:t>What is a burner machine?</a:t>
-            </a:r>
-          </a:p>
-        </p:txBody>
-      </p:sp>
-      <p:sp>
-        <p:nvSpPr>
-          <p:cNvPr id="3" name="Content Placeholder 2">
-            <a:extLst>
-              <a:ext uri="{FF2B5EF4-FFF2-40B4-BE49-F238E27FC236}">
-                <a16:creationId xmlns:a16="http://schemas.microsoft.com/office/drawing/2014/main" id="{D8E36CC0-4F00-4813-A211-16F91FA270B2}"/>
-              </a:ext>
-            </a:extLst>
-          </p:cNvPr>
-          <p:cNvSpPr>
-            <a:spLocks noGrp="1"/>
-          </p:cNvSpPr>
-          <p:nvPr>
-            <p:ph idx="1"/>
-          </p:nvPr>
-        </p:nvSpPr>
-        <p:spPr/>
-        <p:txBody>
-          <a:bodyPr/>
-          <a:lstStyle/>
-          <a:p>
-            <a:r>
-              <a:rPr lang="en-GB" dirty="0"/>
-              <a:t>Similar to a throwaway email, a burner machine is intended for uses which provide anonymity to ones true identity</a:t>
-            </a:r>
-          </a:p>
-          <a:p>
-            <a:endParaRPr lang="en-GB" dirty="0"/>
-          </a:p>
-          <a:p>
-            <a:r>
-              <a:rPr lang="en-GB" dirty="0"/>
-              <a:t>Online vulnerability scanners available on the internet provide scanning capabilities on their own machines</a:t>
-            </a:r>
-          </a:p>
-          <a:p>
-            <a:endParaRPr lang="en-GB" dirty="0"/>
-          </a:p>
-          <a:p>
-            <a:r>
-              <a:rPr lang="en-GB" dirty="0"/>
-              <a:t>Even if a burner machine provided by the scanner is blocked, we can maintain contact with the target as our own access is not blocked. </a:t>
-            </a:r>
-          </a:p>
-          <a:p>
-            <a:endParaRPr lang="en-GB" dirty="0"/>
-          </a:p>
-          <a:p>
-            <a:r>
-              <a:rPr lang="en-GB" dirty="0"/>
-              <a:t>This leaves us with a potentially blocked connection from a separate machine, similar to performing a decoy scan using NMAP. </a:t>
-            </a:r>
-          </a:p>
-        </p:txBody>
-      </p:sp>
-    </p:spTree>
-    <p:extLst>
-      <p:ext uri="{BB962C8B-B14F-4D97-AF65-F5344CB8AC3E}">
-        <p14:creationId xmlns:p14="http://schemas.microsoft.com/office/powerpoint/2010/main" val="3953408478"/>
-      </p:ext>
-    </p:extLst>
-  </p:cSld>
-  <p:clrMapOvr>
-    <a:masterClrMapping/>
-  </p:clrMapOvr>
-</p:sld>
-</file>
-
-<file path=ppt/slides/slide13.xml><?xml version="1.0" encoding="utf-8"?>
-<p:sld xmlns:a="http://schemas.openxmlformats.org/drawingml/2006/main" xmlns:r="http://schemas.openxmlformats.org/officeDocument/2006/relationships" xmlns:p="http://schemas.openxmlformats.org/presentationml/2006/main">
-  <p:cSld>
-    <p:spTree>
-      <p:nvGrpSpPr>
-        <p:cNvPr id="1" name=""/>
-        <p:cNvGrpSpPr/>
-        <p:nvPr/>
-      </p:nvGrpSpPr>
-      <p:grpSpPr>
-        <a:xfrm>
-          <a:off x="0" y="0"/>
-          <a:ext cx="0" cy="0"/>
-          <a:chOff x="0" y="0"/>
-          <a:chExt cx="0" cy="0"/>
-        </a:xfrm>
-      </p:grpSpPr>
-      <p:sp>
-        <p:nvSpPr>
-          <p:cNvPr id="2" name="Title 1">
-            <a:extLst>
-              <a:ext uri="{FF2B5EF4-FFF2-40B4-BE49-F238E27FC236}">
-                <a16:creationId xmlns:a16="http://schemas.microsoft.com/office/drawing/2014/main" id="{B7C4EF21-5077-4572-B2E6-21690959F196}"/>
-              </a:ext>
-            </a:extLst>
-          </p:cNvPr>
-          <p:cNvSpPr>
-            <a:spLocks noGrp="1"/>
-          </p:cNvSpPr>
-          <p:nvPr>
-            <p:ph type="title"/>
-          </p:nvPr>
-        </p:nvSpPr>
-        <p:spPr/>
-        <p:txBody>
-          <a:bodyPr/>
-          <a:lstStyle/>
-          <a:p>
-            <a:pPr algn="ctr"/>
-            <a:r>
-              <a:rPr lang="en-GB" dirty="0"/>
-              <a:t>Decoy Scan</a:t>
-            </a:r>
-          </a:p>
-        </p:txBody>
-      </p:sp>
-      <p:sp>
-        <p:nvSpPr>
-          <p:cNvPr id="3" name="Content Placeholder 2">
-            <a:extLst>
-              <a:ext uri="{FF2B5EF4-FFF2-40B4-BE49-F238E27FC236}">
-                <a16:creationId xmlns:a16="http://schemas.microsoft.com/office/drawing/2014/main" id="{15050F44-4463-458C-A4ED-2F44AA1592EB}"/>
-              </a:ext>
-            </a:extLst>
-          </p:cNvPr>
-          <p:cNvSpPr>
-            <a:spLocks noGrp="1"/>
-          </p:cNvSpPr>
-          <p:nvPr>
-            <p:ph idx="1"/>
-          </p:nvPr>
-        </p:nvSpPr>
-        <p:spPr/>
-        <p:txBody>
-          <a:bodyPr/>
-          <a:lstStyle/>
-          <a:p>
-            <a:endParaRPr lang="en-GB" dirty="0"/>
-          </a:p>
-        </p:txBody>
-      </p:sp>
-    </p:spTree>
-    <p:extLst>
-      <p:ext uri="{BB962C8B-B14F-4D97-AF65-F5344CB8AC3E}">
-        <p14:creationId xmlns:p14="http://schemas.microsoft.com/office/powerpoint/2010/main" val="582011582"/>
-      </p:ext>
-    </p:extLst>
-  </p:cSld>
-  <p:clrMapOvr>
-    <a:masterClrMapping/>
-  </p:clrMapOvr>
-</p:sld>
-</file>
-
-<file path=ppt/slides/slide14.xml><?xml version="1.0" encoding="utf-8"?>
-<p:sld xmlns:a="http://schemas.openxmlformats.org/drawingml/2006/main" xmlns:r="http://schemas.openxmlformats.org/officeDocument/2006/relationships" xmlns:p="http://schemas.openxmlformats.org/presentationml/2006/main">
-  <p:cSld>
-    <p:spTree>
-      <p:nvGrpSpPr>
-        <p:cNvPr id="1" name=""/>
-        <p:cNvGrpSpPr/>
-        <p:nvPr/>
-      </p:nvGrpSpPr>
-      <p:grpSpPr>
-        <a:xfrm>
-          <a:off x="0" y="0"/>
-          <a:ext cx="0" cy="0"/>
-          <a:chOff x="0" y="0"/>
-          <a:chExt cx="0" cy="0"/>
-        </a:xfrm>
-      </p:grpSpPr>
-      <p:sp>
-        <p:nvSpPr>
-          <p:cNvPr id="2" name="Title 1">
-            <a:extLst>
-              <a:ext uri="{FF2B5EF4-FFF2-40B4-BE49-F238E27FC236}">
-                <a16:creationId xmlns:a16="http://schemas.microsoft.com/office/drawing/2014/main" id="{D507DD39-633B-40C7-ABFE-F7CB522EA467}"/>
-              </a:ext>
-            </a:extLst>
-          </p:cNvPr>
-          <p:cNvSpPr>
-            <a:spLocks noGrp="1"/>
-          </p:cNvSpPr>
-          <p:nvPr>
-            <p:ph type="title"/>
-          </p:nvPr>
-        </p:nvSpPr>
-        <p:spPr/>
-        <p:txBody>
-          <a:bodyPr/>
-          <a:lstStyle/>
-          <a:p>
-            <a:pPr algn="ctr"/>
-            <a:r>
-              <a:rPr lang="en-GB" dirty="0" err="1"/>
-              <a:t>natlas</a:t>
-            </a:r>
-            <a:endParaRPr lang="en-GB" dirty="0"/>
-          </a:p>
-        </p:txBody>
-      </p:sp>
-      <p:sp>
-        <p:nvSpPr>
-          <p:cNvPr id="3" name="Content Placeholder 2">
-            <a:extLst>
-              <a:ext uri="{FF2B5EF4-FFF2-40B4-BE49-F238E27FC236}">
-                <a16:creationId xmlns:a16="http://schemas.microsoft.com/office/drawing/2014/main" id="{5F3431B5-389D-4CB3-89CC-D188F4A731DA}"/>
-              </a:ext>
-            </a:extLst>
-          </p:cNvPr>
-          <p:cNvSpPr>
-            <a:spLocks noGrp="1"/>
-          </p:cNvSpPr>
-          <p:nvPr>
-            <p:ph idx="1"/>
-          </p:nvPr>
-        </p:nvSpPr>
-        <p:spPr/>
-        <p:txBody>
-          <a:bodyPr/>
-          <a:lstStyle/>
-          <a:p>
-            <a:endParaRPr lang="en-GB"/>
-          </a:p>
-        </p:txBody>
-      </p:sp>
-    </p:spTree>
-    <p:extLst>
-      <p:ext uri="{BB962C8B-B14F-4D97-AF65-F5344CB8AC3E}">
-        <p14:creationId xmlns:p14="http://schemas.microsoft.com/office/powerpoint/2010/main" val="561625940"/>
-      </p:ext>
-    </p:extLst>
-  </p:cSld>
-  <p:clrMapOvr>
-    <a:masterClrMapping/>
-  </p:clrMapOvr>
-</p:sld>
-</file>
-
 <file path=ppt/slides/slide15.xml><?xml version="1.0" encoding="utf-8"?>
 <p:sld xmlns:a="http://schemas.openxmlformats.org/drawingml/2006/main" xmlns:r="http://schemas.openxmlformats.org/officeDocument/2006/relationships" xmlns:p="http://schemas.openxmlformats.org/presentationml/2006/main">
   <p:cSld>
@@ -8684,7 +12499,7 @@
           <p:cNvPr id="2" name="Title 1">
             <a:extLst>
               <a:ext uri="{FF2B5EF4-FFF2-40B4-BE49-F238E27FC236}">
-                <a16:creationId xmlns:a16="http://schemas.microsoft.com/office/drawing/2014/main" id="{CB7A3E9A-BED7-49BD-A5DB-501A48798D15}"/>
+                <a16:creationId xmlns:a16="http://schemas.microsoft.com/office/drawing/2014/main" id="{F696B6ED-47BD-4BE0-83FF-31EE7FB9DBE5}"/>
               </a:ext>
             </a:extLst>
           </p:cNvPr>
@@ -8703,7 +12518,7 @@
             <a:pPr algn="ctr"/>
             <a:r>
               <a:rPr lang="en-GB" dirty="0"/>
-              <a:t>Censys</a:t>
+              <a:t>What is a burner machine?</a:t>
             </a:r>
           </a:p>
         </p:txBody>
@@ -8713,7 +12528,7 @@
           <p:cNvPr id="3" name="Content Placeholder 2">
             <a:extLst>
               <a:ext uri="{FF2B5EF4-FFF2-40B4-BE49-F238E27FC236}">
-                <a16:creationId xmlns:a16="http://schemas.microsoft.com/office/drawing/2014/main" id="{FA7A6F7F-CF62-49E3-9901-2201A4611B8D}"/>
+                <a16:creationId xmlns:a16="http://schemas.microsoft.com/office/drawing/2014/main" id="{D8E36CC0-4F00-4813-A211-16F91FA270B2}"/>
               </a:ext>
             </a:extLst>
           </p:cNvPr>
@@ -8729,14 +12544,44 @@
           <a:bodyPr/>
           <a:lstStyle/>
           <a:p>
-            <a:endParaRPr lang="en-GB"/>
+            <a:r>
+              <a:rPr lang="en-GB" dirty="0"/>
+              <a:t>Similar to a throwaway email, a burner machine is intended for uses which provide anonymity to ones true identity</a:t>
+            </a:r>
+          </a:p>
+          <a:p>
+            <a:endParaRPr lang="en-GB" dirty="0"/>
+          </a:p>
+          <a:p>
+            <a:r>
+              <a:rPr lang="en-GB" dirty="0"/>
+              <a:t>Online vulnerability scanners available on the internet provide scanning capabilities on their own machines</a:t>
+            </a:r>
+          </a:p>
+          <a:p>
+            <a:endParaRPr lang="en-GB" dirty="0"/>
+          </a:p>
+          <a:p>
+            <a:r>
+              <a:rPr lang="en-GB" dirty="0"/>
+              <a:t>Even if a burner machine provided by the scanner is blocked, we can maintain contact with the target as our own access is not blocked. </a:t>
+            </a:r>
+          </a:p>
+          <a:p>
+            <a:endParaRPr lang="en-GB" dirty="0"/>
+          </a:p>
+          <a:p>
+            <a:r>
+              <a:rPr lang="en-GB" dirty="0"/>
+              <a:t>This leaves us with a potentially blocked connection from a separate machine, similar to performing a decoy scan using NMAP. </a:t>
+            </a:r>
           </a:p>
         </p:txBody>
       </p:sp>
     </p:spTree>
     <p:extLst>
       <p:ext uri="{BB962C8B-B14F-4D97-AF65-F5344CB8AC3E}">
-        <p14:creationId xmlns:p14="http://schemas.microsoft.com/office/powerpoint/2010/main" val="2767525583"/>
+        <p14:creationId xmlns:p14="http://schemas.microsoft.com/office/powerpoint/2010/main" val="3953408478"/>
       </p:ext>
     </p:extLst>
   </p:cSld>
@@ -8749,6 +12594,14 @@
 <file path=ppt/slides/slide16.xml><?xml version="1.0" encoding="utf-8"?>
 <p:sld xmlns:a="http://schemas.openxmlformats.org/drawingml/2006/main" xmlns:r="http://schemas.openxmlformats.org/officeDocument/2006/relationships" xmlns:p="http://schemas.openxmlformats.org/presentationml/2006/main">
   <p:cSld>
+    <p:bg>
+      <p:bgPr>
+        <a:solidFill>
+          <a:schemeClr val="bg1"/>
+        </a:solidFill>
+        <a:effectLst/>
+      </p:bgPr>
+    </p:bg>
     <p:spTree>
       <p:nvGrpSpPr>
         <p:cNvPr id="1" name=""/>
@@ -8765,10 +12618,369 @@
       </p:grpSpPr>
       <p:sp>
         <p:nvSpPr>
+          <p:cNvPr id="25" name="Rectangle 24">
+            <a:extLst>
+              <a:ext uri="{FF2B5EF4-FFF2-40B4-BE49-F238E27FC236}">
+                <a16:creationId xmlns:a16="http://schemas.microsoft.com/office/drawing/2014/main" id="{2928117C-9446-4E7F-AE62-95E0F6DB5B27}"/>
+              </a:ext>
+              <a:ext uri="{C183D7F6-B498-43B3-948B-1728B52AA6E4}">
+                <adec:decorative xmlns:adec="http://schemas.microsoft.com/office/drawing/2017/decorative" val="1"/>
+              </a:ext>
+            </a:extLst>
+          </p:cNvPr>
+          <p:cNvSpPr>
+            <a:spLocks noGrp="1" noRot="1" noChangeAspect="1" noMove="1" noResize="1" noEditPoints="1" noAdjustHandles="1" noChangeArrowheads="1" noChangeShapeType="1" noTextEdit="1"/>
+          </p:cNvSpPr>
+          <p:nvPr>
+            <p:extLst>
+              <p:ext uri="{386F3935-93C4-4BCD-93E2-E3B085C9AB24}">
+                <p16:designElem xmlns:p16="http://schemas.microsoft.com/office/powerpoint/2015/main" val="1"/>
+              </p:ext>
+            </p:extLst>
+          </p:nvPr>
+        </p:nvSpPr>
+        <p:spPr>
+          <a:xfrm>
+            <a:off x="446534" y="457200"/>
+            <a:ext cx="3703320" cy="94997"/>
+          </a:xfrm>
+          <a:prstGeom prst="rect">
+            <a:avLst/>
+          </a:prstGeom>
+          <a:solidFill>
+            <a:schemeClr val="accent1"/>
+          </a:solidFill>
+          <a:ln>
+            <a:noFill/>
+          </a:ln>
+          <a:effectLst/>
+        </p:spPr>
+        <p:style>
+          <a:lnRef idx="1">
+            <a:schemeClr val="accent1"/>
+          </a:lnRef>
+          <a:fillRef idx="3">
+            <a:schemeClr val="accent1"/>
+          </a:fillRef>
+          <a:effectRef idx="2">
+            <a:schemeClr val="accent1"/>
+          </a:effectRef>
+          <a:fontRef idx="minor">
+            <a:schemeClr val="lt1"/>
+          </a:fontRef>
+        </p:style>
+      </p:sp>
+      <p:sp>
+        <p:nvSpPr>
+          <p:cNvPr id="27" name="Rectangle 26">
+            <a:extLst>
+              <a:ext uri="{FF2B5EF4-FFF2-40B4-BE49-F238E27FC236}">
+                <a16:creationId xmlns:a16="http://schemas.microsoft.com/office/drawing/2014/main" id="{84D30AFB-4D71-48B0-AA00-28EE92363A5F}"/>
+              </a:ext>
+              <a:ext uri="{C183D7F6-B498-43B3-948B-1728B52AA6E4}">
+                <adec:decorative xmlns:adec="http://schemas.microsoft.com/office/drawing/2017/decorative" val="1"/>
+              </a:ext>
+            </a:extLst>
+          </p:cNvPr>
+          <p:cNvSpPr>
+            <a:spLocks noGrp="1" noRot="1" noChangeAspect="1" noMove="1" noResize="1" noEditPoints="1" noAdjustHandles="1" noChangeArrowheads="1" noChangeShapeType="1" noTextEdit="1"/>
+          </p:cNvSpPr>
+          <p:nvPr>
+            <p:extLst>
+              <p:ext uri="{386F3935-93C4-4BCD-93E2-E3B085C9AB24}">
+                <p16:designElem xmlns:p16="http://schemas.microsoft.com/office/powerpoint/2015/main" val="1"/>
+              </p:ext>
+            </p:extLst>
+          </p:nvPr>
+        </p:nvSpPr>
+        <p:spPr>
+          <a:xfrm>
+            <a:off x="8042147" y="453643"/>
+            <a:ext cx="3703320" cy="98554"/>
+          </a:xfrm>
+          <a:prstGeom prst="rect">
+            <a:avLst/>
+          </a:prstGeom>
+          <a:solidFill>
+            <a:schemeClr val="accent4"/>
+          </a:solidFill>
+          <a:ln>
+            <a:noFill/>
+          </a:ln>
+          <a:effectLst/>
+        </p:spPr>
+        <p:style>
+          <a:lnRef idx="1">
+            <a:schemeClr val="accent1"/>
+          </a:lnRef>
+          <a:fillRef idx="3">
+            <a:schemeClr val="accent1"/>
+          </a:fillRef>
+          <a:effectRef idx="2">
+            <a:schemeClr val="accent1"/>
+          </a:effectRef>
+          <a:fontRef idx="minor">
+            <a:schemeClr val="lt1"/>
+          </a:fontRef>
+        </p:style>
+      </p:sp>
+      <p:sp>
+        <p:nvSpPr>
+          <p:cNvPr id="29" name="Rectangle 28">
+            <a:extLst>
+              <a:ext uri="{FF2B5EF4-FFF2-40B4-BE49-F238E27FC236}">
+                <a16:creationId xmlns:a16="http://schemas.microsoft.com/office/drawing/2014/main" id="{96A0B76F-8010-4C62-B4B6-C5FC438C059E}"/>
+              </a:ext>
+              <a:ext uri="{C183D7F6-B498-43B3-948B-1728B52AA6E4}">
+                <adec:decorative xmlns:adec="http://schemas.microsoft.com/office/drawing/2017/decorative" val="1"/>
+              </a:ext>
+            </a:extLst>
+          </p:cNvPr>
+          <p:cNvSpPr>
+            <a:spLocks noGrp="1" noRot="1" noChangeAspect="1" noMove="1" noResize="1" noEditPoints="1" noAdjustHandles="1" noChangeArrowheads="1" noChangeShapeType="1" noTextEdit="1"/>
+          </p:cNvSpPr>
+          <p:nvPr>
+            <p:extLst>
+              <p:ext uri="{386F3935-93C4-4BCD-93E2-E3B085C9AB24}">
+                <p16:designElem xmlns:p16="http://schemas.microsoft.com/office/powerpoint/2015/main" val="1"/>
+              </p:ext>
+            </p:extLst>
+          </p:nvPr>
+        </p:nvSpPr>
+        <p:spPr>
+          <a:xfrm>
+            <a:off x="4241830" y="457200"/>
+            <a:ext cx="3703320" cy="91440"/>
+          </a:xfrm>
+          <a:prstGeom prst="rect">
+            <a:avLst/>
+          </a:prstGeom>
+          <a:solidFill>
+            <a:schemeClr val="accent2"/>
+          </a:solidFill>
+          <a:ln>
+            <a:noFill/>
+          </a:ln>
+          <a:effectLst/>
+        </p:spPr>
+        <p:style>
+          <a:lnRef idx="1">
+            <a:schemeClr val="accent1"/>
+          </a:lnRef>
+          <a:fillRef idx="3">
+            <a:schemeClr val="accent1"/>
+          </a:fillRef>
+          <a:effectRef idx="2">
+            <a:schemeClr val="accent1"/>
+          </a:effectRef>
+          <a:fontRef idx="minor">
+            <a:schemeClr val="lt1"/>
+          </a:fontRef>
+        </p:style>
+      </p:sp>
+      <p:sp>
+        <p:nvSpPr>
+          <p:cNvPr id="31" name="Rectangle 30">
+            <a:extLst>
+              <a:ext uri="{FF2B5EF4-FFF2-40B4-BE49-F238E27FC236}">
+                <a16:creationId xmlns:a16="http://schemas.microsoft.com/office/drawing/2014/main" id="{9FC936C0-4624-438D-BDD0-6B296BD6409D}"/>
+              </a:ext>
+              <a:ext uri="{C183D7F6-B498-43B3-948B-1728B52AA6E4}">
+                <adec:decorative xmlns:adec="http://schemas.microsoft.com/office/drawing/2017/decorative" val="1"/>
+              </a:ext>
+            </a:extLst>
+          </p:cNvPr>
+          <p:cNvSpPr>
+            <a:spLocks noGrp="1" noRot="1" noChangeAspect="1" noMove="1" noResize="1" noEditPoints="1" noAdjustHandles="1" noChangeArrowheads="1" noChangeShapeType="1" noTextEdit="1"/>
+          </p:cNvSpPr>
+          <p:nvPr>
+            <p:extLst>
+              <p:ext uri="{386F3935-93C4-4BCD-93E2-E3B085C9AB24}">
+                <p16:designElem xmlns:p16="http://schemas.microsoft.com/office/powerpoint/2015/main" val="1"/>
+              </p:ext>
+            </p:extLst>
+          </p:nvPr>
+        </p:nvSpPr>
+        <p:spPr>
+          <a:xfrm>
+            <a:off x="446534" y="3085765"/>
+            <a:ext cx="11262866" cy="3304800"/>
+          </a:xfrm>
+          <a:prstGeom prst="rect">
+            <a:avLst/>
+          </a:prstGeom>
+          <a:solidFill>
+            <a:schemeClr val="accent1"/>
+          </a:solidFill>
+          <a:ln>
+            <a:noFill/>
+          </a:ln>
+          <a:effectLst/>
+        </p:spPr>
+        <p:style>
+          <a:lnRef idx="1">
+            <a:schemeClr val="accent1"/>
+          </a:lnRef>
+          <a:fillRef idx="3">
+            <a:schemeClr val="accent1"/>
+          </a:fillRef>
+          <a:effectRef idx="2">
+            <a:schemeClr val="accent1"/>
+          </a:effectRef>
+          <a:fontRef idx="minor">
+            <a:schemeClr val="lt1"/>
+          </a:fontRef>
+        </p:style>
+      </p:sp>
+      <p:sp useBgFill="1">
+        <p:nvSpPr>
+          <p:cNvPr id="33" name="Rectangle 32">
+            <a:extLst>
+              <a:ext uri="{FF2B5EF4-FFF2-40B4-BE49-F238E27FC236}">
+                <a16:creationId xmlns:a16="http://schemas.microsoft.com/office/drawing/2014/main" id="{683F1FFD-1AA8-4EC2-97B9-FEC7564F489B}"/>
+              </a:ext>
+              <a:ext uri="{C183D7F6-B498-43B3-948B-1728B52AA6E4}">
+                <adec:decorative xmlns:adec="http://schemas.microsoft.com/office/drawing/2017/decorative" val="1"/>
+              </a:ext>
+            </a:extLst>
+          </p:cNvPr>
+          <p:cNvSpPr>
+            <a:spLocks noGrp="1" noRot="1" noChangeAspect="1" noMove="1" noResize="1" noEditPoints="1" noAdjustHandles="1" noChangeArrowheads="1" noChangeShapeType="1" noTextEdit="1"/>
+          </p:cNvSpPr>
+          <p:nvPr>
+            <p:extLst>
+              <p:ext uri="{386F3935-93C4-4BCD-93E2-E3B085C9AB24}">
+                <p16:designElem xmlns:p16="http://schemas.microsoft.com/office/powerpoint/2015/main" val="1"/>
+              </p:ext>
+            </p:extLst>
+          </p:nvPr>
+        </p:nvSpPr>
+        <p:spPr>
+          <a:xfrm>
+            <a:off x="0" y="1"/>
+            <a:ext cx="12191999" cy="6858000"/>
+          </a:xfrm>
+          <a:prstGeom prst="rect">
+            <a:avLst/>
+          </a:prstGeom>
+          <a:ln>
+            <a:noFill/>
+          </a:ln>
+        </p:spPr>
+        <p:style>
+          <a:lnRef idx="2">
+            <a:schemeClr val="accent1">
+              <a:shade val="50000"/>
+            </a:schemeClr>
+          </a:lnRef>
+          <a:fillRef idx="1">
+            <a:schemeClr val="accent1"/>
+          </a:fillRef>
+          <a:effectRef idx="0">
+            <a:schemeClr val="accent1"/>
+          </a:effectRef>
+          <a:fontRef idx="minor">
+            <a:schemeClr val="lt1"/>
+          </a:fontRef>
+        </p:style>
+        <p:txBody>
+          <a:bodyPr rtlCol="0" anchor="ctr"/>
+          <a:lstStyle/>
+          <a:p>
+            <a:pPr algn="ctr"/>
+            <a:endParaRPr lang="en-US"/>
+          </a:p>
+        </p:txBody>
+      </p:sp>
+      <p:pic>
+        <p:nvPicPr>
+          <p:cNvPr id="5" name="Picture 4" descr="Diagram&#10;&#10;Description automatically generated">
+            <a:extLst>
+              <a:ext uri="{FF2B5EF4-FFF2-40B4-BE49-F238E27FC236}">
+                <a16:creationId xmlns:a16="http://schemas.microsoft.com/office/drawing/2014/main" id="{7E0598C1-7A81-43CD-985E-AFFF44F966C7}"/>
+              </a:ext>
+            </a:extLst>
+          </p:cNvPr>
+          <p:cNvPicPr>
+            <a:picLocks noChangeAspect="1"/>
+          </p:cNvPicPr>
+          <p:nvPr/>
+        </p:nvPicPr>
+        <p:blipFill rotWithShape="1">
+          <a:blip r:embed="rId2"/>
+          <a:srcRect t="2347" r="2" b="2427"/>
+          <a:stretch/>
+        </p:blipFill>
+        <p:spPr>
+          <a:xfrm>
+            <a:off x="228600" y="723899"/>
+            <a:ext cx="7716550" cy="5841890"/>
+          </a:xfrm>
+          <a:prstGeom prst="rect">
+            <a:avLst/>
+          </a:prstGeom>
+        </p:spPr>
+      </p:pic>
+      <p:sp>
+        <p:nvSpPr>
+          <p:cNvPr id="35" name="Rectangle 34">
+            <a:extLst>
+              <a:ext uri="{FF2B5EF4-FFF2-40B4-BE49-F238E27FC236}">
+                <a16:creationId xmlns:a16="http://schemas.microsoft.com/office/drawing/2014/main" id="{8FF0F8A7-C9E3-49D9-A67E-09FF582C7821}"/>
+              </a:ext>
+              <a:ext uri="{C183D7F6-B498-43B3-948B-1728B52AA6E4}">
+                <adec:decorative xmlns:adec="http://schemas.microsoft.com/office/drawing/2017/decorative" val="1"/>
+              </a:ext>
+            </a:extLst>
+          </p:cNvPr>
+          <p:cNvSpPr>
+            <a:spLocks noGrp="1" noRot="1" noChangeAspect="1" noMove="1" noResize="1" noEditPoints="1" noAdjustHandles="1" noChangeArrowheads="1" noChangeShapeType="1" noTextEdit="1"/>
+          </p:cNvSpPr>
+          <p:nvPr>
+            <p:extLst>
+              <p:ext uri="{386F3935-93C4-4BCD-93E2-E3B085C9AB24}">
+                <p16:designElem xmlns:p16="http://schemas.microsoft.com/office/powerpoint/2015/main" val="1"/>
+              </p:ext>
+            </p:extLst>
+          </p:nvPr>
+        </p:nvSpPr>
+        <p:spPr>
+          <a:xfrm>
+            <a:off x="8042147" y="723899"/>
+            <a:ext cx="3703320" cy="5666666"/>
+          </a:xfrm>
+          <a:prstGeom prst="rect">
+            <a:avLst/>
+          </a:prstGeom>
+          <a:solidFill>
+            <a:schemeClr val="accent1"/>
+          </a:solidFill>
+          <a:ln>
+            <a:noFill/>
+          </a:ln>
+          <a:effectLst/>
+        </p:spPr>
+        <p:style>
+          <a:lnRef idx="1">
+            <a:schemeClr val="accent1"/>
+          </a:lnRef>
+          <a:fillRef idx="3">
+            <a:schemeClr val="accent1"/>
+          </a:fillRef>
+          <a:effectRef idx="2">
+            <a:schemeClr val="accent1"/>
+          </a:effectRef>
+          <a:fontRef idx="minor">
+            <a:schemeClr val="lt1"/>
+          </a:fontRef>
+        </p:style>
+      </p:sp>
+      <p:sp>
+        <p:nvSpPr>
           <p:cNvPr id="2" name="Title 1">
             <a:extLst>
               <a:ext uri="{FF2B5EF4-FFF2-40B4-BE49-F238E27FC236}">
-                <a16:creationId xmlns:a16="http://schemas.microsoft.com/office/drawing/2014/main" id="{85380FE3-0857-4719-B270-1BA72FE6177C}"/>
+                <a16:creationId xmlns:a16="http://schemas.microsoft.com/office/drawing/2014/main" id="{B7C4EF21-5077-4572-B2E6-21690959F196}"/>
               </a:ext>
             </a:extLst>
           </p:cNvPr>
@@ -8779,48 +12991,221 @@
             <p:ph type="title"/>
           </p:nvPr>
         </p:nvSpPr>
-        <p:spPr/>
+        <p:spPr>
+          <a:xfrm>
+            <a:off x="8296275" y="1419225"/>
+            <a:ext cx="3081576" cy="2085869"/>
+          </a:xfrm>
+        </p:spPr>
         <p:txBody>
-          <a:bodyPr/>
+          <a:bodyPr vert="horz" lIns="91440" tIns="45720" rIns="91440" bIns="45720" rtlCol="0" anchor="b">
+            <a:normAutofit/>
+          </a:bodyPr>
           <a:lstStyle/>
           <a:p>
-            <a:pPr algn="ctr"/>
             <a:r>
-              <a:rPr lang="en-GB" dirty="0"/>
-              <a:t>Shodan</a:t>
+              <a:rPr lang="en-US" sz="3600">
+                <a:solidFill>
+                  <a:srgbClr val="FFFFFF"/>
+                </a:solidFill>
+              </a:rPr>
+              <a:t>Decoy Scan</a:t>
             </a:r>
           </a:p>
         </p:txBody>
       </p:sp>
-      <p:sp>
-        <p:nvSpPr>
-          <p:cNvPr id="3" name="Content Placeholder 2">
+      <p:grpSp>
+        <p:nvGrpSpPr>
+          <p:cNvPr id="37" name="Group 36">
             <a:extLst>
               <a:ext uri="{FF2B5EF4-FFF2-40B4-BE49-F238E27FC236}">
-                <a16:creationId xmlns:a16="http://schemas.microsoft.com/office/drawing/2014/main" id="{30A1CD9F-2118-4841-BDAE-E456D6C845CA}"/>
+                <a16:creationId xmlns:a16="http://schemas.microsoft.com/office/drawing/2014/main" id="{A4274C20-A98B-4AC3-B16A-B7F41CB582DC}"/>
+              </a:ext>
+              <a:ext uri="{C183D7F6-B498-43B3-948B-1728B52AA6E4}">
+                <adec:decorative xmlns:adec="http://schemas.microsoft.com/office/drawing/2017/decorative" val="1"/>
               </a:ext>
             </a:extLst>
           </p:cNvPr>
-          <p:cNvSpPr>
-            <a:spLocks noGrp="1"/>
-          </p:cNvSpPr>
+          <p:cNvGrpSpPr>
+            <a:grpSpLocks noGrp="1" noUngrp="1" noRot="1" noChangeAspect="1" noMove="1" noResize="1"/>
+          </p:cNvGrpSpPr>
           <p:nvPr>
-            <p:ph idx="1"/>
+            <p:extLst>
+              <p:ext uri="{386F3935-93C4-4BCD-93E2-E3B085C9AB24}">
+                <p16:designElem xmlns:p16="http://schemas.microsoft.com/office/powerpoint/2015/main" val="1"/>
+              </p:ext>
+            </p:extLst>
           </p:nvPr>
-        </p:nvSpPr>
-        <p:spPr/>
-        <p:txBody>
-          <a:bodyPr/>
-          <a:lstStyle/>
-          <a:p>
-            <a:endParaRPr lang="en-GB" dirty="0"/>
-          </a:p>
-        </p:txBody>
-      </p:sp>
+        </p:nvGrpSpPr>
+        <p:grpSpPr>
+          <a:xfrm>
+            <a:off x="446534" y="453643"/>
+            <a:ext cx="11298933" cy="98554"/>
+            <a:chOff x="446534" y="453643"/>
+            <a:chExt cx="11298933" cy="98554"/>
+          </a:xfrm>
+        </p:grpSpPr>
+        <p:sp>
+          <p:nvSpPr>
+            <p:cNvPr id="38" name="Rectangle 37">
+              <a:extLst>
+                <a:ext uri="{FF2B5EF4-FFF2-40B4-BE49-F238E27FC236}">
+                  <a16:creationId xmlns:a16="http://schemas.microsoft.com/office/drawing/2014/main" id="{43ECC69B-2243-424A-8237-CF490F8B06C1}"/>
+                </a:ext>
+                <a:ext uri="{C183D7F6-B498-43B3-948B-1728B52AA6E4}">
+                  <adec:decorative xmlns:adec="http://schemas.microsoft.com/office/drawing/2017/decorative" val="1"/>
+                </a:ext>
+              </a:extLst>
+            </p:cNvPr>
+            <p:cNvSpPr/>
+            <p:nvPr>
+              <p:extLst>
+                <p:ext uri="{386F3935-93C4-4BCD-93E2-E3B085C9AB24}">
+                  <p16:designElem xmlns:p16="http://schemas.microsoft.com/office/powerpoint/2015/main" val="1"/>
+                </p:ext>
+              </p:extLst>
+            </p:nvPr>
+          </p:nvSpPr>
+          <p:spPr>
+            <a:xfrm>
+              <a:off x="446534" y="457200"/>
+              <a:ext cx="3703320" cy="94997"/>
+            </a:xfrm>
+            <a:prstGeom prst="rect">
+              <a:avLst/>
+            </a:prstGeom>
+            <a:solidFill>
+              <a:schemeClr val="accent1"/>
+            </a:solidFill>
+            <a:ln>
+              <a:noFill/>
+            </a:ln>
+            <a:effectLst/>
+          </p:spPr>
+          <p:style>
+            <a:lnRef idx="1">
+              <a:schemeClr val="accent1"/>
+            </a:lnRef>
+            <a:fillRef idx="3">
+              <a:schemeClr val="accent1"/>
+            </a:fillRef>
+            <a:effectRef idx="2">
+              <a:schemeClr val="accent1"/>
+            </a:effectRef>
+            <a:fontRef idx="minor">
+              <a:schemeClr val="lt1"/>
+            </a:fontRef>
+          </p:style>
+        </p:sp>
+        <p:sp>
+          <p:nvSpPr>
+            <p:cNvPr id="39" name="Rectangle 38">
+              <a:extLst>
+                <a:ext uri="{FF2B5EF4-FFF2-40B4-BE49-F238E27FC236}">
+                  <a16:creationId xmlns:a16="http://schemas.microsoft.com/office/drawing/2014/main" id="{6D2EA3B9-3D17-4510-8464-E74F67267C00}"/>
+                </a:ext>
+                <a:ext uri="{C183D7F6-B498-43B3-948B-1728B52AA6E4}">
+                  <adec:decorative xmlns:adec="http://schemas.microsoft.com/office/drawing/2017/decorative" val="1"/>
+                </a:ext>
+              </a:extLst>
+            </p:cNvPr>
+            <p:cNvSpPr/>
+            <p:nvPr>
+              <p:extLst>
+                <p:ext uri="{386F3935-93C4-4BCD-93E2-E3B085C9AB24}">
+                  <p16:designElem xmlns:p16="http://schemas.microsoft.com/office/powerpoint/2015/main" val="1"/>
+                </p:ext>
+              </p:extLst>
+            </p:nvPr>
+          </p:nvSpPr>
+          <p:spPr>
+            <a:xfrm>
+              <a:off x="8042147" y="453643"/>
+              <a:ext cx="3703320" cy="98554"/>
+            </a:xfrm>
+            <a:prstGeom prst="rect">
+              <a:avLst/>
+            </a:prstGeom>
+            <a:solidFill>
+              <a:schemeClr val="accent4"/>
+            </a:solidFill>
+            <a:ln>
+              <a:noFill/>
+            </a:ln>
+            <a:effectLst/>
+          </p:spPr>
+          <p:style>
+            <a:lnRef idx="1">
+              <a:schemeClr val="accent1"/>
+            </a:lnRef>
+            <a:fillRef idx="3">
+              <a:schemeClr val="accent1"/>
+            </a:fillRef>
+            <a:effectRef idx="2">
+              <a:schemeClr val="accent1"/>
+            </a:effectRef>
+            <a:fontRef idx="minor">
+              <a:schemeClr val="lt1"/>
+            </a:fontRef>
+          </p:style>
+        </p:sp>
+        <p:sp>
+          <p:nvSpPr>
+            <p:cNvPr id="40" name="Rectangle 39">
+              <a:extLst>
+                <a:ext uri="{FF2B5EF4-FFF2-40B4-BE49-F238E27FC236}">
+                  <a16:creationId xmlns:a16="http://schemas.microsoft.com/office/drawing/2014/main" id="{AA5DFA43-F31D-4C31-8826-6B40A21CF9AD}"/>
+                </a:ext>
+                <a:ext uri="{C183D7F6-B498-43B3-948B-1728B52AA6E4}">
+                  <adec:decorative xmlns:adec="http://schemas.microsoft.com/office/drawing/2017/decorative" val="1"/>
+                </a:ext>
+              </a:extLst>
+            </p:cNvPr>
+            <p:cNvSpPr/>
+            <p:nvPr>
+              <p:extLst>
+                <p:ext uri="{386F3935-93C4-4BCD-93E2-E3B085C9AB24}">
+                  <p16:designElem xmlns:p16="http://schemas.microsoft.com/office/powerpoint/2015/main" val="1"/>
+                </p:ext>
+              </p:extLst>
+            </p:nvPr>
+          </p:nvSpPr>
+          <p:spPr>
+            <a:xfrm>
+              <a:off x="4241830" y="457200"/>
+              <a:ext cx="3703320" cy="91440"/>
+            </a:xfrm>
+            <a:prstGeom prst="rect">
+              <a:avLst/>
+            </a:prstGeom>
+            <a:solidFill>
+              <a:schemeClr val="accent2"/>
+            </a:solidFill>
+            <a:ln>
+              <a:noFill/>
+            </a:ln>
+            <a:effectLst/>
+          </p:spPr>
+          <p:style>
+            <a:lnRef idx="1">
+              <a:schemeClr val="accent1"/>
+            </a:lnRef>
+            <a:fillRef idx="3">
+              <a:schemeClr val="accent1"/>
+            </a:fillRef>
+            <a:effectRef idx="2">
+              <a:schemeClr val="accent1"/>
+            </a:effectRef>
+            <a:fontRef idx="minor">
+              <a:schemeClr val="lt1"/>
+            </a:fontRef>
+          </p:style>
+        </p:sp>
+      </p:grpSp>
     </p:spTree>
     <p:extLst>
       <p:ext uri="{BB962C8B-B14F-4D97-AF65-F5344CB8AC3E}">
-        <p14:creationId xmlns:p14="http://schemas.microsoft.com/office/powerpoint/2010/main" val="396253587"/>
+        <p14:creationId xmlns:p14="http://schemas.microsoft.com/office/powerpoint/2010/main" val="582011582"/>
       </p:ext>
     </p:extLst>
   </p:cSld>
@@ -8852,7 +13237,7 @@
           <p:cNvPr id="2" name="Title 1">
             <a:extLst>
               <a:ext uri="{FF2B5EF4-FFF2-40B4-BE49-F238E27FC236}">
-                <a16:creationId xmlns:a16="http://schemas.microsoft.com/office/drawing/2014/main" id="{781A82A5-5464-45A0-81BD-C2047E6D9019}"/>
+                <a16:creationId xmlns:a16="http://schemas.microsoft.com/office/drawing/2014/main" id="{D507DD39-633B-40C7-ABFE-F7CB522EA467}"/>
               </a:ext>
             </a:extLst>
           </p:cNvPr>
@@ -8871,7 +13256,7 @@
             <a:pPr algn="ctr"/>
             <a:r>
               <a:rPr lang="en-GB" dirty="0" err="1"/>
-              <a:t>Zoomeye</a:t>
+              <a:t>natlas</a:t>
             </a:r>
             <a:endParaRPr lang="en-GB" dirty="0"/>
           </a:p>
@@ -8882,7 +13267,7 @@
           <p:cNvPr id="3" name="Content Placeholder 2">
             <a:extLst>
               <a:ext uri="{FF2B5EF4-FFF2-40B4-BE49-F238E27FC236}">
-                <a16:creationId xmlns:a16="http://schemas.microsoft.com/office/drawing/2014/main" id="{1DF945C4-46CD-4D69-8355-8F79E53EE59B}"/>
+                <a16:creationId xmlns:a16="http://schemas.microsoft.com/office/drawing/2014/main" id="{5F3431B5-389D-4CB3-89CC-D188F4A731DA}"/>
               </a:ext>
             </a:extLst>
           </p:cNvPr>
@@ -8898,32 +13283,182 @@
           <a:bodyPr/>
           <a:lstStyle/>
           <a:p>
-            <a:r>
-              <a:rPr lang="en-GB" dirty="0"/>
-              <a:t>Recognised as the Chinese version of Shodan</a:t>
-            </a:r>
-          </a:p>
-          <a:p>
-            <a:endParaRPr lang="en-GB" dirty="0"/>
-          </a:p>
-          <a:p>
-            <a:r>
-              <a:rPr lang="en-GB" dirty="0"/>
-              <a:t>Only allowed to access 20 records without any subscription</a:t>
-            </a:r>
-          </a:p>
-          <a:p>
-            <a:endParaRPr lang="en-GB" dirty="0"/>
-          </a:p>
-          <a:p>
-            <a:endParaRPr lang="en-GB" dirty="0"/>
+            <a:endParaRPr lang="en-GB"/>
           </a:p>
         </p:txBody>
       </p:sp>
     </p:spTree>
     <p:extLst>
       <p:ext uri="{BB962C8B-B14F-4D97-AF65-F5344CB8AC3E}">
-        <p14:creationId xmlns:p14="http://schemas.microsoft.com/office/powerpoint/2010/main" val="643692126"/>
+        <p14:creationId xmlns:p14="http://schemas.microsoft.com/office/powerpoint/2010/main" val="561625940"/>
+      </p:ext>
+    </p:extLst>
+  </p:cSld>
+  <p:clrMapOvr>
+    <a:masterClrMapping/>
+  </p:clrMapOvr>
+</p:sld>
+</file>
+
+<file path=ppt/slides/slide18.xml><?xml version="1.0" encoding="utf-8"?>
+<p:sld xmlns:a="http://schemas.openxmlformats.org/drawingml/2006/main" xmlns:r="http://schemas.openxmlformats.org/officeDocument/2006/relationships" xmlns:p="http://schemas.openxmlformats.org/presentationml/2006/main">
+  <p:cSld>
+    <p:spTree>
+      <p:nvGrpSpPr>
+        <p:cNvPr id="1" name=""/>
+        <p:cNvGrpSpPr/>
+        <p:nvPr/>
+      </p:nvGrpSpPr>
+      <p:grpSpPr>
+        <a:xfrm>
+          <a:off x="0" y="0"/>
+          <a:ext cx="0" cy="0"/>
+          <a:chOff x="0" y="0"/>
+          <a:chExt cx="0" cy="0"/>
+        </a:xfrm>
+      </p:grpSpPr>
+      <p:sp>
+        <p:nvSpPr>
+          <p:cNvPr id="2" name="Title 1">
+            <a:extLst>
+              <a:ext uri="{FF2B5EF4-FFF2-40B4-BE49-F238E27FC236}">
+                <a16:creationId xmlns:a16="http://schemas.microsoft.com/office/drawing/2014/main" id="{CB7A3E9A-BED7-49BD-A5DB-501A48798D15}"/>
+              </a:ext>
+            </a:extLst>
+          </p:cNvPr>
+          <p:cNvSpPr>
+            <a:spLocks noGrp="1"/>
+          </p:cNvSpPr>
+          <p:nvPr>
+            <p:ph type="title"/>
+          </p:nvPr>
+        </p:nvSpPr>
+        <p:spPr/>
+        <p:txBody>
+          <a:bodyPr/>
+          <a:lstStyle/>
+          <a:p>
+            <a:pPr algn="ctr"/>
+            <a:r>
+              <a:rPr lang="en-GB" dirty="0"/>
+              <a:t>Censys</a:t>
+            </a:r>
+          </a:p>
+        </p:txBody>
+      </p:sp>
+      <p:sp>
+        <p:nvSpPr>
+          <p:cNvPr id="3" name="Content Placeholder 2">
+            <a:extLst>
+              <a:ext uri="{FF2B5EF4-FFF2-40B4-BE49-F238E27FC236}">
+                <a16:creationId xmlns:a16="http://schemas.microsoft.com/office/drawing/2014/main" id="{FA7A6F7F-CF62-49E3-9901-2201A4611B8D}"/>
+              </a:ext>
+            </a:extLst>
+          </p:cNvPr>
+          <p:cNvSpPr>
+            <a:spLocks noGrp="1"/>
+          </p:cNvSpPr>
+          <p:nvPr>
+            <p:ph idx="1"/>
+          </p:nvPr>
+        </p:nvSpPr>
+        <p:spPr/>
+        <p:txBody>
+          <a:bodyPr/>
+          <a:lstStyle/>
+          <a:p>
+            <a:endParaRPr lang="en-GB"/>
+          </a:p>
+        </p:txBody>
+      </p:sp>
+    </p:spTree>
+    <p:extLst>
+      <p:ext uri="{BB962C8B-B14F-4D97-AF65-F5344CB8AC3E}">
+        <p14:creationId xmlns:p14="http://schemas.microsoft.com/office/powerpoint/2010/main" val="2767525583"/>
+      </p:ext>
+    </p:extLst>
+  </p:cSld>
+  <p:clrMapOvr>
+    <a:masterClrMapping/>
+  </p:clrMapOvr>
+</p:sld>
+</file>
+
+<file path=ppt/slides/slide19.xml><?xml version="1.0" encoding="utf-8"?>
+<p:sld xmlns:a="http://schemas.openxmlformats.org/drawingml/2006/main" xmlns:r="http://schemas.openxmlformats.org/officeDocument/2006/relationships" xmlns:p="http://schemas.openxmlformats.org/presentationml/2006/main">
+  <p:cSld>
+    <p:spTree>
+      <p:nvGrpSpPr>
+        <p:cNvPr id="1" name=""/>
+        <p:cNvGrpSpPr/>
+        <p:nvPr/>
+      </p:nvGrpSpPr>
+      <p:grpSpPr>
+        <a:xfrm>
+          <a:off x="0" y="0"/>
+          <a:ext cx="0" cy="0"/>
+          <a:chOff x="0" y="0"/>
+          <a:chExt cx="0" cy="0"/>
+        </a:xfrm>
+      </p:grpSpPr>
+      <p:sp>
+        <p:nvSpPr>
+          <p:cNvPr id="2" name="Title 1">
+            <a:extLst>
+              <a:ext uri="{FF2B5EF4-FFF2-40B4-BE49-F238E27FC236}">
+                <a16:creationId xmlns:a16="http://schemas.microsoft.com/office/drawing/2014/main" id="{85380FE3-0857-4719-B270-1BA72FE6177C}"/>
+              </a:ext>
+            </a:extLst>
+          </p:cNvPr>
+          <p:cNvSpPr>
+            <a:spLocks noGrp="1"/>
+          </p:cNvSpPr>
+          <p:nvPr>
+            <p:ph type="title"/>
+          </p:nvPr>
+        </p:nvSpPr>
+        <p:spPr/>
+        <p:txBody>
+          <a:bodyPr/>
+          <a:lstStyle/>
+          <a:p>
+            <a:pPr algn="ctr"/>
+            <a:r>
+              <a:rPr lang="en-GB" dirty="0"/>
+              <a:t>Shodan</a:t>
+            </a:r>
+          </a:p>
+        </p:txBody>
+      </p:sp>
+      <p:sp>
+        <p:nvSpPr>
+          <p:cNvPr id="3" name="Content Placeholder 2">
+            <a:extLst>
+              <a:ext uri="{FF2B5EF4-FFF2-40B4-BE49-F238E27FC236}">
+                <a16:creationId xmlns:a16="http://schemas.microsoft.com/office/drawing/2014/main" id="{30A1CD9F-2118-4841-BDAE-E456D6C845CA}"/>
+              </a:ext>
+            </a:extLst>
+          </p:cNvPr>
+          <p:cNvSpPr>
+            <a:spLocks noGrp="1"/>
+          </p:cNvSpPr>
+          <p:nvPr>
+            <p:ph idx="1"/>
+          </p:nvPr>
+        </p:nvSpPr>
+        <p:spPr/>
+        <p:txBody>
+          <a:bodyPr/>
+          <a:lstStyle/>
+          <a:p>
+            <a:endParaRPr lang="en-GB" dirty="0"/>
+          </a:p>
+        </p:txBody>
+      </p:sp>
+    </p:spTree>
+    <p:extLst>
+      <p:ext uri="{BB962C8B-B14F-4D97-AF65-F5344CB8AC3E}">
+        <p14:creationId xmlns:p14="http://schemas.microsoft.com/office/powerpoint/2010/main" val="396253587"/>
       </p:ext>
     </p:extLst>
   </p:cSld>
@@ -9288,11 +13823,21 @@
                   </a:schemeClr>
                 </a:solidFill>
               </a:rPr>
-              <a:t>Enumerating your target with ICMP (Internet Control Management Protocol)</a:t>
+              <a:t>Offensive ICMP</a:t>
             </a:r>
           </a:p>
           <a:p>
             <a:pPr algn="ctr"/>
+            <a:r>
+              <a:rPr lang="en-GB" sz="2000" dirty="0" err="1">
+                <a:solidFill>
+                  <a:schemeClr val="accent2">
+                    <a:lumMod val="50000"/>
+                  </a:schemeClr>
+                </a:solidFill>
+              </a:rPr>
+              <a:t>IPTables</a:t>
+            </a:r>
             <a:r>
               <a:rPr lang="en-GB" sz="2000" dirty="0">
                 <a:solidFill>
@@ -9301,7 +13846,7 @@
                   </a:schemeClr>
                 </a:solidFill>
               </a:rPr>
-              <a:t>Firewall Enumeration</a:t>
+              <a:t> Firewall Enumeration</a:t>
             </a:r>
           </a:p>
           <a:p>
@@ -9336,6 +13881,449 @@
     <p:extLst>
       <p:ext uri="{BB962C8B-B14F-4D97-AF65-F5344CB8AC3E}">
         <p14:creationId xmlns:p14="http://schemas.microsoft.com/office/powerpoint/2010/main" val="1023712521"/>
+      </p:ext>
+    </p:extLst>
+  </p:cSld>
+  <p:clrMapOvr>
+    <a:masterClrMapping/>
+  </p:clrMapOvr>
+  <p:timing>
+    <p:tnLst>
+      <p:par>
+        <p:cTn id="1" dur="indefinite" restart="never" nodeType="tmRoot">
+          <p:childTnLst>
+            <p:seq concurrent="1" nextAc="seek">
+              <p:cTn id="2" dur="indefinite" nodeType="mainSeq">
+                <p:childTnLst>
+                  <p:par>
+                    <p:cTn id="3" fill="hold">
+                      <p:stCondLst>
+                        <p:cond delay="indefinite"/>
+                      </p:stCondLst>
+                      <p:childTnLst>
+                        <p:par>
+                          <p:cTn id="4" fill="hold">
+                            <p:stCondLst>
+                              <p:cond delay="0"/>
+                            </p:stCondLst>
+                            <p:childTnLst>
+                              <p:par>
+                                <p:cTn id="5" presetID="10" presetClass="entr" presetSubtype="0" fill="hold" grpId="0" nodeType="clickEffect">
+                                  <p:stCondLst>
+                                    <p:cond delay="0"/>
+                                  </p:stCondLst>
+                                  <p:childTnLst>
+                                    <p:set>
+                                      <p:cBhvr>
+                                        <p:cTn id="6" dur="1" fill="hold">
+                                          <p:stCondLst>
+                                            <p:cond delay="0"/>
+                                          </p:stCondLst>
+                                        </p:cTn>
+                                        <p:tgtEl>
+                                          <p:spTgt spid="2"/>
+                                        </p:tgtEl>
+                                        <p:attrNameLst>
+                                          <p:attrName>style.visibility</p:attrName>
+                                        </p:attrNameLst>
+                                      </p:cBhvr>
+                                      <p:to>
+                                        <p:strVal val="visible"/>
+                                      </p:to>
+                                    </p:set>
+                                    <p:animEffect transition="in" filter="fade">
+                                      <p:cBhvr>
+                                        <p:cTn id="7" dur="500"/>
+                                        <p:tgtEl>
+                                          <p:spTgt spid="2"/>
+                                        </p:tgtEl>
+                                      </p:cBhvr>
+                                    </p:animEffect>
+                                  </p:childTnLst>
+                                </p:cTn>
+                              </p:par>
+                            </p:childTnLst>
+                          </p:cTn>
+                        </p:par>
+                      </p:childTnLst>
+                    </p:cTn>
+                  </p:par>
+                  <p:par>
+                    <p:cTn id="8" fill="hold">
+                      <p:stCondLst>
+                        <p:cond delay="indefinite"/>
+                      </p:stCondLst>
+                      <p:childTnLst>
+                        <p:par>
+                          <p:cTn id="9" fill="hold">
+                            <p:stCondLst>
+                              <p:cond delay="0"/>
+                            </p:stCondLst>
+                            <p:childTnLst>
+                              <p:par>
+                                <p:cTn id="10" presetID="1" presetClass="entr" presetSubtype="0" fill="hold" nodeType="clickEffect">
+                                  <p:stCondLst>
+                                    <p:cond delay="0"/>
+                                  </p:stCondLst>
+                                  <p:childTnLst>
+                                    <p:set>
+                                      <p:cBhvr>
+                                        <p:cTn id="11" dur="1" fill="hold">
+                                          <p:stCondLst>
+                                            <p:cond delay="0"/>
+                                          </p:stCondLst>
+                                        </p:cTn>
+                                        <p:tgtEl>
+                                          <p:spTgt spid="19">
+                                            <p:txEl>
+                                              <p:pRg st="0" end="0"/>
+                                            </p:txEl>
+                                          </p:spTgt>
+                                        </p:tgtEl>
+                                        <p:attrNameLst>
+                                          <p:attrName>style.visibility</p:attrName>
+                                        </p:attrNameLst>
+                                      </p:cBhvr>
+                                      <p:to>
+                                        <p:strVal val="visible"/>
+                                      </p:to>
+                                    </p:set>
+                                  </p:childTnLst>
+                                </p:cTn>
+                              </p:par>
+                            </p:childTnLst>
+                          </p:cTn>
+                        </p:par>
+                      </p:childTnLst>
+                    </p:cTn>
+                  </p:par>
+                  <p:par>
+                    <p:cTn id="12" fill="hold">
+                      <p:stCondLst>
+                        <p:cond delay="indefinite"/>
+                      </p:stCondLst>
+                      <p:childTnLst>
+                        <p:par>
+                          <p:cTn id="13" fill="hold">
+                            <p:stCondLst>
+                              <p:cond delay="0"/>
+                            </p:stCondLst>
+                            <p:childTnLst>
+                              <p:par>
+                                <p:cTn id="14" presetID="1" presetClass="entr" presetSubtype="0" fill="hold" nodeType="clickEffect">
+                                  <p:stCondLst>
+                                    <p:cond delay="0"/>
+                                  </p:stCondLst>
+                                  <p:childTnLst>
+                                    <p:set>
+                                      <p:cBhvr>
+                                        <p:cTn id="15" dur="1" fill="hold">
+                                          <p:stCondLst>
+                                            <p:cond delay="0"/>
+                                          </p:stCondLst>
+                                        </p:cTn>
+                                        <p:tgtEl>
+                                          <p:spTgt spid="19">
+                                            <p:txEl>
+                                              <p:pRg st="1" end="1"/>
+                                            </p:txEl>
+                                          </p:spTgt>
+                                        </p:tgtEl>
+                                        <p:attrNameLst>
+                                          <p:attrName>style.visibility</p:attrName>
+                                        </p:attrNameLst>
+                                      </p:cBhvr>
+                                      <p:to>
+                                        <p:strVal val="visible"/>
+                                      </p:to>
+                                    </p:set>
+                                  </p:childTnLst>
+                                </p:cTn>
+                              </p:par>
+                            </p:childTnLst>
+                          </p:cTn>
+                        </p:par>
+                      </p:childTnLst>
+                    </p:cTn>
+                  </p:par>
+                  <p:par>
+                    <p:cTn id="16" fill="hold">
+                      <p:stCondLst>
+                        <p:cond delay="indefinite"/>
+                      </p:stCondLst>
+                      <p:childTnLst>
+                        <p:par>
+                          <p:cTn id="17" fill="hold">
+                            <p:stCondLst>
+                              <p:cond delay="0"/>
+                            </p:stCondLst>
+                            <p:childTnLst>
+                              <p:par>
+                                <p:cTn id="18" presetID="1" presetClass="entr" presetSubtype="0" fill="hold" nodeType="clickEffect">
+                                  <p:stCondLst>
+                                    <p:cond delay="0"/>
+                                  </p:stCondLst>
+                                  <p:childTnLst>
+                                    <p:set>
+                                      <p:cBhvr>
+                                        <p:cTn id="19" dur="1" fill="hold">
+                                          <p:stCondLst>
+                                            <p:cond delay="0"/>
+                                          </p:stCondLst>
+                                        </p:cTn>
+                                        <p:tgtEl>
+                                          <p:spTgt spid="19">
+                                            <p:txEl>
+                                              <p:pRg st="2" end="2"/>
+                                            </p:txEl>
+                                          </p:spTgt>
+                                        </p:tgtEl>
+                                        <p:attrNameLst>
+                                          <p:attrName>style.visibility</p:attrName>
+                                        </p:attrNameLst>
+                                      </p:cBhvr>
+                                      <p:to>
+                                        <p:strVal val="visible"/>
+                                      </p:to>
+                                    </p:set>
+                                  </p:childTnLst>
+                                </p:cTn>
+                              </p:par>
+                            </p:childTnLst>
+                          </p:cTn>
+                        </p:par>
+                      </p:childTnLst>
+                    </p:cTn>
+                  </p:par>
+                  <p:par>
+                    <p:cTn id="20" fill="hold">
+                      <p:stCondLst>
+                        <p:cond delay="indefinite"/>
+                      </p:stCondLst>
+                      <p:childTnLst>
+                        <p:par>
+                          <p:cTn id="21" fill="hold">
+                            <p:stCondLst>
+                              <p:cond delay="0"/>
+                            </p:stCondLst>
+                            <p:childTnLst>
+                              <p:par>
+                                <p:cTn id="22" presetID="1" presetClass="entr" presetSubtype="0" fill="hold" nodeType="clickEffect">
+                                  <p:stCondLst>
+                                    <p:cond delay="0"/>
+                                  </p:stCondLst>
+                                  <p:childTnLst>
+                                    <p:set>
+                                      <p:cBhvr>
+                                        <p:cTn id="23" dur="1" fill="hold">
+                                          <p:stCondLst>
+                                            <p:cond delay="0"/>
+                                          </p:stCondLst>
+                                        </p:cTn>
+                                        <p:tgtEl>
+                                          <p:spTgt spid="19">
+                                            <p:txEl>
+                                              <p:pRg st="3" end="3"/>
+                                            </p:txEl>
+                                          </p:spTgt>
+                                        </p:tgtEl>
+                                        <p:attrNameLst>
+                                          <p:attrName>style.visibility</p:attrName>
+                                        </p:attrNameLst>
+                                      </p:cBhvr>
+                                      <p:to>
+                                        <p:strVal val="visible"/>
+                                      </p:to>
+                                    </p:set>
+                                  </p:childTnLst>
+                                </p:cTn>
+                              </p:par>
+                            </p:childTnLst>
+                          </p:cTn>
+                        </p:par>
+                      </p:childTnLst>
+                    </p:cTn>
+                  </p:par>
+                  <p:par>
+                    <p:cTn id="24" fill="hold">
+                      <p:stCondLst>
+                        <p:cond delay="indefinite"/>
+                      </p:stCondLst>
+                      <p:childTnLst>
+                        <p:par>
+                          <p:cTn id="25" fill="hold">
+                            <p:stCondLst>
+                              <p:cond delay="0"/>
+                            </p:stCondLst>
+                            <p:childTnLst>
+                              <p:par>
+                                <p:cTn id="26" presetID="1" presetClass="entr" presetSubtype="0" fill="hold" nodeType="clickEffect">
+                                  <p:stCondLst>
+                                    <p:cond delay="0"/>
+                                  </p:stCondLst>
+                                  <p:childTnLst>
+                                    <p:set>
+                                      <p:cBhvr>
+                                        <p:cTn id="27" dur="1" fill="hold">
+                                          <p:stCondLst>
+                                            <p:cond delay="0"/>
+                                          </p:stCondLst>
+                                        </p:cTn>
+                                        <p:tgtEl>
+                                          <p:spTgt spid="19">
+                                            <p:txEl>
+                                              <p:pRg st="4" end="4"/>
+                                            </p:txEl>
+                                          </p:spTgt>
+                                        </p:tgtEl>
+                                        <p:attrNameLst>
+                                          <p:attrName>style.visibility</p:attrName>
+                                        </p:attrNameLst>
+                                      </p:cBhvr>
+                                      <p:to>
+                                        <p:strVal val="visible"/>
+                                      </p:to>
+                                    </p:set>
+                                  </p:childTnLst>
+                                </p:cTn>
+                              </p:par>
+                            </p:childTnLst>
+                          </p:cTn>
+                        </p:par>
+                      </p:childTnLst>
+                    </p:cTn>
+                  </p:par>
+                </p:childTnLst>
+              </p:cTn>
+              <p:prevCondLst>
+                <p:cond evt="onPrev" delay="0">
+                  <p:tgtEl>
+                    <p:sldTgt/>
+                  </p:tgtEl>
+                </p:cond>
+              </p:prevCondLst>
+              <p:nextCondLst>
+                <p:cond evt="onNext" delay="0">
+                  <p:tgtEl>
+                    <p:sldTgt/>
+                  </p:tgtEl>
+                </p:cond>
+              </p:nextCondLst>
+            </p:seq>
+          </p:childTnLst>
+        </p:cTn>
+      </p:par>
+    </p:tnLst>
+    <p:bldLst>
+      <p:bldP spid="2" grpId="0"/>
+    </p:bldLst>
+  </p:timing>
+</p:sld>
+</file>
+
+<file path=ppt/slides/slide20.xml><?xml version="1.0" encoding="utf-8"?>
+<p:sld xmlns:a="http://schemas.openxmlformats.org/drawingml/2006/main" xmlns:r="http://schemas.openxmlformats.org/officeDocument/2006/relationships" xmlns:p="http://schemas.openxmlformats.org/presentationml/2006/main">
+  <p:cSld>
+    <p:spTree>
+      <p:nvGrpSpPr>
+        <p:cNvPr id="1" name=""/>
+        <p:cNvGrpSpPr/>
+        <p:nvPr/>
+      </p:nvGrpSpPr>
+      <p:grpSpPr>
+        <a:xfrm>
+          <a:off x="0" y="0"/>
+          <a:ext cx="0" cy="0"/>
+          <a:chOff x="0" y="0"/>
+          <a:chExt cx="0" cy="0"/>
+        </a:xfrm>
+      </p:grpSpPr>
+      <p:sp>
+        <p:nvSpPr>
+          <p:cNvPr id="2" name="Title 1">
+            <a:extLst>
+              <a:ext uri="{FF2B5EF4-FFF2-40B4-BE49-F238E27FC236}">
+                <a16:creationId xmlns:a16="http://schemas.microsoft.com/office/drawing/2014/main" id="{781A82A5-5464-45A0-81BD-C2047E6D9019}"/>
+              </a:ext>
+            </a:extLst>
+          </p:cNvPr>
+          <p:cNvSpPr>
+            <a:spLocks noGrp="1"/>
+          </p:cNvSpPr>
+          <p:nvPr>
+            <p:ph type="title"/>
+          </p:nvPr>
+        </p:nvSpPr>
+        <p:spPr/>
+        <p:txBody>
+          <a:bodyPr/>
+          <a:lstStyle/>
+          <a:p>
+            <a:pPr algn="ctr"/>
+            <a:r>
+              <a:rPr lang="en-GB" dirty="0" err="1"/>
+              <a:t>Zoomeye</a:t>
+            </a:r>
+            <a:endParaRPr lang="en-GB" dirty="0"/>
+          </a:p>
+        </p:txBody>
+      </p:sp>
+      <p:sp>
+        <p:nvSpPr>
+          <p:cNvPr id="3" name="Content Placeholder 2">
+            <a:extLst>
+              <a:ext uri="{FF2B5EF4-FFF2-40B4-BE49-F238E27FC236}">
+                <a16:creationId xmlns:a16="http://schemas.microsoft.com/office/drawing/2014/main" id="{1DF945C4-46CD-4D69-8355-8F79E53EE59B}"/>
+              </a:ext>
+            </a:extLst>
+          </p:cNvPr>
+          <p:cNvSpPr>
+            <a:spLocks noGrp="1"/>
+          </p:cNvSpPr>
+          <p:nvPr>
+            <p:ph idx="1"/>
+          </p:nvPr>
+        </p:nvSpPr>
+        <p:spPr/>
+        <p:txBody>
+          <a:bodyPr/>
+          <a:lstStyle/>
+          <a:p>
+            <a:r>
+              <a:rPr lang="en-GB" dirty="0"/>
+              <a:t>Recognised as the Chinese version of Shodan</a:t>
+            </a:r>
+          </a:p>
+          <a:p>
+            <a:endParaRPr lang="en-GB" dirty="0"/>
+          </a:p>
+          <a:p>
+            <a:r>
+              <a:rPr lang="en-GB" dirty="0"/>
+              <a:t>Only allowed to access 20 records without any subscription</a:t>
+            </a:r>
+          </a:p>
+          <a:p>
+            <a:endParaRPr lang="en-GB" dirty="0"/>
+          </a:p>
+          <a:p>
+            <a:r>
+              <a:rPr lang="en-GB" dirty="0"/>
+              <a:t>Available from any device with an internet connection (Games console, Tablet, Mobile Phone)</a:t>
+            </a:r>
+          </a:p>
+          <a:p>
+            <a:endParaRPr lang="en-GB" dirty="0"/>
+          </a:p>
+          <a:p>
+            <a:endParaRPr lang="en-GB" dirty="0"/>
+          </a:p>
+        </p:txBody>
+      </p:sp>
+    </p:spTree>
+    <p:extLst>
+      <p:ext uri="{BB962C8B-B14F-4D97-AF65-F5344CB8AC3E}">
+        <p14:creationId xmlns:p14="http://schemas.microsoft.com/office/powerpoint/2010/main" val="643692126"/>
       </p:ext>
     </p:extLst>
   </p:cSld>
@@ -9638,18 +14626,13 @@
           <a:p>
             <a:pPr algn="ctr"/>
             <a:r>
-              <a:rPr lang="en-GB" sz="5000">
+              <a:rPr lang="en-GB" sz="5000" dirty="0">
                 <a:solidFill>
                   <a:srgbClr val="FFFFFF"/>
                 </a:solidFill>
               </a:rPr>
-              <a:t>Enumerating your target with ICMP</a:t>
+              <a:t>Offensive ICMP</a:t>
             </a:r>
-            <a:endParaRPr lang="en-GB" sz="5000" dirty="0">
-              <a:solidFill>
-                <a:srgbClr val="FFFFFF"/>
-              </a:solidFill>
-            </a:endParaRPr>
           </a:p>
         </p:txBody>
       </p:sp>
@@ -9898,7 +14881,7 @@
                   </a:schemeClr>
                 </a:solidFill>
               </a:rPr>
-              <a:t>Data exfiltration/establishing reverse shell communications via “payload” field (Covered in more detail in later sections)</a:t>
+              <a:t>Data exfiltration/establishing reverse shell communications via “data” field (Covered in more detail in later slides)</a:t>
             </a:r>
           </a:p>
           <a:p>
@@ -9974,10 +14957,10 @@
       </p:grpSpPr>
       <p:sp>
         <p:nvSpPr>
-          <p:cNvPr id="8" name="Rectangle 7">
+          <p:cNvPr id="55" name="Rectangle 44">
             <a:extLst>
               <a:ext uri="{FF2B5EF4-FFF2-40B4-BE49-F238E27FC236}">
-                <a16:creationId xmlns:a16="http://schemas.microsoft.com/office/drawing/2014/main" id="{1A59258C-AAC2-41CD-973C-7439B122A3FF}"/>
+                <a16:creationId xmlns:a16="http://schemas.microsoft.com/office/drawing/2014/main" id="{DB691D59-8F51-4DD8-AD41-D568D29B08F8}"/>
               </a:ext>
               <a:ext uri="{C183D7F6-B498-43B3-948B-1728B52AA6E4}">
                 <adec:decorative xmlns:adec="http://schemas.microsoft.com/office/drawing/2017/decorative" val="1"/>
@@ -9997,56 +14980,41 @@
         </p:nvSpPr>
         <p:spPr>
           <a:xfrm>
-            <a:off x="0" y="0"/>
-            <a:ext cx="12192000" cy="6858000"/>
+            <a:off x="446534" y="457200"/>
+            <a:ext cx="3703320" cy="94997"/>
           </a:xfrm>
           <a:prstGeom prst="rect">
             <a:avLst/>
           </a:prstGeom>
           <a:solidFill>
-            <a:srgbClr val="FFFFFF"/>
+            <a:schemeClr val="accent1"/>
           </a:solidFill>
           <a:ln>
             <a:noFill/>
           </a:ln>
+          <a:effectLst/>
         </p:spPr>
         <p:style>
-          <a:lnRef idx="2">
-            <a:schemeClr val="accent1">
-              <a:shade val="50000"/>
-            </a:schemeClr>
+          <a:lnRef idx="1">
+            <a:schemeClr val="accent1"/>
           </a:lnRef>
-          <a:fillRef idx="1">
+          <a:fillRef idx="3">
             <a:schemeClr val="accent1"/>
           </a:fillRef>
-          <a:effectRef idx="0">
+          <a:effectRef idx="2">
             <a:schemeClr val="accent1"/>
           </a:effectRef>
           <a:fontRef idx="minor">
             <a:schemeClr val="lt1"/>
           </a:fontRef>
         </p:style>
-        <p:txBody>
-          <a:bodyPr rtlCol="0" anchor="ctr"/>
-          <a:lstStyle/>
-          <a:p>
-            <a:pPr marL="285750" indent="-285750" algn="ctr">
-              <a:buClr>
-                <a:schemeClr val="accent1"/>
-              </a:buClr>
-              <a:buFont typeface="Arial" panose="020B0604020202020204" pitchFamily="34" charset="0"/>
-              <a:buChar char="•"/>
-            </a:pPr>
-            <a:endParaRPr lang="en-US" dirty="0"/>
-          </a:p>
-        </p:txBody>
-      </p:sp>
-      <p:sp>
-        <p:nvSpPr>
-          <p:cNvPr id="10" name="Rectangle 9">
+      </p:sp>
+      <p:sp>
+        <p:nvSpPr>
+          <p:cNvPr id="56" name="Rectangle 46">
             <a:extLst>
               <a:ext uri="{FF2B5EF4-FFF2-40B4-BE49-F238E27FC236}">
-                <a16:creationId xmlns:a16="http://schemas.microsoft.com/office/drawing/2014/main" id="{54516B72-0116-42B2-82A2-B11218A36636}"/>
+                <a16:creationId xmlns:a16="http://schemas.microsoft.com/office/drawing/2014/main" id="{204AEF18-0627-48F3-9B3D-F7E8F050B1D4}"/>
               </a:ext>
               <a:ext uri="{C183D7F6-B498-43B3-948B-1728B52AA6E4}">
                 <adec:decorative xmlns:adec="http://schemas.microsoft.com/office/drawing/2017/decorative" val="1"/>
@@ -10066,8 +15034,170 @@
         </p:nvSpPr>
         <p:spPr>
           <a:xfrm>
-            <a:off x="-1" y="0"/>
-            <a:ext cx="6113191" cy="6858000"/>
+            <a:off x="8042147" y="453643"/>
+            <a:ext cx="3703320" cy="98554"/>
+          </a:xfrm>
+          <a:prstGeom prst="rect">
+            <a:avLst/>
+          </a:prstGeom>
+          <a:solidFill>
+            <a:schemeClr val="accent4"/>
+          </a:solidFill>
+          <a:ln>
+            <a:noFill/>
+          </a:ln>
+          <a:effectLst/>
+        </p:spPr>
+        <p:style>
+          <a:lnRef idx="1">
+            <a:schemeClr val="accent1"/>
+          </a:lnRef>
+          <a:fillRef idx="3">
+            <a:schemeClr val="accent1"/>
+          </a:fillRef>
+          <a:effectRef idx="2">
+            <a:schemeClr val="accent1"/>
+          </a:effectRef>
+          <a:fontRef idx="minor">
+            <a:schemeClr val="lt1"/>
+          </a:fontRef>
+        </p:style>
+      </p:sp>
+      <p:sp>
+        <p:nvSpPr>
+          <p:cNvPr id="57" name="Rectangle 48">
+            <a:extLst>
+              <a:ext uri="{FF2B5EF4-FFF2-40B4-BE49-F238E27FC236}">
+                <a16:creationId xmlns:a16="http://schemas.microsoft.com/office/drawing/2014/main" id="{CEAEE08A-C572-438F-9753-B0D527A515A7}"/>
+              </a:ext>
+              <a:ext uri="{C183D7F6-B498-43B3-948B-1728B52AA6E4}">
+                <adec:decorative xmlns:adec="http://schemas.microsoft.com/office/drawing/2017/decorative" val="1"/>
+              </a:ext>
+            </a:extLst>
+          </p:cNvPr>
+          <p:cNvSpPr>
+            <a:spLocks noGrp="1" noRot="1" noChangeAspect="1" noMove="1" noResize="1" noEditPoints="1" noAdjustHandles="1" noChangeArrowheads="1" noChangeShapeType="1" noTextEdit="1"/>
+          </p:cNvSpPr>
+          <p:nvPr>
+            <p:extLst>
+              <p:ext uri="{386F3935-93C4-4BCD-93E2-E3B085C9AB24}">
+                <p16:designElem xmlns:p16="http://schemas.microsoft.com/office/powerpoint/2015/main" val="1"/>
+              </p:ext>
+            </p:extLst>
+          </p:nvPr>
+        </p:nvSpPr>
+        <p:spPr>
+          <a:xfrm>
+            <a:off x="4241830" y="457200"/>
+            <a:ext cx="3703320" cy="91440"/>
+          </a:xfrm>
+          <a:prstGeom prst="rect">
+            <a:avLst/>
+          </a:prstGeom>
+          <a:solidFill>
+            <a:schemeClr val="accent2"/>
+          </a:solidFill>
+          <a:ln>
+            <a:noFill/>
+          </a:ln>
+          <a:effectLst/>
+        </p:spPr>
+        <p:style>
+          <a:lnRef idx="1">
+            <a:schemeClr val="accent1"/>
+          </a:lnRef>
+          <a:fillRef idx="3">
+            <a:schemeClr val="accent1"/>
+          </a:fillRef>
+          <a:effectRef idx="2">
+            <a:schemeClr val="accent1"/>
+          </a:effectRef>
+          <a:fontRef idx="minor">
+            <a:schemeClr val="lt1"/>
+          </a:fontRef>
+        </p:style>
+      </p:sp>
+      <p:sp>
+        <p:nvSpPr>
+          <p:cNvPr id="58" name="Rectangle 50">
+            <a:extLst>
+              <a:ext uri="{FF2B5EF4-FFF2-40B4-BE49-F238E27FC236}">
+                <a16:creationId xmlns:a16="http://schemas.microsoft.com/office/drawing/2014/main" id="{DB93146F-62ED-4C59-844C-0935D0FB5031}"/>
+              </a:ext>
+              <a:ext uri="{C183D7F6-B498-43B3-948B-1728B52AA6E4}">
+                <adec:decorative xmlns:adec="http://schemas.microsoft.com/office/drawing/2017/decorative" val="1"/>
+              </a:ext>
+            </a:extLst>
+          </p:cNvPr>
+          <p:cNvSpPr>
+            <a:spLocks noGrp="1" noRot="1" noChangeAspect="1" noMove="1" noResize="1" noEditPoints="1" noAdjustHandles="1" noChangeArrowheads="1" noChangeShapeType="1" noTextEdit="1"/>
+          </p:cNvSpPr>
+          <p:nvPr>
+            <p:extLst>
+              <p:ext uri="{386F3935-93C4-4BCD-93E2-E3B085C9AB24}">
+                <p16:designElem xmlns:p16="http://schemas.microsoft.com/office/powerpoint/2015/main" val="1"/>
+              </p:ext>
+            </p:extLst>
+          </p:nvPr>
+        </p:nvSpPr>
+        <p:spPr>
+          <a:xfrm>
+            <a:off x="446534" y="3085765"/>
+            <a:ext cx="11262866" cy="3304800"/>
+          </a:xfrm>
+          <a:prstGeom prst="rect">
+            <a:avLst/>
+          </a:prstGeom>
+          <a:solidFill>
+            <a:schemeClr val="accent1"/>
+          </a:solidFill>
+          <a:ln>
+            <a:noFill/>
+          </a:ln>
+          <a:effectLst/>
+        </p:spPr>
+        <p:style>
+          <a:lnRef idx="1">
+            <a:schemeClr val="accent1"/>
+          </a:lnRef>
+          <a:fillRef idx="3">
+            <a:schemeClr val="accent1"/>
+          </a:fillRef>
+          <a:effectRef idx="2">
+            <a:schemeClr val="accent1"/>
+          </a:effectRef>
+          <a:fontRef idx="minor">
+            <a:schemeClr val="lt1"/>
+          </a:fontRef>
+        </p:style>
+      </p:sp>
+      <p:sp useBgFill="1">
+        <p:nvSpPr>
+          <p:cNvPr id="59" name="Rectangle 52">
+            <a:extLst>
+              <a:ext uri="{FF2B5EF4-FFF2-40B4-BE49-F238E27FC236}">
+                <a16:creationId xmlns:a16="http://schemas.microsoft.com/office/drawing/2014/main" id="{F9CD4BEB-C391-4F7E-9838-95411A832349}"/>
+              </a:ext>
+              <a:ext uri="{C183D7F6-B498-43B3-948B-1728B52AA6E4}">
+                <adec:decorative xmlns:adec="http://schemas.microsoft.com/office/drawing/2017/decorative" val="1"/>
+              </a:ext>
+            </a:extLst>
+          </p:cNvPr>
+          <p:cNvSpPr>
+            <a:spLocks noGrp="1" noRot="1" noChangeAspect="1" noMove="1" noResize="1" noEditPoints="1" noAdjustHandles="1" noChangeArrowheads="1" noChangeShapeType="1" noTextEdit="1"/>
+          </p:cNvSpPr>
+          <p:nvPr>
+            <p:extLst>
+              <p:ext uri="{386F3935-93C4-4BCD-93E2-E3B085C9AB24}">
+                <p16:designElem xmlns:p16="http://schemas.microsoft.com/office/powerpoint/2015/main" val="1"/>
+              </p:ext>
+            </p:extLst>
+          </p:nvPr>
+        </p:nvSpPr>
+        <p:spPr>
+          <a:xfrm>
+            <a:off x="0" y="723900"/>
+            <a:ext cx="12192000" cy="6134100"/>
           </a:xfrm>
           <a:prstGeom prst="rect">
             <a:avLst/>
@@ -10106,7 +15236,7 @@
           <p:cNvPr id="2" name="Title 1">
             <a:extLst>
               <a:ext uri="{FF2B5EF4-FFF2-40B4-BE49-F238E27FC236}">
-                <a16:creationId xmlns:a16="http://schemas.microsoft.com/office/drawing/2014/main" id="{99B6B504-03DB-450E-A2C9-2B3C97FBE8D6}"/>
+                <a16:creationId xmlns:a16="http://schemas.microsoft.com/office/drawing/2014/main" id="{8AE2B84F-74B2-48E8-91F1-607A2313C805}"/>
               </a:ext>
             </a:extLst>
           </p:cNvPr>
@@ -10119,236 +15249,230 @@
         </p:nvSpPr>
         <p:spPr>
           <a:xfrm>
-            <a:off x="643468" y="1033389"/>
-            <a:ext cx="4826256" cy="4825409"/>
+            <a:off x="581191" y="723901"/>
+            <a:ext cx="10993549" cy="1428750"/>
           </a:xfrm>
         </p:spPr>
         <p:txBody>
-          <a:bodyPr anchor="ctr">
+          <a:bodyPr vert="horz" lIns="91440" tIns="45720" rIns="91440" bIns="45720" rtlCol="0" anchor="b">
             <a:normAutofit/>
           </a:bodyPr>
           <a:lstStyle/>
           <a:p>
             <a:pPr algn="ctr"/>
             <a:r>
-              <a:rPr lang="en-GB" sz="5000">
+              <a:rPr lang="en-US" sz="3600" dirty="0">
                 <a:solidFill>
-                  <a:srgbClr val="FFFFFF"/>
+                  <a:schemeClr val="accent1"/>
                 </a:solidFill>
               </a:rPr>
-              <a:t>Firewall Enumeration</a:t>
+              <a:t>ICMP TTL values</a:t>
             </a:r>
-            <a:endParaRPr lang="en-GB" sz="5000" dirty="0">
-              <a:solidFill>
-                <a:srgbClr val="FFFFFF"/>
-              </a:solidFill>
-            </a:endParaRPr>
           </a:p>
         </p:txBody>
       </p:sp>
-      <p:sp>
-        <p:nvSpPr>
-          <p:cNvPr id="12" name="Rectangle 11">
+      <p:graphicFrame>
+        <p:nvGraphicFramePr>
+          <p:cNvPr id="8" name="Table 8">
             <a:extLst>
               <a:ext uri="{FF2B5EF4-FFF2-40B4-BE49-F238E27FC236}">
-                <a16:creationId xmlns:a16="http://schemas.microsoft.com/office/drawing/2014/main" id="{7CDB507F-21B7-4C27-B0FC-D9C465C6DB44}"/>
-              </a:ext>
-              <a:ext uri="{C183D7F6-B498-43B3-948B-1728B52AA6E4}">
-                <adec:decorative xmlns:adec="http://schemas.microsoft.com/office/drawing/2017/decorative" val="1"/>
+                <a16:creationId xmlns:a16="http://schemas.microsoft.com/office/drawing/2014/main" id="{DE8BCB4A-2889-4A59-9458-2E3C9BB94AE9}"/>
               </a:ext>
             </a:extLst>
           </p:cNvPr>
-          <p:cNvSpPr>
-            <a:spLocks noGrp="1" noRot="1" noChangeAspect="1" noMove="1" noResize="1" noEditPoints="1" noAdjustHandles="1" noChangeArrowheads="1" noChangeShapeType="1" noTextEdit="1"/>
-          </p:cNvSpPr>
+          <p:cNvGraphicFramePr>
+            <a:graphicFrameLocks noGrp="1"/>
+          </p:cNvGraphicFramePr>
           <p:nvPr>
             <p:extLst>
-              <p:ext uri="{386F3935-93C4-4BCD-93E2-E3B085C9AB24}">
-                <p16:designElem xmlns:p16="http://schemas.microsoft.com/office/powerpoint/2015/main" val="1"/>
+              <p:ext uri="{D42A27DB-BD31-4B8C-83A1-F6EECF244321}">
+                <p14:modId xmlns:p14="http://schemas.microsoft.com/office/powerpoint/2010/main" val="2874666838"/>
               </p:ext>
             </p:extLst>
           </p:nvPr>
-        </p:nvSpPr>
-        <p:spPr>
-          <a:xfrm>
-            <a:off x="642579" y="460868"/>
-            <a:ext cx="4828032" cy="111654"/>
-          </a:xfrm>
-          <a:prstGeom prst="rect">
-            <a:avLst/>
-          </a:prstGeom>
-          <a:solidFill>
-            <a:srgbClr val="FFFFFF"/>
-          </a:solidFill>
-          <a:ln>
-            <a:noFill/>
-          </a:ln>
-          <a:effectLst/>
-        </p:spPr>
-        <p:style>
-          <a:lnRef idx="1">
-            <a:schemeClr val="accent1"/>
-          </a:lnRef>
-          <a:fillRef idx="3">
-            <a:schemeClr val="accent1"/>
-          </a:fillRef>
-          <a:effectRef idx="2">
-            <a:schemeClr val="accent1"/>
-          </a:effectRef>
-          <a:fontRef idx="minor">
-            <a:schemeClr val="lt1"/>
-          </a:fontRef>
-        </p:style>
-      </p:sp>
-      <p:sp>
-        <p:nvSpPr>
-          <p:cNvPr id="14" name="Rectangle 13">
-            <a:extLst>
-              <a:ext uri="{FF2B5EF4-FFF2-40B4-BE49-F238E27FC236}">
-                <a16:creationId xmlns:a16="http://schemas.microsoft.com/office/drawing/2014/main" id="{7AB1AE17-B7A3-4363-95CD-25441E2FF1F3}"/>
-              </a:ext>
-              <a:ext uri="{C183D7F6-B498-43B3-948B-1728B52AA6E4}">
-                <adec:decorative xmlns:adec="http://schemas.microsoft.com/office/drawing/2017/decorative" val="1"/>
-              </a:ext>
-            </a:extLst>
-          </p:cNvPr>
-          <p:cNvSpPr>
-            <a:spLocks noGrp="1" noRot="1" noChangeAspect="1" noMove="1" noResize="1" noEditPoints="1" noAdjustHandles="1" noChangeArrowheads="1" noChangeShapeType="1" noTextEdit="1"/>
-          </p:cNvSpPr>
-          <p:nvPr>
-            <p:extLst>
-              <p:ext uri="{386F3935-93C4-4BCD-93E2-E3B085C9AB24}">
-                <p16:designElem xmlns:p16="http://schemas.microsoft.com/office/powerpoint/2015/main" val="1"/>
-              </p:ext>
-            </p:extLst>
-          </p:nvPr>
-        </p:nvSpPr>
-        <p:spPr>
-          <a:xfrm>
-            <a:off x="6782774" y="460868"/>
-            <a:ext cx="4828032" cy="111654"/>
-          </a:xfrm>
-          <a:prstGeom prst="rect">
-            <a:avLst/>
-          </a:prstGeom>
-          <a:solidFill>
-            <a:schemeClr val="accent2"/>
-          </a:solidFill>
-          <a:ln>
-            <a:noFill/>
-          </a:ln>
-          <a:effectLst/>
-        </p:spPr>
-        <p:style>
-          <a:lnRef idx="1">
-            <a:schemeClr val="accent1"/>
-          </a:lnRef>
-          <a:fillRef idx="3">
-            <a:schemeClr val="accent1"/>
-          </a:fillRef>
-          <a:effectRef idx="2">
-            <a:schemeClr val="accent1"/>
-          </a:effectRef>
-          <a:fontRef idx="minor">
-            <a:schemeClr val="lt1"/>
-          </a:fontRef>
-        </p:style>
-      </p:sp>
-      <p:sp>
-        <p:nvSpPr>
-          <p:cNvPr id="3" name="Content Placeholder 2">
-            <a:extLst>
-              <a:ext uri="{FF2B5EF4-FFF2-40B4-BE49-F238E27FC236}">
-                <a16:creationId xmlns:a16="http://schemas.microsoft.com/office/drawing/2014/main" id="{775A717A-39A2-4D8B-B76C-C5ED05D90258}"/>
-              </a:ext>
-            </a:extLst>
-          </p:cNvPr>
-          <p:cNvSpPr>
-            <a:spLocks noGrp="1"/>
-          </p:cNvSpPr>
-          <p:nvPr>
-            <p:ph idx="1"/>
-          </p:nvPr>
-        </p:nvSpPr>
-        <p:spPr>
-          <a:xfrm>
-            <a:off x="6755769" y="1033390"/>
-            <a:ext cx="4855037" cy="4825409"/>
-          </a:xfrm>
-          <a:ln w="57150">
-            <a:noFill/>
-          </a:ln>
-        </p:spPr>
-        <p:txBody>
-          <a:bodyPr anchor="ctr">
-            <a:normAutofit/>
-          </a:bodyPr>
-          <a:lstStyle/>
-          <a:p>
-            <a:pPr algn="ctr"/>
-            <a:r>
-              <a:rPr lang="en-GB" sz="2000" dirty="0">
-                <a:solidFill>
-                  <a:schemeClr val="accent2">
-                    <a:lumMod val="50000"/>
-                  </a:schemeClr>
-                </a:solidFill>
-              </a:rPr>
-              <a:t>Common installation of firewall on Linux Servers is IPTables</a:t>
-            </a:r>
-          </a:p>
-          <a:p>
-            <a:pPr algn="ctr"/>
-            <a:endParaRPr lang="en-GB" sz="2000" dirty="0">
-              <a:solidFill>
-                <a:schemeClr val="accent2">
-                  <a:lumMod val="50000"/>
-                </a:schemeClr>
-              </a:solidFill>
-            </a:endParaRPr>
-          </a:p>
-          <a:p>
-            <a:pPr algn="ctr"/>
-            <a:r>
-              <a:rPr lang="en-GB" sz="2000" dirty="0">
-                <a:solidFill>
-                  <a:schemeClr val="accent2">
-                    <a:lumMod val="50000"/>
-                  </a:schemeClr>
-                </a:solidFill>
-              </a:rPr>
-              <a:t>IPTables rules when misconfigured with rules such as REJECT can allow opportunities to enumerate open ports</a:t>
-            </a:r>
-          </a:p>
-          <a:p>
-            <a:pPr algn="ctr"/>
-            <a:endParaRPr lang="en-GB" sz="2000" dirty="0">
-              <a:solidFill>
-                <a:schemeClr val="accent2">
-                  <a:lumMod val="50000"/>
-                </a:schemeClr>
-              </a:solidFill>
-            </a:endParaRPr>
-          </a:p>
-          <a:p>
-            <a:pPr algn="ctr"/>
-            <a:r>
-              <a:rPr lang="en-GB" sz="2000" dirty="0">
-                <a:solidFill>
-                  <a:schemeClr val="accent2">
-                    <a:lumMod val="50000"/>
-                  </a:schemeClr>
-                </a:solidFill>
-              </a:rPr>
-              <a:t>Enumerating outbound firewall rules can aid in payload weaponization to achieve infiltration or client side attack from external perimeter.</a:t>
-            </a:r>
-          </a:p>
-        </p:txBody>
-      </p:sp>
+        </p:nvGraphicFramePr>
+        <p:xfrm>
+          <a:off x="2317172" y="2790605"/>
+          <a:ext cx="7563574" cy="3602738"/>
+        </p:xfrm>
+        <a:graphic>
+          <a:graphicData uri="http://schemas.openxmlformats.org/drawingml/2006/table">
+            <a:tbl>
+              <a:tblPr firstRow="1" bandRow="1">
+                <a:tableStyleId>{5C22544A-7EE6-4342-B048-85BDC9FD1C3A}</a:tableStyleId>
+              </a:tblPr>
+              <a:tblGrid>
+                <a:gridCol w="3640086">
+                  <a:extLst>
+                    <a:ext uri="{9D8B030D-6E8A-4147-A177-3AD203B41FA5}">
+                      <a16:colId xmlns:a16="http://schemas.microsoft.com/office/drawing/2014/main" val="4117251180"/>
+                    </a:ext>
+                  </a:extLst>
+                </a:gridCol>
+                <a:gridCol w="3923488">
+                  <a:extLst>
+                    <a:ext uri="{9D8B030D-6E8A-4147-A177-3AD203B41FA5}">
+                      <a16:colId xmlns:a16="http://schemas.microsoft.com/office/drawing/2014/main" val="2533975159"/>
+                    </a:ext>
+                  </a:extLst>
+                </a:gridCol>
+              </a:tblGrid>
+              <a:tr h="1136953">
+                <a:tc>
+                  <a:txBody>
+                    <a:bodyPr/>
+                    <a:lstStyle/>
+                    <a:p>
+                      <a:pPr algn="ctr"/>
+                      <a:r>
+                        <a:rPr lang="en-US" sz="3100"/>
+                        <a:t>Operating System</a:t>
+                      </a:r>
+                      <a:endParaRPr lang="en-GB" sz="3100"/>
+                    </a:p>
+                  </a:txBody>
+                  <a:tcPr marL="157512" marR="157512" marT="78756" marB="78756"/>
+                </a:tc>
+                <a:tc>
+                  <a:txBody>
+                    <a:bodyPr/>
+                    <a:lstStyle/>
+                    <a:p>
+                      <a:pPr algn="ctr"/>
+                      <a:r>
+                        <a:rPr lang="en-US" sz="3100"/>
+                        <a:t>TTL value (Time To Live)</a:t>
+                      </a:r>
+                      <a:endParaRPr lang="en-GB" sz="3100"/>
+                    </a:p>
+                  </a:txBody>
+                  <a:tcPr marL="157512" marR="157512" marT="78756" marB="78756"/>
+                </a:tc>
+                <a:extLst>
+                  <a:ext uri="{0D108BD9-81ED-4DB2-BD59-A6C34878D82A}">
+                    <a16:rowId xmlns:a16="http://schemas.microsoft.com/office/drawing/2014/main" val="3975842701"/>
+                  </a:ext>
+                </a:extLst>
+              </a:tr>
+              <a:tr h="664416">
+                <a:tc>
+                  <a:txBody>
+                    <a:bodyPr/>
+                    <a:lstStyle/>
+                    <a:p>
+                      <a:pPr algn="ctr"/>
+                      <a:r>
+                        <a:rPr lang="en-US" sz="3100"/>
+                        <a:t>Linux</a:t>
+                      </a:r>
+                      <a:endParaRPr lang="en-GB" sz="3100"/>
+                    </a:p>
+                  </a:txBody>
+                  <a:tcPr marL="157512" marR="157512" marT="78756" marB="78756"/>
+                </a:tc>
+                <a:tc>
+                  <a:txBody>
+                    <a:bodyPr/>
+                    <a:lstStyle/>
+                    <a:p>
+                      <a:pPr algn="ctr"/>
+                      <a:r>
+                        <a:rPr lang="en-US" sz="3100"/>
+                        <a:t>64</a:t>
+                      </a:r>
+                      <a:endParaRPr lang="en-GB" sz="3100"/>
+                    </a:p>
+                  </a:txBody>
+                  <a:tcPr marL="157512" marR="157512" marT="78756" marB="78756"/>
+                </a:tc>
+                <a:extLst>
+                  <a:ext uri="{0D108BD9-81ED-4DB2-BD59-A6C34878D82A}">
+                    <a16:rowId xmlns:a16="http://schemas.microsoft.com/office/drawing/2014/main" val="3669403302"/>
+                  </a:ext>
+                </a:extLst>
+              </a:tr>
+              <a:tr h="664416">
+                <a:tc>
+                  <a:txBody>
+                    <a:bodyPr/>
+                    <a:lstStyle/>
+                    <a:p>
+                      <a:pPr algn="ctr"/>
+                      <a:r>
+                        <a:rPr lang="en-US" sz="3100"/>
+                        <a:t>Windows</a:t>
+                      </a:r>
+                      <a:endParaRPr lang="en-GB" sz="3100"/>
+                    </a:p>
+                  </a:txBody>
+                  <a:tcPr marL="157512" marR="157512" marT="78756" marB="78756"/>
+                </a:tc>
+                <a:tc>
+                  <a:txBody>
+                    <a:bodyPr/>
+                    <a:lstStyle/>
+                    <a:p>
+                      <a:pPr algn="ctr"/>
+                      <a:r>
+                        <a:rPr lang="en-US" sz="3100"/>
+                        <a:t>128</a:t>
+                      </a:r>
+                      <a:endParaRPr lang="en-GB" sz="3100"/>
+                    </a:p>
+                  </a:txBody>
+                  <a:tcPr marL="157512" marR="157512" marT="78756" marB="78756"/>
+                </a:tc>
+                <a:extLst>
+                  <a:ext uri="{0D108BD9-81ED-4DB2-BD59-A6C34878D82A}">
+                    <a16:rowId xmlns:a16="http://schemas.microsoft.com/office/drawing/2014/main" val="3876271205"/>
+                  </a:ext>
+                </a:extLst>
+              </a:tr>
+              <a:tr h="1136953">
+                <a:tc>
+                  <a:txBody>
+                    <a:bodyPr/>
+                    <a:lstStyle/>
+                    <a:p>
+                      <a:pPr algn="ctr"/>
+                      <a:r>
+                        <a:rPr lang="en-US" sz="3100"/>
+                        <a:t>Network Devices (Cisco)</a:t>
+                      </a:r>
+                      <a:endParaRPr lang="en-GB" sz="3100"/>
+                    </a:p>
+                  </a:txBody>
+                  <a:tcPr marL="157512" marR="157512" marT="78756" marB="78756"/>
+                </a:tc>
+                <a:tc>
+                  <a:txBody>
+                    <a:bodyPr/>
+                    <a:lstStyle/>
+                    <a:p>
+                      <a:pPr algn="ctr"/>
+                      <a:r>
+                        <a:rPr lang="en-US" sz="3100"/>
+                        <a:t>255</a:t>
+                      </a:r>
+                      <a:endParaRPr lang="en-GB" sz="3100"/>
+                    </a:p>
+                  </a:txBody>
+                  <a:tcPr marL="157512" marR="157512" marT="78756" marB="78756"/>
+                </a:tc>
+                <a:extLst>
+                  <a:ext uri="{0D108BD9-81ED-4DB2-BD59-A6C34878D82A}">
+                    <a16:rowId xmlns:a16="http://schemas.microsoft.com/office/drawing/2014/main" val="2469235916"/>
+                  </a:ext>
+                </a:extLst>
+              </a:tr>
+            </a:tbl>
+          </a:graphicData>
+        </a:graphic>
+      </p:graphicFrame>
     </p:spTree>
     <p:extLst>
       <p:ext uri="{BB962C8B-B14F-4D97-AF65-F5344CB8AC3E}">
-        <p14:creationId xmlns:p14="http://schemas.microsoft.com/office/powerpoint/2010/main" val="1616694163"/>
+        <p14:creationId xmlns:p14="http://schemas.microsoft.com/office/powerpoint/2010/main" val="1712143387"/>
       </p:ext>
     </p:extLst>
   </p:cSld>
@@ -10385,346 +15509,83 @@
       </p:grpSpPr>
       <p:sp>
         <p:nvSpPr>
-          <p:cNvPr id="8" name="Rectangle 7">
+          <p:cNvPr id="2" name="Title 1">
             <a:extLst>
               <a:ext uri="{FF2B5EF4-FFF2-40B4-BE49-F238E27FC236}">
-                <a16:creationId xmlns:a16="http://schemas.microsoft.com/office/drawing/2014/main" id="{1A59258C-AAC2-41CD-973C-7439B122A3FF}"/>
-              </a:ext>
-              <a:ext uri="{C183D7F6-B498-43B3-948B-1728B52AA6E4}">
-                <adec:decorative xmlns:adec="http://schemas.microsoft.com/office/drawing/2017/decorative" val="1"/>
+                <a16:creationId xmlns:a16="http://schemas.microsoft.com/office/drawing/2014/main" id="{CA7F5215-1C74-49C4-8062-C60BB665290F}"/>
               </a:ext>
             </a:extLst>
           </p:cNvPr>
           <p:cNvSpPr>
-            <a:spLocks noGrp="1" noRot="1" noChangeAspect="1" noMove="1" noResize="1" noEditPoints="1" noAdjustHandles="1" noChangeArrowheads="1" noChangeShapeType="1" noTextEdit="1"/>
+            <a:spLocks noGrp="1"/>
           </p:cNvSpPr>
           <p:nvPr>
+            <p:ph type="title"/>
+          </p:nvPr>
+        </p:nvSpPr>
+        <p:spPr>
+          <a:xfrm>
+            <a:off x="581192" y="702156"/>
+            <a:ext cx="11029616" cy="1013800"/>
+          </a:xfrm>
+        </p:spPr>
+        <p:txBody>
+          <a:bodyPr>
+            <a:normAutofit/>
+          </a:bodyPr>
+          <a:lstStyle/>
+          <a:p>
+            <a:r>
+              <a:rPr lang="en-US">
+                <a:solidFill>
+                  <a:srgbClr val="FFFEFF"/>
+                </a:solidFill>
+              </a:rPr>
+              <a:t>More os detection methods</a:t>
+            </a:r>
+            <a:endParaRPr lang="en-GB">
+              <a:solidFill>
+                <a:srgbClr val="FFFEFF"/>
+              </a:solidFill>
+            </a:endParaRPr>
+          </a:p>
+        </p:txBody>
+      </p:sp>
+      <p:graphicFrame>
+        <p:nvGraphicFramePr>
+          <p:cNvPr id="5" name="Content Placeholder 2">
+            <a:extLst>
+              <a:ext uri="{FF2B5EF4-FFF2-40B4-BE49-F238E27FC236}">
+                <a16:creationId xmlns:a16="http://schemas.microsoft.com/office/drawing/2014/main" id="{03B7349A-E126-459F-A204-9B385FFE9357}"/>
+              </a:ext>
+            </a:extLst>
+          </p:cNvPr>
+          <p:cNvGraphicFramePr>
+            <a:graphicFrameLocks noGrp="1"/>
+          </p:cNvGraphicFramePr>
+          <p:nvPr>
+            <p:ph idx="1"/>
             <p:extLst>
-              <p:ext uri="{386F3935-93C4-4BCD-93E2-E3B085C9AB24}">
-                <p16:designElem xmlns:p16="http://schemas.microsoft.com/office/powerpoint/2015/main" val="1"/>
+              <p:ext uri="{D42A27DB-BD31-4B8C-83A1-F6EECF244321}">
+                <p14:modId xmlns:p14="http://schemas.microsoft.com/office/powerpoint/2010/main" val="505964650"/>
               </p:ext>
             </p:extLst>
           </p:nvPr>
-        </p:nvSpPr>
-        <p:spPr>
-          <a:xfrm>
-            <a:off x="0" y="0"/>
-            <a:ext cx="12192000" cy="6858000"/>
-          </a:xfrm>
-          <a:prstGeom prst="rect">
-            <a:avLst/>
-          </a:prstGeom>
-          <a:solidFill>
-            <a:srgbClr val="FFFFFF"/>
-          </a:solidFill>
-          <a:ln>
-            <a:noFill/>
-          </a:ln>
-        </p:spPr>
-        <p:style>
-          <a:lnRef idx="2">
-            <a:schemeClr val="accent1">
-              <a:shade val="50000"/>
-            </a:schemeClr>
-          </a:lnRef>
-          <a:fillRef idx="1">
-            <a:schemeClr val="accent1"/>
-          </a:fillRef>
-          <a:effectRef idx="0">
-            <a:schemeClr val="accent1"/>
-          </a:effectRef>
-          <a:fontRef idx="minor">
-            <a:schemeClr val="lt1"/>
-          </a:fontRef>
-        </p:style>
-        <p:txBody>
-          <a:bodyPr rtlCol="0" anchor="ctr"/>
-          <a:lstStyle/>
-          <a:p>
-            <a:pPr marL="285750" indent="-285750" algn="ctr">
-              <a:buClr>
-                <a:schemeClr val="accent1"/>
-              </a:buClr>
-              <a:buFont typeface="Arial" panose="020B0604020202020204" pitchFamily="34" charset="0"/>
-              <a:buChar char="•"/>
-            </a:pPr>
-            <a:endParaRPr lang="en-US" dirty="0"/>
-          </a:p>
-        </p:txBody>
-      </p:sp>
-      <p:sp>
-        <p:nvSpPr>
-          <p:cNvPr id="10" name="Rectangle 9">
-            <a:extLst>
-              <a:ext uri="{FF2B5EF4-FFF2-40B4-BE49-F238E27FC236}">
-                <a16:creationId xmlns:a16="http://schemas.microsoft.com/office/drawing/2014/main" id="{54516B72-0116-42B2-82A2-B11218A36636}"/>
-              </a:ext>
-              <a:ext uri="{C183D7F6-B498-43B3-948B-1728B52AA6E4}">
-                <adec:decorative xmlns:adec="http://schemas.microsoft.com/office/drawing/2017/decorative" val="1"/>
-              </a:ext>
-            </a:extLst>
-          </p:cNvPr>
-          <p:cNvSpPr>
-            <a:spLocks noGrp="1" noRot="1" noChangeAspect="1" noMove="1" noResize="1" noEditPoints="1" noAdjustHandles="1" noChangeArrowheads="1" noChangeShapeType="1" noTextEdit="1"/>
-          </p:cNvSpPr>
-          <p:nvPr>
-            <p:extLst>
-              <p:ext uri="{386F3935-93C4-4BCD-93E2-E3B085C9AB24}">
-                <p16:designElem xmlns:p16="http://schemas.microsoft.com/office/powerpoint/2015/main" val="1"/>
-              </p:ext>
-            </p:extLst>
-          </p:nvPr>
-        </p:nvSpPr>
-        <p:spPr>
-          <a:xfrm>
-            <a:off x="-1" y="0"/>
-            <a:ext cx="6113191" cy="6858000"/>
-          </a:xfrm>
-          <a:prstGeom prst="rect">
-            <a:avLst/>
-          </a:prstGeom>
-          <a:ln>
-            <a:noFill/>
-          </a:ln>
-        </p:spPr>
-        <p:style>
-          <a:lnRef idx="2">
-            <a:schemeClr val="accent1">
-              <a:shade val="50000"/>
-            </a:schemeClr>
-          </a:lnRef>
-          <a:fillRef idx="1">
-            <a:schemeClr val="accent1"/>
-          </a:fillRef>
-          <a:effectRef idx="0">
-            <a:schemeClr val="accent1"/>
-          </a:effectRef>
-          <a:fontRef idx="minor">
-            <a:schemeClr val="lt1"/>
-          </a:fontRef>
-        </p:style>
-        <p:txBody>
-          <a:bodyPr rtlCol="0" anchor="ctr"/>
-          <a:lstStyle/>
-          <a:p>
-            <a:pPr algn="ctr"/>
-            <a:endParaRPr lang="en-US"/>
-          </a:p>
-        </p:txBody>
-      </p:sp>
-      <p:sp>
-        <p:nvSpPr>
-          <p:cNvPr id="2" name="Title 1">
-            <a:extLst>
-              <a:ext uri="{FF2B5EF4-FFF2-40B4-BE49-F238E27FC236}">
-                <a16:creationId xmlns:a16="http://schemas.microsoft.com/office/drawing/2014/main" id="{99B6B504-03DB-450E-A2C9-2B3C97FBE8D6}"/>
-              </a:ext>
-            </a:extLst>
-          </p:cNvPr>
-          <p:cNvSpPr>
-            <a:spLocks noGrp="1"/>
-          </p:cNvSpPr>
-          <p:nvPr>
-            <p:ph type="title"/>
-          </p:nvPr>
-        </p:nvSpPr>
-        <p:spPr>
-          <a:xfrm>
-            <a:off x="643468" y="1033389"/>
-            <a:ext cx="4826256" cy="4825409"/>
-          </a:xfrm>
-        </p:spPr>
-        <p:txBody>
-          <a:bodyPr anchor="ctr">
-            <a:normAutofit/>
-          </a:bodyPr>
-          <a:lstStyle/>
-          <a:p>
-            <a:pPr algn="ctr"/>
-            <a:r>
-              <a:rPr lang="en-GB" sz="5000" dirty="0">
-                <a:solidFill>
-                  <a:srgbClr val="FFFFFF"/>
-                </a:solidFill>
-              </a:rPr>
-              <a:t>Port scanning</a:t>
-            </a:r>
-          </a:p>
-        </p:txBody>
-      </p:sp>
-      <p:sp>
-        <p:nvSpPr>
-          <p:cNvPr id="12" name="Rectangle 11">
-            <a:extLst>
-              <a:ext uri="{FF2B5EF4-FFF2-40B4-BE49-F238E27FC236}">
-                <a16:creationId xmlns:a16="http://schemas.microsoft.com/office/drawing/2014/main" id="{7CDB507F-21B7-4C27-B0FC-D9C465C6DB44}"/>
-              </a:ext>
-              <a:ext uri="{C183D7F6-B498-43B3-948B-1728B52AA6E4}">
-                <adec:decorative xmlns:adec="http://schemas.microsoft.com/office/drawing/2017/decorative" val="1"/>
-              </a:ext>
-            </a:extLst>
-          </p:cNvPr>
-          <p:cNvSpPr>
-            <a:spLocks noGrp="1" noRot="1" noChangeAspect="1" noMove="1" noResize="1" noEditPoints="1" noAdjustHandles="1" noChangeArrowheads="1" noChangeShapeType="1" noTextEdit="1"/>
-          </p:cNvSpPr>
-          <p:nvPr>
-            <p:extLst>
-              <p:ext uri="{386F3935-93C4-4BCD-93E2-E3B085C9AB24}">
-                <p16:designElem xmlns:p16="http://schemas.microsoft.com/office/powerpoint/2015/main" val="1"/>
-              </p:ext>
-            </p:extLst>
-          </p:nvPr>
-        </p:nvSpPr>
-        <p:spPr>
-          <a:xfrm>
-            <a:off x="642579" y="460868"/>
-            <a:ext cx="4828032" cy="111654"/>
-          </a:xfrm>
-          <a:prstGeom prst="rect">
-            <a:avLst/>
-          </a:prstGeom>
-          <a:solidFill>
-            <a:srgbClr val="FFFFFF"/>
-          </a:solidFill>
-          <a:ln>
-            <a:noFill/>
-          </a:ln>
-          <a:effectLst/>
-        </p:spPr>
-        <p:style>
-          <a:lnRef idx="1">
-            <a:schemeClr val="accent1"/>
-          </a:lnRef>
-          <a:fillRef idx="3">
-            <a:schemeClr val="accent1"/>
-          </a:fillRef>
-          <a:effectRef idx="2">
-            <a:schemeClr val="accent1"/>
-          </a:effectRef>
-          <a:fontRef idx="minor">
-            <a:schemeClr val="lt1"/>
-          </a:fontRef>
-        </p:style>
-      </p:sp>
-      <p:sp>
-        <p:nvSpPr>
-          <p:cNvPr id="14" name="Rectangle 13">
-            <a:extLst>
-              <a:ext uri="{FF2B5EF4-FFF2-40B4-BE49-F238E27FC236}">
-                <a16:creationId xmlns:a16="http://schemas.microsoft.com/office/drawing/2014/main" id="{7AB1AE17-B7A3-4363-95CD-25441E2FF1F3}"/>
-              </a:ext>
-              <a:ext uri="{C183D7F6-B498-43B3-948B-1728B52AA6E4}">
-                <adec:decorative xmlns:adec="http://schemas.microsoft.com/office/drawing/2017/decorative" val="1"/>
-              </a:ext>
-            </a:extLst>
-          </p:cNvPr>
-          <p:cNvSpPr>
-            <a:spLocks noGrp="1" noRot="1" noChangeAspect="1" noMove="1" noResize="1" noEditPoints="1" noAdjustHandles="1" noChangeArrowheads="1" noChangeShapeType="1" noTextEdit="1"/>
-          </p:cNvSpPr>
-          <p:nvPr>
-            <p:extLst>
-              <p:ext uri="{386F3935-93C4-4BCD-93E2-E3B085C9AB24}">
-                <p16:designElem xmlns:p16="http://schemas.microsoft.com/office/powerpoint/2015/main" val="1"/>
-              </p:ext>
-            </p:extLst>
-          </p:nvPr>
-        </p:nvSpPr>
-        <p:spPr>
-          <a:xfrm>
-            <a:off x="6782774" y="460868"/>
-            <a:ext cx="4828032" cy="111654"/>
-          </a:xfrm>
-          <a:prstGeom prst="rect">
-            <a:avLst/>
-          </a:prstGeom>
-          <a:solidFill>
-            <a:schemeClr val="accent2"/>
-          </a:solidFill>
-          <a:ln>
-            <a:noFill/>
-          </a:ln>
-          <a:effectLst/>
-        </p:spPr>
-        <p:style>
-          <a:lnRef idx="1">
-            <a:schemeClr val="accent1"/>
-          </a:lnRef>
-          <a:fillRef idx="3">
-            <a:schemeClr val="accent1"/>
-          </a:fillRef>
-          <a:effectRef idx="2">
-            <a:schemeClr val="accent1"/>
-          </a:effectRef>
-          <a:fontRef idx="minor">
-            <a:schemeClr val="lt1"/>
-          </a:fontRef>
-        </p:style>
-      </p:sp>
-      <p:sp>
-        <p:nvSpPr>
-          <p:cNvPr id="3" name="Content Placeholder 2">
-            <a:extLst>
-              <a:ext uri="{FF2B5EF4-FFF2-40B4-BE49-F238E27FC236}">
-                <a16:creationId xmlns:a16="http://schemas.microsoft.com/office/drawing/2014/main" id="{775A717A-39A2-4D8B-B76C-C5ED05D90258}"/>
-              </a:ext>
-            </a:extLst>
-          </p:cNvPr>
-          <p:cNvSpPr>
-            <a:spLocks noGrp="1"/>
-          </p:cNvSpPr>
-          <p:nvPr>
-            <p:ph idx="1"/>
-          </p:nvPr>
-        </p:nvSpPr>
-        <p:spPr>
-          <a:xfrm>
-            <a:off x="6755769" y="1033390"/>
-            <a:ext cx="4855037" cy="4825409"/>
-          </a:xfrm>
-          <a:ln w="57150">
-            <a:noFill/>
-          </a:ln>
-        </p:spPr>
-        <p:txBody>
-          <a:bodyPr anchor="ctr">
-            <a:normAutofit/>
-          </a:bodyPr>
-          <a:lstStyle/>
-          <a:p>
-            <a:pPr algn="ctr"/>
-            <a:r>
-              <a:rPr lang="en-GB" sz="2000" dirty="0"/>
-              <a:t>Active reconnaissance technique used to check the availability of a network port.</a:t>
-            </a:r>
-          </a:p>
-          <a:p>
-            <a:pPr algn="ctr"/>
-            <a:endParaRPr lang="en-GB" sz="2000" dirty="0"/>
-          </a:p>
-          <a:p>
-            <a:pPr algn="ctr"/>
-            <a:r>
-              <a:rPr lang="en-GB" sz="2000" dirty="0"/>
-              <a:t>Port scanning can be conducted in many ways rather than a typical TCP connect.</a:t>
-            </a:r>
-          </a:p>
-          <a:p>
-            <a:pPr algn="ctr"/>
-            <a:endParaRPr lang="en-GB" sz="2000" dirty="0"/>
-          </a:p>
-          <a:p>
-            <a:pPr algn="ctr"/>
-            <a:r>
-              <a:rPr lang="en-GB" sz="2000" dirty="0"/>
-              <a:t>Port scanning if done too loud/aggressively can cause defences to trigger</a:t>
-            </a:r>
-          </a:p>
-        </p:txBody>
-      </p:sp>
+        </p:nvGraphicFramePr>
+        <p:xfrm>
+          <a:off x="581025" y="2181225"/>
+          <a:ext cx="11029950" cy="3678238"/>
+        </p:xfrm>
+        <a:graphic>
+          <a:graphicData uri="http://schemas.openxmlformats.org/drawingml/2006/diagram">
+            <dgm:relIds xmlns:dgm="http://schemas.openxmlformats.org/drawingml/2006/diagram" xmlns:r="http://schemas.openxmlformats.org/officeDocument/2006/relationships" r:dm="rId2" r:lo="rId3" r:qs="rId4" r:cs="rId5"/>
+          </a:graphicData>
+        </a:graphic>
+      </p:graphicFrame>
     </p:spTree>
     <p:extLst>
       <p:ext uri="{BB962C8B-B14F-4D97-AF65-F5344CB8AC3E}">
-        <p14:creationId xmlns:p14="http://schemas.microsoft.com/office/powerpoint/2010/main" val="3932310634"/>
+        <p14:creationId xmlns:p14="http://schemas.microsoft.com/office/powerpoint/2010/main" val="231728723"/>
       </p:ext>
     </p:extLst>
   </p:cSld>
@@ -10737,6 +15598,14 @@
 <file path=ppt/slides/slide7.xml><?xml version="1.0" encoding="utf-8"?>
 <p:sld xmlns:a="http://schemas.openxmlformats.org/drawingml/2006/main" xmlns:r="http://schemas.openxmlformats.org/officeDocument/2006/relationships" xmlns:p="http://schemas.openxmlformats.org/presentationml/2006/main">
   <p:cSld>
+    <p:bg>
+      <p:bgPr>
+        <a:solidFill>
+          <a:schemeClr val="bg2"/>
+        </a:solidFill>
+        <a:effectLst/>
+      </p:bgPr>
+    </p:bg>
     <p:spTree>
       <p:nvGrpSpPr>
         <p:cNvPr id="1" name=""/>
@@ -10753,10 +15622,73 @@
       </p:grpSpPr>
       <p:sp>
         <p:nvSpPr>
+          <p:cNvPr id="26" name="Rectangle 25">
+            <a:extLst>
+              <a:ext uri="{FF2B5EF4-FFF2-40B4-BE49-F238E27FC236}">
+                <a16:creationId xmlns:a16="http://schemas.microsoft.com/office/drawing/2014/main" id="{D70130DC-F780-43D2-B26A-92EACD78951B}"/>
+              </a:ext>
+              <a:ext uri="{C183D7F6-B498-43B3-948B-1728B52AA6E4}">
+                <adec:decorative xmlns:adec="http://schemas.microsoft.com/office/drawing/2017/decorative" val="1"/>
+              </a:ext>
+            </a:extLst>
+          </p:cNvPr>
+          <p:cNvSpPr>
+            <a:spLocks noGrp="1" noRot="1" noChangeAspect="1" noMove="1" noResize="1" noEditPoints="1" noAdjustHandles="1" noChangeArrowheads="1" noChangeShapeType="1" noTextEdit="1"/>
+          </p:cNvSpPr>
+          <p:nvPr>
+            <p:extLst>
+              <p:ext uri="{386F3935-93C4-4BCD-93E2-E3B085C9AB24}">
+                <p16:designElem xmlns:p16="http://schemas.microsoft.com/office/powerpoint/2015/main" val="1"/>
+              </p:ext>
+            </p:extLst>
+          </p:nvPr>
+        </p:nvSpPr>
+        <p:spPr>
+          <a:xfrm>
+            <a:off x="0" y="0"/>
+            <a:ext cx="12192000" cy="6858000"/>
+          </a:xfrm>
+          <a:prstGeom prst="rect">
+            <a:avLst/>
+          </a:prstGeom>
+          <a:solidFill>
+            <a:srgbClr val="E4E4E4"/>
+          </a:solidFill>
+          <a:ln>
+            <a:noFill/>
+          </a:ln>
+        </p:spPr>
+        <p:style>
+          <a:lnRef idx="2">
+            <a:schemeClr val="accent1">
+              <a:shade val="50000"/>
+            </a:schemeClr>
+          </a:lnRef>
+          <a:fillRef idx="1">
+            <a:schemeClr val="accent1"/>
+          </a:fillRef>
+          <a:effectRef idx="0">
+            <a:schemeClr val="accent1"/>
+          </a:effectRef>
+          <a:fontRef idx="minor">
+            <a:schemeClr val="lt1"/>
+          </a:fontRef>
+        </p:style>
+        <p:txBody>
+          <a:bodyPr rtlCol="0" anchor="ctr"/>
+          <a:lstStyle/>
+          <a:p>
+            <a:pPr algn="ctr"/>
+            <a:endParaRPr lang="en-US"/>
+          </a:p>
+        </p:txBody>
+      </p:sp>
+      <p:sp>
+        <p:nvSpPr>
           <p:cNvPr id="2" name="Title 1">
             <a:extLst>
               <a:ext uri="{FF2B5EF4-FFF2-40B4-BE49-F238E27FC236}">
-                <a16:creationId xmlns:a16="http://schemas.microsoft.com/office/drawing/2014/main" id="{B9B389AF-CF51-4B0E-88B6-362FDAA1AA31}"/>
+                <a16:creationId xmlns:a16="http://schemas.microsoft.com/office/drawing/2014/main" id="{99B6B504-03DB-450E-A2C9-2B3C97FBE8D6}"/>
               </a:ext>
             </a:extLst>
           </p:cNvPr>
@@ -10767,25 +15699,90 @@
             <p:ph type="title"/>
           </p:nvPr>
         </p:nvSpPr>
-        <p:spPr/>
+        <p:spPr>
+          <a:xfrm>
+            <a:off x="581192" y="641653"/>
+            <a:ext cx="11029616" cy="1095560"/>
+          </a:xfrm>
+        </p:spPr>
         <p:txBody>
-          <a:bodyPr/>
+          <a:bodyPr anchor="t">
+            <a:normAutofit/>
+          </a:bodyPr>
           <a:lstStyle/>
           <a:p>
             <a:pPr algn="ctr"/>
             <a:r>
-              <a:rPr lang="en-GB" dirty="0"/>
-              <a:t>Scanning methods</a:t>
+              <a:rPr lang="en-GB" sz="5400" dirty="0">
+                <a:solidFill>
+                  <a:schemeClr val="accent2"/>
+                </a:solidFill>
+              </a:rPr>
+              <a:t>Firewall Enumeration</a:t>
             </a:r>
           </a:p>
         </p:txBody>
+      </p:sp>
+      <p:sp>
+        <p:nvSpPr>
+          <p:cNvPr id="28" name="Rectangle 27">
+            <a:extLst>
+              <a:ext uri="{FF2B5EF4-FFF2-40B4-BE49-F238E27FC236}">
+                <a16:creationId xmlns:a16="http://schemas.microsoft.com/office/drawing/2014/main" id="{17676E0E-5B44-4166-8EDD-CFDBAC622C26}"/>
+              </a:ext>
+              <a:ext uri="{C183D7F6-B498-43B3-948B-1728B52AA6E4}">
+                <adec:decorative xmlns:adec="http://schemas.microsoft.com/office/drawing/2017/decorative" val="1"/>
+              </a:ext>
+            </a:extLst>
+          </p:cNvPr>
+          <p:cNvSpPr>
+            <a:spLocks noGrp="1" noRot="1" noChangeAspect="1" noMove="1" noResize="1" noEditPoints="1" noAdjustHandles="1" noChangeArrowheads="1" noChangeShapeType="1" noTextEdit="1"/>
+          </p:cNvSpPr>
+          <p:nvPr>
+            <p:extLst>
+              <p:ext uri="{386F3935-93C4-4BCD-93E2-E3B085C9AB24}">
+                <p16:designElem xmlns:p16="http://schemas.microsoft.com/office/powerpoint/2015/main" val="1"/>
+              </p:ext>
+            </p:extLst>
+          </p:nvPr>
+        </p:nvSpPr>
+        <p:spPr>
+          <a:xfrm>
+            <a:off x="446533" y="457201"/>
+            <a:ext cx="11298933" cy="91440"/>
+          </a:xfrm>
+          <a:prstGeom prst="rect">
+            <a:avLst/>
+          </a:prstGeom>
+          <a:solidFill>
+            <a:schemeClr val="accent1"/>
+          </a:solidFill>
+          <a:ln>
+            <a:noFill/>
+          </a:ln>
+          <a:effectLst/>
+        </p:spPr>
+        <p:style>
+          <a:lnRef idx="1">
+            <a:schemeClr val="accent1"/>
+          </a:lnRef>
+          <a:fillRef idx="3">
+            <a:schemeClr val="accent1"/>
+          </a:fillRef>
+          <a:effectRef idx="2">
+            <a:schemeClr val="accent1"/>
+          </a:effectRef>
+          <a:fontRef idx="minor">
+            <a:schemeClr val="lt1"/>
+          </a:fontRef>
+        </p:style>
       </p:sp>
       <p:sp>
         <p:nvSpPr>
           <p:cNvPr id="3" name="Content Placeholder 2">
             <a:extLst>
               <a:ext uri="{FF2B5EF4-FFF2-40B4-BE49-F238E27FC236}">
-                <a16:creationId xmlns:a16="http://schemas.microsoft.com/office/drawing/2014/main" id="{F653D789-ABAE-4934-AD56-745AF698980C}"/>
+                <a16:creationId xmlns:a16="http://schemas.microsoft.com/office/drawing/2014/main" id="{775A717A-39A2-4D8B-B76C-C5ED05D90258}"/>
               </a:ext>
             </a:extLst>
           </p:cNvPr>
@@ -10796,41 +15793,89 @@
             <p:ph idx="1"/>
           </p:nvPr>
         </p:nvSpPr>
-        <p:spPr/>
+        <p:spPr>
+          <a:xfrm>
+            <a:off x="581192" y="1879600"/>
+            <a:ext cx="11029615" cy="3979200"/>
+          </a:xfrm>
+        </p:spPr>
         <p:txBody>
-          <a:bodyPr/>
+          <a:bodyPr>
+            <a:normAutofit/>
+          </a:bodyPr>
           <a:lstStyle/>
           <a:p>
             <a:r>
-              <a:rPr lang="en-GB" dirty="0"/>
-              <a:t>Using “exotic” TCP flags</a:t>
+              <a:rPr lang="en-GB" sz="2400" dirty="0" err="1">
+                <a:solidFill>
+                  <a:schemeClr val="accent2">
+                    <a:lumMod val="50000"/>
+                  </a:schemeClr>
+                </a:solidFill>
+              </a:rPr>
+              <a:t>IPTables</a:t>
             </a:r>
-          </a:p>
-          <a:p>
-            <a:endParaRPr lang="en-GB" dirty="0"/>
-          </a:p>
-          <a:p>
             <a:r>
-              <a:rPr lang="en-GB" dirty="0"/>
-              <a:t>Usual ports (Targeting most frequent ports) reducing payload size of scanning</a:t>
+              <a:rPr lang="en-GB" sz="2400" dirty="0">
+                <a:solidFill>
+                  <a:schemeClr val="accent2">
+                    <a:lumMod val="50000"/>
+                  </a:schemeClr>
+                </a:solidFill>
+              </a:rPr>
+              <a:t> – A Linux based firewall hooked into the kernel with high capabilities of traffic logging/prevention</a:t>
             </a:r>
           </a:p>
           <a:p>
-            <a:endParaRPr lang="en-GB" dirty="0"/>
+            <a:endParaRPr lang="en-GB" sz="2400" dirty="0">
+              <a:solidFill>
+                <a:schemeClr val="accent2">
+                  <a:lumMod val="50000"/>
+                </a:schemeClr>
+              </a:solidFill>
+            </a:endParaRPr>
           </a:p>
           <a:p>
             <a:r>
-              <a:rPr lang="en-GB" dirty="0"/>
-              <a:t>Aggressive scans with known tools (Easy way of getting blocked)</a:t>
+              <a:rPr lang="en-GB" sz="2400" dirty="0" err="1">
+                <a:solidFill>
+                  <a:schemeClr val="accent2">
+                    <a:lumMod val="50000"/>
+                  </a:schemeClr>
+                </a:solidFill>
+              </a:rPr>
+              <a:t>IPTables</a:t>
             </a:r>
-          </a:p>
-          <a:p>
-            <a:endParaRPr lang="en-GB" dirty="0"/>
-          </a:p>
-          <a:p>
             <a:r>
-              <a:rPr lang="en-GB" dirty="0"/>
-              <a:t>Stealthier scans with custom tools (Preferable to remain hidden)</a:t>
+              <a:rPr lang="en-GB" sz="2400" dirty="0">
+                <a:solidFill>
+                  <a:schemeClr val="accent2">
+                    <a:lumMod val="50000"/>
+                  </a:schemeClr>
+                </a:solidFill>
+              </a:rPr>
+              <a:t> firewall rules when misconfigured with rules such as REJECT can allow opportunities to enumerate open ports due to information disclosure</a:t>
+            </a:r>
+          </a:p>
+          <a:p>
+            <a:endParaRPr lang="en-GB" sz="2400" dirty="0">
+              <a:solidFill>
+                <a:schemeClr val="accent2">
+                  <a:lumMod val="50000"/>
+                </a:schemeClr>
+              </a:solidFill>
+            </a:endParaRPr>
+          </a:p>
+          <a:p>
+            <a:r>
+              <a:rPr lang="en-GB" sz="2400" dirty="0">
+                <a:solidFill>
+                  <a:schemeClr val="accent2">
+                    <a:lumMod val="50000"/>
+                  </a:schemeClr>
+                </a:solidFill>
+              </a:rPr>
+              <a:t>Enumerating outbound firewall rules can aid in payload weaponization to achieve infiltration or client side attack from external perimeter.</a:t>
             </a:r>
           </a:p>
         </p:txBody>
@@ -10838,7 +15883,7 @@
     </p:spTree>
     <p:extLst>
       <p:ext uri="{BB962C8B-B14F-4D97-AF65-F5344CB8AC3E}">
-        <p14:creationId xmlns:p14="http://schemas.microsoft.com/office/powerpoint/2010/main" val="3726213110"/>
+        <p14:creationId xmlns:p14="http://schemas.microsoft.com/office/powerpoint/2010/main" val="1409683418"/>
       </p:ext>
     </p:extLst>
   </p:cSld>
@@ -10875,10 +15920,10 @@
       </p:grpSpPr>
       <p:sp>
         <p:nvSpPr>
-          <p:cNvPr id="8" name="Rectangle 7">
+          <p:cNvPr id="12" name="Rectangle 11">
             <a:extLst>
               <a:ext uri="{FF2B5EF4-FFF2-40B4-BE49-F238E27FC236}">
-                <a16:creationId xmlns:a16="http://schemas.microsoft.com/office/drawing/2014/main" id="{1A59258C-AAC2-41CD-973C-7439B122A3FF}"/>
+                <a16:creationId xmlns:a16="http://schemas.microsoft.com/office/drawing/2014/main" id="{DB691D59-8F51-4DD8-AD41-D568D29B08F8}"/>
               </a:ext>
               <a:ext uri="{C183D7F6-B498-43B3-948B-1728B52AA6E4}">
                 <adec:decorative xmlns:adec="http://schemas.microsoft.com/office/drawing/2017/decorative" val="1"/>
@@ -10898,56 +15943,41 @@
         </p:nvSpPr>
         <p:spPr>
           <a:xfrm>
-            <a:off x="0" y="0"/>
-            <a:ext cx="12192000" cy="6858000"/>
+            <a:off x="446534" y="457200"/>
+            <a:ext cx="3703320" cy="94997"/>
           </a:xfrm>
           <a:prstGeom prst="rect">
             <a:avLst/>
           </a:prstGeom>
           <a:solidFill>
-            <a:srgbClr val="FFFFFF"/>
+            <a:schemeClr val="accent1"/>
           </a:solidFill>
           <a:ln>
             <a:noFill/>
           </a:ln>
+          <a:effectLst/>
         </p:spPr>
         <p:style>
-          <a:lnRef idx="2">
-            <a:schemeClr val="accent1">
-              <a:shade val="50000"/>
-            </a:schemeClr>
+          <a:lnRef idx="1">
+            <a:schemeClr val="accent1"/>
           </a:lnRef>
-          <a:fillRef idx="1">
+          <a:fillRef idx="3">
             <a:schemeClr val="accent1"/>
           </a:fillRef>
-          <a:effectRef idx="0">
+          <a:effectRef idx="2">
             <a:schemeClr val="accent1"/>
           </a:effectRef>
           <a:fontRef idx="minor">
             <a:schemeClr val="lt1"/>
           </a:fontRef>
         </p:style>
-        <p:txBody>
-          <a:bodyPr rtlCol="0" anchor="ctr"/>
-          <a:lstStyle/>
-          <a:p>
-            <a:pPr marL="285750" indent="-285750" algn="ctr">
-              <a:buClr>
-                <a:schemeClr val="accent1"/>
-              </a:buClr>
-              <a:buFont typeface="Arial" panose="020B0604020202020204" pitchFamily="34" charset="0"/>
-              <a:buChar char="•"/>
-            </a:pPr>
-            <a:endParaRPr lang="en-US" dirty="0"/>
-          </a:p>
-        </p:txBody>
-      </p:sp>
-      <p:sp>
-        <p:nvSpPr>
-          <p:cNvPr id="10" name="Rectangle 9">
+      </p:sp>
+      <p:sp>
+        <p:nvSpPr>
+          <p:cNvPr id="14" name="Rectangle 13">
             <a:extLst>
               <a:ext uri="{FF2B5EF4-FFF2-40B4-BE49-F238E27FC236}">
-                <a16:creationId xmlns:a16="http://schemas.microsoft.com/office/drawing/2014/main" id="{54516B72-0116-42B2-82A2-B11218A36636}"/>
+                <a16:creationId xmlns:a16="http://schemas.microsoft.com/office/drawing/2014/main" id="{204AEF18-0627-48F3-9B3D-F7E8F050B1D4}"/>
               </a:ext>
               <a:ext uri="{C183D7F6-B498-43B3-948B-1728B52AA6E4}">
                 <adec:decorative xmlns:adec="http://schemas.microsoft.com/office/drawing/2017/decorative" val="1"/>
@@ -10967,8 +15997,170 @@
         </p:nvSpPr>
         <p:spPr>
           <a:xfrm>
-            <a:off x="-1" y="0"/>
-            <a:ext cx="6113191" cy="6858000"/>
+            <a:off x="8042147" y="453643"/>
+            <a:ext cx="3703320" cy="98554"/>
+          </a:xfrm>
+          <a:prstGeom prst="rect">
+            <a:avLst/>
+          </a:prstGeom>
+          <a:solidFill>
+            <a:schemeClr val="accent4"/>
+          </a:solidFill>
+          <a:ln>
+            <a:noFill/>
+          </a:ln>
+          <a:effectLst/>
+        </p:spPr>
+        <p:style>
+          <a:lnRef idx="1">
+            <a:schemeClr val="accent1"/>
+          </a:lnRef>
+          <a:fillRef idx="3">
+            <a:schemeClr val="accent1"/>
+          </a:fillRef>
+          <a:effectRef idx="2">
+            <a:schemeClr val="accent1"/>
+          </a:effectRef>
+          <a:fontRef idx="minor">
+            <a:schemeClr val="lt1"/>
+          </a:fontRef>
+        </p:style>
+      </p:sp>
+      <p:sp>
+        <p:nvSpPr>
+          <p:cNvPr id="16" name="Rectangle 15">
+            <a:extLst>
+              <a:ext uri="{FF2B5EF4-FFF2-40B4-BE49-F238E27FC236}">
+                <a16:creationId xmlns:a16="http://schemas.microsoft.com/office/drawing/2014/main" id="{CEAEE08A-C572-438F-9753-B0D527A515A7}"/>
+              </a:ext>
+              <a:ext uri="{C183D7F6-B498-43B3-948B-1728B52AA6E4}">
+                <adec:decorative xmlns:adec="http://schemas.microsoft.com/office/drawing/2017/decorative" val="1"/>
+              </a:ext>
+            </a:extLst>
+          </p:cNvPr>
+          <p:cNvSpPr>
+            <a:spLocks noGrp="1" noRot="1" noChangeAspect="1" noMove="1" noResize="1" noEditPoints="1" noAdjustHandles="1" noChangeArrowheads="1" noChangeShapeType="1" noTextEdit="1"/>
+          </p:cNvSpPr>
+          <p:nvPr>
+            <p:extLst>
+              <p:ext uri="{386F3935-93C4-4BCD-93E2-E3B085C9AB24}">
+                <p16:designElem xmlns:p16="http://schemas.microsoft.com/office/powerpoint/2015/main" val="1"/>
+              </p:ext>
+            </p:extLst>
+          </p:nvPr>
+        </p:nvSpPr>
+        <p:spPr>
+          <a:xfrm>
+            <a:off x="4241830" y="457200"/>
+            <a:ext cx="3703320" cy="91440"/>
+          </a:xfrm>
+          <a:prstGeom prst="rect">
+            <a:avLst/>
+          </a:prstGeom>
+          <a:solidFill>
+            <a:schemeClr val="accent2"/>
+          </a:solidFill>
+          <a:ln>
+            <a:noFill/>
+          </a:ln>
+          <a:effectLst/>
+        </p:spPr>
+        <p:style>
+          <a:lnRef idx="1">
+            <a:schemeClr val="accent1"/>
+          </a:lnRef>
+          <a:fillRef idx="3">
+            <a:schemeClr val="accent1"/>
+          </a:fillRef>
+          <a:effectRef idx="2">
+            <a:schemeClr val="accent1"/>
+          </a:effectRef>
+          <a:fontRef idx="minor">
+            <a:schemeClr val="lt1"/>
+          </a:fontRef>
+        </p:style>
+      </p:sp>
+      <p:sp>
+        <p:nvSpPr>
+          <p:cNvPr id="18" name="Rectangle 17">
+            <a:extLst>
+              <a:ext uri="{FF2B5EF4-FFF2-40B4-BE49-F238E27FC236}">
+                <a16:creationId xmlns:a16="http://schemas.microsoft.com/office/drawing/2014/main" id="{DB93146F-62ED-4C59-844C-0935D0FB5031}"/>
+              </a:ext>
+              <a:ext uri="{C183D7F6-B498-43B3-948B-1728B52AA6E4}">
+                <adec:decorative xmlns:adec="http://schemas.microsoft.com/office/drawing/2017/decorative" val="1"/>
+              </a:ext>
+            </a:extLst>
+          </p:cNvPr>
+          <p:cNvSpPr>
+            <a:spLocks noGrp="1" noRot="1" noChangeAspect="1" noMove="1" noResize="1" noEditPoints="1" noAdjustHandles="1" noChangeArrowheads="1" noChangeShapeType="1" noTextEdit="1"/>
+          </p:cNvSpPr>
+          <p:nvPr>
+            <p:extLst>
+              <p:ext uri="{386F3935-93C4-4BCD-93E2-E3B085C9AB24}">
+                <p16:designElem xmlns:p16="http://schemas.microsoft.com/office/powerpoint/2015/main" val="1"/>
+              </p:ext>
+            </p:extLst>
+          </p:nvPr>
+        </p:nvSpPr>
+        <p:spPr>
+          <a:xfrm>
+            <a:off x="446534" y="3085765"/>
+            <a:ext cx="11262866" cy="3304800"/>
+          </a:xfrm>
+          <a:prstGeom prst="rect">
+            <a:avLst/>
+          </a:prstGeom>
+          <a:solidFill>
+            <a:schemeClr val="accent1"/>
+          </a:solidFill>
+          <a:ln>
+            <a:noFill/>
+          </a:ln>
+          <a:effectLst/>
+        </p:spPr>
+        <p:style>
+          <a:lnRef idx="1">
+            <a:schemeClr val="accent1"/>
+          </a:lnRef>
+          <a:fillRef idx="3">
+            <a:schemeClr val="accent1"/>
+          </a:fillRef>
+          <a:effectRef idx="2">
+            <a:schemeClr val="accent1"/>
+          </a:effectRef>
+          <a:fontRef idx="minor">
+            <a:schemeClr val="lt1"/>
+          </a:fontRef>
+        </p:style>
+      </p:sp>
+      <p:sp useBgFill="1">
+        <p:nvSpPr>
+          <p:cNvPr id="20" name="Rectangle 19">
+            <a:extLst>
+              <a:ext uri="{FF2B5EF4-FFF2-40B4-BE49-F238E27FC236}">
+                <a16:creationId xmlns:a16="http://schemas.microsoft.com/office/drawing/2014/main" id="{BF3D65BA-1C65-40FB-92EF-83951BDC1D7C}"/>
+              </a:ext>
+              <a:ext uri="{C183D7F6-B498-43B3-948B-1728B52AA6E4}">
+                <adec:decorative xmlns:adec="http://schemas.microsoft.com/office/drawing/2017/decorative" val="1"/>
+              </a:ext>
+            </a:extLst>
+          </p:cNvPr>
+          <p:cNvSpPr>
+            <a:spLocks noGrp="1" noRot="1" noChangeAspect="1" noMove="1" noResize="1" noEditPoints="1" noAdjustHandles="1" noChangeArrowheads="1" noChangeShapeType="1" noTextEdit="1"/>
+          </p:cNvSpPr>
+          <p:nvPr>
+            <p:extLst>
+              <p:ext uri="{386F3935-93C4-4BCD-93E2-E3B085C9AB24}">
+                <p16:designElem xmlns:p16="http://schemas.microsoft.com/office/powerpoint/2015/main" val="1"/>
+              </p:ext>
+            </p:extLst>
+          </p:nvPr>
+        </p:nvSpPr>
+        <p:spPr>
+          <a:xfrm>
+            <a:off x="0" y="638175"/>
+            <a:ext cx="12191999" cy="6219825"/>
           </a:xfrm>
           <a:prstGeom prst="rect">
             <a:avLst/>
@@ -11002,52 +16194,42 @@
           </a:p>
         </p:txBody>
       </p:sp>
-      <p:sp>
-        <p:nvSpPr>
-          <p:cNvPr id="2" name="Title 1">
+      <p:pic>
+        <p:nvPicPr>
+          <p:cNvPr id="7" name="Picture 6" descr="Text&#10;&#10;Description automatically generated with low confidence">
             <a:extLst>
               <a:ext uri="{FF2B5EF4-FFF2-40B4-BE49-F238E27FC236}">
-                <a16:creationId xmlns:a16="http://schemas.microsoft.com/office/drawing/2014/main" id="{99B6B504-03DB-450E-A2C9-2B3C97FBE8D6}"/>
+                <a16:creationId xmlns:a16="http://schemas.microsoft.com/office/drawing/2014/main" id="{2504CC88-C184-423B-A2D4-0C1AA97D82FD}"/>
               </a:ext>
             </a:extLst>
           </p:cNvPr>
-          <p:cNvSpPr>
-            <a:spLocks noGrp="1"/>
-          </p:cNvSpPr>
-          <p:nvPr>
-            <p:ph type="title"/>
-          </p:nvPr>
-        </p:nvSpPr>
+          <p:cNvPicPr>
+            <a:picLocks noChangeAspect="1"/>
+          </p:cNvPicPr>
+          <p:nvPr/>
+        </p:nvPicPr>
+        <p:blipFill>
+          <a:blip r:embed="rId2"/>
+          <a:stretch>
+            <a:fillRect/>
+          </a:stretch>
+        </p:blipFill>
         <p:spPr>
           <a:xfrm>
-            <a:off x="643468" y="1033389"/>
-            <a:ext cx="4826256" cy="4825409"/>
+            <a:off x="1203303" y="1047665"/>
+            <a:ext cx="5970784" cy="5030386"/>
           </a:xfrm>
+          <a:prstGeom prst="rect">
+            <a:avLst/>
+          </a:prstGeom>
         </p:spPr>
-        <p:txBody>
-          <a:bodyPr anchor="ctr">
-            <a:normAutofit/>
-          </a:bodyPr>
-          <a:lstStyle/>
-          <a:p>
-            <a:pPr algn="ctr"/>
-            <a:r>
-              <a:rPr lang="en-GB" sz="5000" dirty="0">
-                <a:solidFill>
-                  <a:srgbClr val="FFFFFF"/>
-                </a:solidFill>
-              </a:rPr>
-              <a:t>NMAP</a:t>
-            </a:r>
-          </a:p>
-        </p:txBody>
-      </p:sp>
-      <p:sp>
-        <p:nvSpPr>
-          <p:cNvPr id="12" name="Rectangle 11">
+      </p:pic>
+      <p:sp>
+        <p:nvSpPr>
+          <p:cNvPr id="22" name="Rectangle 21">
             <a:extLst>
               <a:ext uri="{FF2B5EF4-FFF2-40B4-BE49-F238E27FC236}">
-                <a16:creationId xmlns:a16="http://schemas.microsoft.com/office/drawing/2014/main" id="{7CDB507F-21B7-4C27-B0FC-D9C465C6DB44}"/>
+                <a16:creationId xmlns:a16="http://schemas.microsoft.com/office/drawing/2014/main" id="{ADF52CCA-FCDD-49A0-BFFC-3BD41F1B827A}"/>
               </a:ext>
               <a:ext uri="{C183D7F6-B498-43B3-948B-1728B52AA6E4}">
                 <adec:decorative xmlns:adec="http://schemas.microsoft.com/office/drawing/2017/decorative" val="1"/>
@@ -11067,14 +16249,14 @@
         </p:nvSpPr>
         <p:spPr>
           <a:xfrm>
-            <a:off x="642579" y="460868"/>
-            <a:ext cx="4828032" cy="111654"/>
+            <a:off x="8042147" y="723899"/>
+            <a:ext cx="3703320" cy="5666666"/>
           </a:xfrm>
           <a:prstGeom prst="rect">
             <a:avLst/>
           </a:prstGeom>
           <a:solidFill>
-            <a:srgbClr val="FFFFFF"/>
+            <a:schemeClr val="accent1"/>
           </a:solidFill>
           <a:ln>
             <a:noFill/>
@@ -11098,115 +16280,39 @@
       </p:sp>
       <p:sp>
         <p:nvSpPr>
-          <p:cNvPr id="14" name="Rectangle 13">
+          <p:cNvPr id="2" name="Title 1">
             <a:extLst>
               <a:ext uri="{FF2B5EF4-FFF2-40B4-BE49-F238E27FC236}">
-                <a16:creationId xmlns:a16="http://schemas.microsoft.com/office/drawing/2014/main" id="{7AB1AE17-B7A3-4363-95CD-25441E2FF1F3}"/>
-              </a:ext>
-              <a:ext uri="{C183D7F6-B498-43B3-948B-1728B52AA6E4}">
-                <adec:decorative xmlns:adec="http://schemas.microsoft.com/office/drawing/2017/decorative" val="1"/>
+                <a16:creationId xmlns:a16="http://schemas.microsoft.com/office/drawing/2014/main" id="{F19251F5-0744-4D7F-8343-5A4F1ABCEB35}"/>
               </a:ext>
             </a:extLst>
           </p:cNvPr>
           <p:cNvSpPr>
-            <a:spLocks noGrp="1" noRot="1" noChangeAspect="1" noMove="1" noResize="1" noEditPoints="1" noAdjustHandles="1" noChangeArrowheads="1" noChangeShapeType="1" noTextEdit="1"/>
+            <a:spLocks noGrp="1"/>
           </p:cNvSpPr>
           <p:nvPr>
-            <p:extLst>
-              <p:ext uri="{386F3935-93C4-4BCD-93E2-E3B085C9AB24}">
-                <p16:designElem xmlns:p16="http://schemas.microsoft.com/office/powerpoint/2015/main" val="1"/>
-              </p:ext>
-            </p:extLst>
+            <p:ph type="title"/>
           </p:nvPr>
         </p:nvSpPr>
         <p:spPr>
           <a:xfrm>
-            <a:off x="6782774" y="460868"/>
-            <a:ext cx="4828032" cy="111654"/>
+            <a:off x="8296275" y="1419225"/>
+            <a:ext cx="3081576" cy="2085869"/>
           </a:xfrm>
-          <a:prstGeom prst="rect">
-            <a:avLst/>
-          </a:prstGeom>
-          <a:solidFill>
-            <a:schemeClr val="accent2"/>
-          </a:solidFill>
-          <a:ln>
-            <a:noFill/>
-          </a:ln>
-          <a:effectLst/>
-        </p:spPr>
-        <p:style>
-          <a:lnRef idx="1">
-            <a:schemeClr val="accent1"/>
-          </a:lnRef>
-          <a:fillRef idx="3">
-            <a:schemeClr val="accent1"/>
-          </a:fillRef>
-          <a:effectRef idx="2">
-            <a:schemeClr val="accent1"/>
-          </a:effectRef>
-          <a:fontRef idx="minor">
-            <a:schemeClr val="lt1"/>
-          </a:fontRef>
-        </p:style>
-      </p:sp>
-      <p:sp>
-        <p:nvSpPr>
-          <p:cNvPr id="3" name="Content Placeholder 2">
-            <a:extLst>
-              <a:ext uri="{FF2B5EF4-FFF2-40B4-BE49-F238E27FC236}">
-                <a16:creationId xmlns:a16="http://schemas.microsoft.com/office/drawing/2014/main" id="{775A717A-39A2-4D8B-B76C-C5ED05D90258}"/>
-              </a:ext>
-            </a:extLst>
-          </p:cNvPr>
-          <p:cNvSpPr>
-            <a:spLocks noGrp="1"/>
-          </p:cNvSpPr>
-          <p:nvPr>
-            <p:ph idx="1"/>
-          </p:nvPr>
-        </p:nvSpPr>
-        <p:spPr>
-          <a:xfrm>
-            <a:off x="6755769" y="1033390"/>
-            <a:ext cx="4855037" cy="4825409"/>
-          </a:xfrm>
-          <a:ln w="57150">
-            <a:noFill/>
-          </a:ln>
         </p:spPr>
         <p:txBody>
-          <a:bodyPr anchor="ctr">
+          <a:bodyPr vert="horz" lIns="91440" tIns="45720" rIns="91440" bIns="45720" rtlCol="0" anchor="b">
             <a:normAutofit/>
           </a:bodyPr>
           <a:lstStyle/>
           <a:p>
-            <a:pPr algn="ctr"/>
             <a:r>
-              <a:rPr lang="en-GB" sz="2000" dirty="0"/>
-              <a:t>One of the best port scanning tools capable to perform various port scanning techniques</a:t>
-            </a:r>
-          </a:p>
-          <a:p>
-            <a:pPr algn="ctr"/>
-            <a:endParaRPr lang="en-GB" sz="2000" dirty="0"/>
-          </a:p>
-          <a:p>
-            <a:pPr algn="ctr"/>
-            <a:r>
-              <a:rPr lang="en-GB" sz="2000" dirty="0"/>
-              <a:t>Armed with a scripting engine allowing for customisation of traffic</a:t>
-            </a:r>
-          </a:p>
-          <a:p>
-            <a:pPr algn="ctr"/>
-            <a:endParaRPr lang="en-GB" sz="2000" dirty="0"/>
-          </a:p>
-          <a:p>
-            <a:pPr algn="ctr"/>
-            <a:r>
-              <a:rPr lang="en-GB" sz="2000" dirty="0"/>
-              <a:t>Can be very loud sending a high volume of packets resulting in detection</a:t>
+              <a:rPr lang="en-US" sz="3300">
+                <a:solidFill>
+                  <a:srgbClr val="FFFFFF"/>
+                </a:solidFill>
+              </a:rPr>
+              <a:t>Firewall enumeration </a:t>
             </a:r>
           </a:p>
         </p:txBody>
@@ -11214,7 +16320,7 @@
     </p:spTree>
     <p:extLst>
       <p:ext uri="{BB962C8B-B14F-4D97-AF65-F5344CB8AC3E}">
-        <p14:creationId xmlns:p14="http://schemas.microsoft.com/office/powerpoint/2010/main" val="102639584"/>
+        <p14:creationId xmlns:p14="http://schemas.microsoft.com/office/powerpoint/2010/main" val="3538296174"/>
       </p:ext>
     </p:extLst>
   </p:cSld>
@@ -11408,13 +16514,18 @@
           <a:p>
             <a:pPr algn="ctr"/>
             <a:r>
-              <a:rPr lang="en-GB" sz="5000" dirty="0">
+              <a:rPr lang="en-GB" sz="5000">
                 <a:solidFill>
                   <a:srgbClr val="FFFFFF"/>
                 </a:solidFill>
               </a:rPr>
-              <a:t>Netcat</a:t>
+              <a:t>Port scanning</a:t>
             </a:r>
+            <a:endParaRPr lang="en-GB" sz="5000" dirty="0">
+              <a:solidFill>
+                <a:srgbClr val="FFFFFF"/>
+              </a:solidFill>
+            </a:endParaRPr>
           </a:p>
         </p:txBody>
       </p:sp>
@@ -11559,38 +16670,31 @@
           <a:p>
             <a:pPr algn="ctr"/>
             <a:r>
-              <a:rPr lang="en-GB" sz="2000" dirty="0"/>
-              <a:t>More barebones compared to NMAP but can be used for reverse shell operations</a:t>
+              <a:rPr lang="en-GB" sz="2000"/>
+              <a:t>Active reconnaissance technique used to check the availability of a network port.</a:t>
             </a:r>
           </a:p>
           <a:p>
             <a:pPr algn="ctr"/>
-            <a:endParaRPr lang="en-GB" sz="2000" dirty="0"/>
+            <a:endParaRPr lang="en-GB" sz="2000"/>
           </a:p>
           <a:p>
             <a:pPr algn="ctr"/>
             <a:r>
-              <a:rPr lang="en-GB" sz="2000" dirty="0"/>
-              <a:t>Can scan ports sending one packet to confirm availability but no scripting engine capabilities</a:t>
+              <a:rPr lang="en-GB" sz="2000"/>
+              <a:t>Port scanning can be conducted in many ways rather than a typical TCP connect.</a:t>
             </a:r>
           </a:p>
           <a:p>
             <a:pPr algn="ctr"/>
-            <a:endParaRPr lang="en-GB" sz="2000" dirty="0"/>
+            <a:endParaRPr lang="en-GB" sz="2000"/>
           </a:p>
           <a:p>
             <a:pPr algn="ctr"/>
             <a:r>
-              <a:rPr lang="en-GB" sz="2000" dirty="0"/>
-              <a:t>Less traffic generation resulting in stealthier approach</a:t>
+              <a:rPr lang="en-GB" sz="2000"/>
+              <a:t>Port scanning if done too loud/aggressively can cause defences to trigger</a:t>
             </a:r>
-          </a:p>
-          <a:p>
-            <a:pPr algn="ctr"/>
-            <a:endParaRPr lang="en-GB" sz="2000" dirty="0"/>
-          </a:p>
-          <a:p>
-            <a:pPr algn="ctr"/>
             <a:endParaRPr lang="en-GB" sz="2000" dirty="0"/>
           </a:p>
         </p:txBody>
@@ -11598,7 +16702,7 @@
     </p:spTree>
     <p:extLst>
       <p:ext uri="{BB962C8B-B14F-4D97-AF65-F5344CB8AC3E}">
-        <p14:creationId xmlns:p14="http://schemas.microsoft.com/office/powerpoint/2010/main" val="2853520093"/>
+        <p14:creationId xmlns:p14="http://schemas.microsoft.com/office/powerpoint/2010/main" val="3932310634"/>
       </p:ext>
     </p:extLst>
   </p:cSld>

--- a/Offensive Security Tactics for Linux Professionals - Active Reconnaissance.pptx
+++ b/Offensive Security Tactics for Linux Professionals - Active Reconnaissance.pptx
@@ -1603,6 +1603,927 @@
     <dgm:fillClrLst meth="repeat">
       <a:schemeClr val="accent2">
         <a:tint val="60000"/>
+      </a:schemeClr>
+    </dgm:fillClrLst>
+    <dgm:linClrLst meth="repeat">
+      <a:schemeClr val="lt1"/>
+    </dgm:linClrLst>
+    <dgm:effectClrLst/>
+    <dgm:txLinClrLst/>
+    <dgm:txFillClrLst meth="repeat">
+      <a:schemeClr val="dk1"/>
+    </dgm:txFillClrLst>
+    <dgm:txEffectClrLst/>
+  </dgm:styleLbl>
+  <dgm:styleLbl name="revTx">
+    <dgm:fillClrLst meth="repeat">
+      <a:schemeClr val="lt1">
+        <a:alpha val="0"/>
+      </a:schemeClr>
+    </dgm:fillClrLst>
+    <dgm:linClrLst meth="repeat">
+      <a:schemeClr val="dk1">
+        <a:alpha val="0"/>
+      </a:schemeClr>
+    </dgm:linClrLst>
+    <dgm:effectClrLst/>
+    <dgm:txLinClrLst/>
+    <dgm:txFillClrLst meth="repeat">
+      <a:schemeClr val="tx1"/>
+    </dgm:txFillClrLst>
+    <dgm:txEffectClrLst/>
+  </dgm:styleLbl>
+</dgm:colorsDef>
+</file>
+
+<file path=ppt/diagrams/colors3.xml><?xml version="1.0" encoding="utf-8"?>
+<dgm:colorsDef xmlns:dgm="http://schemas.openxmlformats.org/drawingml/2006/diagram" xmlns:a="http://schemas.openxmlformats.org/drawingml/2006/main" uniqueId="urn:microsoft.com/office/officeart/2018/5/colors/Iconchunking_neutralicon_colorful1">
+  <dgm:title val=""/>
+  <dgm:desc val=""/>
+  <dgm:catLst>
+    <dgm:cat type="colorful" pri="10100"/>
+  </dgm:catLst>
+  <dgm:styleLbl name="node0">
+    <dgm:fillClrLst meth="repeat">
+      <a:schemeClr val="accent1"/>
+    </dgm:fillClrLst>
+    <dgm:linClrLst meth="repeat">
+      <a:schemeClr val="lt1"/>
+    </dgm:linClrLst>
+    <dgm:effectClrLst/>
+    <dgm:txLinClrLst/>
+    <dgm:txFillClrLst/>
+    <dgm:txEffectClrLst/>
+  </dgm:styleLbl>
+  <dgm:styleLbl name="node1">
+    <dgm:fillClrLst meth="repeat">
+      <a:schemeClr val="bg1"/>
+    </dgm:fillClrLst>
+    <dgm:linClrLst meth="repeat">
+      <a:schemeClr val="lt1">
+        <a:alpha val="0"/>
+      </a:schemeClr>
+    </dgm:linClrLst>
+    <dgm:effectClrLst/>
+    <dgm:txLinClrLst/>
+    <dgm:txFillClrLst meth="repeat">
+      <a:schemeClr val="dk1"/>
+    </dgm:txFillClrLst>
+    <dgm:txEffectClrLst/>
+  </dgm:styleLbl>
+  <dgm:styleLbl name="alignNode1">
+    <dgm:fillClrLst meth="repeat">
+      <a:schemeClr val="accent2"/>
+      <a:schemeClr val="accent3"/>
+      <a:schemeClr val="accent4"/>
+      <a:schemeClr val="accent5"/>
+      <a:schemeClr val="accent6"/>
+    </dgm:fillClrLst>
+    <dgm:linClrLst meth="repeat">
+      <a:schemeClr val="accent2"/>
+      <a:schemeClr val="accent3"/>
+      <a:schemeClr val="accent4"/>
+      <a:schemeClr val="accent5"/>
+      <a:schemeClr val="accent6"/>
+    </dgm:linClrLst>
+    <dgm:effectClrLst/>
+    <dgm:txLinClrLst/>
+    <dgm:txFillClrLst/>
+    <dgm:txEffectClrLst/>
+  </dgm:styleLbl>
+  <dgm:styleLbl name="lnNode1">
+    <dgm:fillClrLst meth="repeat">
+      <a:schemeClr val="accent2"/>
+      <a:schemeClr val="accent3"/>
+      <a:schemeClr val="accent4"/>
+      <a:schemeClr val="accent5"/>
+      <a:schemeClr val="accent6"/>
+    </dgm:fillClrLst>
+    <dgm:linClrLst meth="repeat">
+      <a:schemeClr val="lt1"/>
+    </dgm:linClrLst>
+    <dgm:effectClrLst/>
+    <dgm:txLinClrLst/>
+    <dgm:txFillClrLst/>
+    <dgm:txEffectClrLst/>
+  </dgm:styleLbl>
+  <dgm:styleLbl name="vennNode1">
+    <dgm:fillClrLst meth="repeat">
+      <a:schemeClr val="accent2">
+        <a:alpha val="50000"/>
+      </a:schemeClr>
+      <a:schemeClr val="accent3">
+        <a:alpha val="50000"/>
+      </a:schemeClr>
+      <a:schemeClr val="accent4">
+        <a:alpha val="50000"/>
+      </a:schemeClr>
+      <a:schemeClr val="accent5">
+        <a:alpha val="50000"/>
+      </a:schemeClr>
+      <a:schemeClr val="accent6">
+        <a:alpha val="50000"/>
+      </a:schemeClr>
+    </dgm:fillClrLst>
+    <dgm:linClrLst meth="repeat">
+      <a:schemeClr val="lt1"/>
+    </dgm:linClrLst>
+    <dgm:effectClrLst/>
+    <dgm:txLinClrLst/>
+    <dgm:txFillClrLst/>
+    <dgm:txEffectClrLst/>
+  </dgm:styleLbl>
+  <dgm:styleLbl name="node2">
+    <dgm:fillClrLst>
+      <a:schemeClr val="accent2"/>
+    </dgm:fillClrLst>
+    <dgm:linClrLst meth="repeat">
+      <a:schemeClr val="lt1"/>
+    </dgm:linClrLst>
+    <dgm:effectClrLst/>
+    <dgm:txLinClrLst/>
+    <dgm:txFillClrLst/>
+    <dgm:txEffectClrLst/>
+  </dgm:styleLbl>
+  <dgm:styleLbl name="node3">
+    <dgm:fillClrLst>
+      <a:schemeClr val="accent3"/>
+    </dgm:fillClrLst>
+    <dgm:linClrLst meth="repeat">
+      <a:schemeClr val="lt1"/>
+    </dgm:linClrLst>
+    <dgm:effectClrLst/>
+    <dgm:txLinClrLst/>
+    <dgm:txFillClrLst/>
+    <dgm:txEffectClrLst/>
+  </dgm:styleLbl>
+  <dgm:styleLbl name="node4">
+    <dgm:fillClrLst>
+      <a:schemeClr val="accent4"/>
+    </dgm:fillClrLst>
+    <dgm:linClrLst meth="repeat">
+      <a:schemeClr val="lt1"/>
+    </dgm:linClrLst>
+    <dgm:effectClrLst/>
+    <dgm:txLinClrLst/>
+    <dgm:txFillClrLst/>
+    <dgm:txEffectClrLst/>
+  </dgm:styleLbl>
+  <dgm:styleLbl name="fgImgPlace1">
+    <dgm:fillClrLst meth="repeat">
+      <a:schemeClr val="accent2">
+        <a:tint val="50000"/>
+      </a:schemeClr>
+      <a:schemeClr val="accent3">
+        <a:tint val="50000"/>
+      </a:schemeClr>
+      <a:schemeClr val="accent4">
+        <a:tint val="50000"/>
+      </a:schemeClr>
+      <a:schemeClr val="accent5">
+        <a:tint val="50000"/>
+      </a:schemeClr>
+      <a:schemeClr val="accent6">
+        <a:tint val="50000"/>
+      </a:schemeClr>
+    </dgm:fillClrLst>
+    <dgm:linClrLst meth="repeat">
+      <a:schemeClr val="lt1"/>
+    </dgm:linClrLst>
+    <dgm:effectClrLst/>
+    <dgm:txLinClrLst/>
+    <dgm:txFillClrLst meth="repeat">
+      <a:schemeClr val="lt1"/>
+    </dgm:txFillClrLst>
+    <dgm:txEffectClrLst/>
+  </dgm:styleLbl>
+  <dgm:styleLbl name="alignImgPlace1">
+    <dgm:fillClrLst>
+      <a:schemeClr val="accent1">
+        <a:tint val="50000"/>
+      </a:schemeClr>
+      <a:schemeClr val="accent2">
+        <a:tint val="20000"/>
+      </a:schemeClr>
+    </dgm:fillClrLst>
+    <dgm:linClrLst meth="repeat">
+      <a:schemeClr val="lt1"/>
+    </dgm:linClrLst>
+    <dgm:effectClrLst/>
+    <dgm:txLinClrLst/>
+    <dgm:txFillClrLst meth="repeat">
+      <a:schemeClr val="lt1"/>
+    </dgm:txFillClrLst>
+    <dgm:txEffectClrLst/>
+  </dgm:styleLbl>
+  <dgm:styleLbl name="bgImgPlace1">
+    <dgm:fillClrLst>
+      <a:schemeClr val="accent1">
+        <a:tint val="50000"/>
+      </a:schemeClr>
+      <a:schemeClr val="accent2">
+        <a:tint val="20000"/>
+      </a:schemeClr>
+    </dgm:fillClrLst>
+    <dgm:linClrLst meth="repeat">
+      <a:schemeClr val="lt1"/>
+    </dgm:linClrLst>
+    <dgm:effectClrLst/>
+    <dgm:txLinClrLst/>
+    <dgm:txFillClrLst meth="repeat">
+      <a:schemeClr val="lt1"/>
+    </dgm:txFillClrLst>
+    <dgm:txEffectClrLst/>
+  </dgm:styleLbl>
+  <dgm:styleLbl name="sibTrans2D1">
+    <dgm:fillClrLst meth="repeat">
+      <a:schemeClr val="accent2"/>
+      <a:schemeClr val="accent3"/>
+      <a:schemeClr val="accent4"/>
+      <a:schemeClr val="accent5"/>
+      <a:schemeClr val="accent6"/>
+    </dgm:fillClrLst>
+    <dgm:linClrLst meth="cycle">
+      <a:schemeClr val="lt1"/>
+    </dgm:linClrLst>
+    <dgm:effectClrLst/>
+    <dgm:txLinClrLst/>
+    <dgm:txFillClrLst/>
+    <dgm:txEffectClrLst/>
+  </dgm:styleLbl>
+  <dgm:styleLbl name="fgSibTrans2D1">
+    <dgm:fillClrLst meth="repeat">
+      <a:schemeClr val="accent2"/>
+      <a:schemeClr val="accent3"/>
+      <a:schemeClr val="accent4"/>
+      <a:schemeClr val="accent5"/>
+      <a:schemeClr val="accent6"/>
+    </dgm:fillClrLst>
+    <dgm:linClrLst meth="cycle">
+      <a:schemeClr val="lt1"/>
+    </dgm:linClrLst>
+    <dgm:effectClrLst/>
+    <dgm:txLinClrLst/>
+    <dgm:txFillClrLst meth="repeat">
+      <a:schemeClr val="lt1"/>
+    </dgm:txFillClrLst>
+    <dgm:txEffectClrLst/>
+  </dgm:styleLbl>
+  <dgm:styleLbl name="bgSibTrans2D1">
+    <dgm:fillClrLst meth="repeat">
+      <a:schemeClr val="accent2"/>
+      <a:schemeClr val="accent3"/>
+      <a:schemeClr val="accent4"/>
+      <a:schemeClr val="accent5"/>
+      <a:schemeClr val="accent6"/>
+    </dgm:fillClrLst>
+    <dgm:linClrLst meth="cycle">
+      <a:schemeClr val="lt1"/>
+    </dgm:linClrLst>
+    <dgm:effectClrLst/>
+    <dgm:txLinClrLst/>
+    <dgm:txFillClrLst meth="repeat">
+      <a:schemeClr val="lt1"/>
+    </dgm:txFillClrLst>
+    <dgm:txEffectClrLst/>
+  </dgm:styleLbl>
+  <dgm:styleLbl name="sibTrans1D1">
+    <dgm:fillClrLst meth="repeat">
+      <a:schemeClr val="accent2"/>
+      <a:schemeClr val="accent3"/>
+      <a:schemeClr val="accent4"/>
+      <a:schemeClr val="accent5"/>
+      <a:schemeClr val="accent6"/>
+    </dgm:fillClrLst>
+    <dgm:linClrLst meth="repeat">
+      <a:schemeClr val="accent2"/>
+      <a:schemeClr val="accent3"/>
+      <a:schemeClr val="accent4"/>
+      <a:schemeClr val="accent5"/>
+      <a:schemeClr val="accent6"/>
+    </dgm:linClrLst>
+    <dgm:effectClrLst/>
+    <dgm:txLinClrLst/>
+    <dgm:txFillClrLst meth="repeat">
+      <a:schemeClr val="tx1"/>
+    </dgm:txFillClrLst>
+    <dgm:txEffectClrLst/>
+  </dgm:styleLbl>
+  <dgm:styleLbl name="callout">
+    <dgm:fillClrLst meth="repeat">
+      <a:schemeClr val="accent2"/>
+    </dgm:fillClrLst>
+    <dgm:linClrLst meth="repeat">
+      <a:schemeClr val="accent2">
+        <a:tint val="50000"/>
+      </a:schemeClr>
+    </dgm:linClrLst>
+    <dgm:effectClrLst/>
+    <dgm:txLinClrLst/>
+    <dgm:txFillClrLst meth="repeat">
+      <a:schemeClr val="tx1"/>
+    </dgm:txFillClrLst>
+    <dgm:txEffectClrLst/>
+  </dgm:styleLbl>
+  <dgm:styleLbl name="asst0">
+    <dgm:fillClrLst meth="repeat">
+      <a:schemeClr val="accent1"/>
+    </dgm:fillClrLst>
+    <dgm:linClrLst meth="repeat">
+      <a:schemeClr val="lt1"/>
+    </dgm:linClrLst>
+    <dgm:effectClrLst/>
+    <dgm:txLinClrLst/>
+    <dgm:txFillClrLst/>
+    <dgm:txEffectClrLst/>
+  </dgm:styleLbl>
+  <dgm:styleLbl name="asst1">
+    <dgm:fillClrLst meth="repeat">
+      <a:schemeClr val="accent2"/>
+    </dgm:fillClrLst>
+    <dgm:linClrLst meth="repeat">
+      <a:schemeClr val="lt1"/>
+    </dgm:linClrLst>
+    <dgm:effectClrLst/>
+    <dgm:txLinClrLst/>
+    <dgm:txFillClrLst/>
+    <dgm:txEffectClrLst/>
+  </dgm:styleLbl>
+  <dgm:styleLbl name="asst2">
+    <dgm:fillClrLst>
+      <a:schemeClr val="accent3"/>
+    </dgm:fillClrLst>
+    <dgm:linClrLst meth="repeat">
+      <a:schemeClr val="lt1"/>
+    </dgm:linClrLst>
+    <dgm:effectClrLst/>
+    <dgm:txLinClrLst/>
+    <dgm:txFillClrLst/>
+    <dgm:txEffectClrLst/>
+  </dgm:styleLbl>
+  <dgm:styleLbl name="asst3">
+    <dgm:fillClrLst>
+      <a:schemeClr val="accent4"/>
+    </dgm:fillClrLst>
+    <dgm:linClrLst meth="repeat">
+      <a:schemeClr val="lt1"/>
+    </dgm:linClrLst>
+    <dgm:effectClrLst/>
+    <dgm:txLinClrLst/>
+    <dgm:txFillClrLst/>
+    <dgm:txEffectClrLst/>
+  </dgm:styleLbl>
+  <dgm:styleLbl name="asst4">
+    <dgm:fillClrLst>
+      <a:schemeClr val="accent5"/>
+    </dgm:fillClrLst>
+    <dgm:linClrLst meth="repeat">
+      <a:schemeClr val="lt1"/>
+    </dgm:linClrLst>
+    <dgm:effectClrLst/>
+    <dgm:txLinClrLst/>
+    <dgm:txFillClrLst/>
+    <dgm:txEffectClrLst/>
+  </dgm:styleLbl>
+  <dgm:styleLbl name="parChTrans2D1">
+    <dgm:fillClrLst meth="repeat">
+      <a:schemeClr val="accent2"/>
+    </dgm:fillClrLst>
+    <dgm:linClrLst meth="repeat">
+      <a:schemeClr val="lt1"/>
+    </dgm:linClrLst>
+    <dgm:effectClrLst/>
+    <dgm:txLinClrLst/>
+    <dgm:txFillClrLst meth="repeat">
+      <a:schemeClr val="lt1"/>
+    </dgm:txFillClrLst>
+    <dgm:txEffectClrLst/>
+  </dgm:styleLbl>
+  <dgm:styleLbl name="parChTrans2D2">
+    <dgm:fillClrLst meth="repeat">
+      <a:schemeClr val="accent3"/>
+    </dgm:fillClrLst>
+    <dgm:linClrLst meth="repeat">
+      <a:schemeClr val="lt1"/>
+    </dgm:linClrLst>
+    <dgm:effectClrLst/>
+    <dgm:txLinClrLst/>
+    <dgm:txFillClrLst/>
+    <dgm:txEffectClrLst/>
+  </dgm:styleLbl>
+  <dgm:styleLbl name="parChTrans2D3">
+    <dgm:fillClrLst meth="repeat">
+      <a:schemeClr val="accent4"/>
+    </dgm:fillClrLst>
+    <dgm:linClrLst meth="repeat">
+      <a:schemeClr val="lt1"/>
+    </dgm:linClrLst>
+    <dgm:effectClrLst/>
+    <dgm:txLinClrLst/>
+    <dgm:txFillClrLst/>
+    <dgm:txEffectClrLst/>
+  </dgm:styleLbl>
+  <dgm:styleLbl name="parChTrans2D4">
+    <dgm:fillClrLst meth="repeat">
+      <a:schemeClr val="accent5"/>
+    </dgm:fillClrLst>
+    <dgm:linClrLst meth="repeat">
+      <a:schemeClr val="lt1"/>
+    </dgm:linClrLst>
+    <dgm:effectClrLst/>
+    <dgm:txLinClrLst/>
+    <dgm:txFillClrLst meth="repeat">
+      <a:schemeClr val="lt1"/>
+    </dgm:txFillClrLst>
+    <dgm:txEffectClrLst/>
+  </dgm:styleLbl>
+  <dgm:styleLbl name="parChTrans1D1">
+    <dgm:fillClrLst meth="repeat">
+      <a:schemeClr val="accent2"/>
+    </dgm:fillClrLst>
+    <dgm:linClrLst meth="repeat">
+      <a:schemeClr val="accent1"/>
+    </dgm:linClrLst>
+    <dgm:effectClrLst/>
+    <dgm:txLinClrLst/>
+    <dgm:txFillClrLst meth="repeat">
+      <a:schemeClr val="tx1"/>
+    </dgm:txFillClrLst>
+    <dgm:txEffectClrLst/>
+  </dgm:styleLbl>
+  <dgm:styleLbl name="parChTrans1D2">
+    <dgm:fillClrLst meth="repeat">
+      <a:schemeClr val="accent3">
+        <a:tint val="90000"/>
+      </a:schemeClr>
+    </dgm:fillClrLst>
+    <dgm:linClrLst meth="repeat">
+      <a:schemeClr val="accent2"/>
+    </dgm:linClrLst>
+    <dgm:effectClrLst/>
+    <dgm:txLinClrLst/>
+    <dgm:txFillClrLst meth="repeat">
+      <a:schemeClr val="tx1"/>
+    </dgm:txFillClrLst>
+    <dgm:txEffectClrLst/>
+  </dgm:styleLbl>
+  <dgm:styleLbl name="parChTrans1D3">
+    <dgm:fillClrLst meth="repeat">
+      <a:schemeClr val="accent4">
+        <a:tint val="70000"/>
+      </a:schemeClr>
+    </dgm:fillClrLst>
+    <dgm:linClrLst meth="repeat">
+      <a:schemeClr val="accent3"/>
+    </dgm:linClrLst>
+    <dgm:effectClrLst/>
+    <dgm:txLinClrLst/>
+    <dgm:txFillClrLst meth="repeat">
+      <a:schemeClr val="tx1"/>
+    </dgm:txFillClrLst>
+    <dgm:txEffectClrLst/>
+  </dgm:styleLbl>
+  <dgm:styleLbl name="parChTrans1D4">
+    <dgm:fillClrLst meth="repeat">
+      <a:schemeClr val="accent5">
+        <a:tint val="50000"/>
+      </a:schemeClr>
+    </dgm:fillClrLst>
+    <dgm:linClrLst meth="repeat">
+      <a:schemeClr val="accent4"/>
+    </dgm:linClrLst>
+    <dgm:effectClrLst/>
+    <dgm:txLinClrLst/>
+    <dgm:txFillClrLst meth="repeat">
+      <a:schemeClr val="tx1"/>
+    </dgm:txFillClrLst>
+    <dgm:txEffectClrLst/>
+  </dgm:styleLbl>
+  <dgm:styleLbl name="fgAcc1">
+    <dgm:fillClrLst meth="repeat">
+      <a:schemeClr val="lt1">
+        <a:alpha val="90000"/>
+      </a:schemeClr>
+    </dgm:fillClrLst>
+    <dgm:linClrLst meth="repeat">
+      <a:schemeClr val="accent2"/>
+      <a:schemeClr val="accent3"/>
+      <a:schemeClr val="accent4"/>
+      <a:schemeClr val="accent5"/>
+      <a:schemeClr val="accent6"/>
+    </dgm:linClrLst>
+    <dgm:effectClrLst/>
+    <dgm:txLinClrLst/>
+    <dgm:txFillClrLst meth="repeat">
+      <a:schemeClr val="dk1"/>
+    </dgm:txFillClrLst>
+    <dgm:txEffectClrLst/>
+  </dgm:styleLbl>
+  <dgm:styleLbl name="conFgAcc1">
+    <dgm:fillClrLst meth="repeat">
+      <a:schemeClr val="lt1">
+        <a:alpha val="90000"/>
+      </a:schemeClr>
+    </dgm:fillClrLst>
+    <dgm:linClrLst meth="repeat">
+      <a:schemeClr val="accent2"/>
+      <a:schemeClr val="accent3"/>
+      <a:schemeClr val="accent4"/>
+      <a:schemeClr val="accent5"/>
+      <a:schemeClr val="accent6"/>
+    </dgm:linClrLst>
+    <dgm:effectClrLst/>
+    <dgm:txLinClrLst/>
+    <dgm:txFillClrLst meth="repeat">
+      <a:schemeClr val="dk1"/>
+    </dgm:txFillClrLst>
+    <dgm:txEffectClrLst/>
+  </dgm:styleLbl>
+  <dgm:styleLbl name="alignAcc1">
+    <dgm:fillClrLst meth="repeat">
+      <a:schemeClr val="lt1">
+        <a:alpha val="90000"/>
+      </a:schemeClr>
+    </dgm:fillClrLst>
+    <dgm:linClrLst meth="repeat">
+      <a:schemeClr val="accent2"/>
+      <a:schemeClr val="accent3"/>
+      <a:schemeClr val="accent4"/>
+      <a:schemeClr val="accent5"/>
+      <a:schemeClr val="accent6"/>
+    </dgm:linClrLst>
+    <dgm:effectClrLst/>
+    <dgm:txLinClrLst/>
+    <dgm:txFillClrLst meth="repeat">
+      <a:schemeClr val="dk1"/>
+    </dgm:txFillClrLst>
+    <dgm:txEffectClrLst/>
+  </dgm:styleLbl>
+  <dgm:styleLbl name="trAlignAcc1">
+    <dgm:fillClrLst meth="repeat">
+      <a:schemeClr val="lt1">
+        <a:alpha val="40000"/>
+      </a:schemeClr>
+    </dgm:fillClrLst>
+    <dgm:linClrLst meth="repeat">
+      <a:schemeClr val="accent1"/>
+    </dgm:linClrLst>
+    <dgm:effectClrLst/>
+    <dgm:txLinClrLst/>
+    <dgm:txFillClrLst meth="repeat">
+      <a:schemeClr val="dk1"/>
+    </dgm:txFillClrLst>
+    <dgm:txEffectClrLst/>
+  </dgm:styleLbl>
+  <dgm:styleLbl name="bgAcc1">
+    <dgm:fillClrLst meth="repeat">
+      <a:schemeClr val="lt1">
+        <a:alpha val="90000"/>
+      </a:schemeClr>
+    </dgm:fillClrLst>
+    <dgm:linClrLst meth="repeat">
+      <a:schemeClr val="accent2"/>
+      <a:schemeClr val="accent3"/>
+      <a:schemeClr val="accent4"/>
+      <a:schemeClr val="accent5"/>
+      <a:schemeClr val="accent6"/>
+    </dgm:linClrLst>
+    <dgm:effectClrLst/>
+    <dgm:txLinClrLst/>
+    <dgm:txFillClrLst meth="repeat">
+      <a:schemeClr val="dk1"/>
+    </dgm:txFillClrLst>
+    <dgm:txEffectClrLst/>
+  </dgm:styleLbl>
+  <dgm:styleLbl name="solidFgAcc1">
+    <dgm:fillClrLst meth="repeat">
+      <a:schemeClr val="lt1"/>
+    </dgm:fillClrLst>
+    <dgm:linClrLst meth="repeat">
+      <a:schemeClr val="accent2"/>
+      <a:schemeClr val="accent3"/>
+      <a:schemeClr val="accent4"/>
+      <a:schemeClr val="accent5"/>
+      <a:schemeClr val="accent6"/>
+    </dgm:linClrLst>
+    <dgm:effectClrLst/>
+    <dgm:txLinClrLst/>
+    <dgm:txFillClrLst meth="repeat">
+      <a:schemeClr val="dk1"/>
+    </dgm:txFillClrLst>
+    <dgm:txEffectClrLst/>
+  </dgm:styleLbl>
+  <dgm:styleLbl name="solidAlignAcc1">
+    <dgm:fillClrLst meth="repeat">
+      <a:schemeClr val="lt1"/>
+    </dgm:fillClrLst>
+    <dgm:linClrLst meth="repeat">
+      <a:schemeClr val="accent2"/>
+      <a:schemeClr val="accent3"/>
+      <a:schemeClr val="accent4"/>
+      <a:schemeClr val="accent5"/>
+      <a:schemeClr val="accent6"/>
+    </dgm:linClrLst>
+    <dgm:effectClrLst/>
+    <dgm:txLinClrLst/>
+    <dgm:txFillClrLst meth="repeat">
+      <a:schemeClr val="dk1"/>
+    </dgm:txFillClrLst>
+    <dgm:txEffectClrLst/>
+  </dgm:styleLbl>
+  <dgm:styleLbl name="solidBgAcc1">
+    <dgm:fillClrLst meth="repeat">
+      <a:schemeClr val="lt1"/>
+    </dgm:fillClrLst>
+    <dgm:linClrLst meth="repeat">
+      <a:schemeClr val="accent2"/>
+      <a:schemeClr val="accent3"/>
+      <a:schemeClr val="accent4"/>
+      <a:schemeClr val="accent5"/>
+      <a:schemeClr val="accent6"/>
+    </dgm:linClrLst>
+    <dgm:effectClrLst/>
+    <dgm:txLinClrLst/>
+    <dgm:txFillClrLst meth="repeat">
+      <a:schemeClr val="dk1"/>
+    </dgm:txFillClrLst>
+    <dgm:txEffectClrLst/>
+  </dgm:styleLbl>
+  <dgm:styleLbl name="fgAccFollowNode1">
+    <dgm:fillClrLst meth="repeat">
+      <a:schemeClr val="accent2">
+        <a:tint val="40000"/>
+        <a:alpha val="90000"/>
+      </a:schemeClr>
+      <a:schemeClr val="accent3">
+        <a:tint val="40000"/>
+        <a:alpha val="90000"/>
+      </a:schemeClr>
+      <a:schemeClr val="accent4">
+        <a:tint val="40000"/>
+        <a:alpha val="90000"/>
+      </a:schemeClr>
+      <a:schemeClr val="accent5">
+        <a:tint val="40000"/>
+        <a:alpha val="90000"/>
+      </a:schemeClr>
+      <a:schemeClr val="accent6">
+        <a:tint val="40000"/>
+        <a:alpha val="90000"/>
+      </a:schemeClr>
+    </dgm:fillClrLst>
+    <dgm:linClrLst meth="repeat">
+      <a:schemeClr val="accent2">
+        <a:tint val="40000"/>
+        <a:alpha val="90000"/>
+      </a:schemeClr>
+      <a:schemeClr val="accent3">
+        <a:tint val="40000"/>
+        <a:alpha val="90000"/>
+      </a:schemeClr>
+      <a:schemeClr val="accent4">
+        <a:tint val="40000"/>
+        <a:alpha val="90000"/>
+      </a:schemeClr>
+      <a:schemeClr val="accent5">
+        <a:tint val="40000"/>
+        <a:alpha val="90000"/>
+      </a:schemeClr>
+      <a:schemeClr val="accent6">
+        <a:tint val="40000"/>
+        <a:alpha val="90000"/>
+      </a:schemeClr>
+    </dgm:linClrLst>
+    <dgm:effectClrLst/>
+    <dgm:txLinClrLst/>
+    <dgm:txFillClrLst meth="repeat">
+      <a:schemeClr val="dk1"/>
+    </dgm:txFillClrLst>
+    <dgm:txEffectClrLst/>
+  </dgm:styleLbl>
+  <dgm:styleLbl name="alignAccFollowNode1">
+    <dgm:fillClrLst meth="repeat">
+      <a:schemeClr val="accent2">
+        <a:tint val="40000"/>
+        <a:alpha val="90000"/>
+      </a:schemeClr>
+      <a:schemeClr val="accent3">
+        <a:tint val="40000"/>
+        <a:alpha val="90000"/>
+      </a:schemeClr>
+      <a:schemeClr val="accent4">
+        <a:tint val="40000"/>
+        <a:alpha val="90000"/>
+      </a:schemeClr>
+      <a:schemeClr val="accent5">
+        <a:tint val="40000"/>
+        <a:alpha val="90000"/>
+      </a:schemeClr>
+      <a:schemeClr val="accent6">
+        <a:tint val="40000"/>
+        <a:alpha val="90000"/>
+      </a:schemeClr>
+    </dgm:fillClrLst>
+    <dgm:linClrLst meth="repeat">
+      <a:schemeClr val="accent2">
+        <a:tint val="40000"/>
+        <a:alpha val="90000"/>
+      </a:schemeClr>
+      <a:schemeClr val="accent3">
+        <a:tint val="40000"/>
+        <a:alpha val="90000"/>
+      </a:schemeClr>
+      <a:schemeClr val="accent4">
+        <a:tint val="40000"/>
+        <a:alpha val="90000"/>
+      </a:schemeClr>
+      <a:schemeClr val="accent5">
+        <a:tint val="40000"/>
+        <a:alpha val="90000"/>
+      </a:schemeClr>
+      <a:schemeClr val="accent6">
+        <a:tint val="40000"/>
+        <a:alpha val="90000"/>
+      </a:schemeClr>
+    </dgm:linClrLst>
+    <dgm:effectClrLst/>
+    <dgm:txLinClrLst/>
+    <dgm:txFillClrLst meth="repeat">
+      <a:schemeClr val="dk1"/>
+    </dgm:txFillClrLst>
+    <dgm:txEffectClrLst/>
+  </dgm:styleLbl>
+  <dgm:styleLbl name="bgAccFollowNode1">
+    <dgm:fillClrLst meth="repeat">
+      <a:schemeClr val="accent2">
+        <a:tint val="40000"/>
+        <a:alpha val="90000"/>
+      </a:schemeClr>
+      <a:schemeClr val="accent3">
+        <a:tint val="40000"/>
+        <a:alpha val="90000"/>
+      </a:schemeClr>
+      <a:schemeClr val="accent4">
+        <a:tint val="40000"/>
+        <a:alpha val="90000"/>
+      </a:schemeClr>
+      <a:schemeClr val="accent5">
+        <a:tint val="40000"/>
+        <a:alpha val="90000"/>
+      </a:schemeClr>
+      <a:schemeClr val="accent6">
+        <a:tint val="40000"/>
+        <a:alpha val="90000"/>
+      </a:schemeClr>
+    </dgm:fillClrLst>
+    <dgm:linClrLst meth="repeat">
+      <a:schemeClr val="accent2">
+        <a:tint val="40000"/>
+        <a:alpha val="90000"/>
+      </a:schemeClr>
+      <a:schemeClr val="accent3">
+        <a:tint val="40000"/>
+        <a:alpha val="90000"/>
+      </a:schemeClr>
+      <a:schemeClr val="accent4">
+        <a:tint val="40000"/>
+        <a:alpha val="90000"/>
+      </a:schemeClr>
+      <a:schemeClr val="accent5">
+        <a:tint val="40000"/>
+        <a:alpha val="90000"/>
+      </a:schemeClr>
+      <a:schemeClr val="accent6">
+        <a:tint val="40000"/>
+        <a:alpha val="90000"/>
+      </a:schemeClr>
+    </dgm:linClrLst>
+    <dgm:effectClrLst/>
+    <dgm:txLinClrLst/>
+    <dgm:txFillClrLst meth="repeat">
+      <a:schemeClr val="dk1"/>
+    </dgm:txFillClrLst>
+    <dgm:txEffectClrLst/>
+  </dgm:styleLbl>
+  <dgm:styleLbl name="fgAcc0">
+    <dgm:fillClrLst meth="repeat">
+      <a:schemeClr val="lt1">
+        <a:alpha val="90000"/>
+      </a:schemeClr>
+    </dgm:fillClrLst>
+    <dgm:linClrLst>
+      <a:schemeClr val="accent1"/>
+    </dgm:linClrLst>
+    <dgm:effectClrLst/>
+    <dgm:txLinClrLst/>
+    <dgm:txFillClrLst meth="repeat">
+      <a:schemeClr val="dk1"/>
+    </dgm:txFillClrLst>
+    <dgm:txEffectClrLst/>
+  </dgm:styleLbl>
+  <dgm:styleLbl name="fgAcc2">
+    <dgm:fillClrLst meth="repeat">
+      <a:schemeClr val="lt1">
+        <a:alpha val="90000"/>
+      </a:schemeClr>
+    </dgm:fillClrLst>
+    <dgm:linClrLst>
+      <a:schemeClr val="accent2"/>
+    </dgm:linClrLst>
+    <dgm:effectClrLst/>
+    <dgm:txLinClrLst/>
+    <dgm:txFillClrLst meth="repeat">
+      <a:schemeClr val="dk1"/>
+    </dgm:txFillClrLst>
+    <dgm:txEffectClrLst/>
+  </dgm:styleLbl>
+  <dgm:styleLbl name="fgAcc3">
+    <dgm:fillClrLst meth="repeat">
+      <a:schemeClr val="lt1">
+        <a:alpha val="90000"/>
+      </a:schemeClr>
+    </dgm:fillClrLst>
+    <dgm:linClrLst>
+      <a:schemeClr val="accent3"/>
+    </dgm:linClrLst>
+    <dgm:effectClrLst/>
+    <dgm:txLinClrLst/>
+    <dgm:txFillClrLst meth="repeat">
+      <a:schemeClr val="dk1"/>
+    </dgm:txFillClrLst>
+    <dgm:txEffectClrLst/>
+  </dgm:styleLbl>
+  <dgm:styleLbl name="fgAcc4">
+    <dgm:fillClrLst meth="repeat">
+      <a:schemeClr val="lt1">
+        <a:alpha val="90000"/>
+      </a:schemeClr>
+    </dgm:fillClrLst>
+    <dgm:linClrLst>
+      <a:schemeClr val="accent4"/>
+    </dgm:linClrLst>
+    <dgm:effectClrLst/>
+    <dgm:txLinClrLst/>
+    <dgm:txFillClrLst meth="repeat">
+      <a:schemeClr val="dk1"/>
+    </dgm:txFillClrLst>
+    <dgm:txEffectClrLst/>
+  </dgm:styleLbl>
+  <dgm:styleLbl name="bgShp">
+    <dgm:fillClrLst meth="repeat">
+      <a:schemeClr val="accent2"/>
+      <a:schemeClr val="accent3"/>
+      <a:schemeClr val="accent4"/>
+      <a:schemeClr val="accent5"/>
+      <a:schemeClr val="accent6"/>
+    </dgm:fillClrLst>
+    <dgm:linClrLst meth="repeat">
+      <a:schemeClr val="lt1">
+        <a:alpha val="0"/>
+      </a:schemeClr>
+    </dgm:linClrLst>
+    <dgm:effectClrLst/>
+    <dgm:txLinClrLst/>
+    <dgm:txFillClrLst/>
+    <dgm:txEffectClrLst/>
+  </dgm:styleLbl>
+  <dgm:styleLbl name="dkBgShp">
+    <dgm:fillClrLst meth="repeat">
+      <a:schemeClr val="accent2">
+        <a:shade val="90000"/>
+      </a:schemeClr>
+    </dgm:fillClrLst>
+    <dgm:linClrLst meth="repeat">
+      <a:schemeClr val="dk1"/>
+    </dgm:linClrLst>
+    <dgm:effectClrLst/>
+    <dgm:txLinClrLst/>
+    <dgm:txFillClrLst meth="repeat">
+      <a:schemeClr val="lt1"/>
+    </dgm:txFillClrLst>
+    <dgm:txEffectClrLst/>
+  </dgm:styleLbl>
+  <dgm:styleLbl name="trBgShp">
+    <dgm:fillClrLst meth="repeat">
+      <a:schemeClr val="accent1">
+        <a:tint val="50000"/>
+        <a:alpha val="40000"/>
+      </a:schemeClr>
+    </dgm:fillClrLst>
+    <dgm:linClrLst meth="repeat">
+      <a:schemeClr val="accent2"/>
+    </dgm:linClrLst>
+    <dgm:effectClrLst/>
+    <dgm:txLinClrLst/>
+    <dgm:txFillClrLst meth="repeat">
+      <a:schemeClr val="lt1"/>
+    </dgm:txFillClrLst>
+    <dgm:txEffectClrLst/>
+  </dgm:styleLbl>
+  <dgm:styleLbl name="fgShp">
+    <dgm:fillClrLst meth="repeat">
+      <a:schemeClr val="accent2">
+        <a:tint val="40000"/>
       </a:schemeClr>
     </dgm:fillClrLst>
     <dgm:linClrLst meth="repeat">
@@ -2307,6 +3228,443 @@
     <dgm:cxn modelId="{FEE16449-E6CA-4426-88FC-325700533272}" type="presParOf" srcId="{CA7574C5-3280-4420-A730-D01DE6421E5F}" destId="{8DCFC0E8-0734-41DE-AAB6-63EDD573ED28}" srcOrd="1" destOrd="0" presId="urn:microsoft.com/office/officeart/2018/2/layout/IconVerticalSolidList"/>
     <dgm:cxn modelId="{1B309CFC-482B-41D7-9E07-99B861A1E2AA}" type="presParOf" srcId="{CA7574C5-3280-4420-A730-D01DE6421E5F}" destId="{C3846A36-B9E6-4454-A8E0-3D7A704B8602}" srcOrd="2" destOrd="0" presId="urn:microsoft.com/office/officeart/2018/2/layout/IconVerticalSolidList"/>
     <dgm:cxn modelId="{1A986736-BE37-4CB8-A8D2-00AA9EA28211}" type="presParOf" srcId="{CA7574C5-3280-4420-A730-D01DE6421E5F}" destId="{1824DDD1-ED0C-4966-BFAF-F554F4B6044C}" srcOrd="3" destOrd="0" presId="urn:microsoft.com/office/officeart/2018/2/layout/IconVerticalSolidList"/>
+  </dgm:cxnLst>
+  <dgm:bg/>
+  <dgm:whole/>
+  <dgm:extLst>
+    <a:ext uri="http://schemas.microsoft.com/office/drawing/2008/diagram">
+      <dsp:dataModelExt xmlns:dsp="http://schemas.microsoft.com/office/drawing/2008/diagram" relId="rId6" minVer="http://schemas.openxmlformats.org/drawingml/2006/diagram"/>
+    </a:ext>
+  </dgm:extLst>
+</dgm:dataModel>
+</file>
+
+<file path=ppt/diagrams/data3.xml><?xml version="1.0" encoding="utf-8"?>
+<dgm:dataModel xmlns:dgm="http://schemas.openxmlformats.org/drawingml/2006/diagram" xmlns:a="http://schemas.openxmlformats.org/drawingml/2006/main">
+  <dgm:ptLst>
+    <dgm:pt modelId="{C434374C-19CD-4313-B17C-649BD404EF99}" type="doc">
+      <dgm:prSet loTypeId="urn:microsoft.com/office/officeart/2018/2/layout/IconCircleList" loCatId="icon" qsTypeId="urn:microsoft.com/office/officeart/2005/8/quickstyle/simple1" qsCatId="simple" csTypeId="urn:microsoft.com/office/officeart/2018/5/colors/Iconchunking_neutralicon_colorful1" csCatId="colorful" phldr="1"/>
+      <dgm:spPr/>
+      <dgm:t>
+        <a:bodyPr/>
+        <a:lstStyle/>
+        <a:p>
+          <a:endParaRPr lang="en-US"/>
+        </a:p>
+      </dgm:t>
+    </dgm:pt>
+    <dgm:pt modelId="{1464FFED-1362-46FA-9CA3-CB0CB410F3C3}">
+      <dgm:prSet/>
+      <dgm:spPr/>
+      <dgm:t>
+        <a:bodyPr/>
+        <a:lstStyle/>
+        <a:p>
+          <a:r>
+            <a:rPr lang="en-GB"/>
+            <a:t>Using “exotic” TCP flags</a:t>
+          </a:r>
+          <a:endParaRPr lang="en-US"/>
+        </a:p>
+      </dgm:t>
+    </dgm:pt>
+    <dgm:pt modelId="{49BD3400-85ED-4CA0-B901-5A716A92B7AC}" type="parTrans" cxnId="{5301B5A1-6065-42E9-952D-0B9F60D4DF25}">
+      <dgm:prSet/>
+      <dgm:spPr/>
+      <dgm:t>
+        <a:bodyPr/>
+        <a:lstStyle/>
+        <a:p>
+          <a:endParaRPr lang="en-US"/>
+        </a:p>
+      </dgm:t>
+    </dgm:pt>
+    <dgm:pt modelId="{033743FF-DF5D-41EB-8C2A-B6D582D7F137}" type="sibTrans" cxnId="{5301B5A1-6065-42E9-952D-0B9F60D4DF25}">
+      <dgm:prSet/>
+      <dgm:spPr/>
+      <dgm:t>
+        <a:bodyPr/>
+        <a:lstStyle/>
+        <a:p>
+          <a:endParaRPr lang="en-US"/>
+        </a:p>
+      </dgm:t>
+    </dgm:pt>
+    <dgm:pt modelId="{232ECA0E-C495-4274-A1B6-0D87B222D3AD}">
+      <dgm:prSet/>
+      <dgm:spPr/>
+      <dgm:t>
+        <a:bodyPr/>
+        <a:lstStyle/>
+        <a:p>
+          <a:r>
+            <a:rPr lang="en-GB"/>
+            <a:t>Usual ports (Targeting most frequent ports) reducing payload size of scanning</a:t>
+          </a:r>
+          <a:endParaRPr lang="en-US"/>
+        </a:p>
+      </dgm:t>
+    </dgm:pt>
+    <dgm:pt modelId="{65999369-FBAC-4F03-AC0D-1F4E84600C33}" type="parTrans" cxnId="{012335E5-0694-403D-91A0-E066A8A68D21}">
+      <dgm:prSet/>
+      <dgm:spPr/>
+      <dgm:t>
+        <a:bodyPr/>
+        <a:lstStyle/>
+        <a:p>
+          <a:endParaRPr lang="en-US"/>
+        </a:p>
+      </dgm:t>
+    </dgm:pt>
+    <dgm:pt modelId="{FD8468DF-036A-4A6A-8AC9-61897F4AB5B9}" type="sibTrans" cxnId="{012335E5-0694-403D-91A0-E066A8A68D21}">
+      <dgm:prSet/>
+      <dgm:spPr/>
+      <dgm:t>
+        <a:bodyPr/>
+        <a:lstStyle/>
+        <a:p>
+          <a:endParaRPr lang="en-US"/>
+        </a:p>
+      </dgm:t>
+    </dgm:pt>
+    <dgm:pt modelId="{03E79AA1-667E-4053-AACD-2E2D3A479E48}">
+      <dgm:prSet/>
+      <dgm:spPr/>
+      <dgm:t>
+        <a:bodyPr/>
+        <a:lstStyle/>
+        <a:p>
+          <a:r>
+            <a:rPr lang="en-GB"/>
+            <a:t>Aggressive scans with known tools (Easy way of getting blocked)</a:t>
+          </a:r>
+          <a:endParaRPr lang="en-US"/>
+        </a:p>
+      </dgm:t>
+    </dgm:pt>
+    <dgm:pt modelId="{77100C29-ECEA-494E-A46B-A7C3121C4B56}" type="parTrans" cxnId="{D2AC1BF3-C745-40C2-BFEE-8A440F8C2DBA}">
+      <dgm:prSet/>
+      <dgm:spPr/>
+      <dgm:t>
+        <a:bodyPr/>
+        <a:lstStyle/>
+        <a:p>
+          <a:endParaRPr lang="en-US"/>
+        </a:p>
+      </dgm:t>
+    </dgm:pt>
+    <dgm:pt modelId="{5507943B-F88E-4DC0-9294-2DC75BB446E3}" type="sibTrans" cxnId="{D2AC1BF3-C745-40C2-BFEE-8A440F8C2DBA}">
+      <dgm:prSet/>
+      <dgm:spPr/>
+      <dgm:t>
+        <a:bodyPr/>
+        <a:lstStyle/>
+        <a:p>
+          <a:endParaRPr lang="en-US"/>
+        </a:p>
+      </dgm:t>
+    </dgm:pt>
+    <dgm:pt modelId="{E553CDBE-B914-43C8-A991-48BA8EEA3F27}">
+      <dgm:prSet/>
+      <dgm:spPr/>
+      <dgm:t>
+        <a:bodyPr/>
+        <a:lstStyle/>
+        <a:p>
+          <a:r>
+            <a:rPr lang="en-GB"/>
+            <a:t>Stealthier scans with custom tools (Preferable to remain hidden)</a:t>
+          </a:r>
+          <a:endParaRPr lang="en-US"/>
+        </a:p>
+      </dgm:t>
+    </dgm:pt>
+    <dgm:pt modelId="{BEB8E18A-B1F5-45F4-A7DD-D2B3E392E5E3}" type="parTrans" cxnId="{04D0E3DD-7DB8-4A74-96DC-4BFA57A020A5}">
+      <dgm:prSet/>
+      <dgm:spPr/>
+      <dgm:t>
+        <a:bodyPr/>
+        <a:lstStyle/>
+        <a:p>
+          <a:endParaRPr lang="en-US"/>
+        </a:p>
+      </dgm:t>
+    </dgm:pt>
+    <dgm:pt modelId="{96EF04CF-9E55-4C00-9D27-427E01F78716}" type="sibTrans" cxnId="{04D0E3DD-7DB8-4A74-96DC-4BFA57A020A5}">
+      <dgm:prSet/>
+      <dgm:spPr/>
+      <dgm:t>
+        <a:bodyPr/>
+        <a:lstStyle/>
+        <a:p>
+          <a:endParaRPr lang="en-US"/>
+        </a:p>
+      </dgm:t>
+    </dgm:pt>
+    <dgm:pt modelId="{2A542FF9-B4C5-4C78-8407-D696C8E7069A}" type="pres">
+      <dgm:prSet presAssocID="{C434374C-19CD-4313-B17C-649BD404EF99}" presName="root" presStyleCnt="0">
+        <dgm:presLayoutVars>
+          <dgm:dir/>
+          <dgm:resizeHandles val="exact"/>
+        </dgm:presLayoutVars>
+      </dgm:prSet>
+      <dgm:spPr/>
+    </dgm:pt>
+    <dgm:pt modelId="{EB604A64-856A-4441-BC2C-1800070AD923}" type="pres">
+      <dgm:prSet presAssocID="{C434374C-19CD-4313-B17C-649BD404EF99}" presName="container" presStyleCnt="0">
+        <dgm:presLayoutVars>
+          <dgm:dir/>
+          <dgm:resizeHandles val="exact"/>
+        </dgm:presLayoutVars>
+      </dgm:prSet>
+      <dgm:spPr/>
+    </dgm:pt>
+    <dgm:pt modelId="{583E698E-4B0A-49BE-ADAE-8F5BEC7BBBC0}" type="pres">
+      <dgm:prSet presAssocID="{1464FFED-1362-46FA-9CA3-CB0CB410F3C3}" presName="compNode" presStyleCnt="0"/>
+      <dgm:spPr/>
+    </dgm:pt>
+    <dgm:pt modelId="{80955506-85B8-436F-8C6C-84A85D48836C}" type="pres">
+      <dgm:prSet presAssocID="{1464FFED-1362-46FA-9CA3-CB0CB410F3C3}" presName="iconBgRect" presStyleLbl="bgShp" presStyleIdx="0" presStyleCnt="4"/>
+      <dgm:spPr/>
+    </dgm:pt>
+    <dgm:pt modelId="{6E242CF2-3943-44CE-9A85-E00C89666030}" type="pres">
+      <dgm:prSet presAssocID="{1464FFED-1362-46FA-9CA3-CB0CB410F3C3}" presName="iconRect" presStyleLbl="node1" presStyleIdx="0" presStyleCnt="4"/>
+      <dgm:spPr>
+        <a:blipFill>
+          <a:blip xmlns:r="http://schemas.openxmlformats.org/officeDocument/2006/relationships" r:embed="rId1">
+            <a:extLst>
+              <a:ext uri="{28A0092B-C50C-407E-A947-70E740481C1C}">
+                <a14:useLocalDpi xmlns:a14="http://schemas.microsoft.com/office/drawing/2010/main" val="0"/>
+              </a:ext>
+              <a:ext uri="{96DAC541-7B7A-43D3-8B79-37D633B846F1}">
+                <asvg:svgBlip xmlns:asvg="http://schemas.microsoft.com/office/drawing/2016/SVG/main" r:embed="rId2"/>
+              </a:ext>
+            </a:extLst>
+          </a:blip>
+          <a:stretch>
+            <a:fillRect/>
+          </a:stretch>
+        </a:blipFill>
+        <a:ln>
+          <a:noFill/>
+        </a:ln>
+      </dgm:spPr>
+      <dgm:extLst>
+        <a:ext uri="{E40237B7-FDA0-4F09-8148-C483321AD2D9}">
+          <dgm14:cNvPr xmlns:dgm14="http://schemas.microsoft.com/office/drawing/2010/diagram" id="0" name="" descr="Flag"/>
+        </a:ext>
+      </dgm:extLst>
+    </dgm:pt>
+    <dgm:pt modelId="{2DB9BF70-2BE9-40A6-B26A-9ECB5E935DAE}" type="pres">
+      <dgm:prSet presAssocID="{1464FFED-1362-46FA-9CA3-CB0CB410F3C3}" presName="spaceRect" presStyleCnt="0"/>
+      <dgm:spPr/>
+    </dgm:pt>
+    <dgm:pt modelId="{039A4B9D-CCC9-4B3D-B87A-CB94AF8F4324}" type="pres">
+      <dgm:prSet presAssocID="{1464FFED-1362-46FA-9CA3-CB0CB410F3C3}" presName="textRect" presStyleLbl="revTx" presStyleIdx="0" presStyleCnt="4">
+        <dgm:presLayoutVars>
+          <dgm:chMax val="1"/>
+          <dgm:chPref val="1"/>
+        </dgm:presLayoutVars>
+      </dgm:prSet>
+      <dgm:spPr/>
+    </dgm:pt>
+    <dgm:pt modelId="{8ABE79E7-6991-4E02-A53C-3F69EE0F2827}" type="pres">
+      <dgm:prSet presAssocID="{033743FF-DF5D-41EB-8C2A-B6D582D7F137}" presName="sibTrans" presStyleLbl="sibTrans2D1" presStyleIdx="0" presStyleCnt="0"/>
+      <dgm:spPr/>
+    </dgm:pt>
+    <dgm:pt modelId="{8BF11C95-5DA3-4B91-8A29-C7BACEFEEA57}" type="pres">
+      <dgm:prSet presAssocID="{232ECA0E-C495-4274-A1B6-0D87B222D3AD}" presName="compNode" presStyleCnt="0"/>
+      <dgm:spPr/>
+    </dgm:pt>
+    <dgm:pt modelId="{07EE9476-962B-4BD7-95A4-2BF443C983C1}" type="pres">
+      <dgm:prSet presAssocID="{232ECA0E-C495-4274-A1B6-0D87B222D3AD}" presName="iconBgRect" presStyleLbl="bgShp" presStyleIdx="1" presStyleCnt="4"/>
+      <dgm:spPr/>
+    </dgm:pt>
+    <dgm:pt modelId="{04EEC5A3-9AE0-43E5-B0DA-571BBAA14E5C}" type="pres">
+      <dgm:prSet presAssocID="{232ECA0E-C495-4274-A1B6-0D87B222D3AD}" presName="iconRect" presStyleLbl="node1" presStyleIdx="1" presStyleCnt="4"/>
+      <dgm:spPr>
+        <a:blipFill>
+          <a:blip xmlns:r="http://schemas.openxmlformats.org/officeDocument/2006/relationships" r:embed="rId3">
+            <a:extLst>
+              <a:ext uri="{28A0092B-C50C-407E-A947-70E740481C1C}">
+                <a14:useLocalDpi xmlns:a14="http://schemas.microsoft.com/office/drawing/2010/main" val="0"/>
+              </a:ext>
+              <a:ext uri="{96DAC541-7B7A-43D3-8B79-37D633B846F1}">
+                <asvg:svgBlip xmlns:asvg="http://schemas.microsoft.com/office/drawing/2016/SVG/main" r:embed="rId4"/>
+              </a:ext>
+            </a:extLst>
+          </a:blip>
+          <a:stretch>
+            <a:fillRect/>
+          </a:stretch>
+        </a:blipFill>
+        <a:ln>
+          <a:noFill/>
+        </a:ln>
+      </dgm:spPr>
+      <dgm:extLst>
+        <a:ext uri="{E40237B7-FDA0-4F09-8148-C483321AD2D9}">
+          <dgm14:cNvPr xmlns:dgm14="http://schemas.microsoft.com/office/drawing/2010/diagram" id="0" name="" descr="Anchor"/>
+        </a:ext>
+      </dgm:extLst>
+    </dgm:pt>
+    <dgm:pt modelId="{B1AEC0B5-CE3C-41B4-BB38-3F6570C447B3}" type="pres">
+      <dgm:prSet presAssocID="{232ECA0E-C495-4274-A1B6-0D87B222D3AD}" presName="spaceRect" presStyleCnt="0"/>
+      <dgm:spPr/>
+    </dgm:pt>
+    <dgm:pt modelId="{27F64DBB-18B1-45A0-BDD3-85D9242E0658}" type="pres">
+      <dgm:prSet presAssocID="{232ECA0E-C495-4274-A1B6-0D87B222D3AD}" presName="textRect" presStyleLbl="revTx" presStyleIdx="1" presStyleCnt="4">
+        <dgm:presLayoutVars>
+          <dgm:chMax val="1"/>
+          <dgm:chPref val="1"/>
+        </dgm:presLayoutVars>
+      </dgm:prSet>
+      <dgm:spPr/>
+    </dgm:pt>
+    <dgm:pt modelId="{485C5A50-479F-4EE3-A856-21979AF536E8}" type="pres">
+      <dgm:prSet presAssocID="{FD8468DF-036A-4A6A-8AC9-61897F4AB5B9}" presName="sibTrans" presStyleLbl="sibTrans2D1" presStyleIdx="0" presStyleCnt="0"/>
+      <dgm:spPr/>
+    </dgm:pt>
+    <dgm:pt modelId="{610483F2-F8ED-49F7-BD8C-559B1BC9F7A2}" type="pres">
+      <dgm:prSet presAssocID="{03E79AA1-667E-4053-AACD-2E2D3A479E48}" presName="compNode" presStyleCnt="0"/>
+      <dgm:spPr/>
+    </dgm:pt>
+    <dgm:pt modelId="{ED6B6A4D-D12E-4628-93E6-F469EDEE1061}" type="pres">
+      <dgm:prSet presAssocID="{03E79AA1-667E-4053-AACD-2E2D3A479E48}" presName="iconBgRect" presStyleLbl="bgShp" presStyleIdx="2" presStyleCnt="4"/>
+      <dgm:spPr/>
+    </dgm:pt>
+    <dgm:pt modelId="{BD2CF4EC-2EE6-4BE2-BD74-F809D3D81EAA}" type="pres">
+      <dgm:prSet presAssocID="{03E79AA1-667E-4053-AACD-2E2D3A479E48}" presName="iconRect" presStyleLbl="node1" presStyleIdx="2" presStyleCnt="4"/>
+      <dgm:spPr>
+        <a:blipFill>
+          <a:blip xmlns:r="http://schemas.openxmlformats.org/officeDocument/2006/relationships" r:embed="rId5">
+            <a:extLst>
+              <a:ext uri="{28A0092B-C50C-407E-A947-70E740481C1C}">
+                <a14:useLocalDpi xmlns:a14="http://schemas.microsoft.com/office/drawing/2010/main" val="0"/>
+              </a:ext>
+              <a:ext uri="{96DAC541-7B7A-43D3-8B79-37D633B846F1}">
+                <asvg:svgBlip xmlns:asvg="http://schemas.microsoft.com/office/drawing/2016/SVG/main" r:embed="rId6"/>
+              </a:ext>
+            </a:extLst>
+          </a:blip>
+          <a:stretch>
+            <a:fillRect/>
+          </a:stretch>
+        </a:blipFill>
+        <a:ln>
+          <a:noFill/>
+        </a:ln>
+      </dgm:spPr>
+      <dgm:extLst>
+        <a:ext uri="{E40237B7-FDA0-4F09-8148-C483321AD2D9}">
+          <dgm14:cNvPr xmlns:dgm14="http://schemas.microsoft.com/office/drawing/2010/diagram" id="0" name="" descr="Maze"/>
+        </a:ext>
+      </dgm:extLst>
+    </dgm:pt>
+    <dgm:pt modelId="{32FAB14D-E13A-4AD9-8B05-B93735C29698}" type="pres">
+      <dgm:prSet presAssocID="{03E79AA1-667E-4053-AACD-2E2D3A479E48}" presName="spaceRect" presStyleCnt="0"/>
+      <dgm:spPr/>
+    </dgm:pt>
+    <dgm:pt modelId="{9E0D8C7D-35F8-4283-99A5-25F6C7510D78}" type="pres">
+      <dgm:prSet presAssocID="{03E79AA1-667E-4053-AACD-2E2D3A479E48}" presName="textRect" presStyleLbl="revTx" presStyleIdx="2" presStyleCnt="4">
+        <dgm:presLayoutVars>
+          <dgm:chMax val="1"/>
+          <dgm:chPref val="1"/>
+        </dgm:presLayoutVars>
+      </dgm:prSet>
+      <dgm:spPr/>
+    </dgm:pt>
+    <dgm:pt modelId="{0F857366-C37A-44BB-B5B8-0CA0ABC48FE8}" type="pres">
+      <dgm:prSet presAssocID="{5507943B-F88E-4DC0-9294-2DC75BB446E3}" presName="sibTrans" presStyleLbl="sibTrans2D1" presStyleIdx="0" presStyleCnt="0"/>
+      <dgm:spPr/>
+    </dgm:pt>
+    <dgm:pt modelId="{541E4D13-8EDA-41F2-AA53-2EE051735E4E}" type="pres">
+      <dgm:prSet presAssocID="{E553CDBE-B914-43C8-A991-48BA8EEA3F27}" presName="compNode" presStyleCnt="0"/>
+      <dgm:spPr/>
+    </dgm:pt>
+    <dgm:pt modelId="{5120F281-A0BB-45E1-9715-8DB3AF9E6244}" type="pres">
+      <dgm:prSet presAssocID="{E553CDBE-B914-43C8-A991-48BA8EEA3F27}" presName="iconBgRect" presStyleLbl="bgShp" presStyleIdx="3" presStyleCnt="4"/>
+      <dgm:spPr/>
+    </dgm:pt>
+    <dgm:pt modelId="{F5897154-34E1-4685-9CC0-F7C4F26E8A22}" type="pres">
+      <dgm:prSet presAssocID="{E553CDBE-B914-43C8-A991-48BA8EEA3F27}" presName="iconRect" presStyleLbl="node1" presStyleIdx="3" presStyleCnt="4"/>
+      <dgm:spPr>
+        <a:blipFill>
+          <a:blip xmlns:r="http://schemas.openxmlformats.org/officeDocument/2006/relationships" r:embed="rId7">
+            <a:extLst>
+              <a:ext uri="{28A0092B-C50C-407E-A947-70E740481C1C}">
+                <a14:useLocalDpi xmlns:a14="http://schemas.microsoft.com/office/drawing/2010/main" val="0"/>
+              </a:ext>
+              <a:ext uri="{96DAC541-7B7A-43D3-8B79-37D633B846F1}">
+                <asvg:svgBlip xmlns:asvg="http://schemas.microsoft.com/office/drawing/2016/SVG/main" r:embed="rId8"/>
+              </a:ext>
+            </a:extLst>
+          </a:blip>
+          <a:stretch>
+            <a:fillRect/>
+          </a:stretch>
+        </a:blipFill>
+        <a:ln>
+          <a:noFill/>
+        </a:ln>
+      </dgm:spPr>
+      <dgm:extLst>
+        <a:ext uri="{E40237B7-FDA0-4F09-8148-C483321AD2D9}">
+          <dgm14:cNvPr xmlns:dgm14="http://schemas.microsoft.com/office/drawing/2010/diagram" id="0" name="" descr="Barcode"/>
+        </a:ext>
+      </dgm:extLst>
+    </dgm:pt>
+    <dgm:pt modelId="{C8E9C2E4-B009-4489-A7C3-910F5E0E57D3}" type="pres">
+      <dgm:prSet presAssocID="{E553CDBE-B914-43C8-A991-48BA8EEA3F27}" presName="spaceRect" presStyleCnt="0"/>
+      <dgm:spPr/>
+    </dgm:pt>
+    <dgm:pt modelId="{EA85B659-A4C3-4F21-8BCE-7EDEDEBF153D}" type="pres">
+      <dgm:prSet presAssocID="{E553CDBE-B914-43C8-A991-48BA8EEA3F27}" presName="textRect" presStyleLbl="revTx" presStyleIdx="3" presStyleCnt="4">
+        <dgm:presLayoutVars>
+          <dgm:chMax val="1"/>
+          <dgm:chPref val="1"/>
+        </dgm:presLayoutVars>
+      </dgm:prSet>
+      <dgm:spPr/>
+    </dgm:pt>
+  </dgm:ptLst>
+  <dgm:cxnLst>
+    <dgm:cxn modelId="{2A69795F-0346-496B-B979-25730B5509E1}" type="presOf" srcId="{C434374C-19CD-4313-B17C-649BD404EF99}" destId="{2A542FF9-B4C5-4C78-8407-D696C8E7069A}" srcOrd="0" destOrd="0" presId="urn:microsoft.com/office/officeart/2018/2/layout/IconCircleList"/>
+    <dgm:cxn modelId="{3A583E7F-4122-4FFD-A3EE-0CEF68D3A54C}" type="presOf" srcId="{1464FFED-1362-46FA-9CA3-CB0CB410F3C3}" destId="{039A4B9D-CCC9-4B3D-B87A-CB94AF8F4324}" srcOrd="0" destOrd="0" presId="urn:microsoft.com/office/officeart/2018/2/layout/IconCircleList"/>
+    <dgm:cxn modelId="{1C994D8F-DAA0-409A-9229-B41E18042759}" type="presOf" srcId="{E553CDBE-B914-43C8-A991-48BA8EEA3F27}" destId="{EA85B659-A4C3-4F21-8BCE-7EDEDEBF153D}" srcOrd="0" destOrd="0" presId="urn:microsoft.com/office/officeart/2018/2/layout/IconCircleList"/>
+    <dgm:cxn modelId="{5301B5A1-6065-42E9-952D-0B9F60D4DF25}" srcId="{C434374C-19CD-4313-B17C-649BD404EF99}" destId="{1464FFED-1362-46FA-9CA3-CB0CB410F3C3}" srcOrd="0" destOrd="0" parTransId="{49BD3400-85ED-4CA0-B901-5A716A92B7AC}" sibTransId="{033743FF-DF5D-41EB-8C2A-B6D582D7F137}"/>
+    <dgm:cxn modelId="{A25274D1-5442-4586-B3C3-0A2FB1E3D69B}" type="presOf" srcId="{FD8468DF-036A-4A6A-8AC9-61897F4AB5B9}" destId="{485C5A50-479F-4EE3-A856-21979AF536E8}" srcOrd="0" destOrd="0" presId="urn:microsoft.com/office/officeart/2018/2/layout/IconCircleList"/>
+    <dgm:cxn modelId="{C85892D5-D355-48CC-8A75-52E2A298DD07}" type="presOf" srcId="{033743FF-DF5D-41EB-8C2A-B6D582D7F137}" destId="{8ABE79E7-6991-4E02-A53C-3F69EE0F2827}" srcOrd="0" destOrd="0" presId="urn:microsoft.com/office/officeart/2018/2/layout/IconCircleList"/>
+    <dgm:cxn modelId="{04D0E3DD-7DB8-4A74-96DC-4BFA57A020A5}" srcId="{C434374C-19CD-4313-B17C-649BD404EF99}" destId="{E553CDBE-B914-43C8-A991-48BA8EEA3F27}" srcOrd="3" destOrd="0" parTransId="{BEB8E18A-B1F5-45F4-A7DD-D2B3E392E5E3}" sibTransId="{96EF04CF-9E55-4C00-9D27-427E01F78716}"/>
+    <dgm:cxn modelId="{012335E5-0694-403D-91A0-E066A8A68D21}" srcId="{C434374C-19CD-4313-B17C-649BD404EF99}" destId="{232ECA0E-C495-4274-A1B6-0D87B222D3AD}" srcOrd="1" destOrd="0" parTransId="{65999369-FBAC-4F03-AC0D-1F4E84600C33}" sibTransId="{FD8468DF-036A-4A6A-8AC9-61897F4AB5B9}"/>
+    <dgm:cxn modelId="{D2AC1BF3-C745-40C2-BFEE-8A440F8C2DBA}" srcId="{C434374C-19CD-4313-B17C-649BD404EF99}" destId="{03E79AA1-667E-4053-AACD-2E2D3A479E48}" srcOrd="2" destOrd="0" parTransId="{77100C29-ECEA-494E-A46B-A7C3121C4B56}" sibTransId="{5507943B-F88E-4DC0-9294-2DC75BB446E3}"/>
+    <dgm:cxn modelId="{5DE30FF9-4A64-4531-B3C4-6DCD5B8F28AD}" type="presOf" srcId="{232ECA0E-C495-4274-A1B6-0D87B222D3AD}" destId="{27F64DBB-18B1-45A0-BDD3-85D9242E0658}" srcOrd="0" destOrd="0" presId="urn:microsoft.com/office/officeart/2018/2/layout/IconCircleList"/>
+    <dgm:cxn modelId="{FF01DBFB-CB81-440B-8859-23911FADEBB2}" type="presOf" srcId="{5507943B-F88E-4DC0-9294-2DC75BB446E3}" destId="{0F857366-C37A-44BB-B5B8-0CA0ABC48FE8}" srcOrd="0" destOrd="0" presId="urn:microsoft.com/office/officeart/2018/2/layout/IconCircleList"/>
+    <dgm:cxn modelId="{139CCBFE-F5E9-4480-93F5-C670240966EC}" type="presOf" srcId="{03E79AA1-667E-4053-AACD-2E2D3A479E48}" destId="{9E0D8C7D-35F8-4283-99A5-25F6C7510D78}" srcOrd="0" destOrd="0" presId="urn:microsoft.com/office/officeart/2018/2/layout/IconCircleList"/>
+    <dgm:cxn modelId="{953A8D3A-8EE4-48A2-97B7-A2EEEDA764F4}" type="presParOf" srcId="{2A542FF9-B4C5-4C78-8407-D696C8E7069A}" destId="{EB604A64-856A-4441-BC2C-1800070AD923}" srcOrd="0" destOrd="0" presId="urn:microsoft.com/office/officeart/2018/2/layout/IconCircleList"/>
+    <dgm:cxn modelId="{6E897722-BD44-4220-AA82-C73FF725660C}" type="presParOf" srcId="{EB604A64-856A-4441-BC2C-1800070AD923}" destId="{583E698E-4B0A-49BE-ADAE-8F5BEC7BBBC0}" srcOrd="0" destOrd="0" presId="urn:microsoft.com/office/officeart/2018/2/layout/IconCircleList"/>
+    <dgm:cxn modelId="{8FF56D44-809B-4F44-9ABD-B997D6DC9A3E}" type="presParOf" srcId="{583E698E-4B0A-49BE-ADAE-8F5BEC7BBBC0}" destId="{80955506-85B8-436F-8C6C-84A85D48836C}" srcOrd="0" destOrd="0" presId="urn:microsoft.com/office/officeart/2018/2/layout/IconCircleList"/>
+    <dgm:cxn modelId="{96922B72-C63C-43B0-8ADE-18967669161D}" type="presParOf" srcId="{583E698E-4B0A-49BE-ADAE-8F5BEC7BBBC0}" destId="{6E242CF2-3943-44CE-9A85-E00C89666030}" srcOrd="1" destOrd="0" presId="urn:microsoft.com/office/officeart/2018/2/layout/IconCircleList"/>
+    <dgm:cxn modelId="{8E36C5CC-024F-44F7-87BF-8A6C433AFBE9}" type="presParOf" srcId="{583E698E-4B0A-49BE-ADAE-8F5BEC7BBBC0}" destId="{2DB9BF70-2BE9-40A6-B26A-9ECB5E935DAE}" srcOrd="2" destOrd="0" presId="urn:microsoft.com/office/officeart/2018/2/layout/IconCircleList"/>
+    <dgm:cxn modelId="{0CC1EB19-5211-4B02-9A20-E5904128EE14}" type="presParOf" srcId="{583E698E-4B0A-49BE-ADAE-8F5BEC7BBBC0}" destId="{039A4B9D-CCC9-4B3D-B87A-CB94AF8F4324}" srcOrd="3" destOrd="0" presId="urn:microsoft.com/office/officeart/2018/2/layout/IconCircleList"/>
+    <dgm:cxn modelId="{C378058B-56FE-47FC-B88C-7327B17613A8}" type="presParOf" srcId="{EB604A64-856A-4441-BC2C-1800070AD923}" destId="{8ABE79E7-6991-4E02-A53C-3F69EE0F2827}" srcOrd="1" destOrd="0" presId="urn:microsoft.com/office/officeart/2018/2/layout/IconCircleList"/>
+    <dgm:cxn modelId="{2DC9A45F-C68D-4EE9-B511-F9C9D366CB19}" type="presParOf" srcId="{EB604A64-856A-4441-BC2C-1800070AD923}" destId="{8BF11C95-5DA3-4B91-8A29-C7BACEFEEA57}" srcOrd="2" destOrd="0" presId="urn:microsoft.com/office/officeart/2018/2/layout/IconCircleList"/>
+    <dgm:cxn modelId="{CA6B0F9F-85BB-4D97-97EC-B88A0965176C}" type="presParOf" srcId="{8BF11C95-5DA3-4B91-8A29-C7BACEFEEA57}" destId="{07EE9476-962B-4BD7-95A4-2BF443C983C1}" srcOrd="0" destOrd="0" presId="urn:microsoft.com/office/officeart/2018/2/layout/IconCircleList"/>
+    <dgm:cxn modelId="{FF0C67DE-5B1E-4EB8-A814-964F13AD292A}" type="presParOf" srcId="{8BF11C95-5DA3-4B91-8A29-C7BACEFEEA57}" destId="{04EEC5A3-9AE0-43E5-B0DA-571BBAA14E5C}" srcOrd="1" destOrd="0" presId="urn:microsoft.com/office/officeart/2018/2/layout/IconCircleList"/>
+    <dgm:cxn modelId="{4DC8EFAF-B738-4AC0-9B98-855F2C35BEB1}" type="presParOf" srcId="{8BF11C95-5DA3-4B91-8A29-C7BACEFEEA57}" destId="{B1AEC0B5-CE3C-41B4-BB38-3F6570C447B3}" srcOrd="2" destOrd="0" presId="urn:microsoft.com/office/officeart/2018/2/layout/IconCircleList"/>
+    <dgm:cxn modelId="{B2BAD9B1-B5FD-40C8-BA9E-449D482928AC}" type="presParOf" srcId="{8BF11C95-5DA3-4B91-8A29-C7BACEFEEA57}" destId="{27F64DBB-18B1-45A0-BDD3-85D9242E0658}" srcOrd="3" destOrd="0" presId="urn:microsoft.com/office/officeart/2018/2/layout/IconCircleList"/>
+    <dgm:cxn modelId="{B00C7034-E839-435C-8D31-93AC37F85E6A}" type="presParOf" srcId="{EB604A64-856A-4441-BC2C-1800070AD923}" destId="{485C5A50-479F-4EE3-A856-21979AF536E8}" srcOrd="3" destOrd="0" presId="urn:microsoft.com/office/officeart/2018/2/layout/IconCircleList"/>
+    <dgm:cxn modelId="{F0C8174B-E67F-4F13-96AB-F41ABEBA766A}" type="presParOf" srcId="{EB604A64-856A-4441-BC2C-1800070AD923}" destId="{610483F2-F8ED-49F7-BD8C-559B1BC9F7A2}" srcOrd="4" destOrd="0" presId="urn:microsoft.com/office/officeart/2018/2/layout/IconCircleList"/>
+    <dgm:cxn modelId="{ACD5AFAD-10B1-42DF-A723-832438434579}" type="presParOf" srcId="{610483F2-F8ED-49F7-BD8C-559B1BC9F7A2}" destId="{ED6B6A4D-D12E-4628-93E6-F469EDEE1061}" srcOrd="0" destOrd="0" presId="urn:microsoft.com/office/officeart/2018/2/layout/IconCircleList"/>
+    <dgm:cxn modelId="{81F41DFA-0E46-4601-AF58-1A83ACF9E428}" type="presParOf" srcId="{610483F2-F8ED-49F7-BD8C-559B1BC9F7A2}" destId="{BD2CF4EC-2EE6-4BE2-BD74-F809D3D81EAA}" srcOrd="1" destOrd="0" presId="urn:microsoft.com/office/officeart/2018/2/layout/IconCircleList"/>
+    <dgm:cxn modelId="{5E68B4AD-637F-49E2-93B5-ED40DFC2DE8D}" type="presParOf" srcId="{610483F2-F8ED-49F7-BD8C-559B1BC9F7A2}" destId="{32FAB14D-E13A-4AD9-8B05-B93735C29698}" srcOrd="2" destOrd="0" presId="urn:microsoft.com/office/officeart/2018/2/layout/IconCircleList"/>
+    <dgm:cxn modelId="{BE5F6B8E-1212-4879-9DDC-CAE7F6B5F757}" type="presParOf" srcId="{610483F2-F8ED-49F7-BD8C-559B1BC9F7A2}" destId="{9E0D8C7D-35F8-4283-99A5-25F6C7510D78}" srcOrd="3" destOrd="0" presId="urn:microsoft.com/office/officeart/2018/2/layout/IconCircleList"/>
+    <dgm:cxn modelId="{DDA94359-BBD9-4CBF-9970-B178579D14B5}" type="presParOf" srcId="{EB604A64-856A-4441-BC2C-1800070AD923}" destId="{0F857366-C37A-44BB-B5B8-0CA0ABC48FE8}" srcOrd="5" destOrd="0" presId="urn:microsoft.com/office/officeart/2018/2/layout/IconCircleList"/>
+    <dgm:cxn modelId="{96425798-DF63-4ED6-87C6-94C145D6AB12}" type="presParOf" srcId="{EB604A64-856A-4441-BC2C-1800070AD923}" destId="{541E4D13-8EDA-41F2-AA53-2EE051735E4E}" srcOrd="6" destOrd="0" presId="urn:microsoft.com/office/officeart/2018/2/layout/IconCircleList"/>
+    <dgm:cxn modelId="{12870B31-7DD2-49DA-A282-4FBD9886022F}" type="presParOf" srcId="{541E4D13-8EDA-41F2-AA53-2EE051735E4E}" destId="{5120F281-A0BB-45E1-9715-8DB3AF9E6244}" srcOrd="0" destOrd="0" presId="urn:microsoft.com/office/officeart/2018/2/layout/IconCircleList"/>
+    <dgm:cxn modelId="{6D1E8D9E-FD77-47DF-B4FF-5D1835999006}" type="presParOf" srcId="{541E4D13-8EDA-41F2-AA53-2EE051735E4E}" destId="{F5897154-34E1-4685-9CC0-F7C4F26E8A22}" srcOrd="1" destOrd="0" presId="urn:microsoft.com/office/officeart/2018/2/layout/IconCircleList"/>
+    <dgm:cxn modelId="{5575E890-C948-4875-B1CC-93DF659F6E3F}" type="presParOf" srcId="{541E4D13-8EDA-41F2-AA53-2EE051735E4E}" destId="{C8E9C2E4-B009-4489-A7C3-910F5E0E57D3}" srcOrd="2" destOrd="0" presId="urn:microsoft.com/office/officeart/2018/2/layout/IconCircleList"/>
+    <dgm:cxn modelId="{9924A9DF-78A0-44C6-9AE2-EC4D5CC88D1E}" type="presParOf" srcId="{541E4D13-8EDA-41F2-AA53-2EE051735E4E}" destId="{EA85B659-A4C3-4F21-8BCE-7EDEDEBF153D}" srcOrd="3" destOrd="0" presId="urn:microsoft.com/office/officeart/2018/2/layout/IconCircleList"/>
   </dgm:cxnLst>
   <dgm:bg/>
   <dgm:whole/>
@@ -3245,6 +4603,614 @@
 </dsp:drawing>
 </file>
 
+<file path=ppt/diagrams/drawing3.xml><?xml version="1.0" encoding="utf-8"?>
+<dsp:drawing xmlns:dgm="http://schemas.openxmlformats.org/drawingml/2006/diagram" xmlns:dsp="http://schemas.microsoft.com/office/drawing/2008/diagram" xmlns:a="http://schemas.openxmlformats.org/drawingml/2006/main">
+  <dsp:spTree>
+    <dsp:nvGrpSpPr>
+      <dsp:cNvPr id="0" name=""/>
+      <dsp:cNvGrpSpPr/>
+    </dsp:nvGrpSpPr>
+    <dsp:grpSpPr/>
+    <dsp:sp modelId="{80955506-85B8-436F-8C6C-84A85D48836C}">
+      <dsp:nvSpPr>
+        <dsp:cNvPr id="0" name=""/>
+        <dsp:cNvSpPr/>
+      </dsp:nvSpPr>
+      <dsp:spPr>
+        <a:xfrm>
+          <a:off x="6409" y="67936"/>
+          <a:ext cx="1458532" cy="1458532"/>
+        </a:xfrm>
+        <a:prstGeom prst="ellipse">
+          <a:avLst/>
+        </a:prstGeom>
+        <a:solidFill>
+          <a:schemeClr val="accent2">
+            <a:hueOff val="0"/>
+            <a:satOff val="0"/>
+            <a:lumOff val="0"/>
+            <a:alphaOff val="0"/>
+          </a:schemeClr>
+        </a:solidFill>
+        <a:ln>
+          <a:noFill/>
+        </a:ln>
+        <a:effectLst/>
+      </dsp:spPr>
+      <dsp:style>
+        <a:lnRef idx="0">
+          <a:scrgbClr r="0" g="0" b="0"/>
+        </a:lnRef>
+        <a:fillRef idx="1">
+          <a:scrgbClr r="0" g="0" b="0"/>
+        </a:fillRef>
+        <a:effectRef idx="0">
+          <a:scrgbClr r="0" g="0" b="0"/>
+        </a:effectRef>
+        <a:fontRef idx="minor"/>
+      </dsp:style>
+    </dsp:sp>
+    <dsp:sp modelId="{6E242CF2-3943-44CE-9A85-E00C89666030}">
+      <dsp:nvSpPr>
+        <dsp:cNvPr id="0" name=""/>
+        <dsp:cNvSpPr/>
+      </dsp:nvSpPr>
+      <dsp:spPr>
+        <a:xfrm>
+          <a:off x="312701" y="374227"/>
+          <a:ext cx="845948" cy="845948"/>
+        </a:xfrm>
+        <a:prstGeom prst="rect">
+          <a:avLst/>
+        </a:prstGeom>
+        <a:blipFill>
+          <a:blip xmlns:r="http://schemas.openxmlformats.org/officeDocument/2006/relationships" r:embed="rId1">
+            <a:extLst>
+              <a:ext uri="{28A0092B-C50C-407E-A947-70E740481C1C}">
+                <a14:useLocalDpi xmlns:a14="http://schemas.microsoft.com/office/drawing/2010/main" val="0"/>
+              </a:ext>
+              <a:ext uri="{96DAC541-7B7A-43D3-8B79-37D633B846F1}">
+                <asvg:svgBlip xmlns:asvg="http://schemas.microsoft.com/office/drawing/2016/SVG/main" r:embed="rId2"/>
+              </a:ext>
+            </a:extLst>
+          </a:blip>
+          <a:stretch>
+            <a:fillRect/>
+          </a:stretch>
+        </a:blipFill>
+        <a:ln w="22225" cap="rnd" cmpd="sng" algn="ctr">
+          <a:noFill/>
+          <a:prstDash val="solid"/>
+        </a:ln>
+        <a:effectLst/>
+      </dsp:spPr>
+      <dsp:style>
+        <a:lnRef idx="2">
+          <a:scrgbClr r="0" g="0" b="0"/>
+        </a:lnRef>
+        <a:fillRef idx="1">
+          <a:scrgbClr r="0" g="0" b="0"/>
+        </a:fillRef>
+        <a:effectRef idx="0">
+          <a:scrgbClr r="0" g="0" b="0"/>
+        </a:effectRef>
+        <a:fontRef idx="minor">
+          <a:schemeClr val="lt1"/>
+        </a:fontRef>
+      </dsp:style>
+    </dsp:sp>
+    <dsp:sp modelId="{039A4B9D-CCC9-4B3D-B87A-CB94AF8F4324}">
+      <dsp:nvSpPr>
+        <dsp:cNvPr id="0" name=""/>
+        <dsp:cNvSpPr/>
+      </dsp:nvSpPr>
+      <dsp:spPr>
+        <a:xfrm>
+          <a:off x="1777484" y="67936"/>
+          <a:ext cx="3437969" cy="1458532"/>
+        </a:xfrm>
+        <a:prstGeom prst="rect">
+          <a:avLst/>
+        </a:prstGeom>
+        <a:noFill/>
+        <a:ln>
+          <a:noFill/>
+        </a:ln>
+        <a:effectLst/>
+      </dsp:spPr>
+      <dsp:style>
+        <a:lnRef idx="0">
+          <a:scrgbClr r="0" g="0" b="0"/>
+        </a:lnRef>
+        <a:fillRef idx="0">
+          <a:scrgbClr r="0" g="0" b="0"/>
+        </a:fillRef>
+        <a:effectRef idx="0">
+          <a:scrgbClr r="0" g="0" b="0"/>
+        </a:effectRef>
+        <a:fontRef idx="minor"/>
+      </dsp:style>
+      <dsp:txBody>
+        <a:bodyPr spcFirstLastPara="0" vert="horz" wrap="square" lIns="0" tIns="0" rIns="0" bIns="0" numCol="1" spcCol="1270" anchor="ctr" anchorCtr="0">
+          <a:noAutofit/>
+        </a:bodyPr>
+        <a:lstStyle/>
+        <a:p>
+          <a:pPr marL="0" lvl="0" indent="0" algn="l" defTabSz="1066800">
+            <a:lnSpc>
+              <a:spcPct val="90000"/>
+            </a:lnSpc>
+            <a:spcBef>
+              <a:spcPct val="0"/>
+            </a:spcBef>
+            <a:spcAft>
+              <a:spcPct val="35000"/>
+            </a:spcAft>
+            <a:buNone/>
+          </a:pPr>
+          <a:r>
+            <a:rPr lang="en-GB" sz="2400" kern="1200"/>
+            <a:t>Using “exotic” TCP flags</a:t>
+          </a:r>
+          <a:endParaRPr lang="en-US" sz="2400" kern="1200"/>
+        </a:p>
+      </dsp:txBody>
+      <dsp:txXfrm>
+        <a:off x="1777484" y="67936"/>
+        <a:ext cx="3437969" cy="1458532"/>
+      </dsp:txXfrm>
+    </dsp:sp>
+    <dsp:sp modelId="{07EE9476-962B-4BD7-95A4-2BF443C983C1}">
+      <dsp:nvSpPr>
+        <dsp:cNvPr id="0" name=""/>
+        <dsp:cNvSpPr/>
+      </dsp:nvSpPr>
+      <dsp:spPr>
+        <a:xfrm>
+          <a:off x="5814495" y="67936"/>
+          <a:ext cx="1458532" cy="1458532"/>
+        </a:xfrm>
+        <a:prstGeom prst="ellipse">
+          <a:avLst/>
+        </a:prstGeom>
+        <a:solidFill>
+          <a:schemeClr val="accent3">
+            <a:hueOff val="0"/>
+            <a:satOff val="0"/>
+            <a:lumOff val="0"/>
+            <a:alphaOff val="0"/>
+          </a:schemeClr>
+        </a:solidFill>
+        <a:ln>
+          <a:noFill/>
+        </a:ln>
+        <a:effectLst/>
+      </dsp:spPr>
+      <dsp:style>
+        <a:lnRef idx="0">
+          <a:scrgbClr r="0" g="0" b="0"/>
+        </a:lnRef>
+        <a:fillRef idx="1">
+          <a:scrgbClr r="0" g="0" b="0"/>
+        </a:fillRef>
+        <a:effectRef idx="0">
+          <a:scrgbClr r="0" g="0" b="0"/>
+        </a:effectRef>
+        <a:fontRef idx="minor"/>
+      </dsp:style>
+    </dsp:sp>
+    <dsp:sp modelId="{04EEC5A3-9AE0-43E5-B0DA-571BBAA14E5C}">
+      <dsp:nvSpPr>
+        <dsp:cNvPr id="0" name=""/>
+        <dsp:cNvSpPr/>
+      </dsp:nvSpPr>
+      <dsp:spPr>
+        <a:xfrm>
+          <a:off x="6120786" y="374227"/>
+          <a:ext cx="845948" cy="845948"/>
+        </a:xfrm>
+        <a:prstGeom prst="rect">
+          <a:avLst/>
+        </a:prstGeom>
+        <a:blipFill>
+          <a:blip xmlns:r="http://schemas.openxmlformats.org/officeDocument/2006/relationships" r:embed="rId3">
+            <a:extLst>
+              <a:ext uri="{28A0092B-C50C-407E-A947-70E740481C1C}">
+                <a14:useLocalDpi xmlns:a14="http://schemas.microsoft.com/office/drawing/2010/main" val="0"/>
+              </a:ext>
+              <a:ext uri="{96DAC541-7B7A-43D3-8B79-37D633B846F1}">
+                <asvg:svgBlip xmlns:asvg="http://schemas.microsoft.com/office/drawing/2016/SVG/main" r:embed="rId4"/>
+              </a:ext>
+            </a:extLst>
+          </a:blip>
+          <a:stretch>
+            <a:fillRect/>
+          </a:stretch>
+        </a:blipFill>
+        <a:ln w="22225" cap="rnd" cmpd="sng" algn="ctr">
+          <a:noFill/>
+          <a:prstDash val="solid"/>
+        </a:ln>
+        <a:effectLst/>
+      </dsp:spPr>
+      <dsp:style>
+        <a:lnRef idx="2">
+          <a:scrgbClr r="0" g="0" b="0"/>
+        </a:lnRef>
+        <a:fillRef idx="1">
+          <a:scrgbClr r="0" g="0" b="0"/>
+        </a:fillRef>
+        <a:effectRef idx="0">
+          <a:scrgbClr r="0" g="0" b="0"/>
+        </a:effectRef>
+        <a:fontRef idx="minor">
+          <a:schemeClr val="lt1"/>
+        </a:fontRef>
+      </dsp:style>
+    </dsp:sp>
+    <dsp:sp modelId="{27F64DBB-18B1-45A0-BDD3-85D9242E0658}">
+      <dsp:nvSpPr>
+        <dsp:cNvPr id="0" name=""/>
+        <dsp:cNvSpPr/>
+      </dsp:nvSpPr>
+      <dsp:spPr>
+        <a:xfrm>
+          <a:off x="7585570" y="67936"/>
+          <a:ext cx="3437969" cy="1458532"/>
+        </a:xfrm>
+        <a:prstGeom prst="rect">
+          <a:avLst/>
+        </a:prstGeom>
+        <a:noFill/>
+        <a:ln>
+          <a:noFill/>
+        </a:ln>
+        <a:effectLst/>
+      </dsp:spPr>
+      <dsp:style>
+        <a:lnRef idx="0">
+          <a:scrgbClr r="0" g="0" b="0"/>
+        </a:lnRef>
+        <a:fillRef idx="0">
+          <a:scrgbClr r="0" g="0" b="0"/>
+        </a:fillRef>
+        <a:effectRef idx="0">
+          <a:scrgbClr r="0" g="0" b="0"/>
+        </a:effectRef>
+        <a:fontRef idx="minor"/>
+      </dsp:style>
+      <dsp:txBody>
+        <a:bodyPr spcFirstLastPara="0" vert="horz" wrap="square" lIns="0" tIns="0" rIns="0" bIns="0" numCol="1" spcCol="1270" anchor="ctr" anchorCtr="0">
+          <a:noAutofit/>
+        </a:bodyPr>
+        <a:lstStyle/>
+        <a:p>
+          <a:pPr marL="0" lvl="0" indent="0" algn="l" defTabSz="1066800">
+            <a:lnSpc>
+              <a:spcPct val="90000"/>
+            </a:lnSpc>
+            <a:spcBef>
+              <a:spcPct val="0"/>
+            </a:spcBef>
+            <a:spcAft>
+              <a:spcPct val="35000"/>
+            </a:spcAft>
+            <a:buNone/>
+          </a:pPr>
+          <a:r>
+            <a:rPr lang="en-GB" sz="2400" kern="1200"/>
+            <a:t>Usual ports (Targeting most frequent ports) reducing payload size of scanning</a:t>
+          </a:r>
+          <a:endParaRPr lang="en-US" sz="2400" kern="1200"/>
+        </a:p>
+      </dsp:txBody>
+      <dsp:txXfrm>
+        <a:off x="7585570" y="67936"/>
+        <a:ext cx="3437969" cy="1458532"/>
+      </dsp:txXfrm>
+    </dsp:sp>
+    <dsp:sp modelId="{ED6B6A4D-D12E-4628-93E6-F469EDEE1061}">
+      <dsp:nvSpPr>
+        <dsp:cNvPr id="0" name=""/>
+        <dsp:cNvSpPr/>
+      </dsp:nvSpPr>
+      <dsp:spPr>
+        <a:xfrm>
+          <a:off x="6409" y="2151769"/>
+          <a:ext cx="1458532" cy="1458532"/>
+        </a:xfrm>
+        <a:prstGeom prst="ellipse">
+          <a:avLst/>
+        </a:prstGeom>
+        <a:solidFill>
+          <a:schemeClr val="accent4">
+            <a:hueOff val="0"/>
+            <a:satOff val="0"/>
+            <a:lumOff val="0"/>
+            <a:alphaOff val="0"/>
+          </a:schemeClr>
+        </a:solidFill>
+        <a:ln>
+          <a:noFill/>
+        </a:ln>
+        <a:effectLst/>
+      </dsp:spPr>
+      <dsp:style>
+        <a:lnRef idx="0">
+          <a:scrgbClr r="0" g="0" b="0"/>
+        </a:lnRef>
+        <a:fillRef idx="1">
+          <a:scrgbClr r="0" g="0" b="0"/>
+        </a:fillRef>
+        <a:effectRef idx="0">
+          <a:scrgbClr r="0" g="0" b="0"/>
+        </a:effectRef>
+        <a:fontRef idx="minor"/>
+      </dsp:style>
+    </dsp:sp>
+    <dsp:sp modelId="{BD2CF4EC-2EE6-4BE2-BD74-F809D3D81EAA}">
+      <dsp:nvSpPr>
+        <dsp:cNvPr id="0" name=""/>
+        <dsp:cNvSpPr/>
+      </dsp:nvSpPr>
+      <dsp:spPr>
+        <a:xfrm>
+          <a:off x="312701" y="2458061"/>
+          <a:ext cx="845948" cy="845948"/>
+        </a:xfrm>
+        <a:prstGeom prst="rect">
+          <a:avLst/>
+        </a:prstGeom>
+        <a:blipFill>
+          <a:blip xmlns:r="http://schemas.openxmlformats.org/officeDocument/2006/relationships" r:embed="rId5">
+            <a:extLst>
+              <a:ext uri="{28A0092B-C50C-407E-A947-70E740481C1C}">
+                <a14:useLocalDpi xmlns:a14="http://schemas.microsoft.com/office/drawing/2010/main" val="0"/>
+              </a:ext>
+              <a:ext uri="{96DAC541-7B7A-43D3-8B79-37D633B846F1}">
+                <asvg:svgBlip xmlns:asvg="http://schemas.microsoft.com/office/drawing/2016/SVG/main" r:embed="rId6"/>
+              </a:ext>
+            </a:extLst>
+          </a:blip>
+          <a:stretch>
+            <a:fillRect/>
+          </a:stretch>
+        </a:blipFill>
+        <a:ln w="22225" cap="rnd" cmpd="sng" algn="ctr">
+          <a:noFill/>
+          <a:prstDash val="solid"/>
+        </a:ln>
+        <a:effectLst/>
+      </dsp:spPr>
+      <dsp:style>
+        <a:lnRef idx="2">
+          <a:scrgbClr r="0" g="0" b="0"/>
+        </a:lnRef>
+        <a:fillRef idx="1">
+          <a:scrgbClr r="0" g="0" b="0"/>
+        </a:fillRef>
+        <a:effectRef idx="0">
+          <a:scrgbClr r="0" g="0" b="0"/>
+        </a:effectRef>
+        <a:fontRef idx="minor">
+          <a:schemeClr val="lt1"/>
+        </a:fontRef>
+      </dsp:style>
+    </dsp:sp>
+    <dsp:sp modelId="{9E0D8C7D-35F8-4283-99A5-25F6C7510D78}">
+      <dsp:nvSpPr>
+        <dsp:cNvPr id="0" name=""/>
+        <dsp:cNvSpPr/>
+      </dsp:nvSpPr>
+      <dsp:spPr>
+        <a:xfrm>
+          <a:off x="1777484" y="2151769"/>
+          <a:ext cx="3437969" cy="1458532"/>
+        </a:xfrm>
+        <a:prstGeom prst="rect">
+          <a:avLst/>
+        </a:prstGeom>
+        <a:noFill/>
+        <a:ln>
+          <a:noFill/>
+        </a:ln>
+        <a:effectLst/>
+      </dsp:spPr>
+      <dsp:style>
+        <a:lnRef idx="0">
+          <a:scrgbClr r="0" g="0" b="0"/>
+        </a:lnRef>
+        <a:fillRef idx="0">
+          <a:scrgbClr r="0" g="0" b="0"/>
+        </a:fillRef>
+        <a:effectRef idx="0">
+          <a:scrgbClr r="0" g="0" b="0"/>
+        </a:effectRef>
+        <a:fontRef idx="minor"/>
+      </dsp:style>
+      <dsp:txBody>
+        <a:bodyPr spcFirstLastPara="0" vert="horz" wrap="square" lIns="0" tIns="0" rIns="0" bIns="0" numCol="1" spcCol="1270" anchor="ctr" anchorCtr="0">
+          <a:noAutofit/>
+        </a:bodyPr>
+        <a:lstStyle/>
+        <a:p>
+          <a:pPr marL="0" lvl="0" indent="0" algn="l" defTabSz="1066800">
+            <a:lnSpc>
+              <a:spcPct val="90000"/>
+            </a:lnSpc>
+            <a:spcBef>
+              <a:spcPct val="0"/>
+            </a:spcBef>
+            <a:spcAft>
+              <a:spcPct val="35000"/>
+            </a:spcAft>
+            <a:buNone/>
+          </a:pPr>
+          <a:r>
+            <a:rPr lang="en-GB" sz="2400" kern="1200"/>
+            <a:t>Aggressive scans with known tools (Easy way of getting blocked)</a:t>
+          </a:r>
+          <a:endParaRPr lang="en-US" sz="2400" kern="1200"/>
+        </a:p>
+      </dsp:txBody>
+      <dsp:txXfrm>
+        <a:off x="1777484" y="2151769"/>
+        <a:ext cx="3437969" cy="1458532"/>
+      </dsp:txXfrm>
+    </dsp:sp>
+    <dsp:sp modelId="{5120F281-A0BB-45E1-9715-8DB3AF9E6244}">
+      <dsp:nvSpPr>
+        <dsp:cNvPr id="0" name=""/>
+        <dsp:cNvSpPr/>
+      </dsp:nvSpPr>
+      <dsp:spPr>
+        <a:xfrm>
+          <a:off x="5814495" y="2151769"/>
+          <a:ext cx="1458532" cy="1458532"/>
+        </a:xfrm>
+        <a:prstGeom prst="ellipse">
+          <a:avLst/>
+        </a:prstGeom>
+        <a:solidFill>
+          <a:schemeClr val="accent5">
+            <a:hueOff val="0"/>
+            <a:satOff val="0"/>
+            <a:lumOff val="0"/>
+            <a:alphaOff val="0"/>
+          </a:schemeClr>
+        </a:solidFill>
+        <a:ln>
+          <a:noFill/>
+        </a:ln>
+        <a:effectLst/>
+      </dsp:spPr>
+      <dsp:style>
+        <a:lnRef idx="0">
+          <a:scrgbClr r="0" g="0" b="0"/>
+        </a:lnRef>
+        <a:fillRef idx="1">
+          <a:scrgbClr r="0" g="0" b="0"/>
+        </a:fillRef>
+        <a:effectRef idx="0">
+          <a:scrgbClr r="0" g="0" b="0"/>
+        </a:effectRef>
+        <a:fontRef idx="minor"/>
+      </dsp:style>
+    </dsp:sp>
+    <dsp:sp modelId="{F5897154-34E1-4685-9CC0-F7C4F26E8A22}">
+      <dsp:nvSpPr>
+        <dsp:cNvPr id="0" name=""/>
+        <dsp:cNvSpPr/>
+      </dsp:nvSpPr>
+      <dsp:spPr>
+        <a:xfrm>
+          <a:off x="6120786" y="2458061"/>
+          <a:ext cx="845948" cy="845948"/>
+        </a:xfrm>
+        <a:prstGeom prst="rect">
+          <a:avLst/>
+        </a:prstGeom>
+        <a:blipFill>
+          <a:blip xmlns:r="http://schemas.openxmlformats.org/officeDocument/2006/relationships" r:embed="rId7">
+            <a:extLst>
+              <a:ext uri="{28A0092B-C50C-407E-A947-70E740481C1C}">
+                <a14:useLocalDpi xmlns:a14="http://schemas.microsoft.com/office/drawing/2010/main" val="0"/>
+              </a:ext>
+              <a:ext uri="{96DAC541-7B7A-43D3-8B79-37D633B846F1}">
+                <asvg:svgBlip xmlns:asvg="http://schemas.microsoft.com/office/drawing/2016/SVG/main" r:embed="rId8"/>
+              </a:ext>
+            </a:extLst>
+          </a:blip>
+          <a:stretch>
+            <a:fillRect/>
+          </a:stretch>
+        </a:blipFill>
+        <a:ln w="22225" cap="rnd" cmpd="sng" algn="ctr">
+          <a:noFill/>
+          <a:prstDash val="solid"/>
+        </a:ln>
+        <a:effectLst/>
+      </dsp:spPr>
+      <dsp:style>
+        <a:lnRef idx="2">
+          <a:scrgbClr r="0" g="0" b="0"/>
+        </a:lnRef>
+        <a:fillRef idx="1">
+          <a:scrgbClr r="0" g="0" b="0"/>
+        </a:fillRef>
+        <a:effectRef idx="0">
+          <a:scrgbClr r="0" g="0" b="0"/>
+        </a:effectRef>
+        <a:fontRef idx="minor">
+          <a:schemeClr val="lt1"/>
+        </a:fontRef>
+      </dsp:style>
+    </dsp:sp>
+    <dsp:sp modelId="{EA85B659-A4C3-4F21-8BCE-7EDEDEBF153D}">
+      <dsp:nvSpPr>
+        <dsp:cNvPr id="0" name=""/>
+        <dsp:cNvSpPr/>
+      </dsp:nvSpPr>
+      <dsp:spPr>
+        <a:xfrm>
+          <a:off x="7585570" y="2151769"/>
+          <a:ext cx="3437969" cy="1458532"/>
+        </a:xfrm>
+        <a:prstGeom prst="rect">
+          <a:avLst/>
+        </a:prstGeom>
+        <a:noFill/>
+        <a:ln>
+          <a:noFill/>
+        </a:ln>
+        <a:effectLst/>
+      </dsp:spPr>
+      <dsp:style>
+        <a:lnRef idx="0">
+          <a:scrgbClr r="0" g="0" b="0"/>
+        </a:lnRef>
+        <a:fillRef idx="0">
+          <a:scrgbClr r="0" g="0" b="0"/>
+        </a:fillRef>
+        <a:effectRef idx="0">
+          <a:scrgbClr r="0" g="0" b="0"/>
+        </a:effectRef>
+        <a:fontRef idx="minor"/>
+      </dsp:style>
+      <dsp:txBody>
+        <a:bodyPr spcFirstLastPara="0" vert="horz" wrap="square" lIns="0" tIns="0" rIns="0" bIns="0" numCol="1" spcCol="1270" anchor="ctr" anchorCtr="0">
+          <a:noAutofit/>
+        </a:bodyPr>
+        <a:lstStyle/>
+        <a:p>
+          <a:pPr marL="0" lvl="0" indent="0" algn="l" defTabSz="1066800">
+            <a:lnSpc>
+              <a:spcPct val="90000"/>
+            </a:lnSpc>
+            <a:spcBef>
+              <a:spcPct val="0"/>
+            </a:spcBef>
+            <a:spcAft>
+              <a:spcPct val="35000"/>
+            </a:spcAft>
+            <a:buNone/>
+          </a:pPr>
+          <a:r>
+            <a:rPr lang="en-GB" sz="2400" kern="1200"/>
+            <a:t>Stealthier scans with custom tools (Preferable to remain hidden)</a:t>
+          </a:r>
+          <a:endParaRPr lang="en-US" sz="2400" kern="1200"/>
+        </a:p>
+      </dsp:txBody>
+      <dsp:txXfrm>
+        <a:off x="7585570" y="2151769"/>
+        <a:ext cx="3437969" cy="1458532"/>
+      </dsp:txXfrm>
+    </dsp:sp>
+  </dsp:spTree>
+</dsp:drawing>
+</file>
+
 <file path=ppt/diagrams/layout1.xml><?xml version="1.0" encoding="utf-8"?>
 <dgm:layoutDef xmlns:dgm="http://schemas.openxmlformats.org/drawingml/2006/diagram" xmlns:a="http://schemas.openxmlformats.org/drawingml/2006/main" uniqueId="urn:microsoft.com/office/officeart/2018/5/layout/IconCircleLabelList">
   <dgm:title val="Icon Circle Label List"/>
@@ -3754,6 +5720,218 @@
 </dgm:layoutDef>
 </file>
 
+<file path=ppt/diagrams/layout3.xml><?xml version="1.0" encoding="utf-8"?>
+<dgm:layoutDef xmlns:dgm="http://schemas.openxmlformats.org/drawingml/2006/diagram" xmlns:a="http://schemas.openxmlformats.org/drawingml/2006/main" uniqueId="urn:microsoft.com/office/officeart/2018/2/layout/IconCircleList">
+  <dgm:title val="Icon Circle List"/>
+  <dgm:desc val="Use to show non-sequential or grouped chunks of information accompanied by related visuals. Circular shapes can hold an icon or small picture and corresponding text box shows Level 1 text. Works best for icons or small pictures with medium-length descriptions."/>
+  <dgm:catLst>
+    <dgm:cat type="icon" pri="500"/>
+  </dgm:catLst>
+  <dgm:sampData useDef="1">
+    <dgm:dataModel>
+      <dgm:ptLst/>
+      <dgm:bg/>
+      <dgm:whole/>
+    </dgm:dataModel>
+  </dgm:sampData>
+  <dgm:styleData useDef="1">
+    <dgm:dataModel>
+      <dgm:ptLst/>
+      <dgm:bg/>
+      <dgm:whole/>
+    </dgm:dataModel>
+  </dgm:styleData>
+  <dgm:clrData useDef="1">
+    <dgm:dataModel>
+      <dgm:ptLst/>
+      <dgm:bg/>
+      <dgm:whole/>
+    </dgm:dataModel>
+  </dgm:clrData>
+  <dgm:layoutNode name="root">
+    <dgm:varLst>
+      <dgm:dir/>
+      <dgm:resizeHandles val="exact"/>
+    </dgm:varLst>
+    <dgm:alg type="sp"/>
+    <dgm:shape xmlns:r="http://schemas.openxmlformats.org/officeDocument/2006/relationships" r:blip="">
+      <dgm:adjLst/>
+    </dgm:shape>
+    <dgm:presOf/>
+    <dgm:choose name="Name0">
+      <dgm:if name="Name1" axis="ch" ptType="node" func="cnt" op="lte" val="3">
+        <dgm:constrLst>
+          <dgm:constr type="w" for="ch" forName="container" refType="w"/>
+          <dgm:constr type="h" for="ch" forName="container" refType="h" fact="0.4"/>
+        </dgm:constrLst>
+      </dgm:if>
+      <dgm:else name="Name2">
+        <dgm:constrLst>
+          <dgm:constr type="w" for="ch" forName="container" refType="w"/>
+          <dgm:constr type="h" for="ch" forName="container" refType="h"/>
+        </dgm:constrLst>
+      </dgm:else>
+    </dgm:choose>
+    <dgm:ruleLst>
+      <dgm:rule type="h" for="ch" forName="container" val="INF" fact="NaN" max="NaN"/>
+    </dgm:ruleLst>
+    <dgm:layoutNode name="container">
+      <dgm:varLst>
+        <dgm:dir/>
+        <dgm:resizeHandles val="exact"/>
+      </dgm:varLst>
+      <dgm:choose name="Name3">
+        <dgm:if name="Name4" axis="self" func="var" arg="dir" op="equ" val="norm">
+          <dgm:alg type="snake">
+            <dgm:param type="grDir" val="tL"/>
+            <dgm:param type="flowDir" val="row"/>
+            <dgm:param type="contDir" val="sameDir"/>
+          </dgm:alg>
+        </dgm:if>
+        <dgm:else name="Name5">
+          <dgm:alg type="snake">
+            <dgm:param type="grDir" val="tR"/>
+            <dgm:param type="flowDir" val="row"/>
+            <dgm:param type="contDir" val="sameDir"/>
+          </dgm:alg>
+        </dgm:else>
+      </dgm:choose>
+      <dgm:shape xmlns:r="http://schemas.openxmlformats.org/officeDocument/2006/relationships" r:blip="">
+        <dgm:adjLst/>
+      </dgm:shape>
+      <dgm:presOf/>
+      <dgm:constrLst>
+        <dgm:constr type="w" for="ch" forName="compNode" refType="w"/>
+        <dgm:constr type="h" for="ch" forName="compNode" refType="w" fact="0.28"/>
+        <dgm:constr type="w" for="ch" forName="sibTrans" refType="w" refFor="ch" refForName="compNode" fact="0.115"/>
+        <dgm:constr type="sp" refType="h" op="equ" fact="0.17"/>
+        <dgm:constr type="primFontSz" for="des" ptType="node" op="equ" val="24"/>
+        <dgm:constr type="h" for="des" forName="compNode" op="equ"/>
+        <dgm:constr type="h" for="des" forName="iconBgRect" op="equ"/>
+      </dgm:constrLst>
+      <dgm:ruleLst>
+        <dgm:rule type="w" for="ch" forName="compNode" val="60" fact="NaN" max="NaN"/>
+      </dgm:ruleLst>
+      <dgm:forEach name="Name6" axis="ch" ptType="node">
+        <dgm:layoutNode name="compNode">
+          <dgm:alg type="composite"/>
+          <dgm:shape xmlns:r="http://schemas.openxmlformats.org/officeDocument/2006/relationships" r:blip="">
+            <dgm:adjLst/>
+          </dgm:shape>
+          <dgm:presOf axis="self"/>
+          <dgm:constrLst>
+            <dgm:constr type="w" for="ch" forName="iconBgRect" refType="w" fact="0.28"/>
+            <dgm:constr type="h" for="ch" forName="iconBgRect" refType="w" refFor="ch" refForName="iconBgRect"/>
+            <dgm:constr type="t" for="ch" forName="iconBgRect"/>
+            <dgm:constr type="l" for="ch" forName="iconBgRect"/>
+            <dgm:constr type="w" for="ch" forName="iconRect" refType="w" refFor="ch" refForName="iconBgRect" fact="0.58"/>
+            <dgm:constr type="h" for="ch" forName="iconRect" refType="w" refFor="ch" refForName="iconRect"/>
+            <dgm:constr type="ctrX" for="ch" forName="iconRect" refType="ctrX" refFor="ch" refForName="iconBgRect"/>
+            <dgm:constr type="ctrY" for="ch" forName="iconRect" refType="ctrY" refFor="ch" refForName="iconBgRect"/>
+            <dgm:constr type="w" for="ch" forName="spaceRect" refType="w" fact="0.06"/>
+            <dgm:constr type="h" for="ch" forName="spaceRect" refType="h" refFor="ch" refForName="iconBgRect"/>
+            <dgm:constr type="t" for="ch" forName="spaceRect" refType="t" refFor="ch" refForName="iconBgRect"/>
+            <dgm:constr type="l" for="ch" forName="spaceRect" refType="r" refFor="ch" refForName="iconBgRect"/>
+            <dgm:constr type="h" for="ch" forName="textRect" refType="h" refFor="ch" refForName="iconBgRect"/>
+            <dgm:constr type="t" for="ch" forName="textRect" refType="t" refFor="ch" refForName="iconBgRect"/>
+            <dgm:constr type="l" for="ch" forName="textRect" refType="r" refFor="ch" refForName="spaceRect"/>
+          </dgm:constrLst>
+          <dgm:ruleLst/>
+          <dgm:layoutNode name="iconBgRect" styleLbl="bgShp">
+            <dgm:alg type="sp"/>
+            <dgm:shape xmlns:r="http://schemas.openxmlformats.org/officeDocument/2006/relationships" type="ellipse" r:blip="">
+              <dgm:adjLst/>
+            </dgm:shape>
+            <dgm:presOf/>
+            <dgm:constrLst/>
+            <dgm:ruleLst/>
+          </dgm:layoutNode>
+          <dgm:layoutNode name="iconRect" styleLbl="node1">
+            <dgm:alg type="sp"/>
+            <dgm:shape xmlns:r="http://schemas.openxmlformats.org/officeDocument/2006/relationships" type="rect" r:blip="" blipPhldr="1">
+              <dgm:adjLst/>
+            </dgm:shape>
+            <dgm:presOf/>
+            <dgm:constrLst/>
+            <dgm:ruleLst/>
+          </dgm:layoutNode>
+          <dgm:layoutNode name="spaceRect">
+            <dgm:alg type="sp"/>
+            <dgm:shape xmlns:r="http://schemas.openxmlformats.org/officeDocument/2006/relationships" r:blip="">
+              <dgm:adjLst/>
+            </dgm:shape>
+            <dgm:presOf/>
+            <dgm:constrLst/>
+            <dgm:ruleLst/>
+          </dgm:layoutNode>
+          <dgm:layoutNode name="textRect" styleLbl="revTx">
+            <dgm:varLst>
+              <dgm:chMax val="1"/>
+              <dgm:chPref val="1"/>
+            </dgm:varLst>
+            <dgm:choose name="Name7">
+              <dgm:if name="Name8" func="var" arg="dir" op="equ" val="norm">
+                <dgm:alg type="tx">
+                  <dgm:param type="txAnchorVert" val="mid"/>
+                  <dgm:param type="parTxLTRAlign" val="l"/>
+                  <dgm:param type="shpTxLTRAlignCh" val="l"/>
+                  <dgm:param type="parTxRTLAlign" val="l"/>
+                  <dgm:param type="shpTxRTLAlignCh" val="l"/>
+                </dgm:alg>
+              </dgm:if>
+              <dgm:else name="Name9">
+                <dgm:alg type="tx">
+                  <dgm:param type="txAnchorVert" val="mid"/>
+                  <dgm:param type="parTxLTRAlign" val="r"/>
+                  <dgm:param type="shpTxLTRAlignCh" val="r"/>
+                  <dgm:param type="parTxRTLAlign" val="r"/>
+                  <dgm:param type="shpTxRTLAlignCh" val="r"/>
+                </dgm:alg>
+              </dgm:else>
+            </dgm:choose>
+            <dgm:shape xmlns:r="http://schemas.openxmlformats.org/officeDocument/2006/relationships" type="rect" r:blip="">
+              <dgm:adjLst/>
+            </dgm:shape>
+            <dgm:presOf axis="self" ptType="node"/>
+            <dgm:constrLst>
+              <dgm:constr type="lMarg"/>
+              <dgm:constr type="rMarg"/>
+              <dgm:constr type="tMarg"/>
+              <dgm:constr type="bMarg"/>
+            </dgm:constrLst>
+            <dgm:ruleLst>
+              <dgm:rule type="primFontSz" val="11" fact="NaN" max="NaN"/>
+            </dgm:ruleLst>
+          </dgm:layoutNode>
+        </dgm:layoutNode>
+        <dgm:forEach name="Name10" axis="followSib" ptType="sibTrans" cnt="1">
+          <dgm:layoutNode name="sibTrans">
+            <dgm:alg type="sp"/>
+            <dgm:shape xmlns:r="http://schemas.openxmlformats.org/officeDocument/2006/relationships" type="rect" r:blip="" hideGeom="1">
+              <dgm:adjLst/>
+            </dgm:shape>
+            <dgm:presOf axis="self"/>
+            <dgm:constrLst/>
+            <dgm:ruleLst/>
+          </dgm:layoutNode>
+        </dgm:forEach>
+      </dgm:forEach>
+    </dgm:layoutNode>
+  </dgm:layoutNode>
+  <dgm:extLst>
+    <a:ext uri="{68A01E43-0DF5-4B5B-8FA6-DAF915123BFB}">
+      <dgm1612:lstStyle xmlns:dgm1612="http://schemas.microsoft.com/office/drawing/2016/12/diagram">
+        <a:lvl1pPr>
+          <a:lnSpc>
+            <a:spcPct val="100000"/>
+          </a:lnSpc>
+        </a:lvl1pPr>
+      </dgm1612:lstStyle>
+    </a:ext>
+  </dgm:extLst>
+</dgm:layoutDef>
+</file>
+
 <file path=ppt/diagrams/quickStyle1.xml><?xml version="1.0" encoding="utf-8"?>
 <dgm:styleDef xmlns:dgm="http://schemas.openxmlformats.org/drawingml/2006/diagram" xmlns:a="http://schemas.openxmlformats.org/drawingml/2006/main" uniqueId="urn:microsoft.com/office/officeart/2005/8/quickstyle/simple1">
   <dgm:title val=""/>
@@ -4789,6 +6967,1040 @@
 </file>
 
 <file path=ppt/diagrams/quickStyle2.xml><?xml version="1.0" encoding="utf-8"?>
+<dgm:styleDef xmlns:dgm="http://schemas.openxmlformats.org/drawingml/2006/diagram" xmlns:a="http://schemas.openxmlformats.org/drawingml/2006/main" uniqueId="urn:microsoft.com/office/officeart/2005/8/quickstyle/simple1">
+  <dgm:title val=""/>
+  <dgm:desc val=""/>
+  <dgm:catLst>
+    <dgm:cat type="simple" pri="10100"/>
+  </dgm:catLst>
+  <dgm:scene3d>
+    <a:camera prst="orthographicFront"/>
+    <a:lightRig rig="threePt" dir="t"/>
+  </dgm:scene3d>
+  <dgm:styleLbl name="node0">
+    <dgm:scene3d>
+      <a:camera prst="orthographicFront"/>
+      <a:lightRig rig="threePt" dir="t"/>
+    </dgm:scene3d>
+    <dgm:sp3d/>
+    <dgm:txPr/>
+    <dgm:style>
+      <a:lnRef idx="2">
+        <a:scrgbClr r="0" g="0" b="0"/>
+      </a:lnRef>
+      <a:fillRef idx="1">
+        <a:scrgbClr r="0" g="0" b="0"/>
+      </a:fillRef>
+      <a:effectRef idx="0">
+        <a:scrgbClr r="0" g="0" b="0"/>
+      </a:effectRef>
+      <a:fontRef idx="minor">
+        <a:schemeClr val="lt1"/>
+      </a:fontRef>
+    </dgm:style>
+  </dgm:styleLbl>
+  <dgm:styleLbl name="lnNode1">
+    <dgm:scene3d>
+      <a:camera prst="orthographicFront"/>
+      <a:lightRig rig="threePt" dir="t"/>
+    </dgm:scene3d>
+    <dgm:sp3d/>
+    <dgm:txPr/>
+    <dgm:style>
+      <a:lnRef idx="2">
+        <a:scrgbClr r="0" g="0" b="0"/>
+      </a:lnRef>
+      <a:fillRef idx="1">
+        <a:scrgbClr r="0" g="0" b="0"/>
+      </a:fillRef>
+      <a:effectRef idx="0">
+        <a:scrgbClr r="0" g="0" b="0"/>
+      </a:effectRef>
+      <a:fontRef idx="minor">
+        <a:schemeClr val="lt1"/>
+      </a:fontRef>
+    </dgm:style>
+  </dgm:styleLbl>
+  <dgm:styleLbl name="vennNode1">
+    <dgm:scene3d>
+      <a:camera prst="orthographicFront"/>
+      <a:lightRig rig="threePt" dir="t"/>
+    </dgm:scene3d>
+    <dgm:sp3d/>
+    <dgm:txPr/>
+    <dgm:style>
+      <a:lnRef idx="2">
+        <a:scrgbClr r="0" g="0" b="0"/>
+      </a:lnRef>
+      <a:fillRef idx="1">
+        <a:scrgbClr r="0" g="0" b="0"/>
+      </a:fillRef>
+      <a:effectRef idx="0">
+        <a:scrgbClr r="0" g="0" b="0"/>
+      </a:effectRef>
+      <a:fontRef idx="minor">
+        <a:schemeClr val="tx1"/>
+      </a:fontRef>
+    </dgm:style>
+  </dgm:styleLbl>
+  <dgm:styleLbl name="alignNode1">
+    <dgm:scene3d>
+      <a:camera prst="orthographicFront"/>
+      <a:lightRig rig="threePt" dir="t"/>
+    </dgm:scene3d>
+    <dgm:sp3d/>
+    <dgm:txPr/>
+    <dgm:style>
+      <a:lnRef idx="2">
+        <a:scrgbClr r="0" g="0" b="0"/>
+      </a:lnRef>
+      <a:fillRef idx="1">
+        <a:scrgbClr r="0" g="0" b="0"/>
+      </a:fillRef>
+      <a:effectRef idx="0">
+        <a:scrgbClr r="0" g="0" b="0"/>
+      </a:effectRef>
+      <a:fontRef idx="minor">
+        <a:schemeClr val="lt1"/>
+      </a:fontRef>
+    </dgm:style>
+  </dgm:styleLbl>
+  <dgm:styleLbl name="node1">
+    <dgm:scene3d>
+      <a:camera prst="orthographicFront"/>
+      <a:lightRig rig="threePt" dir="t"/>
+    </dgm:scene3d>
+    <dgm:sp3d/>
+    <dgm:txPr/>
+    <dgm:style>
+      <a:lnRef idx="2">
+        <a:scrgbClr r="0" g="0" b="0"/>
+      </a:lnRef>
+      <a:fillRef idx="1">
+        <a:scrgbClr r="0" g="0" b="0"/>
+      </a:fillRef>
+      <a:effectRef idx="0">
+        <a:scrgbClr r="0" g="0" b="0"/>
+      </a:effectRef>
+      <a:fontRef idx="minor">
+        <a:schemeClr val="lt1"/>
+      </a:fontRef>
+    </dgm:style>
+  </dgm:styleLbl>
+  <dgm:styleLbl name="node2">
+    <dgm:scene3d>
+      <a:camera prst="orthographicFront"/>
+      <a:lightRig rig="threePt" dir="t"/>
+    </dgm:scene3d>
+    <dgm:sp3d/>
+    <dgm:txPr/>
+    <dgm:style>
+      <a:lnRef idx="2">
+        <a:scrgbClr r="0" g="0" b="0"/>
+      </a:lnRef>
+      <a:fillRef idx="1">
+        <a:scrgbClr r="0" g="0" b="0"/>
+      </a:fillRef>
+      <a:effectRef idx="0">
+        <a:scrgbClr r="0" g="0" b="0"/>
+      </a:effectRef>
+      <a:fontRef idx="minor">
+        <a:schemeClr val="lt1"/>
+      </a:fontRef>
+    </dgm:style>
+  </dgm:styleLbl>
+  <dgm:styleLbl name="node3">
+    <dgm:scene3d>
+      <a:camera prst="orthographicFront"/>
+      <a:lightRig rig="threePt" dir="t"/>
+    </dgm:scene3d>
+    <dgm:sp3d/>
+    <dgm:txPr/>
+    <dgm:style>
+      <a:lnRef idx="2">
+        <a:scrgbClr r="0" g="0" b="0"/>
+      </a:lnRef>
+      <a:fillRef idx="1">
+        <a:scrgbClr r="0" g="0" b="0"/>
+      </a:fillRef>
+      <a:effectRef idx="0">
+        <a:scrgbClr r="0" g="0" b="0"/>
+      </a:effectRef>
+      <a:fontRef idx="minor">
+        <a:schemeClr val="lt1"/>
+      </a:fontRef>
+    </dgm:style>
+  </dgm:styleLbl>
+  <dgm:styleLbl name="node4">
+    <dgm:scene3d>
+      <a:camera prst="orthographicFront"/>
+      <a:lightRig rig="threePt" dir="t"/>
+    </dgm:scene3d>
+    <dgm:sp3d/>
+    <dgm:txPr/>
+    <dgm:style>
+      <a:lnRef idx="2">
+        <a:scrgbClr r="0" g="0" b="0"/>
+      </a:lnRef>
+      <a:fillRef idx="1">
+        <a:scrgbClr r="0" g="0" b="0"/>
+      </a:fillRef>
+      <a:effectRef idx="0">
+        <a:scrgbClr r="0" g="0" b="0"/>
+      </a:effectRef>
+      <a:fontRef idx="minor">
+        <a:schemeClr val="lt1"/>
+      </a:fontRef>
+    </dgm:style>
+  </dgm:styleLbl>
+  <dgm:styleLbl name="fgImgPlace1">
+    <dgm:scene3d>
+      <a:camera prst="orthographicFront"/>
+      <a:lightRig rig="threePt" dir="t"/>
+    </dgm:scene3d>
+    <dgm:sp3d/>
+    <dgm:txPr/>
+    <dgm:style>
+      <a:lnRef idx="2">
+        <a:scrgbClr r="0" g="0" b="0"/>
+      </a:lnRef>
+      <a:fillRef idx="1">
+        <a:scrgbClr r="0" g="0" b="0"/>
+      </a:fillRef>
+      <a:effectRef idx="0">
+        <a:scrgbClr r="0" g="0" b="0"/>
+      </a:effectRef>
+      <a:fontRef idx="minor"/>
+    </dgm:style>
+  </dgm:styleLbl>
+  <dgm:styleLbl name="alignImgPlace1">
+    <dgm:scene3d>
+      <a:camera prst="orthographicFront"/>
+      <a:lightRig rig="threePt" dir="t"/>
+    </dgm:scene3d>
+    <dgm:sp3d/>
+    <dgm:txPr/>
+    <dgm:style>
+      <a:lnRef idx="2">
+        <a:scrgbClr r="0" g="0" b="0"/>
+      </a:lnRef>
+      <a:fillRef idx="1">
+        <a:scrgbClr r="0" g="0" b="0"/>
+      </a:fillRef>
+      <a:effectRef idx="0">
+        <a:scrgbClr r="0" g="0" b="0"/>
+      </a:effectRef>
+      <a:fontRef idx="minor"/>
+    </dgm:style>
+  </dgm:styleLbl>
+  <dgm:styleLbl name="bgImgPlace1">
+    <dgm:scene3d>
+      <a:camera prst="orthographicFront"/>
+      <a:lightRig rig="threePt" dir="t"/>
+    </dgm:scene3d>
+    <dgm:sp3d/>
+    <dgm:txPr/>
+    <dgm:style>
+      <a:lnRef idx="2">
+        <a:scrgbClr r="0" g="0" b="0"/>
+      </a:lnRef>
+      <a:fillRef idx="1">
+        <a:scrgbClr r="0" g="0" b="0"/>
+      </a:fillRef>
+      <a:effectRef idx="0">
+        <a:scrgbClr r="0" g="0" b="0"/>
+      </a:effectRef>
+      <a:fontRef idx="minor"/>
+    </dgm:style>
+  </dgm:styleLbl>
+  <dgm:styleLbl name="sibTrans2D1">
+    <dgm:scene3d>
+      <a:camera prst="orthographicFront"/>
+      <a:lightRig rig="threePt" dir="t"/>
+    </dgm:scene3d>
+    <dgm:sp3d/>
+    <dgm:txPr/>
+    <dgm:style>
+      <a:lnRef idx="0">
+        <a:scrgbClr r="0" g="0" b="0"/>
+      </a:lnRef>
+      <a:fillRef idx="1">
+        <a:scrgbClr r="0" g="0" b="0"/>
+      </a:fillRef>
+      <a:effectRef idx="0">
+        <a:scrgbClr r="0" g="0" b="0"/>
+      </a:effectRef>
+      <a:fontRef idx="minor">
+        <a:schemeClr val="lt1"/>
+      </a:fontRef>
+    </dgm:style>
+  </dgm:styleLbl>
+  <dgm:styleLbl name="fgSibTrans2D1">
+    <dgm:scene3d>
+      <a:camera prst="orthographicFront"/>
+      <a:lightRig rig="threePt" dir="t"/>
+    </dgm:scene3d>
+    <dgm:sp3d/>
+    <dgm:txPr/>
+    <dgm:style>
+      <a:lnRef idx="0">
+        <a:scrgbClr r="0" g="0" b="0"/>
+      </a:lnRef>
+      <a:fillRef idx="1">
+        <a:scrgbClr r="0" g="0" b="0"/>
+      </a:fillRef>
+      <a:effectRef idx="0">
+        <a:scrgbClr r="0" g="0" b="0"/>
+      </a:effectRef>
+      <a:fontRef idx="minor">
+        <a:schemeClr val="lt1"/>
+      </a:fontRef>
+    </dgm:style>
+  </dgm:styleLbl>
+  <dgm:styleLbl name="bgSibTrans2D1">
+    <dgm:scene3d>
+      <a:camera prst="orthographicFront"/>
+      <a:lightRig rig="threePt" dir="t"/>
+    </dgm:scene3d>
+    <dgm:sp3d/>
+    <dgm:txPr/>
+    <dgm:style>
+      <a:lnRef idx="0">
+        <a:scrgbClr r="0" g="0" b="0"/>
+      </a:lnRef>
+      <a:fillRef idx="1">
+        <a:scrgbClr r="0" g="0" b="0"/>
+      </a:fillRef>
+      <a:effectRef idx="0">
+        <a:scrgbClr r="0" g="0" b="0"/>
+      </a:effectRef>
+      <a:fontRef idx="minor">
+        <a:schemeClr val="lt1"/>
+      </a:fontRef>
+    </dgm:style>
+  </dgm:styleLbl>
+  <dgm:styleLbl name="sibTrans1D1">
+    <dgm:scene3d>
+      <a:camera prst="orthographicFront"/>
+      <a:lightRig rig="threePt" dir="t"/>
+    </dgm:scene3d>
+    <dgm:sp3d/>
+    <dgm:txPr/>
+    <dgm:style>
+      <a:lnRef idx="1">
+        <a:scrgbClr r="0" g="0" b="0"/>
+      </a:lnRef>
+      <a:fillRef idx="0">
+        <a:scrgbClr r="0" g="0" b="0"/>
+      </a:fillRef>
+      <a:effectRef idx="0">
+        <a:scrgbClr r="0" g="0" b="0"/>
+      </a:effectRef>
+      <a:fontRef idx="minor"/>
+    </dgm:style>
+  </dgm:styleLbl>
+  <dgm:styleLbl name="callout">
+    <dgm:scene3d>
+      <a:camera prst="orthographicFront"/>
+      <a:lightRig rig="threePt" dir="t"/>
+    </dgm:scene3d>
+    <dgm:sp3d/>
+    <dgm:txPr/>
+    <dgm:style>
+      <a:lnRef idx="2">
+        <a:scrgbClr r="0" g="0" b="0"/>
+      </a:lnRef>
+      <a:fillRef idx="1">
+        <a:scrgbClr r="0" g="0" b="0"/>
+      </a:fillRef>
+      <a:effectRef idx="0">
+        <a:scrgbClr r="0" g="0" b="0"/>
+      </a:effectRef>
+      <a:fontRef idx="minor"/>
+    </dgm:style>
+  </dgm:styleLbl>
+  <dgm:styleLbl name="asst0">
+    <dgm:scene3d>
+      <a:camera prst="orthographicFront"/>
+      <a:lightRig rig="threePt" dir="t"/>
+    </dgm:scene3d>
+    <dgm:sp3d/>
+    <dgm:txPr/>
+    <dgm:style>
+      <a:lnRef idx="2">
+        <a:scrgbClr r="0" g="0" b="0"/>
+      </a:lnRef>
+      <a:fillRef idx="1">
+        <a:scrgbClr r="0" g="0" b="0"/>
+      </a:fillRef>
+      <a:effectRef idx="0">
+        <a:scrgbClr r="0" g="0" b="0"/>
+      </a:effectRef>
+      <a:fontRef idx="minor">
+        <a:schemeClr val="lt1"/>
+      </a:fontRef>
+    </dgm:style>
+  </dgm:styleLbl>
+  <dgm:styleLbl name="asst1">
+    <dgm:scene3d>
+      <a:camera prst="orthographicFront"/>
+      <a:lightRig rig="threePt" dir="t"/>
+    </dgm:scene3d>
+    <dgm:sp3d/>
+    <dgm:txPr/>
+    <dgm:style>
+      <a:lnRef idx="2">
+        <a:scrgbClr r="0" g="0" b="0"/>
+      </a:lnRef>
+      <a:fillRef idx="1">
+        <a:scrgbClr r="0" g="0" b="0"/>
+      </a:fillRef>
+      <a:effectRef idx="0">
+        <a:scrgbClr r="0" g="0" b="0"/>
+      </a:effectRef>
+      <a:fontRef idx="minor">
+        <a:schemeClr val="lt1"/>
+      </a:fontRef>
+    </dgm:style>
+  </dgm:styleLbl>
+  <dgm:styleLbl name="asst2">
+    <dgm:scene3d>
+      <a:camera prst="orthographicFront"/>
+      <a:lightRig rig="threePt" dir="t"/>
+    </dgm:scene3d>
+    <dgm:sp3d/>
+    <dgm:txPr/>
+    <dgm:style>
+      <a:lnRef idx="2">
+        <a:scrgbClr r="0" g="0" b="0"/>
+      </a:lnRef>
+      <a:fillRef idx="1">
+        <a:scrgbClr r="0" g="0" b="0"/>
+      </a:fillRef>
+      <a:effectRef idx="0">
+        <a:scrgbClr r="0" g="0" b="0"/>
+      </a:effectRef>
+      <a:fontRef idx="minor">
+        <a:schemeClr val="lt1"/>
+      </a:fontRef>
+    </dgm:style>
+  </dgm:styleLbl>
+  <dgm:styleLbl name="asst3">
+    <dgm:scene3d>
+      <a:camera prst="orthographicFront"/>
+      <a:lightRig rig="threePt" dir="t"/>
+    </dgm:scene3d>
+    <dgm:sp3d/>
+    <dgm:txPr/>
+    <dgm:style>
+      <a:lnRef idx="2">
+        <a:scrgbClr r="0" g="0" b="0"/>
+      </a:lnRef>
+      <a:fillRef idx="1">
+        <a:scrgbClr r="0" g="0" b="0"/>
+      </a:fillRef>
+      <a:effectRef idx="0">
+        <a:scrgbClr r="0" g="0" b="0"/>
+      </a:effectRef>
+      <a:fontRef idx="minor">
+        <a:schemeClr val="lt1"/>
+      </a:fontRef>
+    </dgm:style>
+  </dgm:styleLbl>
+  <dgm:styleLbl name="asst4">
+    <dgm:scene3d>
+      <a:camera prst="orthographicFront"/>
+      <a:lightRig rig="threePt" dir="t"/>
+    </dgm:scene3d>
+    <dgm:sp3d/>
+    <dgm:txPr/>
+    <dgm:style>
+      <a:lnRef idx="2">
+        <a:scrgbClr r="0" g="0" b="0"/>
+      </a:lnRef>
+      <a:fillRef idx="1">
+        <a:scrgbClr r="0" g="0" b="0"/>
+      </a:fillRef>
+      <a:effectRef idx="0">
+        <a:scrgbClr r="0" g="0" b="0"/>
+      </a:effectRef>
+      <a:fontRef idx="minor">
+        <a:schemeClr val="lt1"/>
+      </a:fontRef>
+    </dgm:style>
+  </dgm:styleLbl>
+  <dgm:styleLbl name="parChTrans2D1">
+    <dgm:scene3d>
+      <a:camera prst="orthographicFront"/>
+      <a:lightRig rig="threePt" dir="t"/>
+    </dgm:scene3d>
+    <dgm:sp3d/>
+    <dgm:txPr/>
+    <dgm:style>
+      <a:lnRef idx="2">
+        <a:scrgbClr r="0" g="0" b="0"/>
+      </a:lnRef>
+      <a:fillRef idx="1">
+        <a:scrgbClr r="0" g="0" b="0"/>
+      </a:fillRef>
+      <a:effectRef idx="0">
+        <a:scrgbClr r="0" g="0" b="0"/>
+      </a:effectRef>
+      <a:fontRef idx="minor">
+        <a:schemeClr val="lt1"/>
+      </a:fontRef>
+    </dgm:style>
+  </dgm:styleLbl>
+  <dgm:styleLbl name="parChTrans2D2">
+    <dgm:scene3d>
+      <a:camera prst="orthographicFront"/>
+      <a:lightRig rig="threePt" dir="t"/>
+    </dgm:scene3d>
+    <dgm:sp3d/>
+    <dgm:txPr/>
+    <dgm:style>
+      <a:lnRef idx="2">
+        <a:scrgbClr r="0" g="0" b="0"/>
+      </a:lnRef>
+      <a:fillRef idx="1">
+        <a:scrgbClr r="0" g="0" b="0"/>
+      </a:fillRef>
+      <a:effectRef idx="0">
+        <a:scrgbClr r="0" g="0" b="0"/>
+      </a:effectRef>
+      <a:fontRef idx="minor">
+        <a:schemeClr val="lt1"/>
+      </a:fontRef>
+    </dgm:style>
+  </dgm:styleLbl>
+  <dgm:styleLbl name="parChTrans2D3">
+    <dgm:scene3d>
+      <a:camera prst="orthographicFront"/>
+      <a:lightRig rig="threePt" dir="t"/>
+    </dgm:scene3d>
+    <dgm:sp3d/>
+    <dgm:txPr/>
+    <dgm:style>
+      <a:lnRef idx="2">
+        <a:scrgbClr r="0" g="0" b="0"/>
+      </a:lnRef>
+      <a:fillRef idx="1">
+        <a:scrgbClr r="0" g="0" b="0"/>
+      </a:fillRef>
+      <a:effectRef idx="0">
+        <a:scrgbClr r="0" g="0" b="0"/>
+      </a:effectRef>
+      <a:fontRef idx="minor">
+        <a:schemeClr val="lt1"/>
+      </a:fontRef>
+    </dgm:style>
+  </dgm:styleLbl>
+  <dgm:styleLbl name="parChTrans2D4">
+    <dgm:scene3d>
+      <a:camera prst="orthographicFront"/>
+      <a:lightRig rig="threePt" dir="t"/>
+    </dgm:scene3d>
+    <dgm:sp3d/>
+    <dgm:txPr/>
+    <dgm:style>
+      <a:lnRef idx="2">
+        <a:scrgbClr r="0" g="0" b="0"/>
+      </a:lnRef>
+      <a:fillRef idx="1">
+        <a:scrgbClr r="0" g="0" b="0"/>
+      </a:fillRef>
+      <a:effectRef idx="0">
+        <a:scrgbClr r="0" g="0" b="0"/>
+      </a:effectRef>
+      <a:fontRef idx="minor">
+        <a:schemeClr val="lt1"/>
+      </a:fontRef>
+    </dgm:style>
+  </dgm:styleLbl>
+  <dgm:styleLbl name="parChTrans1D1">
+    <dgm:scene3d>
+      <a:camera prst="orthographicFront"/>
+      <a:lightRig rig="threePt" dir="t"/>
+    </dgm:scene3d>
+    <dgm:sp3d/>
+    <dgm:txPr/>
+    <dgm:style>
+      <a:lnRef idx="2">
+        <a:scrgbClr r="0" g="0" b="0"/>
+      </a:lnRef>
+      <a:fillRef idx="0">
+        <a:scrgbClr r="0" g="0" b="0"/>
+      </a:fillRef>
+      <a:effectRef idx="0">
+        <a:scrgbClr r="0" g="0" b="0"/>
+      </a:effectRef>
+      <a:fontRef idx="minor"/>
+    </dgm:style>
+  </dgm:styleLbl>
+  <dgm:styleLbl name="parChTrans1D2">
+    <dgm:scene3d>
+      <a:camera prst="orthographicFront"/>
+      <a:lightRig rig="threePt" dir="t"/>
+    </dgm:scene3d>
+    <dgm:sp3d/>
+    <dgm:txPr/>
+    <dgm:style>
+      <a:lnRef idx="2">
+        <a:scrgbClr r="0" g="0" b="0"/>
+      </a:lnRef>
+      <a:fillRef idx="0">
+        <a:scrgbClr r="0" g="0" b="0"/>
+      </a:fillRef>
+      <a:effectRef idx="0">
+        <a:scrgbClr r="0" g="0" b="0"/>
+      </a:effectRef>
+      <a:fontRef idx="minor"/>
+    </dgm:style>
+  </dgm:styleLbl>
+  <dgm:styleLbl name="parChTrans1D3">
+    <dgm:scene3d>
+      <a:camera prst="orthographicFront"/>
+      <a:lightRig rig="threePt" dir="t"/>
+    </dgm:scene3d>
+    <dgm:sp3d/>
+    <dgm:txPr/>
+    <dgm:style>
+      <a:lnRef idx="2">
+        <a:scrgbClr r="0" g="0" b="0"/>
+      </a:lnRef>
+      <a:fillRef idx="0">
+        <a:scrgbClr r="0" g="0" b="0"/>
+      </a:fillRef>
+      <a:effectRef idx="0">
+        <a:scrgbClr r="0" g="0" b="0"/>
+      </a:effectRef>
+      <a:fontRef idx="minor"/>
+    </dgm:style>
+  </dgm:styleLbl>
+  <dgm:styleLbl name="parChTrans1D4">
+    <dgm:scene3d>
+      <a:camera prst="orthographicFront"/>
+      <a:lightRig rig="threePt" dir="t"/>
+    </dgm:scene3d>
+    <dgm:sp3d/>
+    <dgm:txPr/>
+    <dgm:style>
+      <a:lnRef idx="2">
+        <a:scrgbClr r="0" g="0" b="0"/>
+      </a:lnRef>
+      <a:fillRef idx="0">
+        <a:scrgbClr r="0" g="0" b="0"/>
+      </a:fillRef>
+      <a:effectRef idx="0">
+        <a:scrgbClr r="0" g="0" b="0"/>
+      </a:effectRef>
+      <a:fontRef idx="minor"/>
+    </dgm:style>
+  </dgm:styleLbl>
+  <dgm:styleLbl name="fgAcc1">
+    <dgm:scene3d>
+      <a:camera prst="orthographicFront"/>
+      <a:lightRig rig="threePt" dir="t"/>
+    </dgm:scene3d>
+    <dgm:sp3d/>
+    <dgm:txPr/>
+    <dgm:style>
+      <a:lnRef idx="2">
+        <a:scrgbClr r="0" g="0" b="0"/>
+      </a:lnRef>
+      <a:fillRef idx="1">
+        <a:scrgbClr r="0" g="0" b="0"/>
+      </a:fillRef>
+      <a:effectRef idx="0">
+        <a:scrgbClr r="0" g="0" b="0"/>
+      </a:effectRef>
+      <a:fontRef idx="minor"/>
+    </dgm:style>
+  </dgm:styleLbl>
+  <dgm:styleLbl name="conFgAcc1">
+    <dgm:scene3d>
+      <a:camera prst="orthographicFront"/>
+      <a:lightRig rig="threePt" dir="t"/>
+    </dgm:scene3d>
+    <dgm:sp3d/>
+    <dgm:txPr/>
+    <dgm:style>
+      <a:lnRef idx="2">
+        <a:scrgbClr r="0" g="0" b="0"/>
+      </a:lnRef>
+      <a:fillRef idx="1">
+        <a:scrgbClr r="0" g="0" b="0"/>
+      </a:fillRef>
+      <a:effectRef idx="0">
+        <a:scrgbClr r="0" g="0" b="0"/>
+      </a:effectRef>
+      <a:fontRef idx="minor"/>
+    </dgm:style>
+  </dgm:styleLbl>
+  <dgm:styleLbl name="alignAcc1">
+    <dgm:scene3d>
+      <a:camera prst="orthographicFront"/>
+      <a:lightRig rig="threePt" dir="t"/>
+    </dgm:scene3d>
+    <dgm:sp3d/>
+    <dgm:txPr/>
+    <dgm:style>
+      <a:lnRef idx="2">
+        <a:scrgbClr r="0" g="0" b="0"/>
+      </a:lnRef>
+      <a:fillRef idx="1">
+        <a:scrgbClr r="0" g="0" b="0"/>
+      </a:fillRef>
+      <a:effectRef idx="0">
+        <a:scrgbClr r="0" g="0" b="0"/>
+      </a:effectRef>
+      <a:fontRef idx="minor"/>
+    </dgm:style>
+  </dgm:styleLbl>
+  <dgm:styleLbl name="trAlignAcc1">
+    <dgm:scene3d>
+      <a:camera prst="orthographicFront"/>
+      <a:lightRig rig="threePt" dir="t"/>
+    </dgm:scene3d>
+    <dgm:sp3d/>
+    <dgm:txPr/>
+    <dgm:style>
+      <a:lnRef idx="1">
+        <a:scrgbClr r="0" g="0" b="0"/>
+      </a:lnRef>
+      <a:fillRef idx="1">
+        <a:scrgbClr r="0" g="0" b="0"/>
+      </a:fillRef>
+      <a:effectRef idx="0">
+        <a:scrgbClr r="0" g="0" b="0"/>
+      </a:effectRef>
+      <a:fontRef idx="minor"/>
+    </dgm:style>
+  </dgm:styleLbl>
+  <dgm:styleLbl name="bgAcc1">
+    <dgm:scene3d>
+      <a:camera prst="orthographicFront"/>
+      <a:lightRig rig="threePt" dir="t"/>
+    </dgm:scene3d>
+    <dgm:sp3d/>
+    <dgm:txPr/>
+    <dgm:style>
+      <a:lnRef idx="2">
+        <a:scrgbClr r="0" g="0" b="0"/>
+      </a:lnRef>
+      <a:fillRef idx="1">
+        <a:scrgbClr r="0" g="0" b="0"/>
+      </a:fillRef>
+      <a:effectRef idx="0">
+        <a:scrgbClr r="0" g="0" b="0"/>
+      </a:effectRef>
+      <a:fontRef idx="minor"/>
+    </dgm:style>
+  </dgm:styleLbl>
+  <dgm:styleLbl name="solidFgAcc1">
+    <dgm:scene3d>
+      <a:camera prst="orthographicFront"/>
+      <a:lightRig rig="threePt" dir="t"/>
+    </dgm:scene3d>
+    <dgm:sp3d/>
+    <dgm:txPr/>
+    <dgm:style>
+      <a:lnRef idx="2">
+        <a:scrgbClr r="0" g="0" b="0"/>
+      </a:lnRef>
+      <a:fillRef idx="1">
+        <a:scrgbClr r="0" g="0" b="0"/>
+      </a:fillRef>
+      <a:effectRef idx="0">
+        <a:scrgbClr r="0" g="0" b="0"/>
+      </a:effectRef>
+      <a:fontRef idx="minor"/>
+    </dgm:style>
+  </dgm:styleLbl>
+  <dgm:styleLbl name="solidAlignAcc1">
+    <dgm:scene3d>
+      <a:camera prst="orthographicFront"/>
+      <a:lightRig rig="threePt" dir="t"/>
+    </dgm:scene3d>
+    <dgm:sp3d/>
+    <dgm:txPr/>
+    <dgm:style>
+      <a:lnRef idx="2">
+        <a:scrgbClr r="0" g="0" b="0"/>
+      </a:lnRef>
+      <a:fillRef idx="1">
+        <a:scrgbClr r="0" g="0" b="0"/>
+      </a:fillRef>
+      <a:effectRef idx="0">
+        <a:scrgbClr r="0" g="0" b="0"/>
+      </a:effectRef>
+      <a:fontRef idx="minor"/>
+    </dgm:style>
+  </dgm:styleLbl>
+  <dgm:styleLbl name="solidBgAcc1">
+    <dgm:scene3d>
+      <a:camera prst="orthographicFront"/>
+      <a:lightRig rig="threePt" dir="t"/>
+    </dgm:scene3d>
+    <dgm:sp3d/>
+    <dgm:txPr/>
+    <dgm:style>
+      <a:lnRef idx="2">
+        <a:scrgbClr r="0" g="0" b="0"/>
+      </a:lnRef>
+      <a:fillRef idx="1">
+        <a:scrgbClr r="0" g="0" b="0"/>
+      </a:fillRef>
+      <a:effectRef idx="0">
+        <a:scrgbClr r="0" g="0" b="0"/>
+      </a:effectRef>
+      <a:fontRef idx="minor"/>
+    </dgm:style>
+  </dgm:styleLbl>
+  <dgm:styleLbl name="fgAccFollowNode1">
+    <dgm:scene3d>
+      <a:camera prst="orthographicFront"/>
+      <a:lightRig rig="threePt" dir="t"/>
+    </dgm:scene3d>
+    <dgm:sp3d/>
+    <dgm:txPr/>
+    <dgm:style>
+      <a:lnRef idx="2">
+        <a:scrgbClr r="0" g="0" b="0"/>
+      </a:lnRef>
+      <a:fillRef idx="1">
+        <a:scrgbClr r="0" g="0" b="0"/>
+      </a:fillRef>
+      <a:effectRef idx="0">
+        <a:scrgbClr r="0" g="0" b="0"/>
+      </a:effectRef>
+      <a:fontRef idx="minor"/>
+    </dgm:style>
+  </dgm:styleLbl>
+  <dgm:styleLbl name="alignAccFollowNode1">
+    <dgm:scene3d>
+      <a:camera prst="orthographicFront"/>
+      <a:lightRig rig="threePt" dir="t"/>
+    </dgm:scene3d>
+    <dgm:sp3d/>
+    <dgm:txPr/>
+    <dgm:style>
+      <a:lnRef idx="2">
+        <a:scrgbClr r="0" g="0" b="0"/>
+      </a:lnRef>
+      <a:fillRef idx="1">
+        <a:scrgbClr r="0" g="0" b="0"/>
+      </a:fillRef>
+      <a:effectRef idx="0">
+        <a:scrgbClr r="0" g="0" b="0"/>
+      </a:effectRef>
+      <a:fontRef idx="minor"/>
+    </dgm:style>
+  </dgm:styleLbl>
+  <dgm:styleLbl name="bgAccFollowNode1">
+    <dgm:scene3d>
+      <a:camera prst="orthographicFront"/>
+      <a:lightRig rig="threePt" dir="t"/>
+    </dgm:scene3d>
+    <dgm:sp3d/>
+    <dgm:txPr/>
+    <dgm:style>
+      <a:lnRef idx="2">
+        <a:scrgbClr r="0" g="0" b="0"/>
+      </a:lnRef>
+      <a:fillRef idx="1">
+        <a:scrgbClr r="0" g="0" b="0"/>
+      </a:fillRef>
+      <a:effectRef idx="0">
+        <a:scrgbClr r="0" g="0" b="0"/>
+      </a:effectRef>
+      <a:fontRef idx="minor"/>
+    </dgm:style>
+  </dgm:styleLbl>
+  <dgm:styleLbl name="fgAcc0">
+    <dgm:scene3d>
+      <a:camera prst="orthographicFront"/>
+      <a:lightRig rig="threePt" dir="t"/>
+    </dgm:scene3d>
+    <dgm:sp3d/>
+    <dgm:txPr/>
+    <dgm:style>
+      <a:lnRef idx="2">
+        <a:scrgbClr r="0" g="0" b="0"/>
+      </a:lnRef>
+      <a:fillRef idx="1">
+        <a:scrgbClr r="0" g="0" b="0"/>
+      </a:fillRef>
+      <a:effectRef idx="0">
+        <a:scrgbClr r="0" g="0" b="0"/>
+      </a:effectRef>
+      <a:fontRef idx="minor"/>
+    </dgm:style>
+  </dgm:styleLbl>
+  <dgm:styleLbl name="fgAcc2">
+    <dgm:scene3d>
+      <a:camera prst="orthographicFront"/>
+      <a:lightRig rig="threePt" dir="t"/>
+    </dgm:scene3d>
+    <dgm:sp3d/>
+    <dgm:txPr/>
+    <dgm:style>
+      <a:lnRef idx="2">
+        <a:scrgbClr r="0" g="0" b="0"/>
+      </a:lnRef>
+      <a:fillRef idx="1">
+        <a:scrgbClr r="0" g="0" b="0"/>
+      </a:fillRef>
+      <a:effectRef idx="0">
+        <a:scrgbClr r="0" g="0" b="0"/>
+      </a:effectRef>
+      <a:fontRef idx="minor"/>
+    </dgm:style>
+  </dgm:styleLbl>
+  <dgm:styleLbl name="fgAcc3">
+    <dgm:scene3d>
+      <a:camera prst="orthographicFront"/>
+      <a:lightRig rig="threePt" dir="t"/>
+    </dgm:scene3d>
+    <dgm:sp3d/>
+    <dgm:txPr/>
+    <dgm:style>
+      <a:lnRef idx="2">
+        <a:scrgbClr r="0" g="0" b="0"/>
+      </a:lnRef>
+      <a:fillRef idx="1">
+        <a:scrgbClr r="0" g="0" b="0"/>
+      </a:fillRef>
+      <a:effectRef idx="0">
+        <a:scrgbClr r="0" g="0" b="0"/>
+      </a:effectRef>
+      <a:fontRef idx="minor"/>
+    </dgm:style>
+  </dgm:styleLbl>
+  <dgm:styleLbl name="fgAcc4">
+    <dgm:scene3d>
+      <a:camera prst="orthographicFront"/>
+      <a:lightRig rig="threePt" dir="t"/>
+    </dgm:scene3d>
+    <dgm:sp3d/>
+    <dgm:txPr/>
+    <dgm:style>
+      <a:lnRef idx="2">
+        <a:scrgbClr r="0" g="0" b="0"/>
+      </a:lnRef>
+      <a:fillRef idx="1">
+        <a:scrgbClr r="0" g="0" b="0"/>
+      </a:fillRef>
+      <a:effectRef idx="0">
+        <a:scrgbClr r="0" g="0" b="0"/>
+      </a:effectRef>
+      <a:fontRef idx="minor"/>
+    </dgm:style>
+  </dgm:styleLbl>
+  <dgm:styleLbl name="bgShp">
+    <dgm:scene3d>
+      <a:camera prst="orthographicFront"/>
+      <a:lightRig rig="threePt" dir="t"/>
+    </dgm:scene3d>
+    <dgm:sp3d/>
+    <dgm:txPr/>
+    <dgm:style>
+      <a:lnRef idx="0">
+        <a:scrgbClr r="0" g="0" b="0"/>
+      </a:lnRef>
+      <a:fillRef idx="1">
+        <a:scrgbClr r="0" g="0" b="0"/>
+      </a:fillRef>
+      <a:effectRef idx="0">
+        <a:scrgbClr r="0" g="0" b="0"/>
+      </a:effectRef>
+      <a:fontRef idx="minor"/>
+    </dgm:style>
+  </dgm:styleLbl>
+  <dgm:styleLbl name="dkBgShp">
+    <dgm:scene3d>
+      <a:camera prst="orthographicFront"/>
+      <a:lightRig rig="threePt" dir="t"/>
+    </dgm:scene3d>
+    <dgm:sp3d/>
+    <dgm:txPr/>
+    <dgm:style>
+      <a:lnRef idx="0">
+        <a:scrgbClr r="0" g="0" b="0"/>
+      </a:lnRef>
+      <a:fillRef idx="1">
+        <a:scrgbClr r="0" g="0" b="0"/>
+      </a:fillRef>
+      <a:effectRef idx="0">
+        <a:scrgbClr r="0" g="0" b="0"/>
+      </a:effectRef>
+      <a:fontRef idx="minor"/>
+    </dgm:style>
+  </dgm:styleLbl>
+  <dgm:styleLbl name="trBgShp">
+    <dgm:scene3d>
+      <a:camera prst="orthographicFront"/>
+      <a:lightRig rig="threePt" dir="t"/>
+    </dgm:scene3d>
+    <dgm:sp3d/>
+    <dgm:txPr/>
+    <dgm:style>
+      <a:lnRef idx="0">
+        <a:scrgbClr r="0" g="0" b="0"/>
+      </a:lnRef>
+      <a:fillRef idx="1">
+        <a:scrgbClr r="0" g="0" b="0"/>
+      </a:fillRef>
+      <a:effectRef idx="0">
+        <a:scrgbClr r="0" g="0" b="0"/>
+      </a:effectRef>
+      <a:fontRef idx="minor"/>
+    </dgm:style>
+  </dgm:styleLbl>
+  <dgm:styleLbl name="fgShp">
+    <dgm:scene3d>
+      <a:camera prst="orthographicFront"/>
+      <a:lightRig rig="threePt" dir="t"/>
+    </dgm:scene3d>
+    <dgm:sp3d/>
+    <dgm:txPr/>
+    <dgm:style>
+      <a:lnRef idx="2">
+        <a:scrgbClr r="0" g="0" b="0"/>
+      </a:lnRef>
+      <a:fillRef idx="1">
+        <a:scrgbClr r="0" g="0" b="0"/>
+      </a:fillRef>
+      <a:effectRef idx="0">
+        <a:scrgbClr r="0" g="0" b="0"/>
+      </a:effectRef>
+      <a:fontRef idx="minor"/>
+    </dgm:style>
+  </dgm:styleLbl>
+  <dgm:styleLbl name="revTx">
+    <dgm:scene3d>
+      <a:camera prst="orthographicFront"/>
+      <a:lightRig rig="threePt" dir="t"/>
+    </dgm:scene3d>
+    <dgm:sp3d/>
+    <dgm:txPr/>
+    <dgm:style>
+      <a:lnRef idx="0">
+        <a:scrgbClr r="0" g="0" b="0"/>
+      </a:lnRef>
+      <a:fillRef idx="0">
+        <a:scrgbClr r="0" g="0" b="0"/>
+      </a:fillRef>
+      <a:effectRef idx="0">
+        <a:scrgbClr r="0" g="0" b="0"/>
+      </a:effectRef>
+      <a:fontRef idx="minor"/>
+    </dgm:style>
+  </dgm:styleLbl>
+</dgm:styleDef>
+</file>
+
+<file path=ppt/diagrams/quickStyle3.xml><?xml version="1.0" encoding="utf-8"?>
 <dgm:styleDef xmlns:dgm="http://schemas.openxmlformats.org/drawingml/2006/diagram" xmlns:a="http://schemas.openxmlformats.org/drawingml/2006/main" uniqueId="urn:microsoft.com/office/officeart/2005/8/quickstyle/simple1">
   <dgm:title val=""/>
   <dgm:desc val=""/>
@@ -5904,7 +9116,7 @@
           <a:p>
             <a:fld id="{CAC8DC2F-1056-472E-80EB-EAADF9D565BE}" type="datetimeFigureOut">
               <a:rPr lang="en-GB" smtClean="0"/>
-              <a:t>21/09/2021</a:t>
+              <a:t>14/10/2021</a:t>
             </a:fld>
             <a:endParaRPr lang="en-GB"/>
           </a:p>
@@ -6463,7 +9675,7 @@
           <a:p>
             <a:r>
               <a:rPr lang="en-US" dirty="0"/>
-              <a:t>Establishing a covert channel is not a part of active reconnaissance so it will be covered in later training sessions of this course where it is applicable. However identification of an operating system using pings is a perfect example of active reconnaissance which will be discussed further here. So how can we find this information? When we send an ICMP packet from our end it is known as an ECHO Request message. If we get a response, we’ll see an ECHO reply which will contain a time to live known as the TTL. The TTL can help us identify an operating system since each key operating system type has its own TTL value which will be sent in ICMP communications shown in the next slide.</a:t>
+              <a:t>Establishing a covert channel is not a part of active reconnaissance so it will be covered in later training sessions of this course where it is applicable. However, identification of an operating system using pings is a perfect example of active reconnaissance which will be discussed further here. So how can we find this information? When we send an ICMP packet from our end it is known as an ECHO Request message. If we get a response, we’ll see an ECHO reply which will contain a time to live known as the TTL. The TTL can help us identify an operating system since each key operating system type has its own TTL value which will be sent in ICMP communications shown in the next slide.</a:t>
             </a:r>
           </a:p>
           <a:p>
@@ -6472,7 +9684,7 @@
           <a:p>
             <a:r>
               <a:rPr lang="en-US" dirty="0"/>
-              <a:t>We can firstly make use of the payload/data field in which we can establish covert channel communications with our target. What does this mean? Consider a hardened host which is firewalled.  Depending on how the firewall is configured such as having egress filtering we can’t communicate with our attacking hosts from the target machine known as a reverse shell. However, if ICMP is available: ICMP is a completely separate communications channel which means any defenses applied to TCP/UDP would not exist for ICMP. The second point is that ICMP does not work at port level rather it uses echo request/reply packets to communicate which is the communications channel. Using </a:t>
+              <a:t>We can firstly make use of the payload/data field in which we can establish covert channel communications with our target. What does this mean? Consider a hardened host which is firewalled.  Depending on how the firewall is configured such as having egress filtering, we can’t communicate with our attacking hosts from the target machine known as a reverse shell. However, if ICMP is available: ICMP is a completely separate communications channel which means any defenses applied to TCP/UDP would not exist for ICMP. The second point is that ICMP does not work at port level rather it uses echo request/reply packets to communicate which is the communications channel. Using </a:t>
             </a:r>
           </a:p>
         </p:txBody>
@@ -6610,6 +9822,101 @@
 </file>
 
 <file path=ppt/notesSlides/notesSlide5.xml><?xml version="1.0" encoding="utf-8"?>
+<p:notes xmlns:a="http://schemas.openxmlformats.org/drawingml/2006/main" xmlns:r="http://schemas.openxmlformats.org/officeDocument/2006/relationships" xmlns:p="http://schemas.openxmlformats.org/presentationml/2006/main">
+  <p:cSld>
+    <p:spTree>
+      <p:nvGrpSpPr>
+        <p:cNvPr id="1" name=""/>
+        <p:cNvGrpSpPr/>
+        <p:nvPr/>
+      </p:nvGrpSpPr>
+      <p:grpSpPr>
+        <a:xfrm>
+          <a:off x="0" y="0"/>
+          <a:ext cx="0" cy="0"/>
+          <a:chOff x="0" y="0"/>
+          <a:chExt cx="0" cy="0"/>
+        </a:xfrm>
+      </p:grpSpPr>
+      <p:sp>
+        <p:nvSpPr>
+          <p:cNvPr id="2" name="Slide Image Placeholder 1"/>
+          <p:cNvSpPr>
+            <a:spLocks noGrp="1" noRot="1" noChangeAspect="1"/>
+          </p:cNvSpPr>
+          <p:nvPr>
+            <p:ph type="sldImg"/>
+          </p:nvPr>
+        </p:nvSpPr>
+        <p:spPr/>
+      </p:sp>
+      <p:sp>
+        <p:nvSpPr>
+          <p:cNvPr id="3" name="Notes Placeholder 2"/>
+          <p:cNvSpPr>
+            <a:spLocks noGrp="1"/>
+          </p:cNvSpPr>
+          <p:nvPr>
+            <p:ph type="body" idx="1"/>
+          </p:nvPr>
+        </p:nvSpPr>
+        <p:spPr/>
+        <p:txBody>
+          <a:bodyPr/>
+          <a:lstStyle/>
+          <a:p>
+            <a:r>
+              <a:rPr lang="en-GB" dirty="0"/>
+              <a:t>This example is from a previous </a:t>
+            </a:r>
+            <a:r>
+              <a:rPr lang="en-GB" dirty="0" err="1"/>
+              <a:t>pentest</a:t>
+            </a:r>
+            <a:r>
+              <a:rPr lang="en-GB" dirty="0"/>
+              <a:t> which was done on a system in Durham. This part of the test makes use of firewall enumeration in which open ports are enumerated based upon a misconfigured firewall. REJECT rules are used in order to </a:t>
+            </a:r>
+          </a:p>
+        </p:txBody>
+      </p:sp>
+      <p:sp>
+        <p:nvSpPr>
+          <p:cNvPr id="4" name="Slide Number Placeholder 3"/>
+          <p:cNvSpPr>
+            <a:spLocks noGrp="1"/>
+          </p:cNvSpPr>
+          <p:nvPr>
+            <p:ph type="sldNum" sz="quarter" idx="5"/>
+          </p:nvPr>
+        </p:nvSpPr>
+        <p:spPr/>
+        <p:txBody>
+          <a:bodyPr/>
+          <a:lstStyle/>
+          <a:p>
+            <a:fld id="{B0863950-9A2F-47EA-ADEC-B79BCD7B56CE}" type="slidenum">
+              <a:rPr lang="en-GB" smtClean="0"/>
+              <a:t>8</a:t>
+            </a:fld>
+            <a:endParaRPr lang="en-GB"/>
+          </a:p>
+        </p:txBody>
+      </p:sp>
+    </p:spTree>
+    <p:extLst>
+      <p:ext uri="{BB962C8B-B14F-4D97-AF65-F5344CB8AC3E}">
+        <p14:creationId xmlns:p14="http://schemas.microsoft.com/office/powerpoint/2010/main" val="1445432197"/>
+      </p:ext>
+    </p:extLst>
+  </p:cSld>
+  <p:clrMapOvr>
+    <a:masterClrMapping/>
+  </p:clrMapOvr>
+</p:notes>
+</file>
+
+<file path=ppt/notesSlides/notesSlide6.xml><?xml version="1.0" encoding="utf-8"?>
 <p:notes xmlns:a="http://schemas.openxmlformats.org/drawingml/2006/main" xmlns:r="http://schemas.openxmlformats.org/officeDocument/2006/relationships" xmlns:p="http://schemas.openxmlformats.org/presentationml/2006/main">
   <p:cSld>
     <p:spTree>
@@ -6939,7 +10246,7 @@
             <a:fld id="{B61BEF0D-F0BB-DE4B-95CE-6DB70DBA9567}" type="datetimeFigureOut">
               <a:rPr lang="en-US" dirty="0"/>
               <a:pPr/>
-              <a:t>9/21/2021</a:t>
+              <a:t>10/14/2021</a:t>
             </a:fld>
             <a:endParaRPr lang="en-US" dirty="0"/>
           </a:p>
@@ -7198,7 +10505,7 @@
             <a:fld id="{B61BEF0D-F0BB-DE4B-95CE-6DB70DBA9567}" type="datetimeFigureOut">
               <a:rPr lang="en-US" dirty="0"/>
               <a:pPr/>
-              <a:t>9/21/2021</a:t>
+              <a:t>10/14/2021</a:t>
             </a:fld>
             <a:endParaRPr lang="en-US" dirty="0"/>
           </a:p>
@@ -7430,7 +10737,7 @@
             <a:fld id="{B61BEF0D-F0BB-DE4B-95CE-6DB70DBA9567}" type="datetimeFigureOut">
               <a:rPr lang="en-US" dirty="0"/>
               <a:pPr/>
-              <a:t>9/21/2021</a:t>
+              <a:t>10/14/2021</a:t>
             </a:fld>
             <a:endParaRPr lang="en-US" dirty="0"/>
           </a:p>
@@ -7667,7 +10974,7 @@
             <a:fld id="{B61BEF0D-F0BB-DE4B-95CE-6DB70DBA9567}" type="datetimeFigureOut">
               <a:rPr lang="en-US" dirty="0"/>
               <a:pPr/>
-              <a:t>9/21/2021</a:t>
+              <a:t>10/14/2021</a:t>
             </a:fld>
             <a:endParaRPr lang="en-US" dirty="0"/>
           </a:p>
@@ -7971,7 +11278,7 @@
             <a:fld id="{B61BEF0D-F0BB-DE4B-95CE-6DB70DBA9567}" type="datetimeFigureOut">
               <a:rPr lang="en-US" dirty="0"/>
               <a:pPr/>
-              <a:t>9/21/2021</a:t>
+              <a:t>10/14/2021</a:t>
             </a:fld>
             <a:endParaRPr lang="en-US" dirty="0"/>
           </a:p>
@@ -8270,7 +11577,7 @@
             <a:fld id="{B61BEF0D-F0BB-DE4B-95CE-6DB70DBA9567}" type="datetimeFigureOut">
               <a:rPr lang="en-US" dirty="0"/>
               <a:pPr/>
-              <a:t>9/21/2021</a:t>
+              <a:t>10/14/2021</a:t>
             </a:fld>
             <a:endParaRPr lang="en-US" dirty="0"/>
           </a:p>
@@ -8689,7 +11996,7 @@
             <a:fld id="{B61BEF0D-F0BB-DE4B-95CE-6DB70DBA9567}" type="datetimeFigureOut">
               <a:rPr lang="en-US" dirty="0"/>
               <a:pPr/>
-              <a:t>9/21/2021</a:t>
+              <a:t>10/14/2021</a:t>
             </a:fld>
             <a:endParaRPr lang="en-US" dirty="0"/>
           </a:p>
@@ -8848,7 +12155,7 @@
             <a:fld id="{B61BEF0D-F0BB-DE4B-95CE-6DB70DBA9567}" type="datetimeFigureOut">
               <a:rPr lang="en-US" dirty="0"/>
               <a:pPr/>
-              <a:t>9/21/2021</a:t>
+              <a:t>10/14/2021</a:t>
             </a:fld>
             <a:endParaRPr lang="en-US" dirty="0"/>
           </a:p>
@@ -8940,7 +12247,7 @@
             <a:fld id="{B61BEF0D-F0BB-DE4B-95CE-6DB70DBA9567}" type="datetimeFigureOut">
               <a:rPr lang="en-US" dirty="0"/>
               <a:pPr/>
-              <a:t>9/21/2021</a:t>
+              <a:t>10/14/2021</a:t>
             </a:fld>
             <a:endParaRPr lang="en-US" dirty="0"/>
           </a:p>
@@ -9315,7 +12622,7 @@
             <a:fld id="{B61BEF0D-F0BB-DE4B-95CE-6DB70DBA9567}" type="datetimeFigureOut">
               <a:rPr lang="en-US" dirty="0"/>
               <a:pPr/>
-              <a:t>9/21/2021</a:t>
+              <a:t>10/14/2021</a:t>
             </a:fld>
             <a:endParaRPr lang="en-US" dirty="0"/>
           </a:p>
@@ -9601,7 +12908,7 @@
             <a:fld id="{B61BEF0D-F0BB-DE4B-95CE-6DB70DBA9567}" type="datetimeFigureOut">
               <a:rPr lang="en-US" dirty="0"/>
               <a:pPr/>
-              <a:t>9/21/2021</a:t>
+              <a:t>10/14/2021</a:t>
             </a:fld>
             <a:endParaRPr lang="en-US" dirty="0"/>
           </a:p>
@@ -9809,7 +13116,7 @@
             <a:fld id="{B61BEF0D-F0BB-DE4B-95CE-6DB70DBA9567}" type="datetimeFigureOut">
               <a:rPr lang="en-US" dirty="0"/>
               <a:pPr/>
-              <a:t>9/21/2021</a:t>
+              <a:t>10/14/2021</a:t>
             </a:fld>
             <a:endParaRPr lang="en-US" dirty="0"/>
           </a:p>
@@ -10484,6 +13791,14 @@
 <file path=ppt/slides/slide10.xml><?xml version="1.0" encoding="utf-8"?>
 <p:sld xmlns:a="http://schemas.openxmlformats.org/drawingml/2006/main" xmlns:r="http://schemas.openxmlformats.org/officeDocument/2006/relationships" xmlns:p="http://schemas.openxmlformats.org/presentationml/2006/main">
   <p:cSld>
+    <p:bg>
+      <p:bgPr>
+        <a:solidFill>
+          <a:schemeClr val="bg1"/>
+        </a:solidFill>
+        <a:effectLst/>
+      </p:bgPr>
+    </p:bg>
     <p:spTree>
       <p:nvGrpSpPr>
         <p:cNvPr id="1" name=""/>
@@ -10514,74 +13829,60 @@
             <p:ph type="title"/>
           </p:nvPr>
         </p:nvSpPr>
-        <p:spPr/>
+        <p:spPr>
+          <a:xfrm>
+            <a:off x="581192" y="702156"/>
+            <a:ext cx="11029616" cy="1013800"/>
+          </a:xfrm>
+        </p:spPr>
         <p:txBody>
-          <a:bodyPr/>
+          <a:bodyPr>
+            <a:normAutofit/>
+          </a:bodyPr>
           <a:lstStyle/>
           <a:p>
-            <a:pPr algn="ctr"/>
             <a:r>
-              <a:rPr lang="en-GB" dirty="0"/>
+              <a:rPr lang="en-GB">
+                <a:solidFill>
+                  <a:srgbClr val="FFFEFF"/>
+                </a:solidFill>
+              </a:rPr>
               <a:t>Scanning methods</a:t>
             </a:r>
           </a:p>
         </p:txBody>
       </p:sp>
-      <p:sp>
-        <p:nvSpPr>
-          <p:cNvPr id="3" name="Content Placeholder 2">
+      <p:graphicFrame>
+        <p:nvGraphicFramePr>
+          <p:cNvPr id="5" name="Content Placeholder 2">
             <a:extLst>
               <a:ext uri="{FF2B5EF4-FFF2-40B4-BE49-F238E27FC236}">
-                <a16:creationId xmlns:a16="http://schemas.microsoft.com/office/drawing/2014/main" id="{F653D789-ABAE-4934-AD56-745AF698980C}"/>
+                <a16:creationId xmlns:a16="http://schemas.microsoft.com/office/drawing/2014/main" id="{54D98B6E-2418-45D8-8055-E9ED2454D22B}"/>
               </a:ext>
             </a:extLst>
           </p:cNvPr>
-          <p:cNvSpPr>
-            <a:spLocks noGrp="1"/>
-          </p:cNvSpPr>
+          <p:cNvGraphicFramePr>
+            <a:graphicFrameLocks noGrp="1"/>
+          </p:cNvGraphicFramePr>
           <p:nvPr>
             <p:ph idx="1"/>
+            <p:extLst>
+              <p:ext uri="{D42A27DB-BD31-4B8C-83A1-F6EECF244321}">
+                <p14:modId xmlns:p14="http://schemas.microsoft.com/office/powerpoint/2010/main" val="300214112"/>
+              </p:ext>
+            </p:extLst>
           </p:nvPr>
-        </p:nvSpPr>
-        <p:spPr/>
-        <p:txBody>
-          <a:bodyPr/>
-          <a:lstStyle/>
-          <a:p>
-            <a:r>
-              <a:rPr lang="en-GB" dirty="0"/>
-              <a:t>Using “exotic” TCP flags</a:t>
-            </a:r>
-          </a:p>
-          <a:p>
-            <a:endParaRPr lang="en-GB" dirty="0"/>
-          </a:p>
-          <a:p>
-            <a:r>
-              <a:rPr lang="en-GB" dirty="0"/>
-              <a:t>Usual ports (Targeting most frequent ports) reducing payload size of scanning</a:t>
-            </a:r>
-          </a:p>
-          <a:p>
-            <a:endParaRPr lang="en-GB" dirty="0"/>
-          </a:p>
-          <a:p>
-            <a:r>
-              <a:rPr lang="en-GB" dirty="0"/>
-              <a:t>Aggressive scans with known tools (Easy way of getting blocked)</a:t>
-            </a:r>
-          </a:p>
-          <a:p>
-            <a:endParaRPr lang="en-GB" dirty="0"/>
-          </a:p>
-          <a:p>
-            <a:r>
-              <a:rPr lang="en-GB" dirty="0"/>
-              <a:t>Stealthier scans with custom tools (Preferable to remain hidden)</a:t>
-            </a:r>
-          </a:p>
-        </p:txBody>
-      </p:sp>
+        </p:nvGraphicFramePr>
+        <p:xfrm>
+          <a:off x="581025" y="2181225"/>
+          <a:ext cx="11029950" cy="3678238"/>
+        </p:xfrm>
+        <a:graphic>
+          <a:graphicData uri="http://schemas.openxmlformats.org/drawingml/2006/diagram">
+            <dgm:relIds xmlns:dgm="http://schemas.openxmlformats.org/drawingml/2006/diagram" xmlns:r="http://schemas.openxmlformats.org/officeDocument/2006/relationships" r:dm="rId2" r:lo="rId3" r:qs="rId4" r:cs="rId5"/>
+          </a:graphicData>
+        </a:graphic>
+      </p:graphicFrame>
     </p:spTree>
     <p:extLst>
       <p:ext uri="{BB962C8B-B14F-4D97-AF65-F5344CB8AC3E}">
@@ -12541,7 +15842,9 @@
         </p:nvSpPr>
         <p:spPr/>
         <p:txBody>
-          <a:bodyPr/>
+          <a:bodyPr>
+            <a:normAutofit lnSpcReduction="10000"/>
+          </a:bodyPr>
           <a:lstStyle/>
           <a:p>
             <a:r>
@@ -12555,7 +15858,7 @@
           <a:p>
             <a:r>
               <a:rPr lang="en-GB" dirty="0"/>
-              <a:t>Online vulnerability scanners available on the internet provide scanning capabilities on their own machines</a:t>
+              <a:t>Online vulnerability search engines are available on the internet provide scanning capabilities with their own provided machines</a:t>
             </a:r>
           </a:p>
           <a:p>
@@ -15261,13 +18564,18 @@
           <a:p>
             <a:pPr algn="ctr"/>
             <a:r>
-              <a:rPr lang="en-US" sz="3600" dirty="0">
+              <a:rPr lang="en-US" sz="3600">
                 <a:solidFill>
                   <a:schemeClr val="accent1"/>
                 </a:solidFill>
               </a:rPr>
               <a:t>ICMP TTL values</a:t>
             </a:r>
+            <a:endParaRPr lang="en-US" sz="3600" dirty="0">
+              <a:solidFill>
+                <a:schemeClr val="accent1"/>
+              </a:solidFill>
+            </a:endParaRPr>
           </a:p>
         </p:txBody>
       </p:sp>
@@ -15286,7 +18594,7 @@
           <p:nvPr>
             <p:extLst>
               <p:ext uri="{D42A27DB-BD31-4B8C-83A1-F6EECF244321}">
-                <p14:modId xmlns:p14="http://schemas.microsoft.com/office/powerpoint/2010/main" val="2874666838"/>
+                <p14:modId xmlns:p14="http://schemas.microsoft.com/office/powerpoint/2010/main" val="1509434972"/>
               </p:ext>
             </p:extLst>
           </p:nvPr>
@@ -15377,10 +18685,10 @@
                     <a:p>
                       <a:pPr algn="ctr"/>
                       <a:r>
-                        <a:rPr lang="en-US" sz="3100"/>
+                        <a:rPr lang="en-US" sz="3100" dirty="0"/>
                         <a:t>64</a:t>
                       </a:r>
-                      <a:endParaRPr lang="en-GB" sz="3100"/>
+                      <a:endParaRPr lang="en-GB" sz="3100" dirty="0"/>
                     </a:p>
                   </a:txBody>
                   <a:tcPr marL="157512" marR="157512" marT="78756" marB="78756"/>
@@ -15451,10 +18759,10 @@
                     <a:p>
                       <a:pPr algn="ctr"/>
                       <a:r>
-                        <a:rPr lang="en-US" sz="3100"/>
+                        <a:rPr lang="en-US" sz="3100" dirty="0"/>
                         <a:t>255</a:t>
                       </a:r>
-                      <a:endParaRPr lang="en-GB" sz="3100"/>
+                      <a:endParaRPr lang="en-GB" sz="3100" dirty="0"/>
                     </a:p>
                   </a:txBody>
                   <a:tcPr marL="157512" marR="157512" marT="78756" marB="78756"/>
@@ -16209,7 +19517,7 @@
           <p:nvPr/>
         </p:nvPicPr>
         <p:blipFill>
-          <a:blip r:embed="rId2"/>
+          <a:blip r:embed="rId3"/>
           <a:stretch>
             <a:fillRect/>
           </a:stretch>
@@ -16670,32 +19978,31 @@
           <a:p>
             <a:pPr algn="ctr"/>
             <a:r>
-              <a:rPr lang="en-GB" sz="2000"/>
+              <a:rPr lang="en-GB" sz="2000" dirty="0"/>
               <a:t>Active reconnaissance technique used to check the availability of a network port.</a:t>
             </a:r>
           </a:p>
           <a:p>
             <a:pPr algn="ctr"/>
-            <a:endParaRPr lang="en-GB" sz="2000"/>
+            <a:endParaRPr lang="en-GB" sz="2000" dirty="0"/>
           </a:p>
           <a:p>
             <a:pPr algn="ctr"/>
             <a:r>
-              <a:rPr lang="en-GB" sz="2000"/>
+              <a:rPr lang="en-GB" sz="2000" dirty="0"/>
               <a:t>Port scanning can be conducted in many ways rather than a typical TCP connect.</a:t>
             </a:r>
           </a:p>
           <a:p>
             <a:pPr algn="ctr"/>
-            <a:endParaRPr lang="en-GB" sz="2000"/>
+            <a:endParaRPr lang="en-GB" sz="2000" dirty="0"/>
           </a:p>
           <a:p>
             <a:pPr algn="ctr"/>
             <a:r>
-              <a:rPr lang="en-GB" sz="2000"/>
-              <a:t>Port scanning if done too loud/aggressively can cause defences to trigger</a:t>
+              <a:rPr lang="en-GB" sz="2000" dirty="0"/>
+              <a:t>Port scanning if done too loud/aggressively can cause defences to trigger.</a:t>
             </a:r>
-            <a:endParaRPr lang="en-GB" sz="2000" dirty="0"/>
           </a:p>
         </p:txBody>
       </p:sp>

--- a/Offensive Security Tactics for Linux Professionals - Active Reconnaissance.pptx
+++ b/Offensive Security Tactics for Linux Professionals - Active Reconnaissance.pptx
@@ -5,7 +5,7 @@
     <p:sldMasterId id="2147483648" r:id="rId1"/>
   </p:sldMasterIdLst>
   <p:notesMasterIdLst>
-    <p:notesMasterId r:id="rId22"/>
+    <p:notesMasterId r:id="rId24"/>
   </p:notesMasterIdLst>
   <p:sldIdLst>
     <p:sldId id="256" r:id="rId2"/>
@@ -24,10 +24,12 @@
     <p:sldId id="267" r:id="rId15"/>
     <p:sldId id="268" r:id="rId16"/>
     <p:sldId id="269" r:id="rId17"/>
-    <p:sldId id="273" r:id="rId18"/>
+    <p:sldId id="271" r:id="rId18"/>
     <p:sldId id="272" r:id="rId19"/>
-    <p:sldId id="271" r:id="rId20"/>
-    <p:sldId id="270" r:id="rId21"/>
+    <p:sldId id="270" r:id="rId20"/>
+    <p:sldId id="278" r:id="rId21"/>
+    <p:sldId id="279" r:id="rId22"/>
+    <p:sldId id="280" r:id="rId23"/>
   </p:sldIdLst>
   <p:sldSz cx="12192000" cy="6858000"/>
   <p:notesSz cx="6858000" cy="9144000"/>
@@ -1637,6 +1639,927 @@
 </file>
 
 <file path=ppt/diagrams/colors3.xml><?xml version="1.0" encoding="utf-8"?>
+<dgm:colorsDef xmlns:dgm="http://schemas.openxmlformats.org/drawingml/2006/diagram" xmlns:a="http://schemas.openxmlformats.org/drawingml/2006/main" uniqueId="urn:microsoft.com/office/officeart/2018/5/colors/Iconchunking_neutralicontext_colorful1">
+  <dgm:title val=""/>
+  <dgm:desc val=""/>
+  <dgm:catLst>
+    <dgm:cat type="colorful" pri="10100"/>
+  </dgm:catLst>
+  <dgm:styleLbl name="node0">
+    <dgm:fillClrLst meth="repeat">
+      <a:schemeClr val="accent1"/>
+    </dgm:fillClrLst>
+    <dgm:linClrLst meth="repeat">
+      <a:schemeClr val="lt1"/>
+    </dgm:linClrLst>
+    <dgm:effectClrLst/>
+    <dgm:txLinClrLst/>
+    <dgm:txFillClrLst/>
+    <dgm:txEffectClrLst/>
+  </dgm:styleLbl>
+  <dgm:styleLbl name="node1">
+    <dgm:fillClrLst meth="repeat">
+      <a:schemeClr val="bg1"/>
+    </dgm:fillClrLst>
+    <dgm:linClrLst meth="repeat">
+      <a:schemeClr val="lt1">
+        <a:alpha val="0"/>
+      </a:schemeClr>
+    </dgm:linClrLst>
+    <dgm:effectClrLst/>
+    <dgm:txLinClrLst/>
+    <dgm:txFillClrLst meth="repeat">
+      <a:schemeClr val="dk1"/>
+    </dgm:txFillClrLst>
+    <dgm:txEffectClrLst/>
+  </dgm:styleLbl>
+  <dgm:styleLbl name="alignNode1">
+    <dgm:fillClrLst meth="repeat">
+      <a:schemeClr val="accent2"/>
+      <a:schemeClr val="accent3"/>
+      <a:schemeClr val="accent4"/>
+      <a:schemeClr val="accent5"/>
+      <a:schemeClr val="accent6"/>
+    </dgm:fillClrLst>
+    <dgm:linClrLst meth="repeat">
+      <a:schemeClr val="accent2"/>
+      <a:schemeClr val="accent3"/>
+      <a:schemeClr val="accent4"/>
+      <a:schemeClr val="accent5"/>
+      <a:schemeClr val="accent6"/>
+    </dgm:linClrLst>
+    <dgm:effectClrLst/>
+    <dgm:txLinClrLst/>
+    <dgm:txFillClrLst/>
+    <dgm:txEffectClrLst/>
+  </dgm:styleLbl>
+  <dgm:styleLbl name="lnNode1">
+    <dgm:fillClrLst meth="repeat">
+      <a:schemeClr val="accent2"/>
+      <a:schemeClr val="accent3"/>
+      <a:schemeClr val="accent4"/>
+      <a:schemeClr val="accent5"/>
+      <a:schemeClr val="accent6"/>
+    </dgm:fillClrLst>
+    <dgm:linClrLst meth="repeat">
+      <a:schemeClr val="lt1"/>
+    </dgm:linClrLst>
+    <dgm:effectClrLst/>
+    <dgm:txLinClrLst/>
+    <dgm:txFillClrLst/>
+    <dgm:txEffectClrLst/>
+  </dgm:styleLbl>
+  <dgm:styleLbl name="vennNode1">
+    <dgm:fillClrLst meth="repeat">
+      <a:schemeClr val="accent2">
+        <a:alpha val="50000"/>
+      </a:schemeClr>
+      <a:schemeClr val="accent3">
+        <a:alpha val="50000"/>
+      </a:schemeClr>
+      <a:schemeClr val="accent4">
+        <a:alpha val="50000"/>
+      </a:schemeClr>
+      <a:schemeClr val="accent5">
+        <a:alpha val="50000"/>
+      </a:schemeClr>
+      <a:schemeClr val="accent6">
+        <a:alpha val="50000"/>
+      </a:schemeClr>
+    </dgm:fillClrLst>
+    <dgm:linClrLst meth="repeat">
+      <a:schemeClr val="lt1"/>
+    </dgm:linClrLst>
+    <dgm:effectClrLst/>
+    <dgm:txLinClrLst/>
+    <dgm:txFillClrLst/>
+    <dgm:txEffectClrLst/>
+  </dgm:styleLbl>
+  <dgm:styleLbl name="node2">
+    <dgm:fillClrLst>
+      <a:schemeClr val="accent2"/>
+    </dgm:fillClrLst>
+    <dgm:linClrLst meth="repeat">
+      <a:schemeClr val="lt1"/>
+    </dgm:linClrLst>
+    <dgm:effectClrLst/>
+    <dgm:txLinClrLst/>
+    <dgm:txFillClrLst/>
+    <dgm:txEffectClrLst/>
+  </dgm:styleLbl>
+  <dgm:styleLbl name="node3">
+    <dgm:fillClrLst>
+      <a:schemeClr val="accent3"/>
+    </dgm:fillClrLst>
+    <dgm:linClrLst meth="repeat">
+      <a:schemeClr val="lt1"/>
+    </dgm:linClrLst>
+    <dgm:effectClrLst/>
+    <dgm:txLinClrLst/>
+    <dgm:txFillClrLst/>
+    <dgm:txEffectClrLst/>
+  </dgm:styleLbl>
+  <dgm:styleLbl name="node4">
+    <dgm:fillClrLst>
+      <a:schemeClr val="accent4"/>
+    </dgm:fillClrLst>
+    <dgm:linClrLst meth="repeat">
+      <a:schemeClr val="lt1"/>
+    </dgm:linClrLst>
+    <dgm:effectClrLst/>
+    <dgm:txLinClrLst/>
+    <dgm:txFillClrLst/>
+    <dgm:txEffectClrLst/>
+  </dgm:styleLbl>
+  <dgm:styleLbl name="fgImgPlace1">
+    <dgm:fillClrLst meth="repeat">
+      <a:schemeClr val="accent2">
+        <a:tint val="50000"/>
+      </a:schemeClr>
+      <a:schemeClr val="accent3">
+        <a:tint val="50000"/>
+      </a:schemeClr>
+      <a:schemeClr val="accent4">
+        <a:tint val="50000"/>
+      </a:schemeClr>
+      <a:schemeClr val="accent5">
+        <a:tint val="50000"/>
+      </a:schemeClr>
+      <a:schemeClr val="accent6">
+        <a:tint val="50000"/>
+      </a:schemeClr>
+    </dgm:fillClrLst>
+    <dgm:linClrLst meth="repeat">
+      <a:schemeClr val="lt1"/>
+    </dgm:linClrLst>
+    <dgm:effectClrLst/>
+    <dgm:txLinClrLst/>
+    <dgm:txFillClrLst meth="repeat">
+      <a:schemeClr val="lt1"/>
+    </dgm:txFillClrLst>
+    <dgm:txEffectClrLst/>
+  </dgm:styleLbl>
+  <dgm:styleLbl name="alignImgPlace1">
+    <dgm:fillClrLst>
+      <a:schemeClr val="accent1">
+        <a:tint val="50000"/>
+      </a:schemeClr>
+      <a:schemeClr val="accent2">
+        <a:tint val="20000"/>
+      </a:schemeClr>
+    </dgm:fillClrLst>
+    <dgm:linClrLst meth="repeat">
+      <a:schemeClr val="lt1"/>
+    </dgm:linClrLst>
+    <dgm:effectClrLst/>
+    <dgm:txLinClrLst/>
+    <dgm:txFillClrLst meth="repeat">
+      <a:schemeClr val="lt1"/>
+    </dgm:txFillClrLst>
+    <dgm:txEffectClrLst/>
+  </dgm:styleLbl>
+  <dgm:styleLbl name="bgImgPlace1">
+    <dgm:fillClrLst>
+      <a:schemeClr val="accent1">
+        <a:tint val="50000"/>
+      </a:schemeClr>
+      <a:schemeClr val="accent2">
+        <a:tint val="20000"/>
+      </a:schemeClr>
+    </dgm:fillClrLst>
+    <dgm:linClrLst meth="repeat">
+      <a:schemeClr val="lt1"/>
+    </dgm:linClrLst>
+    <dgm:effectClrLst/>
+    <dgm:txLinClrLst/>
+    <dgm:txFillClrLst meth="repeat">
+      <a:schemeClr val="lt1"/>
+    </dgm:txFillClrLst>
+    <dgm:txEffectClrLst/>
+  </dgm:styleLbl>
+  <dgm:styleLbl name="sibTrans2D1">
+    <dgm:fillClrLst meth="repeat">
+      <a:schemeClr val="accent2"/>
+      <a:schemeClr val="accent3"/>
+      <a:schemeClr val="accent4"/>
+      <a:schemeClr val="accent5"/>
+      <a:schemeClr val="accent6"/>
+    </dgm:fillClrLst>
+    <dgm:linClrLst meth="cycle">
+      <a:schemeClr val="lt1"/>
+    </dgm:linClrLst>
+    <dgm:effectClrLst/>
+    <dgm:txLinClrLst/>
+    <dgm:txFillClrLst/>
+    <dgm:txEffectClrLst/>
+  </dgm:styleLbl>
+  <dgm:styleLbl name="fgSibTrans2D1">
+    <dgm:fillClrLst meth="repeat">
+      <a:schemeClr val="accent2"/>
+      <a:schemeClr val="accent3"/>
+      <a:schemeClr val="accent4"/>
+      <a:schemeClr val="accent5"/>
+      <a:schemeClr val="accent6"/>
+    </dgm:fillClrLst>
+    <dgm:linClrLst meth="cycle">
+      <a:schemeClr val="lt1"/>
+    </dgm:linClrLst>
+    <dgm:effectClrLst/>
+    <dgm:txLinClrLst/>
+    <dgm:txFillClrLst meth="repeat">
+      <a:schemeClr val="lt1"/>
+    </dgm:txFillClrLst>
+    <dgm:txEffectClrLst/>
+  </dgm:styleLbl>
+  <dgm:styleLbl name="bgSibTrans2D1">
+    <dgm:fillClrLst meth="repeat">
+      <a:schemeClr val="accent2"/>
+      <a:schemeClr val="accent3"/>
+      <a:schemeClr val="accent4"/>
+      <a:schemeClr val="accent5"/>
+      <a:schemeClr val="accent6"/>
+    </dgm:fillClrLst>
+    <dgm:linClrLst meth="cycle">
+      <a:schemeClr val="lt1"/>
+    </dgm:linClrLst>
+    <dgm:effectClrLst/>
+    <dgm:txLinClrLst/>
+    <dgm:txFillClrLst meth="repeat">
+      <a:schemeClr val="lt1"/>
+    </dgm:txFillClrLst>
+    <dgm:txEffectClrLst/>
+  </dgm:styleLbl>
+  <dgm:styleLbl name="sibTrans1D1">
+    <dgm:fillClrLst meth="repeat">
+      <a:schemeClr val="accent2"/>
+      <a:schemeClr val="accent3"/>
+      <a:schemeClr val="accent4"/>
+      <a:schemeClr val="accent5"/>
+      <a:schemeClr val="accent6"/>
+    </dgm:fillClrLst>
+    <dgm:linClrLst meth="repeat">
+      <a:schemeClr val="accent2"/>
+      <a:schemeClr val="accent3"/>
+      <a:schemeClr val="accent4"/>
+      <a:schemeClr val="accent5"/>
+      <a:schemeClr val="accent6"/>
+    </dgm:linClrLst>
+    <dgm:effectClrLst/>
+    <dgm:txLinClrLst/>
+    <dgm:txFillClrLst meth="repeat">
+      <a:schemeClr val="tx1"/>
+    </dgm:txFillClrLst>
+    <dgm:txEffectClrLst/>
+  </dgm:styleLbl>
+  <dgm:styleLbl name="callout">
+    <dgm:fillClrLst meth="repeat">
+      <a:schemeClr val="accent2"/>
+    </dgm:fillClrLst>
+    <dgm:linClrLst meth="repeat">
+      <a:schemeClr val="accent2">
+        <a:tint val="50000"/>
+      </a:schemeClr>
+    </dgm:linClrLst>
+    <dgm:effectClrLst/>
+    <dgm:txLinClrLst/>
+    <dgm:txFillClrLst meth="repeat">
+      <a:schemeClr val="tx1"/>
+    </dgm:txFillClrLst>
+    <dgm:txEffectClrLst/>
+  </dgm:styleLbl>
+  <dgm:styleLbl name="asst0">
+    <dgm:fillClrLst meth="repeat">
+      <a:schemeClr val="accent1"/>
+    </dgm:fillClrLst>
+    <dgm:linClrLst meth="repeat">
+      <a:schemeClr val="lt1"/>
+    </dgm:linClrLst>
+    <dgm:effectClrLst/>
+    <dgm:txLinClrLst/>
+    <dgm:txFillClrLst/>
+    <dgm:txEffectClrLst/>
+  </dgm:styleLbl>
+  <dgm:styleLbl name="asst1">
+    <dgm:fillClrLst meth="repeat">
+      <a:schemeClr val="accent2"/>
+    </dgm:fillClrLst>
+    <dgm:linClrLst meth="repeat">
+      <a:schemeClr val="lt1"/>
+    </dgm:linClrLst>
+    <dgm:effectClrLst/>
+    <dgm:txLinClrLst/>
+    <dgm:txFillClrLst/>
+    <dgm:txEffectClrLst/>
+  </dgm:styleLbl>
+  <dgm:styleLbl name="asst2">
+    <dgm:fillClrLst>
+      <a:schemeClr val="accent3"/>
+    </dgm:fillClrLst>
+    <dgm:linClrLst meth="repeat">
+      <a:schemeClr val="lt1"/>
+    </dgm:linClrLst>
+    <dgm:effectClrLst/>
+    <dgm:txLinClrLst/>
+    <dgm:txFillClrLst/>
+    <dgm:txEffectClrLst/>
+  </dgm:styleLbl>
+  <dgm:styleLbl name="asst3">
+    <dgm:fillClrLst>
+      <a:schemeClr val="accent4"/>
+    </dgm:fillClrLst>
+    <dgm:linClrLst meth="repeat">
+      <a:schemeClr val="lt1"/>
+    </dgm:linClrLst>
+    <dgm:effectClrLst/>
+    <dgm:txLinClrLst/>
+    <dgm:txFillClrLst/>
+    <dgm:txEffectClrLst/>
+  </dgm:styleLbl>
+  <dgm:styleLbl name="asst4">
+    <dgm:fillClrLst>
+      <a:schemeClr val="accent5"/>
+    </dgm:fillClrLst>
+    <dgm:linClrLst meth="repeat">
+      <a:schemeClr val="lt1"/>
+    </dgm:linClrLst>
+    <dgm:effectClrLst/>
+    <dgm:txLinClrLst/>
+    <dgm:txFillClrLst/>
+    <dgm:txEffectClrLst/>
+  </dgm:styleLbl>
+  <dgm:styleLbl name="parChTrans2D1">
+    <dgm:fillClrLst meth="repeat">
+      <a:schemeClr val="accent2"/>
+    </dgm:fillClrLst>
+    <dgm:linClrLst meth="repeat">
+      <a:schemeClr val="lt1"/>
+    </dgm:linClrLst>
+    <dgm:effectClrLst/>
+    <dgm:txLinClrLst/>
+    <dgm:txFillClrLst meth="repeat">
+      <a:schemeClr val="lt1"/>
+    </dgm:txFillClrLst>
+    <dgm:txEffectClrLst/>
+  </dgm:styleLbl>
+  <dgm:styleLbl name="parChTrans2D2">
+    <dgm:fillClrLst meth="repeat">
+      <a:schemeClr val="accent3"/>
+    </dgm:fillClrLst>
+    <dgm:linClrLst meth="repeat">
+      <a:schemeClr val="lt1"/>
+    </dgm:linClrLst>
+    <dgm:effectClrLst/>
+    <dgm:txLinClrLst/>
+    <dgm:txFillClrLst/>
+    <dgm:txEffectClrLst/>
+  </dgm:styleLbl>
+  <dgm:styleLbl name="parChTrans2D3">
+    <dgm:fillClrLst meth="repeat">
+      <a:schemeClr val="accent4"/>
+    </dgm:fillClrLst>
+    <dgm:linClrLst meth="repeat">
+      <a:schemeClr val="lt1"/>
+    </dgm:linClrLst>
+    <dgm:effectClrLst/>
+    <dgm:txLinClrLst/>
+    <dgm:txFillClrLst/>
+    <dgm:txEffectClrLst/>
+  </dgm:styleLbl>
+  <dgm:styleLbl name="parChTrans2D4">
+    <dgm:fillClrLst meth="repeat">
+      <a:schemeClr val="accent5"/>
+    </dgm:fillClrLst>
+    <dgm:linClrLst meth="repeat">
+      <a:schemeClr val="lt1"/>
+    </dgm:linClrLst>
+    <dgm:effectClrLst/>
+    <dgm:txLinClrLst/>
+    <dgm:txFillClrLst meth="repeat">
+      <a:schemeClr val="lt1"/>
+    </dgm:txFillClrLst>
+    <dgm:txEffectClrLst/>
+  </dgm:styleLbl>
+  <dgm:styleLbl name="parChTrans1D1">
+    <dgm:fillClrLst meth="repeat">
+      <a:schemeClr val="accent2"/>
+    </dgm:fillClrLst>
+    <dgm:linClrLst meth="repeat">
+      <a:schemeClr val="accent1"/>
+    </dgm:linClrLst>
+    <dgm:effectClrLst/>
+    <dgm:txLinClrLst/>
+    <dgm:txFillClrLst meth="repeat">
+      <a:schemeClr val="tx1"/>
+    </dgm:txFillClrLst>
+    <dgm:txEffectClrLst/>
+  </dgm:styleLbl>
+  <dgm:styleLbl name="parChTrans1D2">
+    <dgm:fillClrLst meth="repeat">
+      <a:schemeClr val="accent3">
+        <a:tint val="90000"/>
+      </a:schemeClr>
+    </dgm:fillClrLst>
+    <dgm:linClrLst meth="repeat">
+      <a:schemeClr val="accent2"/>
+    </dgm:linClrLst>
+    <dgm:effectClrLst/>
+    <dgm:txLinClrLst/>
+    <dgm:txFillClrLst meth="repeat">
+      <a:schemeClr val="tx1"/>
+    </dgm:txFillClrLst>
+    <dgm:txEffectClrLst/>
+  </dgm:styleLbl>
+  <dgm:styleLbl name="parChTrans1D3">
+    <dgm:fillClrLst meth="repeat">
+      <a:schemeClr val="accent4">
+        <a:tint val="70000"/>
+      </a:schemeClr>
+    </dgm:fillClrLst>
+    <dgm:linClrLst meth="repeat">
+      <a:schemeClr val="accent3"/>
+    </dgm:linClrLst>
+    <dgm:effectClrLst/>
+    <dgm:txLinClrLst/>
+    <dgm:txFillClrLst meth="repeat">
+      <a:schemeClr val="tx1"/>
+    </dgm:txFillClrLst>
+    <dgm:txEffectClrLst/>
+  </dgm:styleLbl>
+  <dgm:styleLbl name="parChTrans1D4">
+    <dgm:fillClrLst meth="repeat">
+      <a:schemeClr val="accent5">
+        <a:tint val="50000"/>
+      </a:schemeClr>
+    </dgm:fillClrLst>
+    <dgm:linClrLst meth="repeat">
+      <a:schemeClr val="accent4"/>
+    </dgm:linClrLst>
+    <dgm:effectClrLst/>
+    <dgm:txLinClrLst/>
+    <dgm:txFillClrLst meth="repeat">
+      <a:schemeClr val="tx1"/>
+    </dgm:txFillClrLst>
+    <dgm:txEffectClrLst/>
+  </dgm:styleLbl>
+  <dgm:styleLbl name="fgAcc1">
+    <dgm:fillClrLst meth="repeat">
+      <a:schemeClr val="lt1">
+        <a:alpha val="90000"/>
+      </a:schemeClr>
+    </dgm:fillClrLst>
+    <dgm:linClrLst meth="repeat">
+      <a:schemeClr val="accent2"/>
+      <a:schemeClr val="accent3"/>
+      <a:schemeClr val="accent4"/>
+      <a:schemeClr val="accent5"/>
+      <a:schemeClr val="accent6"/>
+    </dgm:linClrLst>
+    <dgm:effectClrLst/>
+    <dgm:txLinClrLst/>
+    <dgm:txFillClrLst meth="repeat">
+      <a:schemeClr val="dk1"/>
+    </dgm:txFillClrLst>
+    <dgm:txEffectClrLst/>
+  </dgm:styleLbl>
+  <dgm:styleLbl name="conFgAcc1">
+    <dgm:fillClrLst meth="repeat">
+      <a:schemeClr val="lt1">
+        <a:alpha val="90000"/>
+      </a:schemeClr>
+    </dgm:fillClrLst>
+    <dgm:linClrLst meth="repeat">
+      <a:schemeClr val="accent2"/>
+      <a:schemeClr val="accent3"/>
+      <a:schemeClr val="accent4"/>
+      <a:schemeClr val="accent5"/>
+      <a:schemeClr val="accent6"/>
+    </dgm:linClrLst>
+    <dgm:effectClrLst/>
+    <dgm:txLinClrLst/>
+    <dgm:txFillClrLst meth="repeat">
+      <a:schemeClr val="dk1"/>
+    </dgm:txFillClrLst>
+    <dgm:txEffectClrLst/>
+  </dgm:styleLbl>
+  <dgm:styleLbl name="alignAcc1">
+    <dgm:fillClrLst meth="repeat">
+      <a:schemeClr val="lt1">
+        <a:alpha val="90000"/>
+      </a:schemeClr>
+    </dgm:fillClrLst>
+    <dgm:linClrLst meth="repeat">
+      <a:schemeClr val="accent2"/>
+      <a:schemeClr val="accent3"/>
+      <a:schemeClr val="accent4"/>
+      <a:schemeClr val="accent5"/>
+      <a:schemeClr val="accent6"/>
+    </dgm:linClrLst>
+    <dgm:effectClrLst/>
+    <dgm:txLinClrLst/>
+    <dgm:txFillClrLst meth="repeat">
+      <a:schemeClr val="dk1"/>
+    </dgm:txFillClrLst>
+    <dgm:txEffectClrLst/>
+  </dgm:styleLbl>
+  <dgm:styleLbl name="trAlignAcc1">
+    <dgm:fillClrLst meth="repeat">
+      <a:schemeClr val="lt1">
+        <a:alpha val="40000"/>
+      </a:schemeClr>
+    </dgm:fillClrLst>
+    <dgm:linClrLst meth="repeat">
+      <a:schemeClr val="accent1"/>
+    </dgm:linClrLst>
+    <dgm:effectClrLst/>
+    <dgm:txLinClrLst/>
+    <dgm:txFillClrLst meth="repeat">
+      <a:schemeClr val="dk1"/>
+    </dgm:txFillClrLst>
+    <dgm:txEffectClrLst/>
+  </dgm:styleLbl>
+  <dgm:styleLbl name="bgAcc1">
+    <dgm:fillClrLst meth="repeat">
+      <a:schemeClr val="lt1">
+        <a:alpha val="90000"/>
+      </a:schemeClr>
+    </dgm:fillClrLst>
+    <dgm:linClrLst meth="repeat">
+      <a:schemeClr val="accent2"/>
+      <a:schemeClr val="accent3"/>
+      <a:schemeClr val="accent4"/>
+      <a:schemeClr val="accent5"/>
+      <a:schemeClr val="accent6"/>
+    </dgm:linClrLst>
+    <dgm:effectClrLst/>
+    <dgm:txLinClrLst/>
+    <dgm:txFillClrLst meth="repeat">
+      <a:schemeClr val="dk1"/>
+    </dgm:txFillClrLst>
+    <dgm:txEffectClrLst/>
+  </dgm:styleLbl>
+  <dgm:styleLbl name="solidFgAcc1">
+    <dgm:fillClrLst meth="repeat">
+      <a:schemeClr val="lt1"/>
+    </dgm:fillClrLst>
+    <dgm:linClrLst meth="repeat">
+      <a:schemeClr val="accent2"/>
+      <a:schemeClr val="accent3"/>
+      <a:schemeClr val="accent4"/>
+      <a:schemeClr val="accent5"/>
+      <a:schemeClr val="accent6"/>
+    </dgm:linClrLst>
+    <dgm:effectClrLst/>
+    <dgm:txLinClrLst/>
+    <dgm:txFillClrLst meth="repeat">
+      <a:schemeClr val="dk1"/>
+    </dgm:txFillClrLst>
+    <dgm:txEffectClrLst/>
+  </dgm:styleLbl>
+  <dgm:styleLbl name="solidAlignAcc1">
+    <dgm:fillClrLst meth="repeat">
+      <a:schemeClr val="lt1"/>
+    </dgm:fillClrLst>
+    <dgm:linClrLst meth="repeat">
+      <a:schemeClr val="accent2"/>
+      <a:schemeClr val="accent3"/>
+      <a:schemeClr val="accent4"/>
+      <a:schemeClr val="accent5"/>
+      <a:schemeClr val="accent6"/>
+    </dgm:linClrLst>
+    <dgm:effectClrLst/>
+    <dgm:txLinClrLst/>
+    <dgm:txFillClrLst meth="repeat">
+      <a:schemeClr val="dk1"/>
+    </dgm:txFillClrLst>
+    <dgm:txEffectClrLst/>
+  </dgm:styleLbl>
+  <dgm:styleLbl name="solidBgAcc1">
+    <dgm:fillClrLst meth="repeat">
+      <a:schemeClr val="lt1"/>
+    </dgm:fillClrLst>
+    <dgm:linClrLst meth="repeat">
+      <a:schemeClr val="accent2"/>
+      <a:schemeClr val="accent3"/>
+      <a:schemeClr val="accent4"/>
+      <a:schemeClr val="accent5"/>
+      <a:schemeClr val="accent6"/>
+    </dgm:linClrLst>
+    <dgm:effectClrLst/>
+    <dgm:txLinClrLst/>
+    <dgm:txFillClrLst meth="repeat">
+      <a:schemeClr val="dk1"/>
+    </dgm:txFillClrLst>
+    <dgm:txEffectClrLst/>
+  </dgm:styleLbl>
+  <dgm:styleLbl name="fgAccFollowNode1">
+    <dgm:fillClrLst meth="repeat">
+      <a:schemeClr val="accent2">
+        <a:tint val="40000"/>
+        <a:alpha val="90000"/>
+      </a:schemeClr>
+      <a:schemeClr val="accent3">
+        <a:tint val="40000"/>
+        <a:alpha val="90000"/>
+      </a:schemeClr>
+      <a:schemeClr val="accent4">
+        <a:tint val="40000"/>
+        <a:alpha val="90000"/>
+      </a:schemeClr>
+      <a:schemeClr val="accent5">
+        <a:tint val="40000"/>
+        <a:alpha val="90000"/>
+      </a:schemeClr>
+      <a:schemeClr val="accent6">
+        <a:tint val="40000"/>
+        <a:alpha val="90000"/>
+      </a:schemeClr>
+    </dgm:fillClrLst>
+    <dgm:linClrLst meth="repeat">
+      <a:schemeClr val="accent2">
+        <a:tint val="40000"/>
+        <a:alpha val="90000"/>
+      </a:schemeClr>
+      <a:schemeClr val="accent3">
+        <a:tint val="40000"/>
+        <a:alpha val="90000"/>
+      </a:schemeClr>
+      <a:schemeClr val="accent4">
+        <a:tint val="40000"/>
+        <a:alpha val="90000"/>
+      </a:schemeClr>
+      <a:schemeClr val="accent5">
+        <a:tint val="40000"/>
+        <a:alpha val="90000"/>
+      </a:schemeClr>
+      <a:schemeClr val="accent6">
+        <a:tint val="40000"/>
+        <a:alpha val="90000"/>
+      </a:schemeClr>
+    </dgm:linClrLst>
+    <dgm:effectClrLst/>
+    <dgm:txLinClrLst/>
+    <dgm:txFillClrLst meth="repeat">
+      <a:schemeClr val="dk1"/>
+    </dgm:txFillClrLst>
+    <dgm:txEffectClrLst/>
+  </dgm:styleLbl>
+  <dgm:styleLbl name="alignAccFollowNode1">
+    <dgm:fillClrLst meth="repeat">
+      <a:schemeClr val="accent2">
+        <a:tint val="40000"/>
+        <a:alpha val="90000"/>
+      </a:schemeClr>
+      <a:schemeClr val="accent3">
+        <a:tint val="40000"/>
+        <a:alpha val="90000"/>
+      </a:schemeClr>
+      <a:schemeClr val="accent4">
+        <a:tint val="40000"/>
+        <a:alpha val="90000"/>
+      </a:schemeClr>
+      <a:schemeClr val="accent5">
+        <a:tint val="40000"/>
+        <a:alpha val="90000"/>
+      </a:schemeClr>
+      <a:schemeClr val="accent6">
+        <a:tint val="40000"/>
+        <a:alpha val="90000"/>
+      </a:schemeClr>
+    </dgm:fillClrLst>
+    <dgm:linClrLst meth="repeat">
+      <a:schemeClr val="accent2">
+        <a:tint val="40000"/>
+        <a:alpha val="90000"/>
+      </a:schemeClr>
+      <a:schemeClr val="accent3">
+        <a:tint val="40000"/>
+        <a:alpha val="90000"/>
+      </a:schemeClr>
+      <a:schemeClr val="accent4">
+        <a:tint val="40000"/>
+        <a:alpha val="90000"/>
+      </a:schemeClr>
+      <a:schemeClr val="accent5">
+        <a:tint val="40000"/>
+        <a:alpha val="90000"/>
+      </a:schemeClr>
+      <a:schemeClr val="accent6">
+        <a:tint val="40000"/>
+        <a:alpha val="90000"/>
+      </a:schemeClr>
+    </dgm:linClrLst>
+    <dgm:effectClrLst/>
+    <dgm:txLinClrLst/>
+    <dgm:txFillClrLst meth="repeat">
+      <a:schemeClr val="dk1"/>
+    </dgm:txFillClrLst>
+    <dgm:txEffectClrLst/>
+  </dgm:styleLbl>
+  <dgm:styleLbl name="bgAccFollowNode1">
+    <dgm:fillClrLst meth="repeat">
+      <a:schemeClr val="accent2">
+        <a:tint val="40000"/>
+        <a:alpha val="90000"/>
+      </a:schemeClr>
+      <a:schemeClr val="accent3">
+        <a:tint val="40000"/>
+        <a:alpha val="90000"/>
+      </a:schemeClr>
+      <a:schemeClr val="accent4">
+        <a:tint val="40000"/>
+        <a:alpha val="90000"/>
+      </a:schemeClr>
+      <a:schemeClr val="accent5">
+        <a:tint val="40000"/>
+        <a:alpha val="90000"/>
+      </a:schemeClr>
+      <a:schemeClr val="accent6">
+        <a:tint val="40000"/>
+        <a:alpha val="90000"/>
+      </a:schemeClr>
+    </dgm:fillClrLst>
+    <dgm:linClrLst meth="repeat">
+      <a:schemeClr val="accent2">
+        <a:tint val="40000"/>
+        <a:alpha val="90000"/>
+      </a:schemeClr>
+      <a:schemeClr val="accent3">
+        <a:tint val="40000"/>
+        <a:alpha val="90000"/>
+      </a:schemeClr>
+      <a:schemeClr val="accent4">
+        <a:tint val="40000"/>
+        <a:alpha val="90000"/>
+      </a:schemeClr>
+      <a:schemeClr val="accent5">
+        <a:tint val="40000"/>
+        <a:alpha val="90000"/>
+      </a:schemeClr>
+      <a:schemeClr val="accent6">
+        <a:tint val="40000"/>
+        <a:alpha val="90000"/>
+      </a:schemeClr>
+    </dgm:linClrLst>
+    <dgm:effectClrLst/>
+    <dgm:txLinClrLst/>
+    <dgm:txFillClrLst meth="repeat">
+      <a:schemeClr val="dk1"/>
+    </dgm:txFillClrLst>
+    <dgm:txEffectClrLst/>
+  </dgm:styleLbl>
+  <dgm:styleLbl name="fgAcc0">
+    <dgm:fillClrLst meth="repeat">
+      <a:schemeClr val="lt1">
+        <a:alpha val="90000"/>
+      </a:schemeClr>
+    </dgm:fillClrLst>
+    <dgm:linClrLst>
+      <a:schemeClr val="accent1"/>
+    </dgm:linClrLst>
+    <dgm:effectClrLst/>
+    <dgm:txLinClrLst/>
+    <dgm:txFillClrLst meth="repeat">
+      <a:schemeClr val="dk1"/>
+    </dgm:txFillClrLst>
+    <dgm:txEffectClrLst/>
+  </dgm:styleLbl>
+  <dgm:styleLbl name="fgAcc2">
+    <dgm:fillClrLst meth="repeat">
+      <a:schemeClr val="lt1">
+        <a:alpha val="90000"/>
+      </a:schemeClr>
+    </dgm:fillClrLst>
+    <dgm:linClrLst>
+      <a:schemeClr val="accent2"/>
+    </dgm:linClrLst>
+    <dgm:effectClrLst/>
+    <dgm:txLinClrLst/>
+    <dgm:txFillClrLst meth="repeat">
+      <a:schemeClr val="dk1"/>
+    </dgm:txFillClrLst>
+    <dgm:txEffectClrLst/>
+  </dgm:styleLbl>
+  <dgm:styleLbl name="fgAcc3">
+    <dgm:fillClrLst meth="repeat">
+      <a:schemeClr val="lt1">
+        <a:alpha val="90000"/>
+      </a:schemeClr>
+    </dgm:fillClrLst>
+    <dgm:linClrLst>
+      <a:schemeClr val="accent3"/>
+    </dgm:linClrLst>
+    <dgm:effectClrLst/>
+    <dgm:txLinClrLst/>
+    <dgm:txFillClrLst meth="repeat">
+      <a:schemeClr val="dk1"/>
+    </dgm:txFillClrLst>
+    <dgm:txEffectClrLst/>
+  </dgm:styleLbl>
+  <dgm:styleLbl name="fgAcc4">
+    <dgm:fillClrLst meth="repeat">
+      <a:schemeClr val="lt1">
+        <a:alpha val="90000"/>
+      </a:schemeClr>
+    </dgm:fillClrLst>
+    <dgm:linClrLst>
+      <a:schemeClr val="accent4"/>
+    </dgm:linClrLst>
+    <dgm:effectClrLst/>
+    <dgm:txLinClrLst/>
+    <dgm:txFillClrLst meth="repeat">
+      <a:schemeClr val="dk1"/>
+    </dgm:txFillClrLst>
+    <dgm:txEffectClrLst/>
+  </dgm:styleLbl>
+  <dgm:styleLbl name="bgShp">
+    <dgm:fillClrLst meth="repeat">
+      <a:schemeClr val="accent2"/>
+      <a:schemeClr val="accent3"/>
+      <a:schemeClr val="accent4"/>
+      <a:schemeClr val="accent5"/>
+      <a:schemeClr val="accent6"/>
+    </dgm:fillClrLst>
+    <dgm:linClrLst meth="repeat">
+      <a:schemeClr val="lt1">
+        <a:alpha val="0"/>
+      </a:schemeClr>
+    </dgm:linClrLst>
+    <dgm:effectClrLst/>
+    <dgm:txLinClrLst/>
+    <dgm:txFillClrLst/>
+    <dgm:txEffectClrLst/>
+  </dgm:styleLbl>
+  <dgm:styleLbl name="dkBgShp">
+    <dgm:fillClrLst meth="repeat">
+      <a:schemeClr val="accent2">
+        <a:shade val="90000"/>
+      </a:schemeClr>
+    </dgm:fillClrLst>
+    <dgm:linClrLst meth="repeat">
+      <a:schemeClr val="dk1"/>
+    </dgm:linClrLst>
+    <dgm:effectClrLst/>
+    <dgm:txLinClrLst/>
+    <dgm:txFillClrLst meth="repeat">
+      <a:schemeClr val="lt1"/>
+    </dgm:txFillClrLst>
+    <dgm:txEffectClrLst/>
+  </dgm:styleLbl>
+  <dgm:styleLbl name="trBgShp">
+    <dgm:fillClrLst meth="repeat">
+      <a:schemeClr val="accent1">
+        <a:tint val="50000"/>
+        <a:alpha val="40000"/>
+      </a:schemeClr>
+    </dgm:fillClrLst>
+    <dgm:linClrLst meth="repeat">
+      <a:schemeClr val="accent2"/>
+    </dgm:linClrLst>
+    <dgm:effectClrLst/>
+    <dgm:txLinClrLst/>
+    <dgm:txFillClrLst meth="repeat">
+      <a:schemeClr val="lt1"/>
+    </dgm:txFillClrLst>
+    <dgm:txEffectClrLst/>
+  </dgm:styleLbl>
+  <dgm:styleLbl name="fgShp">
+    <dgm:fillClrLst meth="repeat">
+      <a:schemeClr val="accent2">
+        <a:tint val="40000"/>
+      </a:schemeClr>
+    </dgm:fillClrLst>
+    <dgm:linClrLst meth="repeat">
+      <a:schemeClr val="lt1"/>
+    </dgm:linClrLst>
+    <dgm:effectClrLst/>
+    <dgm:txLinClrLst/>
+    <dgm:txFillClrLst meth="repeat">
+      <a:schemeClr val="dk1"/>
+    </dgm:txFillClrLst>
+    <dgm:txEffectClrLst/>
+  </dgm:styleLbl>
+  <dgm:styleLbl name="revTx">
+    <dgm:fillClrLst meth="repeat">
+      <a:schemeClr val="lt1">
+        <a:alpha val="0"/>
+      </a:schemeClr>
+    </dgm:fillClrLst>
+    <dgm:linClrLst meth="repeat">
+      <a:schemeClr val="dk1">
+        <a:alpha val="0"/>
+      </a:schemeClr>
+    </dgm:linClrLst>
+    <dgm:effectClrLst/>
+    <dgm:txLinClrLst/>
+    <dgm:txFillClrLst meth="repeat">
+      <a:schemeClr val="bg1"/>
+    </dgm:txFillClrLst>
+    <dgm:txEffectClrLst/>
+  </dgm:styleLbl>
+</dgm:colorsDef>
+</file>
+
+<file path=ppt/diagrams/colors4.xml><?xml version="1.0" encoding="utf-8"?>
 <dgm:colorsDef xmlns:dgm="http://schemas.openxmlformats.org/drawingml/2006/diagram" xmlns:a="http://schemas.openxmlformats.org/drawingml/2006/main" uniqueId="urn:microsoft.com/office/officeart/2018/5/colors/Iconchunking_neutralicon_colorful1">
   <dgm:title val=""/>
   <dgm:desc val=""/>
@@ -3242,6 +4165,340 @@
 <file path=ppt/diagrams/data3.xml><?xml version="1.0" encoding="utf-8"?>
 <dgm:dataModel xmlns:dgm="http://schemas.openxmlformats.org/drawingml/2006/diagram" xmlns:a="http://schemas.openxmlformats.org/drawingml/2006/main">
   <dgm:ptLst>
+    <dgm:pt modelId="{757C249D-489F-4289-981B-C7CAB9C2AC6D}" type="doc">
+      <dgm:prSet loTypeId="urn:microsoft.com/office/officeart/2018/2/layout/IconVerticalSolidList" loCatId="icon" qsTypeId="urn:microsoft.com/office/officeart/2005/8/quickstyle/simple1" qsCatId="simple" csTypeId="urn:microsoft.com/office/officeart/2018/5/colors/Iconchunking_neutralicontext_colorful1" csCatId="colorful" phldr="1"/>
+      <dgm:spPr/>
+      <dgm:t>
+        <a:bodyPr/>
+        <a:lstStyle/>
+        <a:p>
+          <a:endParaRPr lang="en-US"/>
+        </a:p>
+      </dgm:t>
+    </dgm:pt>
+    <dgm:pt modelId="{361165B8-C507-4C71-8845-A4F819ED653C}">
+      <dgm:prSet/>
+      <dgm:spPr/>
+      <dgm:t>
+        <a:bodyPr/>
+        <a:lstStyle/>
+        <a:p>
+          <a:r>
+            <a:rPr lang="en-GB"/>
+            <a:t>IPTables – A Linux based firewall hooked into the kernel with high capabilities of traffic logging/prevention</a:t>
+          </a:r>
+          <a:endParaRPr lang="en-US"/>
+        </a:p>
+      </dgm:t>
+    </dgm:pt>
+    <dgm:pt modelId="{DB465A37-CA81-4E25-9333-80DF174F32FA}" type="parTrans" cxnId="{B7820EFB-DEFA-4785-BD09-F4F59A62DE56}">
+      <dgm:prSet/>
+      <dgm:spPr/>
+      <dgm:t>
+        <a:bodyPr/>
+        <a:lstStyle/>
+        <a:p>
+          <a:endParaRPr lang="en-US"/>
+        </a:p>
+      </dgm:t>
+    </dgm:pt>
+    <dgm:pt modelId="{5B4EF314-13A6-470D-9957-DA2D5369385D}" type="sibTrans" cxnId="{B7820EFB-DEFA-4785-BD09-F4F59A62DE56}">
+      <dgm:prSet/>
+      <dgm:spPr/>
+      <dgm:t>
+        <a:bodyPr/>
+        <a:lstStyle/>
+        <a:p>
+          <a:endParaRPr lang="en-US"/>
+        </a:p>
+      </dgm:t>
+    </dgm:pt>
+    <dgm:pt modelId="{6FD0E24A-582C-46CA-B802-891EF5D3E485}">
+      <dgm:prSet/>
+      <dgm:spPr/>
+      <dgm:t>
+        <a:bodyPr/>
+        <a:lstStyle/>
+        <a:p>
+          <a:r>
+            <a:rPr lang="en-GB"/>
+            <a:t>IPTables firewall rules when misconfigured with rules such as </a:t>
+          </a:r>
+          <a:r>
+            <a:rPr lang="en-GB" b="1"/>
+            <a:t>REJECT</a:t>
+          </a:r>
+          <a:r>
+            <a:rPr lang="en-GB"/>
+            <a:t> can allow opportunities to enumerate open ports due to information disclosure</a:t>
+          </a:r>
+          <a:endParaRPr lang="en-US"/>
+        </a:p>
+      </dgm:t>
+    </dgm:pt>
+    <dgm:pt modelId="{91C25621-83C5-4390-B5CB-A35AF398B839}" type="parTrans" cxnId="{F97A0B78-CF4F-4CE8-A825-08BFFE9D0C92}">
+      <dgm:prSet/>
+      <dgm:spPr/>
+      <dgm:t>
+        <a:bodyPr/>
+        <a:lstStyle/>
+        <a:p>
+          <a:endParaRPr lang="en-US"/>
+        </a:p>
+      </dgm:t>
+    </dgm:pt>
+    <dgm:pt modelId="{B67B40E0-F3A7-4372-8AB8-B1BE361D3212}" type="sibTrans" cxnId="{F97A0B78-CF4F-4CE8-A825-08BFFE9D0C92}">
+      <dgm:prSet/>
+      <dgm:spPr/>
+      <dgm:t>
+        <a:bodyPr/>
+        <a:lstStyle/>
+        <a:p>
+          <a:endParaRPr lang="en-US"/>
+        </a:p>
+      </dgm:t>
+    </dgm:pt>
+    <dgm:pt modelId="{A4717D6A-6ADC-4F6A-A8A9-645A9508A889}">
+      <dgm:prSet/>
+      <dgm:spPr/>
+      <dgm:t>
+        <a:bodyPr/>
+        <a:lstStyle/>
+        <a:p>
+          <a:r>
+            <a:rPr lang="en-GB"/>
+            <a:t>Enumerating outbound firewall rules can aid in payload weaponization to achieve infiltration or client side attack from external perimeter.</a:t>
+          </a:r>
+          <a:endParaRPr lang="en-US"/>
+        </a:p>
+      </dgm:t>
+    </dgm:pt>
+    <dgm:pt modelId="{C76DE555-3A69-42B2-A4D4-21869B516857}" type="parTrans" cxnId="{CAD25213-7295-463F-A669-E64BEE46C5F0}">
+      <dgm:prSet/>
+      <dgm:spPr/>
+      <dgm:t>
+        <a:bodyPr/>
+        <a:lstStyle/>
+        <a:p>
+          <a:endParaRPr lang="en-US"/>
+        </a:p>
+      </dgm:t>
+    </dgm:pt>
+    <dgm:pt modelId="{F9709358-B9BB-40EC-BF16-9D189C48E0D4}" type="sibTrans" cxnId="{CAD25213-7295-463F-A669-E64BEE46C5F0}">
+      <dgm:prSet/>
+      <dgm:spPr/>
+      <dgm:t>
+        <a:bodyPr/>
+        <a:lstStyle/>
+        <a:p>
+          <a:endParaRPr lang="en-US"/>
+        </a:p>
+      </dgm:t>
+    </dgm:pt>
+    <dgm:pt modelId="{DDC4A776-4C0C-41EE-BB42-28883DAEA904}" type="pres">
+      <dgm:prSet presAssocID="{757C249D-489F-4289-981B-C7CAB9C2AC6D}" presName="root" presStyleCnt="0">
+        <dgm:presLayoutVars>
+          <dgm:dir/>
+          <dgm:resizeHandles val="exact"/>
+        </dgm:presLayoutVars>
+      </dgm:prSet>
+      <dgm:spPr/>
+    </dgm:pt>
+    <dgm:pt modelId="{66C9436D-D7B6-4036-8EB9-1CF0461DBE70}" type="pres">
+      <dgm:prSet presAssocID="{361165B8-C507-4C71-8845-A4F819ED653C}" presName="compNode" presStyleCnt="0"/>
+      <dgm:spPr/>
+    </dgm:pt>
+    <dgm:pt modelId="{A189B7B7-3D35-47A1-AB43-A83BFDD0FEBC}" type="pres">
+      <dgm:prSet presAssocID="{361165B8-C507-4C71-8845-A4F819ED653C}" presName="bgRect" presStyleLbl="bgShp" presStyleIdx="0" presStyleCnt="3"/>
+      <dgm:spPr/>
+    </dgm:pt>
+    <dgm:pt modelId="{96914512-69B7-48C7-B621-6FDFDAD60764}" type="pres">
+      <dgm:prSet presAssocID="{361165B8-C507-4C71-8845-A4F819ED653C}" presName="iconRect" presStyleLbl="node1" presStyleIdx="0" presStyleCnt="3"/>
+      <dgm:spPr>
+        <a:blipFill>
+          <a:blip xmlns:r="http://schemas.openxmlformats.org/officeDocument/2006/relationships" r:embed="rId1">
+            <a:extLst>
+              <a:ext uri="{28A0092B-C50C-407E-A947-70E740481C1C}">
+                <a14:useLocalDpi xmlns:a14="http://schemas.microsoft.com/office/drawing/2010/main" val="0"/>
+              </a:ext>
+              <a:ext uri="{96DAC541-7B7A-43D3-8B79-37D633B846F1}">
+                <asvg:svgBlip xmlns:asvg="http://schemas.microsoft.com/office/drawing/2016/SVG/main" r:embed="rId2"/>
+              </a:ext>
+            </a:extLst>
+          </a:blip>
+          <a:stretch>
+            <a:fillRect/>
+          </a:stretch>
+        </a:blipFill>
+        <a:ln>
+          <a:noFill/>
+        </a:ln>
+      </dgm:spPr>
+      <dgm:extLst>
+        <a:ext uri="{E40237B7-FDA0-4F09-8148-C483321AD2D9}">
+          <dgm14:cNvPr xmlns:dgm14="http://schemas.microsoft.com/office/drawing/2010/diagram" id="0" name="" descr="Processor"/>
+        </a:ext>
+      </dgm:extLst>
+    </dgm:pt>
+    <dgm:pt modelId="{6ED0D104-CF79-4F56-AEE3-76C6911F9724}" type="pres">
+      <dgm:prSet presAssocID="{361165B8-C507-4C71-8845-A4F819ED653C}" presName="spaceRect" presStyleCnt="0"/>
+      <dgm:spPr/>
+    </dgm:pt>
+    <dgm:pt modelId="{F02264BD-4796-4698-BCEA-DA8C456D3870}" type="pres">
+      <dgm:prSet presAssocID="{361165B8-C507-4C71-8845-A4F819ED653C}" presName="parTx" presStyleLbl="revTx" presStyleIdx="0" presStyleCnt="3">
+        <dgm:presLayoutVars>
+          <dgm:chMax val="0"/>
+          <dgm:chPref val="0"/>
+        </dgm:presLayoutVars>
+      </dgm:prSet>
+      <dgm:spPr/>
+    </dgm:pt>
+    <dgm:pt modelId="{84B24623-9695-4490-8F44-7AEAE2D1C919}" type="pres">
+      <dgm:prSet presAssocID="{5B4EF314-13A6-470D-9957-DA2D5369385D}" presName="sibTrans" presStyleCnt="0"/>
+      <dgm:spPr/>
+    </dgm:pt>
+    <dgm:pt modelId="{8EE1CD99-72C5-4580-9414-C38C5B87D610}" type="pres">
+      <dgm:prSet presAssocID="{6FD0E24A-582C-46CA-B802-891EF5D3E485}" presName="compNode" presStyleCnt="0"/>
+      <dgm:spPr/>
+    </dgm:pt>
+    <dgm:pt modelId="{7564C830-E409-47AE-8CCB-5B634C9CADE3}" type="pres">
+      <dgm:prSet presAssocID="{6FD0E24A-582C-46CA-B802-891EF5D3E485}" presName="bgRect" presStyleLbl="bgShp" presStyleIdx="1" presStyleCnt="3"/>
+      <dgm:spPr/>
+    </dgm:pt>
+    <dgm:pt modelId="{5917768F-D22E-44CD-8890-64339CA2683E}" type="pres">
+      <dgm:prSet presAssocID="{6FD0E24A-582C-46CA-B802-891EF5D3E485}" presName="iconRect" presStyleLbl="node1" presStyleIdx="1" presStyleCnt="3"/>
+      <dgm:spPr>
+        <a:blipFill>
+          <a:blip xmlns:r="http://schemas.openxmlformats.org/officeDocument/2006/relationships" r:embed="rId3">
+            <a:extLst>
+              <a:ext uri="{28A0092B-C50C-407E-A947-70E740481C1C}">
+                <a14:useLocalDpi xmlns:a14="http://schemas.microsoft.com/office/drawing/2010/main" val="0"/>
+              </a:ext>
+              <a:ext uri="{96DAC541-7B7A-43D3-8B79-37D633B846F1}">
+                <asvg:svgBlip xmlns:asvg="http://schemas.microsoft.com/office/drawing/2016/SVG/main" r:embed="rId4"/>
+              </a:ext>
+            </a:extLst>
+          </a:blip>
+          <a:stretch>
+            <a:fillRect/>
+          </a:stretch>
+        </a:blipFill>
+        <a:ln>
+          <a:noFill/>
+        </a:ln>
+      </dgm:spPr>
+      <dgm:extLst>
+        <a:ext uri="{E40237B7-FDA0-4F09-8148-C483321AD2D9}">
+          <dgm14:cNvPr xmlns:dgm14="http://schemas.microsoft.com/office/drawing/2010/diagram" id="0" name="" descr="Lock"/>
+        </a:ext>
+      </dgm:extLst>
+    </dgm:pt>
+    <dgm:pt modelId="{0D6C7DB2-50F8-44B3-BFFE-3001203D8615}" type="pres">
+      <dgm:prSet presAssocID="{6FD0E24A-582C-46CA-B802-891EF5D3E485}" presName="spaceRect" presStyleCnt="0"/>
+      <dgm:spPr/>
+    </dgm:pt>
+    <dgm:pt modelId="{2CB6881A-0AFC-422A-ADF6-5126D720D985}" type="pres">
+      <dgm:prSet presAssocID="{6FD0E24A-582C-46CA-B802-891EF5D3E485}" presName="parTx" presStyleLbl="revTx" presStyleIdx="1" presStyleCnt="3">
+        <dgm:presLayoutVars>
+          <dgm:chMax val="0"/>
+          <dgm:chPref val="0"/>
+        </dgm:presLayoutVars>
+      </dgm:prSet>
+      <dgm:spPr/>
+    </dgm:pt>
+    <dgm:pt modelId="{CAD47431-6CC2-49C5-A980-97C2E8BB8766}" type="pres">
+      <dgm:prSet presAssocID="{B67B40E0-F3A7-4372-8AB8-B1BE361D3212}" presName="sibTrans" presStyleCnt="0"/>
+      <dgm:spPr/>
+    </dgm:pt>
+    <dgm:pt modelId="{94138297-4CAB-4A81-A936-17DA22B0AC93}" type="pres">
+      <dgm:prSet presAssocID="{A4717D6A-6ADC-4F6A-A8A9-645A9508A889}" presName="compNode" presStyleCnt="0"/>
+      <dgm:spPr/>
+    </dgm:pt>
+    <dgm:pt modelId="{5FEE0176-FC80-49BE-97E3-0A28F420C99E}" type="pres">
+      <dgm:prSet presAssocID="{A4717D6A-6ADC-4F6A-A8A9-645A9508A889}" presName="bgRect" presStyleLbl="bgShp" presStyleIdx="2" presStyleCnt="3"/>
+      <dgm:spPr/>
+    </dgm:pt>
+    <dgm:pt modelId="{DCB3CA7D-A998-430D-BD6E-0C3FE0C13B27}" type="pres">
+      <dgm:prSet presAssocID="{A4717D6A-6ADC-4F6A-A8A9-645A9508A889}" presName="iconRect" presStyleLbl="node1" presStyleIdx="2" presStyleCnt="3"/>
+      <dgm:spPr>
+        <a:blipFill>
+          <a:blip xmlns:r="http://schemas.openxmlformats.org/officeDocument/2006/relationships" r:embed="rId5">
+            <a:extLst>
+              <a:ext uri="{28A0092B-C50C-407E-A947-70E740481C1C}">
+                <a14:useLocalDpi xmlns:a14="http://schemas.microsoft.com/office/drawing/2010/main" val="0"/>
+              </a:ext>
+              <a:ext uri="{96DAC541-7B7A-43D3-8B79-37D633B846F1}">
+                <asvg:svgBlip xmlns:asvg="http://schemas.microsoft.com/office/drawing/2016/SVG/main" r:embed="rId6"/>
+              </a:ext>
+            </a:extLst>
+          </a:blip>
+          <a:stretch>
+            <a:fillRect/>
+          </a:stretch>
+        </a:blipFill>
+        <a:ln>
+          <a:noFill/>
+        </a:ln>
+      </dgm:spPr>
+      <dgm:extLst>
+        <a:ext uri="{E40237B7-FDA0-4F09-8148-C483321AD2D9}">
+          <dgm14:cNvPr xmlns:dgm14="http://schemas.microsoft.com/office/drawing/2010/diagram" id="0" name="" descr="Disconnected"/>
+        </a:ext>
+      </dgm:extLst>
+    </dgm:pt>
+    <dgm:pt modelId="{07350474-A1F6-4A1D-81D6-491772DF1E13}" type="pres">
+      <dgm:prSet presAssocID="{A4717D6A-6ADC-4F6A-A8A9-645A9508A889}" presName="spaceRect" presStyleCnt="0"/>
+      <dgm:spPr/>
+    </dgm:pt>
+    <dgm:pt modelId="{D77372E1-9C2C-446F-A8BE-0626F4526FCA}" type="pres">
+      <dgm:prSet presAssocID="{A4717D6A-6ADC-4F6A-A8A9-645A9508A889}" presName="parTx" presStyleLbl="revTx" presStyleIdx="2" presStyleCnt="3">
+        <dgm:presLayoutVars>
+          <dgm:chMax val="0"/>
+          <dgm:chPref val="0"/>
+        </dgm:presLayoutVars>
+      </dgm:prSet>
+      <dgm:spPr/>
+    </dgm:pt>
+  </dgm:ptLst>
+  <dgm:cxnLst>
+    <dgm:cxn modelId="{CAD25213-7295-463F-A669-E64BEE46C5F0}" srcId="{757C249D-489F-4289-981B-C7CAB9C2AC6D}" destId="{A4717D6A-6ADC-4F6A-A8A9-645A9508A889}" srcOrd="2" destOrd="0" parTransId="{C76DE555-3A69-42B2-A4D4-21869B516857}" sibTransId="{F9709358-B9BB-40EC-BF16-9D189C48E0D4}"/>
+    <dgm:cxn modelId="{535B8977-9F26-482E-AE99-3A1B8A2D4FB1}" type="presOf" srcId="{757C249D-489F-4289-981B-C7CAB9C2AC6D}" destId="{DDC4A776-4C0C-41EE-BB42-28883DAEA904}" srcOrd="0" destOrd="0" presId="urn:microsoft.com/office/officeart/2018/2/layout/IconVerticalSolidList"/>
+    <dgm:cxn modelId="{F97A0B78-CF4F-4CE8-A825-08BFFE9D0C92}" srcId="{757C249D-489F-4289-981B-C7CAB9C2AC6D}" destId="{6FD0E24A-582C-46CA-B802-891EF5D3E485}" srcOrd="1" destOrd="0" parTransId="{91C25621-83C5-4390-B5CB-A35AF398B839}" sibTransId="{B67B40E0-F3A7-4372-8AB8-B1BE361D3212}"/>
+    <dgm:cxn modelId="{9BEE0BC7-35A3-4A9E-98B5-854DB418F8CD}" type="presOf" srcId="{6FD0E24A-582C-46CA-B802-891EF5D3E485}" destId="{2CB6881A-0AFC-422A-ADF6-5126D720D985}" srcOrd="0" destOrd="0" presId="urn:microsoft.com/office/officeart/2018/2/layout/IconVerticalSolidList"/>
+    <dgm:cxn modelId="{9B8D33DE-B0B6-4E9C-83BD-5619F316091B}" type="presOf" srcId="{361165B8-C507-4C71-8845-A4F819ED653C}" destId="{F02264BD-4796-4698-BCEA-DA8C456D3870}" srcOrd="0" destOrd="0" presId="urn:microsoft.com/office/officeart/2018/2/layout/IconVerticalSolidList"/>
+    <dgm:cxn modelId="{1B1C1CE2-101B-4FED-A1BD-4CF1FBBA8AA6}" type="presOf" srcId="{A4717D6A-6ADC-4F6A-A8A9-645A9508A889}" destId="{D77372E1-9C2C-446F-A8BE-0626F4526FCA}" srcOrd="0" destOrd="0" presId="urn:microsoft.com/office/officeart/2018/2/layout/IconVerticalSolidList"/>
+    <dgm:cxn modelId="{B7820EFB-DEFA-4785-BD09-F4F59A62DE56}" srcId="{757C249D-489F-4289-981B-C7CAB9C2AC6D}" destId="{361165B8-C507-4C71-8845-A4F819ED653C}" srcOrd="0" destOrd="0" parTransId="{DB465A37-CA81-4E25-9333-80DF174F32FA}" sibTransId="{5B4EF314-13A6-470D-9957-DA2D5369385D}"/>
+    <dgm:cxn modelId="{CA48CC7C-EEFA-4CFB-B89F-88EF23DB8B43}" type="presParOf" srcId="{DDC4A776-4C0C-41EE-BB42-28883DAEA904}" destId="{66C9436D-D7B6-4036-8EB9-1CF0461DBE70}" srcOrd="0" destOrd="0" presId="urn:microsoft.com/office/officeart/2018/2/layout/IconVerticalSolidList"/>
+    <dgm:cxn modelId="{2F9AAD7A-41B1-4C0B-BBD5-304E4CBA75A6}" type="presParOf" srcId="{66C9436D-D7B6-4036-8EB9-1CF0461DBE70}" destId="{A189B7B7-3D35-47A1-AB43-A83BFDD0FEBC}" srcOrd="0" destOrd="0" presId="urn:microsoft.com/office/officeart/2018/2/layout/IconVerticalSolidList"/>
+    <dgm:cxn modelId="{2ABAA5D2-0F2D-487B-909B-CDFE8AFD8EE2}" type="presParOf" srcId="{66C9436D-D7B6-4036-8EB9-1CF0461DBE70}" destId="{96914512-69B7-48C7-B621-6FDFDAD60764}" srcOrd="1" destOrd="0" presId="urn:microsoft.com/office/officeart/2018/2/layout/IconVerticalSolidList"/>
+    <dgm:cxn modelId="{659138EF-D066-4803-8A9B-D5C7DD405A7F}" type="presParOf" srcId="{66C9436D-D7B6-4036-8EB9-1CF0461DBE70}" destId="{6ED0D104-CF79-4F56-AEE3-76C6911F9724}" srcOrd="2" destOrd="0" presId="urn:microsoft.com/office/officeart/2018/2/layout/IconVerticalSolidList"/>
+    <dgm:cxn modelId="{DCF9867C-453F-4F40-B129-6F66B684DB80}" type="presParOf" srcId="{66C9436D-D7B6-4036-8EB9-1CF0461DBE70}" destId="{F02264BD-4796-4698-BCEA-DA8C456D3870}" srcOrd="3" destOrd="0" presId="urn:microsoft.com/office/officeart/2018/2/layout/IconVerticalSolidList"/>
+    <dgm:cxn modelId="{689BC081-D5A8-4048-ABFB-0EF61D17B853}" type="presParOf" srcId="{DDC4A776-4C0C-41EE-BB42-28883DAEA904}" destId="{84B24623-9695-4490-8F44-7AEAE2D1C919}" srcOrd="1" destOrd="0" presId="urn:microsoft.com/office/officeart/2018/2/layout/IconVerticalSolidList"/>
+    <dgm:cxn modelId="{92CCCD0C-ED7B-4C19-86CB-38489AAFB510}" type="presParOf" srcId="{DDC4A776-4C0C-41EE-BB42-28883DAEA904}" destId="{8EE1CD99-72C5-4580-9414-C38C5B87D610}" srcOrd="2" destOrd="0" presId="urn:microsoft.com/office/officeart/2018/2/layout/IconVerticalSolidList"/>
+    <dgm:cxn modelId="{86CC86E1-0FA8-4602-BCE5-B8470A08731C}" type="presParOf" srcId="{8EE1CD99-72C5-4580-9414-C38C5B87D610}" destId="{7564C830-E409-47AE-8CCB-5B634C9CADE3}" srcOrd="0" destOrd="0" presId="urn:microsoft.com/office/officeart/2018/2/layout/IconVerticalSolidList"/>
+    <dgm:cxn modelId="{B4D839C3-4E89-4D7A-B55D-A44157E0B35B}" type="presParOf" srcId="{8EE1CD99-72C5-4580-9414-C38C5B87D610}" destId="{5917768F-D22E-44CD-8890-64339CA2683E}" srcOrd="1" destOrd="0" presId="urn:microsoft.com/office/officeart/2018/2/layout/IconVerticalSolidList"/>
+    <dgm:cxn modelId="{1B862074-CC7B-44C1-A987-32EFE2D90853}" type="presParOf" srcId="{8EE1CD99-72C5-4580-9414-C38C5B87D610}" destId="{0D6C7DB2-50F8-44B3-BFFE-3001203D8615}" srcOrd="2" destOrd="0" presId="urn:microsoft.com/office/officeart/2018/2/layout/IconVerticalSolidList"/>
+    <dgm:cxn modelId="{0DF72D4B-692F-4082-A2E7-684AE825F68C}" type="presParOf" srcId="{8EE1CD99-72C5-4580-9414-C38C5B87D610}" destId="{2CB6881A-0AFC-422A-ADF6-5126D720D985}" srcOrd="3" destOrd="0" presId="urn:microsoft.com/office/officeart/2018/2/layout/IconVerticalSolidList"/>
+    <dgm:cxn modelId="{2E23C207-427A-4242-8323-C8E1389193D5}" type="presParOf" srcId="{DDC4A776-4C0C-41EE-BB42-28883DAEA904}" destId="{CAD47431-6CC2-49C5-A980-97C2E8BB8766}" srcOrd="3" destOrd="0" presId="urn:microsoft.com/office/officeart/2018/2/layout/IconVerticalSolidList"/>
+    <dgm:cxn modelId="{C5351CDA-48C3-45FA-A175-99D35AA52C8E}" type="presParOf" srcId="{DDC4A776-4C0C-41EE-BB42-28883DAEA904}" destId="{94138297-4CAB-4A81-A936-17DA22B0AC93}" srcOrd="4" destOrd="0" presId="urn:microsoft.com/office/officeart/2018/2/layout/IconVerticalSolidList"/>
+    <dgm:cxn modelId="{3926D833-CC9F-41CA-9B27-2CCA196A7427}" type="presParOf" srcId="{94138297-4CAB-4A81-A936-17DA22B0AC93}" destId="{5FEE0176-FC80-49BE-97E3-0A28F420C99E}" srcOrd="0" destOrd="0" presId="urn:microsoft.com/office/officeart/2018/2/layout/IconVerticalSolidList"/>
+    <dgm:cxn modelId="{8244042B-795E-445E-AA6C-3188B2ECFBEE}" type="presParOf" srcId="{94138297-4CAB-4A81-A936-17DA22B0AC93}" destId="{DCB3CA7D-A998-430D-BD6E-0C3FE0C13B27}" srcOrd="1" destOrd="0" presId="urn:microsoft.com/office/officeart/2018/2/layout/IconVerticalSolidList"/>
+    <dgm:cxn modelId="{F40119E8-024C-4FDF-9331-95CC7246C7B3}" type="presParOf" srcId="{94138297-4CAB-4A81-A936-17DA22B0AC93}" destId="{07350474-A1F6-4A1D-81D6-491772DF1E13}" srcOrd="2" destOrd="0" presId="urn:microsoft.com/office/officeart/2018/2/layout/IconVerticalSolidList"/>
+    <dgm:cxn modelId="{273B6DDB-E7AB-432E-B61D-823BD10032E6}" type="presParOf" srcId="{94138297-4CAB-4A81-A936-17DA22B0AC93}" destId="{D77372E1-9C2C-446F-A8BE-0626F4526FCA}" srcOrd="3" destOrd="0" presId="urn:microsoft.com/office/officeart/2018/2/layout/IconVerticalSolidList"/>
+  </dgm:cxnLst>
+  <dgm:bg/>
+  <dgm:whole/>
+  <dgm:extLst>
+    <a:ext uri="http://schemas.microsoft.com/office/drawing/2008/diagram">
+      <dsp:dataModelExt xmlns:dsp="http://schemas.microsoft.com/office/drawing/2008/diagram" relId="rId6" minVer="http://schemas.openxmlformats.org/drawingml/2006/diagram"/>
+    </a:ext>
+  </dgm:extLst>
+</dgm:dataModel>
+</file>
+
+<file path=ppt/diagrams/data4.xml><?xml version="1.0" encoding="utf-8"?>
+<dgm:dataModel xmlns:dgm="http://schemas.openxmlformats.org/drawingml/2006/diagram" xmlns:a="http://schemas.openxmlformats.org/drawingml/2006/main">
+  <dgm:ptLst>
     <dgm:pt modelId="{C434374C-19CD-4313-B17C-649BD404EF99}" type="doc">
       <dgm:prSet loTypeId="urn:microsoft.com/office/officeart/2018/2/layout/IconCircleList" loCatId="icon" qsTypeId="urn:microsoft.com/office/officeart/2005/8/quickstyle/simple1" qsCatId="simple" csTypeId="urn:microsoft.com/office/officeart/2018/5/colors/Iconchunking_neutralicon_colorful1" csCatId="colorful" phldr="1"/>
       <dgm:spPr/>
@@ -3670,7 +4927,7 @@
   <dgm:whole/>
   <dgm:extLst>
     <a:ext uri="http://schemas.microsoft.com/office/drawing/2008/diagram">
-      <dsp:dataModelExt xmlns:dsp="http://schemas.microsoft.com/office/drawing/2008/diagram" relId="rId6" minVer="http://schemas.openxmlformats.org/drawingml/2006/diagram"/>
+      <dsp:dataModelExt xmlns:dsp="http://schemas.microsoft.com/office/drawing/2008/diagram" relId="rId7" minVer="http://schemas.openxmlformats.org/drawingml/2006/diagram"/>
     </a:ext>
   </dgm:extLst>
 </dgm:dataModel>
@@ -4604,6 +5861,479 @@
 </file>
 
 <file path=ppt/diagrams/drawing3.xml><?xml version="1.0" encoding="utf-8"?>
+<dsp:drawing xmlns:dgm="http://schemas.openxmlformats.org/drawingml/2006/diagram" xmlns:dsp="http://schemas.microsoft.com/office/drawing/2008/diagram" xmlns:a="http://schemas.openxmlformats.org/drawingml/2006/main">
+  <dsp:spTree>
+    <dsp:nvGrpSpPr>
+      <dsp:cNvPr id="0" name=""/>
+      <dsp:cNvGrpSpPr/>
+    </dsp:nvGrpSpPr>
+    <dsp:grpSpPr/>
+    <dsp:sp modelId="{A189B7B7-3D35-47A1-AB43-A83BFDD0FEBC}">
+      <dsp:nvSpPr>
+        <dsp:cNvPr id="0" name=""/>
+        <dsp:cNvSpPr/>
+      </dsp:nvSpPr>
+      <dsp:spPr>
+        <a:xfrm>
+          <a:off x="0" y="449"/>
+          <a:ext cx="11029950" cy="1050668"/>
+        </a:xfrm>
+        <a:prstGeom prst="roundRect">
+          <a:avLst>
+            <a:gd name="adj" fmla="val 10000"/>
+          </a:avLst>
+        </a:prstGeom>
+        <a:solidFill>
+          <a:schemeClr val="accent2">
+            <a:hueOff val="0"/>
+            <a:satOff val="0"/>
+            <a:lumOff val="0"/>
+            <a:alphaOff val="0"/>
+          </a:schemeClr>
+        </a:solidFill>
+        <a:ln>
+          <a:noFill/>
+        </a:ln>
+        <a:effectLst/>
+      </dsp:spPr>
+      <dsp:style>
+        <a:lnRef idx="0">
+          <a:scrgbClr r="0" g="0" b="0"/>
+        </a:lnRef>
+        <a:fillRef idx="1">
+          <a:scrgbClr r="0" g="0" b="0"/>
+        </a:fillRef>
+        <a:effectRef idx="0">
+          <a:scrgbClr r="0" g="0" b="0"/>
+        </a:effectRef>
+        <a:fontRef idx="minor"/>
+      </dsp:style>
+    </dsp:sp>
+    <dsp:sp modelId="{96914512-69B7-48C7-B621-6FDFDAD60764}">
+      <dsp:nvSpPr>
+        <dsp:cNvPr id="0" name=""/>
+        <dsp:cNvSpPr/>
+      </dsp:nvSpPr>
+      <dsp:spPr>
+        <a:xfrm>
+          <a:off x="317827" y="236849"/>
+          <a:ext cx="577867" cy="577867"/>
+        </a:xfrm>
+        <a:prstGeom prst="rect">
+          <a:avLst/>
+        </a:prstGeom>
+        <a:blipFill>
+          <a:blip xmlns:r="http://schemas.openxmlformats.org/officeDocument/2006/relationships" r:embed="rId1">
+            <a:extLst>
+              <a:ext uri="{28A0092B-C50C-407E-A947-70E740481C1C}">
+                <a14:useLocalDpi xmlns:a14="http://schemas.microsoft.com/office/drawing/2010/main" val="0"/>
+              </a:ext>
+              <a:ext uri="{96DAC541-7B7A-43D3-8B79-37D633B846F1}">
+                <asvg:svgBlip xmlns:asvg="http://schemas.microsoft.com/office/drawing/2016/SVG/main" r:embed="rId2"/>
+              </a:ext>
+            </a:extLst>
+          </a:blip>
+          <a:stretch>
+            <a:fillRect/>
+          </a:stretch>
+        </a:blipFill>
+        <a:ln w="22225" cap="rnd" cmpd="sng" algn="ctr">
+          <a:noFill/>
+          <a:prstDash val="solid"/>
+        </a:ln>
+        <a:effectLst/>
+      </dsp:spPr>
+      <dsp:style>
+        <a:lnRef idx="2">
+          <a:scrgbClr r="0" g="0" b="0"/>
+        </a:lnRef>
+        <a:fillRef idx="1">
+          <a:scrgbClr r="0" g="0" b="0"/>
+        </a:fillRef>
+        <a:effectRef idx="0">
+          <a:scrgbClr r="0" g="0" b="0"/>
+        </a:effectRef>
+        <a:fontRef idx="minor">
+          <a:schemeClr val="lt1"/>
+        </a:fontRef>
+      </dsp:style>
+    </dsp:sp>
+    <dsp:sp modelId="{F02264BD-4796-4698-BCEA-DA8C456D3870}">
+      <dsp:nvSpPr>
+        <dsp:cNvPr id="0" name=""/>
+        <dsp:cNvSpPr/>
+      </dsp:nvSpPr>
+      <dsp:spPr>
+        <a:xfrm>
+          <a:off x="1213522" y="449"/>
+          <a:ext cx="9816427" cy="1050668"/>
+        </a:xfrm>
+        <a:prstGeom prst="rect">
+          <a:avLst/>
+        </a:prstGeom>
+        <a:noFill/>
+        <a:ln>
+          <a:noFill/>
+        </a:ln>
+        <a:effectLst/>
+      </dsp:spPr>
+      <dsp:style>
+        <a:lnRef idx="0">
+          <a:scrgbClr r="0" g="0" b="0"/>
+        </a:lnRef>
+        <a:fillRef idx="0">
+          <a:scrgbClr r="0" g="0" b="0"/>
+        </a:fillRef>
+        <a:effectRef idx="0">
+          <a:scrgbClr r="0" g="0" b="0"/>
+        </a:effectRef>
+        <a:fontRef idx="minor"/>
+      </dsp:style>
+      <dsp:txBody>
+        <a:bodyPr spcFirstLastPara="0" vert="horz" wrap="square" lIns="111196" tIns="111196" rIns="111196" bIns="111196" numCol="1" spcCol="1270" anchor="ctr" anchorCtr="0">
+          <a:noAutofit/>
+        </a:bodyPr>
+        <a:lstStyle/>
+        <a:p>
+          <a:pPr marL="0" lvl="0" indent="0" algn="l" defTabSz="1066800">
+            <a:lnSpc>
+              <a:spcPct val="90000"/>
+            </a:lnSpc>
+            <a:spcBef>
+              <a:spcPct val="0"/>
+            </a:spcBef>
+            <a:spcAft>
+              <a:spcPct val="35000"/>
+            </a:spcAft>
+            <a:buNone/>
+          </a:pPr>
+          <a:r>
+            <a:rPr lang="en-GB" sz="2400" kern="1200"/>
+            <a:t>IPTables – A Linux based firewall hooked into the kernel with high capabilities of traffic logging/prevention</a:t>
+          </a:r>
+          <a:endParaRPr lang="en-US" sz="2400" kern="1200"/>
+        </a:p>
+      </dsp:txBody>
+      <dsp:txXfrm>
+        <a:off x="1213522" y="449"/>
+        <a:ext cx="9816427" cy="1050668"/>
+      </dsp:txXfrm>
+    </dsp:sp>
+    <dsp:sp modelId="{7564C830-E409-47AE-8CCB-5B634C9CADE3}">
+      <dsp:nvSpPr>
+        <dsp:cNvPr id="0" name=""/>
+        <dsp:cNvSpPr/>
+      </dsp:nvSpPr>
+      <dsp:spPr>
+        <a:xfrm>
+          <a:off x="0" y="1313784"/>
+          <a:ext cx="11029950" cy="1050668"/>
+        </a:xfrm>
+        <a:prstGeom prst="roundRect">
+          <a:avLst>
+            <a:gd name="adj" fmla="val 10000"/>
+          </a:avLst>
+        </a:prstGeom>
+        <a:solidFill>
+          <a:schemeClr val="accent3">
+            <a:hueOff val="0"/>
+            <a:satOff val="0"/>
+            <a:lumOff val="0"/>
+            <a:alphaOff val="0"/>
+          </a:schemeClr>
+        </a:solidFill>
+        <a:ln>
+          <a:noFill/>
+        </a:ln>
+        <a:effectLst/>
+      </dsp:spPr>
+      <dsp:style>
+        <a:lnRef idx="0">
+          <a:scrgbClr r="0" g="0" b="0"/>
+        </a:lnRef>
+        <a:fillRef idx="1">
+          <a:scrgbClr r="0" g="0" b="0"/>
+        </a:fillRef>
+        <a:effectRef idx="0">
+          <a:scrgbClr r="0" g="0" b="0"/>
+        </a:effectRef>
+        <a:fontRef idx="minor"/>
+      </dsp:style>
+    </dsp:sp>
+    <dsp:sp modelId="{5917768F-D22E-44CD-8890-64339CA2683E}">
+      <dsp:nvSpPr>
+        <dsp:cNvPr id="0" name=""/>
+        <dsp:cNvSpPr/>
+      </dsp:nvSpPr>
+      <dsp:spPr>
+        <a:xfrm>
+          <a:off x="317827" y="1550185"/>
+          <a:ext cx="577867" cy="577867"/>
+        </a:xfrm>
+        <a:prstGeom prst="rect">
+          <a:avLst/>
+        </a:prstGeom>
+        <a:blipFill>
+          <a:blip xmlns:r="http://schemas.openxmlformats.org/officeDocument/2006/relationships" r:embed="rId3">
+            <a:extLst>
+              <a:ext uri="{28A0092B-C50C-407E-A947-70E740481C1C}">
+                <a14:useLocalDpi xmlns:a14="http://schemas.microsoft.com/office/drawing/2010/main" val="0"/>
+              </a:ext>
+              <a:ext uri="{96DAC541-7B7A-43D3-8B79-37D633B846F1}">
+                <asvg:svgBlip xmlns:asvg="http://schemas.microsoft.com/office/drawing/2016/SVG/main" r:embed="rId4"/>
+              </a:ext>
+            </a:extLst>
+          </a:blip>
+          <a:stretch>
+            <a:fillRect/>
+          </a:stretch>
+        </a:blipFill>
+        <a:ln w="22225" cap="rnd" cmpd="sng" algn="ctr">
+          <a:noFill/>
+          <a:prstDash val="solid"/>
+        </a:ln>
+        <a:effectLst/>
+      </dsp:spPr>
+      <dsp:style>
+        <a:lnRef idx="2">
+          <a:scrgbClr r="0" g="0" b="0"/>
+        </a:lnRef>
+        <a:fillRef idx="1">
+          <a:scrgbClr r="0" g="0" b="0"/>
+        </a:fillRef>
+        <a:effectRef idx="0">
+          <a:scrgbClr r="0" g="0" b="0"/>
+        </a:effectRef>
+        <a:fontRef idx="minor">
+          <a:schemeClr val="lt1"/>
+        </a:fontRef>
+      </dsp:style>
+    </dsp:sp>
+    <dsp:sp modelId="{2CB6881A-0AFC-422A-ADF6-5126D720D985}">
+      <dsp:nvSpPr>
+        <dsp:cNvPr id="0" name=""/>
+        <dsp:cNvSpPr/>
+      </dsp:nvSpPr>
+      <dsp:spPr>
+        <a:xfrm>
+          <a:off x="1213522" y="1313784"/>
+          <a:ext cx="9816427" cy="1050668"/>
+        </a:xfrm>
+        <a:prstGeom prst="rect">
+          <a:avLst/>
+        </a:prstGeom>
+        <a:noFill/>
+        <a:ln>
+          <a:noFill/>
+        </a:ln>
+        <a:effectLst/>
+      </dsp:spPr>
+      <dsp:style>
+        <a:lnRef idx="0">
+          <a:scrgbClr r="0" g="0" b="0"/>
+        </a:lnRef>
+        <a:fillRef idx="0">
+          <a:scrgbClr r="0" g="0" b="0"/>
+        </a:fillRef>
+        <a:effectRef idx="0">
+          <a:scrgbClr r="0" g="0" b="0"/>
+        </a:effectRef>
+        <a:fontRef idx="minor"/>
+      </dsp:style>
+      <dsp:txBody>
+        <a:bodyPr spcFirstLastPara="0" vert="horz" wrap="square" lIns="111196" tIns="111196" rIns="111196" bIns="111196" numCol="1" spcCol="1270" anchor="ctr" anchorCtr="0">
+          <a:noAutofit/>
+        </a:bodyPr>
+        <a:lstStyle/>
+        <a:p>
+          <a:pPr marL="0" lvl="0" indent="0" algn="l" defTabSz="1066800">
+            <a:lnSpc>
+              <a:spcPct val="90000"/>
+            </a:lnSpc>
+            <a:spcBef>
+              <a:spcPct val="0"/>
+            </a:spcBef>
+            <a:spcAft>
+              <a:spcPct val="35000"/>
+            </a:spcAft>
+            <a:buNone/>
+          </a:pPr>
+          <a:r>
+            <a:rPr lang="en-GB" sz="2400" kern="1200"/>
+            <a:t>IPTables firewall rules when misconfigured with rules such as </a:t>
+          </a:r>
+          <a:r>
+            <a:rPr lang="en-GB" sz="2400" b="1" kern="1200"/>
+            <a:t>REJECT</a:t>
+          </a:r>
+          <a:r>
+            <a:rPr lang="en-GB" sz="2400" kern="1200"/>
+            <a:t> can allow opportunities to enumerate open ports due to information disclosure</a:t>
+          </a:r>
+          <a:endParaRPr lang="en-US" sz="2400" kern="1200"/>
+        </a:p>
+      </dsp:txBody>
+      <dsp:txXfrm>
+        <a:off x="1213522" y="1313784"/>
+        <a:ext cx="9816427" cy="1050668"/>
+      </dsp:txXfrm>
+    </dsp:sp>
+    <dsp:sp modelId="{5FEE0176-FC80-49BE-97E3-0A28F420C99E}">
+      <dsp:nvSpPr>
+        <dsp:cNvPr id="0" name=""/>
+        <dsp:cNvSpPr/>
+      </dsp:nvSpPr>
+      <dsp:spPr>
+        <a:xfrm>
+          <a:off x="0" y="2627120"/>
+          <a:ext cx="11029950" cy="1050668"/>
+        </a:xfrm>
+        <a:prstGeom prst="roundRect">
+          <a:avLst>
+            <a:gd name="adj" fmla="val 10000"/>
+          </a:avLst>
+        </a:prstGeom>
+        <a:solidFill>
+          <a:schemeClr val="accent4">
+            <a:hueOff val="0"/>
+            <a:satOff val="0"/>
+            <a:lumOff val="0"/>
+            <a:alphaOff val="0"/>
+          </a:schemeClr>
+        </a:solidFill>
+        <a:ln>
+          <a:noFill/>
+        </a:ln>
+        <a:effectLst/>
+      </dsp:spPr>
+      <dsp:style>
+        <a:lnRef idx="0">
+          <a:scrgbClr r="0" g="0" b="0"/>
+        </a:lnRef>
+        <a:fillRef idx="1">
+          <a:scrgbClr r="0" g="0" b="0"/>
+        </a:fillRef>
+        <a:effectRef idx="0">
+          <a:scrgbClr r="0" g="0" b="0"/>
+        </a:effectRef>
+        <a:fontRef idx="minor"/>
+      </dsp:style>
+    </dsp:sp>
+    <dsp:sp modelId="{DCB3CA7D-A998-430D-BD6E-0C3FE0C13B27}">
+      <dsp:nvSpPr>
+        <dsp:cNvPr id="0" name=""/>
+        <dsp:cNvSpPr/>
+      </dsp:nvSpPr>
+      <dsp:spPr>
+        <a:xfrm>
+          <a:off x="317827" y="2863520"/>
+          <a:ext cx="577867" cy="577867"/>
+        </a:xfrm>
+        <a:prstGeom prst="rect">
+          <a:avLst/>
+        </a:prstGeom>
+        <a:blipFill>
+          <a:blip xmlns:r="http://schemas.openxmlformats.org/officeDocument/2006/relationships" r:embed="rId5">
+            <a:extLst>
+              <a:ext uri="{28A0092B-C50C-407E-A947-70E740481C1C}">
+                <a14:useLocalDpi xmlns:a14="http://schemas.microsoft.com/office/drawing/2010/main" val="0"/>
+              </a:ext>
+              <a:ext uri="{96DAC541-7B7A-43D3-8B79-37D633B846F1}">
+                <asvg:svgBlip xmlns:asvg="http://schemas.microsoft.com/office/drawing/2016/SVG/main" r:embed="rId6"/>
+              </a:ext>
+            </a:extLst>
+          </a:blip>
+          <a:stretch>
+            <a:fillRect/>
+          </a:stretch>
+        </a:blipFill>
+        <a:ln w="22225" cap="rnd" cmpd="sng" algn="ctr">
+          <a:noFill/>
+          <a:prstDash val="solid"/>
+        </a:ln>
+        <a:effectLst/>
+      </dsp:spPr>
+      <dsp:style>
+        <a:lnRef idx="2">
+          <a:scrgbClr r="0" g="0" b="0"/>
+        </a:lnRef>
+        <a:fillRef idx="1">
+          <a:scrgbClr r="0" g="0" b="0"/>
+        </a:fillRef>
+        <a:effectRef idx="0">
+          <a:scrgbClr r="0" g="0" b="0"/>
+        </a:effectRef>
+        <a:fontRef idx="minor">
+          <a:schemeClr val="lt1"/>
+        </a:fontRef>
+      </dsp:style>
+    </dsp:sp>
+    <dsp:sp modelId="{D77372E1-9C2C-446F-A8BE-0626F4526FCA}">
+      <dsp:nvSpPr>
+        <dsp:cNvPr id="0" name=""/>
+        <dsp:cNvSpPr/>
+      </dsp:nvSpPr>
+      <dsp:spPr>
+        <a:xfrm>
+          <a:off x="1213522" y="2627120"/>
+          <a:ext cx="9816427" cy="1050668"/>
+        </a:xfrm>
+        <a:prstGeom prst="rect">
+          <a:avLst/>
+        </a:prstGeom>
+        <a:noFill/>
+        <a:ln>
+          <a:noFill/>
+        </a:ln>
+        <a:effectLst/>
+      </dsp:spPr>
+      <dsp:style>
+        <a:lnRef idx="0">
+          <a:scrgbClr r="0" g="0" b="0"/>
+        </a:lnRef>
+        <a:fillRef idx="0">
+          <a:scrgbClr r="0" g="0" b="0"/>
+        </a:fillRef>
+        <a:effectRef idx="0">
+          <a:scrgbClr r="0" g="0" b="0"/>
+        </a:effectRef>
+        <a:fontRef idx="minor"/>
+      </dsp:style>
+      <dsp:txBody>
+        <a:bodyPr spcFirstLastPara="0" vert="horz" wrap="square" lIns="111196" tIns="111196" rIns="111196" bIns="111196" numCol="1" spcCol="1270" anchor="ctr" anchorCtr="0">
+          <a:noAutofit/>
+        </a:bodyPr>
+        <a:lstStyle/>
+        <a:p>
+          <a:pPr marL="0" lvl="0" indent="0" algn="l" defTabSz="1066800">
+            <a:lnSpc>
+              <a:spcPct val="90000"/>
+            </a:lnSpc>
+            <a:spcBef>
+              <a:spcPct val="0"/>
+            </a:spcBef>
+            <a:spcAft>
+              <a:spcPct val="35000"/>
+            </a:spcAft>
+            <a:buNone/>
+          </a:pPr>
+          <a:r>
+            <a:rPr lang="en-GB" sz="2400" kern="1200"/>
+            <a:t>Enumerating outbound firewall rules can aid in payload weaponization to achieve infiltration or client side attack from external perimeter.</a:t>
+          </a:r>
+          <a:endParaRPr lang="en-US" sz="2400" kern="1200"/>
+        </a:p>
+      </dsp:txBody>
+      <dsp:txXfrm>
+        <a:off x="1213522" y="2627120"/>
+        <a:ext cx="9816427" cy="1050668"/>
+      </dsp:txXfrm>
+    </dsp:sp>
+  </dsp:spTree>
+</dsp:drawing>
+</file>
+
+<file path=ppt/diagrams/drawing4.xml><?xml version="1.0" encoding="utf-8"?>
 <dsp:drawing xmlns:dgm="http://schemas.openxmlformats.org/drawingml/2006/diagram" xmlns:dsp="http://schemas.microsoft.com/office/drawing/2008/diagram" xmlns:a="http://schemas.openxmlformats.org/drawingml/2006/main">
   <dsp:spTree>
     <dsp:nvGrpSpPr>
@@ -5721,6 +7451,300 @@
 </file>
 
 <file path=ppt/diagrams/layout3.xml><?xml version="1.0" encoding="utf-8"?>
+<dgm:layoutDef xmlns:dgm="http://schemas.openxmlformats.org/drawingml/2006/diagram" xmlns:a="http://schemas.openxmlformats.org/drawingml/2006/main" uniqueId="urn:microsoft.com/office/officeart/2018/2/layout/IconVerticalSolidList">
+  <dgm:title val="Icon Vertical Solid List"/>
+  <dgm:desc val="Use to show a series of visuals from top to bottom with Level 1 or Level 1 and Level 2 text grouped in a shape. Works best with icons or small pictures with lengthier descriptions."/>
+  <dgm:catLst>
+    <dgm:cat type="icon" pri="500"/>
+  </dgm:catLst>
+  <dgm:sampData useDef="1">
+    <dgm:dataModel>
+      <dgm:ptLst/>
+      <dgm:bg/>
+      <dgm:whole/>
+    </dgm:dataModel>
+  </dgm:sampData>
+  <dgm:styleData useDef="1">
+    <dgm:dataModel>
+      <dgm:ptLst/>
+      <dgm:bg/>
+      <dgm:whole/>
+    </dgm:dataModel>
+  </dgm:styleData>
+  <dgm:clrData useDef="1">
+    <dgm:dataModel>
+      <dgm:ptLst/>
+      <dgm:bg/>
+      <dgm:whole/>
+    </dgm:dataModel>
+  </dgm:clrData>
+  <dgm:layoutNode name="root">
+    <dgm:varLst>
+      <dgm:dir/>
+      <dgm:resizeHandles val="exact"/>
+    </dgm:varLst>
+    <dgm:choose name="Name0">
+      <dgm:if name="Name1" axis="self" func="var" arg="dir" op="equ" val="norm">
+        <dgm:alg type="lin">
+          <dgm:param type="linDir" val="fromT"/>
+          <dgm:param type="nodeHorzAlign" val="l"/>
+        </dgm:alg>
+      </dgm:if>
+      <dgm:else name="Name2">
+        <dgm:alg type="lin">
+          <dgm:param type="linDir" val="fromT"/>
+          <dgm:param type="nodeHorzAlign" val="r"/>
+        </dgm:alg>
+      </dgm:else>
+    </dgm:choose>
+    <dgm:shape xmlns:r="http://schemas.openxmlformats.org/officeDocument/2006/relationships" r:blip="">
+      <dgm:adjLst/>
+    </dgm:shape>
+    <dgm:presOf/>
+    <dgm:choose name="Name3">
+      <dgm:if name="Name4" axis="ch" ptType="node" func="cnt" op="lte" val="3">
+        <dgm:constrLst>
+          <dgm:constr type="h" for="ch" forName="compNode" refType="h" fact="0.3"/>
+          <dgm:constr type="w" for="ch" forName="compNode" refType="w"/>
+          <dgm:constr type="h" for="ch" forName="sibTrans" refType="h" refFor="ch" refForName="compNode" fact="0.25"/>
+          <dgm:constr type="primFontSz" for="des" forName="parTx" val="25"/>
+          <dgm:constr type="primFontSz" for="des" forName="desTx" refType="primFontSz" refFor="des" refForName="parTx" op="lte" fact="0.75"/>
+          <dgm:constr type="h" for="des" forName="compNode" op="equ"/>
+          <dgm:constr type="h" for="des" forName="bgRect" op="equ"/>
+          <dgm:constr type="h" for="des" forName="iconRect" op="equ"/>
+          <dgm:constr type="w" for="des" forName="iconRect" op="equ"/>
+          <dgm:constr type="h" for="des" forName="spaceRect" op="equ"/>
+          <dgm:constr type="h" for="des" forName="parTx" op="equ"/>
+          <dgm:constr type="h" for="des" forName="desTx" op="equ"/>
+        </dgm:constrLst>
+      </dgm:if>
+      <dgm:if name="Name5" axis="ch" ptType="node" func="cnt" op="lte" val="4">
+        <dgm:constrLst>
+          <dgm:constr type="h" for="ch" forName="compNode" refType="h" fact="0.3"/>
+          <dgm:constr type="w" for="ch" forName="compNode" refType="w"/>
+          <dgm:constr type="h" for="ch" forName="sibTrans" refType="h" refFor="ch" refForName="compNode" fact="0.25"/>
+          <dgm:constr type="primFontSz" for="des" forName="parTx" val="22"/>
+          <dgm:constr type="primFontSz" for="des" forName="desTx" refType="primFontSz" refFor="des" refForName="parTx" op="lte" fact="0.75"/>
+          <dgm:constr type="h" for="des" forName="compNode" op="equ"/>
+          <dgm:constr type="h" for="des" forName="bgRect" op="equ"/>
+          <dgm:constr type="h" for="des" forName="iconRect" op="equ"/>
+          <dgm:constr type="w" for="des" forName="iconRect" op="equ"/>
+          <dgm:constr type="h" for="des" forName="spaceRect" op="equ"/>
+          <dgm:constr type="h" for="des" forName="parTx" op="equ"/>
+          <dgm:constr type="h" for="des" forName="desTx" op="equ"/>
+        </dgm:constrLst>
+      </dgm:if>
+      <dgm:if name="Name6" axis="ch" ptType="node" func="cnt" op="lte" val="6">
+        <dgm:constrLst>
+          <dgm:constr type="h" for="ch" forName="compNode" refType="h" fact="0.3"/>
+          <dgm:constr type="w" for="ch" forName="compNode" refType="w"/>
+          <dgm:constr type="h" for="ch" forName="sibTrans" refType="h" refFor="ch" refForName="compNode" fact="0.25"/>
+          <dgm:constr type="primFontSz" for="des" forName="parTx" val="19"/>
+          <dgm:constr type="primFontSz" for="des" forName="desTx" refType="primFontSz" refFor="des" refForName="parTx" op="lte" fact="0.75"/>
+          <dgm:constr type="h" for="des" forName="compNode" op="equ"/>
+          <dgm:constr type="h" for="des" forName="bgRect" op="equ"/>
+          <dgm:constr type="h" for="des" forName="iconRect" op="equ"/>
+          <dgm:constr type="w" for="des" forName="iconRect" op="equ"/>
+          <dgm:constr type="h" for="des" forName="spaceRect" op="equ"/>
+          <dgm:constr type="h" for="des" forName="parTx" op="equ"/>
+          <dgm:constr type="h" for="des" forName="desTx" op="equ"/>
+        </dgm:constrLst>
+      </dgm:if>
+      <dgm:else name="Name7">
+        <dgm:constrLst>
+          <dgm:constr type="h" for="ch" forName="compNode" refType="h" fact="0.3"/>
+          <dgm:constr type="w" for="ch" forName="compNode" refType="w"/>
+          <dgm:constr type="h" for="ch" forName="sibTrans" refType="h" refFor="ch" refForName="compNode" fact="0.25"/>
+          <dgm:constr type="primFontSz" for="des" forName="parTx" val="16"/>
+          <dgm:constr type="primFontSz" for="des" forName="desTx" refType="primFontSz" refFor="des" refForName="parTx" op="lte" fact="0.75"/>
+          <dgm:constr type="h" for="des" forName="compNode" op="equ"/>
+          <dgm:constr type="h" for="des" forName="bgRect" op="equ"/>
+          <dgm:constr type="h" for="des" forName="iconRect" op="equ"/>
+          <dgm:constr type="w" for="des" forName="iconRect" op="equ"/>
+          <dgm:constr type="h" for="des" forName="spaceRect" op="equ"/>
+          <dgm:constr type="h" for="des" forName="parTx" op="equ"/>
+          <dgm:constr type="h" for="des" forName="desTx" op="equ"/>
+        </dgm:constrLst>
+      </dgm:else>
+    </dgm:choose>
+    <dgm:ruleLst>
+      <dgm:rule type="h" for="ch" forName="compNode" val="0" fact="NaN" max="NaN"/>
+    </dgm:ruleLst>
+    <dgm:forEach name="Name8" axis="ch" ptType="node">
+      <dgm:layoutNode name="compNode">
+        <dgm:alg type="composite"/>
+        <dgm:shape xmlns:r="http://schemas.openxmlformats.org/officeDocument/2006/relationships" r:blip="">
+          <dgm:adjLst/>
+        </dgm:shape>
+        <dgm:presOf axis="self"/>
+        <dgm:choose name="Name9">
+          <dgm:if name="Name10" axis="ch" ptType="node" func="cnt" op="gte" val="1">
+            <dgm:constrLst>
+              <dgm:constr type="w" for="ch" forName="bgRect" refType="w"/>
+              <dgm:constr type="h" for="ch" forName="bgRect" refType="h"/>
+              <dgm:constr type="l" for="ch" forName="bgRect"/>
+              <dgm:constr type="t" for="ch" forName="bgRect"/>
+              <dgm:constr type="h" for="ch" forName="iconRect" refType="h" fact="0.55"/>
+              <dgm:constr type="w" for="ch" forName="iconRect" refType="h" refFor="ch" refForName="iconRect"/>
+              <dgm:constr type="l" for="ch" forName="iconRect" refType="h" refFor="ch" refForName="iconRect" fact="0.55"/>
+              <dgm:constr type="ctrY" for="ch" forName="iconRect" refType="ctrY" refFor="ch" refForName="bgRect"/>
+              <dgm:constr type="w" for="ch" forName="spaceRect" refType="l" refFor="ch" refForName="iconRect"/>
+              <dgm:constr type="h" for="ch" forName="spaceRect" refType="h"/>
+              <dgm:constr type="l" for="ch" forName="spaceRect" refType="r" refFor="ch" refForName="iconRect"/>
+              <dgm:constr type="t" for="ch" forName="spaceRect"/>
+              <dgm:constr type="w" for="ch" forName="parTx" refType="w" fact="0.45"/>
+              <dgm:constr type="h" for="ch" forName="parTx" refType="h"/>
+              <dgm:constr type="l" for="ch" forName="parTx" refType="r" refFor="ch" refForName="spaceRect"/>
+              <dgm:constr type="t" for="ch" forName="parTx"/>
+              <dgm:constr type="h" for="ch" forName="desTx" refType="h"/>
+              <dgm:constr type="l" for="ch" forName="desTx" refType="r" refFor="ch" refForName="parTx"/>
+              <dgm:constr type="t" for="ch" forName="desTx"/>
+            </dgm:constrLst>
+          </dgm:if>
+          <dgm:else name="Name11">
+            <dgm:constrLst>
+              <dgm:constr type="w" for="ch" forName="bgRect" refType="w"/>
+              <dgm:constr type="h" for="ch" forName="bgRect" refType="h"/>
+              <dgm:constr type="l" for="ch" forName="bgRect"/>
+              <dgm:constr type="t" for="ch" forName="bgRect"/>
+              <dgm:constr type="h" for="ch" forName="iconRect" refType="h" fact="0.55"/>
+              <dgm:constr type="w" for="ch" forName="iconRect" refType="h" refFor="ch" refForName="iconRect"/>
+              <dgm:constr type="l" for="ch" forName="iconRect" refType="h" refFor="ch" refForName="iconRect" fact="0.55"/>
+              <dgm:constr type="ctrY" for="ch" forName="iconRect" refType="ctrY" refFor="ch" refForName="bgRect"/>
+              <dgm:constr type="w" for="ch" forName="spaceRect" refType="l" refFor="ch" refForName="iconRect"/>
+              <dgm:constr type="h" for="ch" forName="spaceRect" refType="h"/>
+              <dgm:constr type="l" for="ch" forName="spaceRect" refType="r" refFor="ch" refForName="iconRect"/>
+              <dgm:constr type="t" for="ch" forName="spaceRect"/>
+              <dgm:constr type="h" for="ch" forName="parTx" refType="h"/>
+              <dgm:constr type="l" for="ch" forName="parTx" refType="r" refFor="ch" refForName="spaceRect"/>
+              <dgm:constr type="t" for="ch" forName="parTx"/>
+            </dgm:constrLst>
+          </dgm:else>
+        </dgm:choose>
+        <dgm:ruleLst>
+          <dgm:rule type="h" val="INF" fact="NaN" max="NaN"/>
+        </dgm:ruleLst>
+        <dgm:layoutNode name="bgRect" styleLbl="bgShp">
+          <dgm:alg type="sp"/>
+          <dgm:shape xmlns:r="http://schemas.openxmlformats.org/officeDocument/2006/relationships" type="roundRect" r:blip="">
+            <dgm:adjLst>
+              <dgm:adj idx="1" val="0.1"/>
+            </dgm:adjLst>
+          </dgm:shape>
+          <dgm:presOf/>
+          <dgm:constrLst/>
+          <dgm:ruleLst/>
+        </dgm:layoutNode>
+        <dgm:layoutNode name="iconRect" styleLbl="node1">
+          <dgm:alg type="sp"/>
+          <dgm:shape xmlns:r="http://schemas.openxmlformats.org/officeDocument/2006/relationships" type="rect" r:blip="" blipPhldr="1">
+            <dgm:adjLst/>
+          </dgm:shape>
+          <dgm:presOf/>
+          <dgm:constrLst/>
+          <dgm:ruleLst/>
+        </dgm:layoutNode>
+        <dgm:layoutNode name="spaceRect">
+          <dgm:alg type="sp"/>
+          <dgm:shape xmlns:r="http://schemas.openxmlformats.org/officeDocument/2006/relationships" r:blip="">
+            <dgm:adjLst/>
+          </dgm:shape>
+          <dgm:presOf/>
+          <dgm:constrLst/>
+          <dgm:ruleLst/>
+        </dgm:layoutNode>
+        <dgm:layoutNode name="parTx" styleLbl="revTx">
+          <dgm:varLst>
+            <dgm:chMax val="0"/>
+            <dgm:chPref val="0"/>
+          </dgm:varLst>
+          <dgm:alg type="tx">
+            <dgm:param type="txAnchorVert" val="mid"/>
+            <dgm:param type="parTxLTRAlign" val="l"/>
+            <dgm:param type="shpTxLTRAlignCh" val="l"/>
+            <dgm:param type="parTxRTLAlign" val="r"/>
+            <dgm:param type="shpTxRTLAlignCh" val="r"/>
+          </dgm:alg>
+          <dgm:shape xmlns:r="http://schemas.openxmlformats.org/officeDocument/2006/relationships" type="rect" r:blip="">
+            <dgm:adjLst/>
+          </dgm:shape>
+          <dgm:presOf axis="self" ptType="node"/>
+          <dgm:constrLst>
+            <dgm:constr type="lMarg" refType="h" fact="0.3"/>
+            <dgm:constr type="rMarg" refType="h" fact="0.3"/>
+            <dgm:constr type="tMarg" refType="h" fact="0.3"/>
+            <dgm:constr type="bMarg" refType="h" fact="0.3"/>
+          </dgm:constrLst>
+          <dgm:ruleLst>
+            <dgm:rule type="primFontSz" val="14" fact="NaN" max="NaN"/>
+            <dgm:rule type="h" val="INF" fact="NaN" max="NaN"/>
+          </dgm:ruleLst>
+        </dgm:layoutNode>
+        <dgm:choose name="Name12">
+          <dgm:if name="Name13" axis="ch" ptType="node" func="cnt" op="gte" val="1">
+            <dgm:layoutNode name="desTx" styleLbl="revTx">
+              <dgm:varLst/>
+              <dgm:alg type="tx">
+                <dgm:param type="txAnchorVertCh" val="mid"/>
+                <dgm:param type="parTxLTRAlign" val="l"/>
+                <dgm:param type="shpTxLTRAlignCh" val="l"/>
+                <dgm:param type="parTxRTLAlign" val="r"/>
+                <dgm:param type="shpTxRTLAlignCh" val="r"/>
+                <dgm:param type="stBulletLvl" val="0"/>
+              </dgm:alg>
+              <dgm:shape xmlns:r="http://schemas.openxmlformats.org/officeDocument/2006/relationships" type="rect" r:blip="">
+                <dgm:adjLst/>
+              </dgm:shape>
+              <dgm:presOf axis="des" ptType="node"/>
+              <dgm:constrLst>
+                <dgm:constr type="primFontSz" val="18"/>
+                <dgm:constr type="secFontSz" refType="primFontSz"/>
+                <dgm:constr type="lMarg" refType="h" fact="0.3"/>
+                <dgm:constr type="rMarg" refType="h" fact="0.3"/>
+                <dgm:constr type="tMarg" refType="h" fact="0.3"/>
+                <dgm:constr type="bMarg" refType="h" fact="0.3"/>
+              </dgm:constrLst>
+              <dgm:ruleLst>
+                <dgm:rule type="primFontSz" val="11" fact="NaN" max="NaN"/>
+              </dgm:ruleLst>
+            </dgm:layoutNode>
+          </dgm:if>
+          <dgm:else name="Name14"/>
+        </dgm:choose>
+      </dgm:layoutNode>
+      <dgm:forEach name="Name15" axis="followSib" ptType="sibTrans" cnt="1">
+        <dgm:layoutNode name="sibTrans">
+          <dgm:alg type="sp"/>
+          <dgm:shape xmlns:r="http://schemas.openxmlformats.org/officeDocument/2006/relationships" r:blip="">
+            <dgm:adjLst/>
+          </dgm:shape>
+          <dgm:presOf axis="self"/>
+          <dgm:constrLst/>
+          <dgm:ruleLst/>
+        </dgm:layoutNode>
+      </dgm:forEach>
+    </dgm:forEach>
+  </dgm:layoutNode>
+  <dgm:extLst>
+    <a:ext uri="{68A01E43-0DF5-4B5B-8FA6-DAF915123BFB}">
+      <dgm1612:lstStyle xmlns:dgm1612="http://schemas.microsoft.com/office/drawing/2016/12/diagram">
+        <a:lvl1pPr>
+          <a:lnSpc>
+            <a:spcPct val="100000"/>
+          </a:lnSpc>
+        </a:lvl1pPr>
+        <a:lvl2pPr>
+          <a:lnSpc>
+            <a:spcPct val="100000"/>
+          </a:lnSpc>
+        </a:lvl2pPr>
+      </dgm1612:lstStyle>
+    </a:ext>
+  </dgm:extLst>
+</dgm:layoutDef>
+</file>
+
+<file path=ppt/diagrams/layout4.xml><?xml version="1.0" encoding="utf-8"?>
 <dgm:layoutDef xmlns:dgm="http://schemas.openxmlformats.org/drawingml/2006/diagram" xmlns:a="http://schemas.openxmlformats.org/drawingml/2006/main" uniqueId="urn:microsoft.com/office/officeart/2018/2/layout/IconCircleList">
   <dgm:title val="Icon Circle List"/>
   <dgm:desc val="Use to show non-sequential or grouped chunks of information accompanied by related visuals. Circular shapes can hold an icon or small picture and corresponding text box shows Level 1 text. Works best for icons or small pictures with medium-length descriptions."/>
@@ -9034,6 +11058,1040 @@
 </dgm:styleDef>
 </file>
 
+<file path=ppt/diagrams/quickStyle4.xml><?xml version="1.0" encoding="utf-8"?>
+<dgm:styleDef xmlns:dgm="http://schemas.openxmlformats.org/drawingml/2006/diagram" xmlns:a="http://schemas.openxmlformats.org/drawingml/2006/main" uniqueId="urn:microsoft.com/office/officeart/2005/8/quickstyle/simple1">
+  <dgm:title val=""/>
+  <dgm:desc val=""/>
+  <dgm:catLst>
+    <dgm:cat type="simple" pri="10100"/>
+  </dgm:catLst>
+  <dgm:scene3d>
+    <a:camera prst="orthographicFront"/>
+    <a:lightRig rig="threePt" dir="t"/>
+  </dgm:scene3d>
+  <dgm:styleLbl name="node0">
+    <dgm:scene3d>
+      <a:camera prst="orthographicFront"/>
+      <a:lightRig rig="threePt" dir="t"/>
+    </dgm:scene3d>
+    <dgm:sp3d/>
+    <dgm:txPr/>
+    <dgm:style>
+      <a:lnRef idx="2">
+        <a:scrgbClr r="0" g="0" b="0"/>
+      </a:lnRef>
+      <a:fillRef idx="1">
+        <a:scrgbClr r="0" g="0" b="0"/>
+      </a:fillRef>
+      <a:effectRef idx="0">
+        <a:scrgbClr r="0" g="0" b="0"/>
+      </a:effectRef>
+      <a:fontRef idx="minor">
+        <a:schemeClr val="lt1"/>
+      </a:fontRef>
+    </dgm:style>
+  </dgm:styleLbl>
+  <dgm:styleLbl name="lnNode1">
+    <dgm:scene3d>
+      <a:camera prst="orthographicFront"/>
+      <a:lightRig rig="threePt" dir="t"/>
+    </dgm:scene3d>
+    <dgm:sp3d/>
+    <dgm:txPr/>
+    <dgm:style>
+      <a:lnRef idx="2">
+        <a:scrgbClr r="0" g="0" b="0"/>
+      </a:lnRef>
+      <a:fillRef idx="1">
+        <a:scrgbClr r="0" g="0" b="0"/>
+      </a:fillRef>
+      <a:effectRef idx="0">
+        <a:scrgbClr r="0" g="0" b="0"/>
+      </a:effectRef>
+      <a:fontRef idx="minor">
+        <a:schemeClr val="lt1"/>
+      </a:fontRef>
+    </dgm:style>
+  </dgm:styleLbl>
+  <dgm:styleLbl name="vennNode1">
+    <dgm:scene3d>
+      <a:camera prst="orthographicFront"/>
+      <a:lightRig rig="threePt" dir="t"/>
+    </dgm:scene3d>
+    <dgm:sp3d/>
+    <dgm:txPr/>
+    <dgm:style>
+      <a:lnRef idx="2">
+        <a:scrgbClr r="0" g="0" b="0"/>
+      </a:lnRef>
+      <a:fillRef idx="1">
+        <a:scrgbClr r="0" g="0" b="0"/>
+      </a:fillRef>
+      <a:effectRef idx="0">
+        <a:scrgbClr r="0" g="0" b="0"/>
+      </a:effectRef>
+      <a:fontRef idx="minor">
+        <a:schemeClr val="tx1"/>
+      </a:fontRef>
+    </dgm:style>
+  </dgm:styleLbl>
+  <dgm:styleLbl name="alignNode1">
+    <dgm:scene3d>
+      <a:camera prst="orthographicFront"/>
+      <a:lightRig rig="threePt" dir="t"/>
+    </dgm:scene3d>
+    <dgm:sp3d/>
+    <dgm:txPr/>
+    <dgm:style>
+      <a:lnRef idx="2">
+        <a:scrgbClr r="0" g="0" b="0"/>
+      </a:lnRef>
+      <a:fillRef idx="1">
+        <a:scrgbClr r="0" g="0" b="0"/>
+      </a:fillRef>
+      <a:effectRef idx="0">
+        <a:scrgbClr r="0" g="0" b="0"/>
+      </a:effectRef>
+      <a:fontRef idx="minor">
+        <a:schemeClr val="lt1"/>
+      </a:fontRef>
+    </dgm:style>
+  </dgm:styleLbl>
+  <dgm:styleLbl name="node1">
+    <dgm:scene3d>
+      <a:camera prst="orthographicFront"/>
+      <a:lightRig rig="threePt" dir="t"/>
+    </dgm:scene3d>
+    <dgm:sp3d/>
+    <dgm:txPr/>
+    <dgm:style>
+      <a:lnRef idx="2">
+        <a:scrgbClr r="0" g="0" b="0"/>
+      </a:lnRef>
+      <a:fillRef idx="1">
+        <a:scrgbClr r="0" g="0" b="0"/>
+      </a:fillRef>
+      <a:effectRef idx="0">
+        <a:scrgbClr r="0" g="0" b="0"/>
+      </a:effectRef>
+      <a:fontRef idx="minor">
+        <a:schemeClr val="lt1"/>
+      </a:fontRef>
+    </dgm:style>
+  </dgm:styleLbl>
+  <dgm:styleLbl name="node2">
+    <dgm:scene3d>
+      <a:camera prst="orthographicFront"/>
+      <a:lightRig rig="threePt" dir="t"/>
+    </dgm:scene3d>
+    <dgm:sp3d/>
+    <dgm:txPr/>
+    <dgm:style>
+      <a:lnRef idx="2">
+        <a:scrgbClr r="0" g="0" b="0"/>
+      </a:lnRef>
+      <a:fillRef idx="1">
+        <a:scrgbClr r="0" g="0" b="0"/>
+      </a:fillRef>
+      <a:effectRef idx="0">
+        <a:scrgbClr r="0" g="0" b="0"/>
+      </a:effectRef>
+      <a:fontRef idx="minor">
+        <a:schemeClr val="lt1"/>
+      </a:fontRef>
+    </dgm:style>
+  </dgm:styleLbl>
+  <dgm:styleLbl name="node3">
+    <dgm:scene3d>
+      <a:camera prst="orthographicFront"/>
+      <a:lightRig rig="threePt" dir="t"/>
+    </dgm:scene3d>
+    <dgm:sp3d/>
+    <dgm:txPr/>
+    <dgm:style>
+      <a:lnRef idx="2">
+        <a:scrgbClr r="0" g="0" b="0"/>
+      </a:lnRef>
+      <a:fillRef idx="1">
+        <a:scrgbClr r="0" g="0" b="0"/>
+      </a:fillRef>
+      <a:effectRef idx="0">
+        <a:scrgbClr r="0" g="0" b="0"/>
+      </a:effectRef>
+      <a:fontRef idx="minor">
+        <a:schemeClr val="lt1"/>
+      </a:fontRef>
+    </dgm:style>
+  </dgm:styleLbl>
+  <dgm:styleLbl name="node4">
+    <dgm:scene3d>
+      <a:camera prst="orthographicFront"/>
+      <a:lightRig rig="threePt" dir="t"/>
+    </dgm:scene3d>
+    <dgm:sp3d/>
+    <dgm:txPr/>
+    <dgm:style>
+      <a:lnRef idx="2">
+        <a:scrgbClr r="0" g="0" b="0"/>
+      </a:lnRef>
+      <a:fillRef idx="1">
+        <a:scrgbClr r="0" g="0" b="0"/>
+      </a:fillRef>
+      <a:effectRef idx="0">
+        <a:scrgbClr r="0" g="0" b="0"/>
+      </a:effectRef>
+      <a:fontRef idx="minor">
+        <a:schemeClr val="lt1"/>
+      </a:fontRef>
+    </dgm:style>
+  </dgm:styleLbl>
+  <dgm:styleLbl name="fgImgPlace1">
+    <dgm:scene3d>
+      <a:camera prst="orthographicFront"/>
+      <a:lightRig rig="threePt" dir="t"/>
+    </dgm:scene3d>
+    <dgm:sp3d/>
+    <dgm:txPr/>
+    <dgm:style>
+      <a:lnRef idx="2">
+        <a:scrgbClr r="0" g="0" b="0"/>
+      </a:lnRef>
+      <a:fillRef idx="1">
+        <a:scrgbClr r="0" g="0" b="0"/>
+      </a:fillRef>
+      <a:effectRef idx="0">
+        <a:scrgbClr r="0" g="0" b="0"/>
+      </a:effectRef>
+      <a:fontRef idx="minor"/>
+    </dgm:style>
+  </dgm:styleLbl>
+  <dgm:styleLbl name="alignImgPlace1">
+    <dgm:scene3d>
+      <a:camera prst="orthographicFront"/>
+      <a:lightRig rig="threePt" dir="t"/>
+    </dgm:scene3d>
+    <dgm:sp3d/>
+    <dgm:txPr/>
+    <dgm:style>
+      <a:lnRef idx="2">
+        <a:scrgbClr r="0" g="0" b="0"/>
+      </a:lnRef>
+      <a:fillRef idx="1">
+        <a:scrgbClr r="0" g="0" b="0"/>
+      </a:fillRef>
+      <a:effectRef idx="0">
+        <a:scrgbClr r="0" g="0" b="0"/>
+      </a:effectRef>
+      <a:fontRef idx="minor"/>
+    </dgm:style>
+  </dgm:styleLbl>
+  <dgm:styleLbl name="bgImgPlace1">
+    <dgm:scene3d>
+      <a:camera prst="orthographicFront"/>
+      <a:lightRig rig="threePt" dir="t"/>
+    </dgm:scene3d>
+    <dgm:sp3d/>
+    <dgm:txPr/>
+    <dgm:style>
+      <a:lnRef idx="2">
+        <a:scrgbClr r="0" g="0" b="0"/>
+      </a:lnRef>
+      <a:fillRef idx="1">
+        <a:scrgbClr r="0" g="0" b="0"/>
+      </a:fillRef>
+      <a:effectRef idx="0">
+        <a:scrgbClr r="0" g="0" b="0"/>
+      </a:effectRef>
+      <a:fontRef idx="minor"/>
+    </dgm:style>
+  </dgm:styleLbl>
+  <dgm:styleLbl name="sibTrans2D1">
+    <dgm:scene3d>
+      <a:camera prst="orthographicFront"/>
+      <a:lightRig rig="threePt" dir="t"/>
+    </dgm:scene3d>
+    <dgm:sp3d/>
+    <dgm:txPr/>
+    <dgm:style>
+      <a:lnRef idx="0">
+        <a:scrgbClr r="0" g="0" b="0"/>
+      </a:lnRef>
+      <a:fillRef idx="1">
+        <a:scrgbClr r="0" g="0" b="0"/>
+      </a:fillRef>
+      <a:effectRef idx="0">
+        <a:scrgbClr r="0" g="0" b="0"/>
+      </a:effectRef>
+      <a:fontRef idx="minor">
+        <a:schemeClr val="lt1"/>
+      </a:fontRef>
+    </dgm:style>
+  </dgm:styleLbl>
+  <dgm:styleLbl name="fgSibTrans2D1">
+    <dgm:scene3d>
+      <a:camera prst="orthographicFront"/>
+      <a:lightRig rig="threePt" dir="t"/>
+    </dgm:scene3d>
+    <dgm:sp3d/>
+    <dgm:txPr/>
+    <dgm:style>
+      <a:lnRef idx="0">
+        <a:scrgbClr r="0" g="0" b="0"/>
+      </a:lnRef>
+      <a:fillRef idx="1">
+        <a:scrgbClr r="0" g="0" b="0"/>
+      </a:fillRef>
+      <a:effectRef idx="0">
+        <a:scrgbClr r="0" g="0" b="0"/>
+      </a:effectRef>
+      <a:fontRef idx="minor">
+        <a:schemeClr val="lt1"/>
+      </a:fontRef>
+    </dgm:style>
+  </dgm:styleLbl>
+  <dgm:styleLbl name="bgSibTrans2D1">
+    <dgm:scene3d>
+      <a:camera prst="orthographicFront"/>
+      <a:lightRig rig="threePt" dir="t"/>
+    </dgm:scene3d>
+    <dgm:sp3d/>
+    <dgm:txPr/>
+    <dgm:style>
+      <a:lnRef idx="0">
+        <a:scrgbClr r="0" g="0" b="0"/>
+      </a:lnRef>
+      <a:fillRef idx="1">
+        <a:scrgbClr r="0" g="0" b="0"/>
+      </a:fillRef>
+      <a:effectRef idx="0">
+        <a:scrgbClr r="0" g="0" b="0"/>
+      </a:effectRef>
+      <a:fontRef idx="minor">
+        <a:schemeClr val="lt1"/>
+      </a:fontRef>
+    </dgm:style>
+  </dgm:styleLbl>
+  <dgm:styleLbl name="sibTrans1D1">
+    <dgm:scene3d>
+      <a:camera prst="orthographicFront"/>
+      <a:lightRig rig="threePt" dir="t"/>
+    </dgm:scene3d>
+    <dgm:sp3d/>
+    <dgm:txPr/>
+    <dgm:style>
+      <a:lnRef idx="1">
+        <a:scrgbClr r="0" g="0" b="0"/>
+      </a:lnRef>
+      <a:fillRef idx="0">
+        <a:scrgbClr r="0" g="0" b="0"/>
+      </a:fillRef>
+      <a:effectRef idx="0">
+        <a:scrgbClr r="0" g="0" b="0"/>
+      </a:effectRef>
+      <a:fontRef idx="minor"/>
+    </dgm:style>
+  </dgm:styleLbl>
+  <dgm:styleLbl name="callout">
+    <dgm:scene3d>
+      <a:camera prst="orthographicFront"/>
+      <a:lightRig rig="threePt" dir="t"/>
+    </dgm:scene3d>
+    <dgm:sp3d/>
+    <dgm:txPr/>
+    <dgm:style>
+      <a:lnRef idx="2">
+        <a:scrgbClr r="0" g="0" b="0"/>
+      </a:lnRef>
+      <a:fillRef idx="1">
+        <a:scrgbClr r="0" g="0" b="0"/>
+      </a:fillRef>
+      <a:effectRef idx="0">
+        <a:scrgbClr r="0" g="0" b="0"/>
+      </a:effectRef>
+      <a:fontRef idx="minor"/>
+    </dgm:style>
+  </dgm:styleLbl>
+  <dgm:styleLbl name="asst0">
+    <dgm:scene3d>
+      <a:camera prst="orthographicFront"/>
+      <a:lightRig rig="threePt" dir="t"/>
+    </dgm:scene3d>
+    <dgm:sp3d/>
+    <dgm:txPr/>
+    <dgm:style>
+      <a:lnRef idx="2">
+        <a:scrgbClr r="0" g="0" b="0"/>
+      </a:lnRef>
+      <a:fillRef idx="1">
+        <a:scrgbClr r="0" g="0" b="0"/>
+      </a:fillRef>
+      <a:effectRef idx="0">
+        <a:scrgbClr r="0" g="0" b="0"/>
+      </a:effectRef>
+      <a:fontRef idx="minor">
+        <a:schemeClr val="lt1"/>
+      </a:fontRef>
+    </dgm:style>
+  </dgm:styleLbl>
+  <dgm:styleLbl name="asst1">
+    <dgm:scene3d>
+      <a:camera prst="orthographicFront"/>
+      <a:lightRig rig="threePt" dir="t"/>
+    </dgm:scene3d>
+    <dgm:sp3d/>
+    <dgm:txPr/>
+    <dgm:style>
+      <a:lnRef idx="2">
+        <a:scrgbClr r="0" g="0" b="0"/>
+      </a:lnRef>
+      <a:fillRef idx="1">
+        <a:scrgbClr r="0" g="0" b="0"/>
+      </a:fillRef>
+      <a:effectRef idx="0">
+        <a:scrgbClr r="0" g="0" b="0"/>
+      </a:effectRef>
+      <a:fontRef idx="minor">
+        <a:schemeClr val="lt1"/>
+      </a:fontRef>
+    </dgm:style>
+  </dgm:styleLbl>
+  <dgm:styleLbl name="asst2">
+    <dgm:scene3d>
+      <a:camera prst="orthographicFront"/>
+      <a:lightRig rig="threePt" dir="t"/>
+    </dgm:scene3d>
+    <dgm:sp3d/>
+    <dgm:txPr/>
+    <dgm:style>
+      <a:lnRef idx="2">
+        <a:scrgbClr r="0" g="0" b="0"/>
+      </a:lnRef>
+      <a:fillRef idx="1">
+        <a:scrgbClr r="0" g="0" b="0"/>
+      </a:fillRef>
+      <a:effectRef idx="0">
+        <a:scrgbClr r="0" g="0" b="0"/>
+      </a:effectRef>
+      <a:fontRef idx="minor">
+        <a:schemeClr val="lt1"/>
+      </a:fontRef>
+    </dgm:style>
+  </dgm:styleLbl>
+  <dgm:styleLbl name="asst3">
+    <dgm:scene3d>
+      <a:camera prst="orthographicFront"/>
+      <a:lightRig rig="threePt" dir="t"/>
+    </dgm:scene3d>
+    <dgm:sp3d/>
+    <dgm:txPr/>
+    <dgm:style>
+      <a:lnRef idx="2">
+        <a:scrgbClr r="0" g="0" b="0"/>
+      </a:lnRef>
+      <a:fillRef idx="1">
+        <a:scrgbClr r="0" g="0" b="0"/>
+      </a:fillRef>
+      <a:effectRef idx="0">
+        <a:scrgbClr r="0" g="0" b="0"/>
+      </a:effectRef>
+      <a:fontRef idx="minor">
+        <a:schemeClr val="lt1"/>
+      </a:fontRef>
+    </dgm:style>
+  </dgm:styleLbl>
+  <dgm:styleLbl name="asst4">
+    <dgm:scene3d>
+      <a:camera prst="orthographicFront"/>
+      <a:lightRig rig="threePt" dir="t"/>
+    </dgm:scene3d>
+    <dgm:sp3d/>
+    <dgm:txPr/>
+    <dgm:style>
+      <a:lnRef idx="2">
+        <a:scrgbClr r="0" g="0" b="0"/>
+      </a:lnRef>
+      <a:fillRef idx="1">
+        <a:scrgbClr r="0" g="0" b="0"/>
+      </a:fillRef>
+      <a:effectRef idx="0">
+        <a:scrgbClr r="0" g="0" b="0"/>
+      </a:effectRef>
+      <a:fontRef idx="minor">
+        <a:schemeClr val="lt1"/>
+      </a:fontRef>
+    </dgm:style>
+  </dgm:styleLbl>
+  <dgm:styleLbl name="parChTrans2D1">
+    <dgm:scene3d>
+      <a:camera prst="orthographicFront"/>
+      <a:lightRig rig="threePt" dir="t"/>
+    </dgm:scene3d>
+    <dgm:sp3d/>
+    <dgm:txPr/>
+    <dgm:style>
+      <a:lnRef idx="2">
+        <a:scrgbClr r="0" g="0" b="0"/>
+      </a:lnRef>
+      <a:fillRef idx="1">
+        <a:scrgbClr r="0" g="0" b="0"/>
+      </a:fillRef>
+      <a:effectRef idx="0">
+        <a:scrgbClr r="0" g="0" b="0"/>
+      </a:effectRef>
+      <a:fontRef idx="minor">
+        <a:schemeClr val="lt1"/>
+      </a:fontRef>
+    </dgm:style>
+  </dgm:styleLbl>
+  <dgm:styleLbl name="parChTrans2D2">
+    <dgm:scene3d>
+      <a:camera prst="orthographicFront"/>
+      <a:lightRig rig="threePt" dir="t"/>
+    </dgm:scene3d>
+    <dgm:sp3d/>
+    <dgm:txPr/>
+    <dgm:style>
+      <a:lnRef idx="2">
+        <a:scrgbClr r="0" g="0" b="0"/>
+      </a:lnRef>
+      <a:fillRef idx="1">
+        <a:scrgbClr r="0" g="0" b="0"/>
+      </a:fillRef>
+      <a:effectRef idx="0">
+        <a:scrgbClr r="0" g="0" b="0"/>
+      </a:effectRef>
+      <a:fontRef idx="minor">
+        <a:schemeClr val="lt1"/>
+      </a:fontRef>
+    </dgm:style>
+  </dgm:styleLbl>
+  <dgm:styleLbl name="parChTrans2D3">
+    <dgm:scene3d>
+      <a:camera prst="orthographicFront"/>
+      <a:lightRig rig="threePt" dir="t"/>
+    </dgm:scene3d>
+    <dgm:sp3d/>
+    <dgm:txPr/>
+    <dgm:style>
+      <a:lnRef idx="2">
+        <a:scrgbClr r="0" g="0" b="0"/>
+      </a:lnRef>
+      <a:fillRef idx="1">
+        <a:scrgbClr r="0" g="0" b="0"/>
+      </a:fillRef>
+      <a:effectRef idx="0">
+        <a:scrgbClr r="0" g="0" b="0"/>
+      </a:effectRef>
+      <a:fontRef idx="minor">
+        <a:schemeClr val="lt1"/>
+      </a:fontRef>
+    </dgm:style>
+  </dgm:styleLbl>
+  <dgm:styleLbl name="parChTrans2D4">
+    <dgm:scene3d>
+      <a:camera prst="orthographicFront"/>
+      <a:lightRig rig="threePt" dir="t"/>
+    </dgm:scene3d>
+    <dgm:sp3d/>
+    <dgm:txPr/>
+    <dgm:style>
+      <a:lnRef idx="2">
+        <a:scrgbClr r="0" g="0" b="0"/>
+      </a:lnRef>
+      <a:fillRef idx="1">
+        <a:scrgbClr r="0" g="0" b="0"/>
+      </a:fillRef>
+      <a:effectRef idx="0">
+        <a:scrgbClr r="0" g="0" b="0"/>
+      </a:effectRef>
+      <a:fontRef idx="minor">
+        <a:schemeClr val="lt1"/>
+      </a:fontRef>
+    </dgm:style>
+  </dgm:styleLbl>
+  <dgm:styleLbl name="parChTrans1D1">
+    <dgm:scene3d>
+      <a:camera prst="orthographicFront"/>
+      <a:lightRig rig="threePt" dir="t"/>
+    </dgm:scene3d>
+    <dgm:sp3d/>
+    <dgm:txPr/>
+    <dgm:style>
+      <a:lnRef idx="2">
+        <a:scrgbClr r="0" g="0" b="0"/>
+      </a:lnRef>
+      <a:fillRef idx="0">
+        <a:scrgbClr r="0" g="0" b="0"/>
+      </a:fillRef>
+      <a:effectRef idx="0">
+        <a:scrgbClr r="0" g="0" b="0"/>
+      </a:effectRef>
+      <a:fontRef idx="minor"/>
+    </dgm:style>
+  </dgm:styleLbl>
+  <dgm:styleLbl name="parChTrans1D2">
+    <dgm:scene3d>
+      <a:camera prst="orthographicFront"/>
+      <a:lightRig rig="threePt" dir="t"/>
+    </dgm:scene3d>
+    <dgm:sp3d/>
+    <dgm:txPr/>
+    <dgm:style>
+      <a:lnRef idx="2">
+        <a:scrgbClr r="0" g="0" b="0"/>
+      </a:lnRef>
+      <a:fillRef idx="0">
+        <a:scrgbClr r="0" g="0" b="0"/>
+      </a:fillRef>
+      <a:effectRef idx="0">
+        <a:scrgbClr r="0" g="0" b="0"/>
+      </a:effectRef>
+      <a:fontRef idx="minor"/>
+    </dgm:style>
+  </dgm:styleLbl>
+  <dgm:styleLbl name="parChTrans1D3">
+    <dgm:scene3d>
+      <a:camera prst="orthographicFront"/>
+      <a:lightRig rig="threePt" dir="t"/>
+    </dgm:scene3d>
+    <dgm:sp3d/>
+    <dgm:txPr/>
+    <dgm:style>
+      <a:lnRef idx="2">
+        <a:scrgbClr r="0" g="0" b="0"/>
+      </a:lnRef>
+      <a:fillRef idx="0">
+        <a:scrgbClr r="0" g="0" b="0"/>
+      </a:fillRef>
+      <a:effectRef idx="0">
+        <a:scrgbClr r="0" g="0" b="0"/>
+      </a:effectRef>
+      <a:fontRef idx="minor"/>
+    </dgm:style>
+  </dgm:styleLbl>
+  <dgm:styleLbl name="parChTrans1D4">
+    <dgm:scene3d>
+      <a:camera prst="orthographicFront"/>
+      <a:lightRig rig="threePt" dir="t"/>
+    </dgm:scene3d>
+    <dgm:sp3d/>
+    <dgm:txPr/>
+    <dgm:style>
+      <a:lnRef idx="2">
+        <a:scrgbClr r="0" g="0" b="0"/>
+      </a:lnRef>
+      <a:fillRef idx="0">
+        <a:scrgbClr r="0" g="0" b="0"/>
+      </a:fillRef>
+      <a:effectRef idx="0">
+        <a:scrgbClr r="0" g="0" b="0"/>
+      </a:effectRef>
+      <a:fontRef idx="minor"/>
+    </dgm:style>
+  </dgm:styleLbl>
+  <dgm:styleLbl name="fgAcc1">
+    <dgm:scene3d>
+      <a:camera prst="orthographicFront"/>
+      <a:lightRig rig="threePt" dir="t"/>
+    </dgm:scene3d>
+    <dgm:sp3d/>
+    <dgm:txPr/>
+    <dgm:style>
+      <a:lnRef idx="2">
+        <a:scrgbClr r="0" g="0" b="0"/>
+      </a:lnRef>
+      <a:fillRef idx="1">
+        <a:scrgbClr r="0" g="0" b="0"/>
+      </a:fillRef>
+      <a:effectRef idx="0">
+        <a:scrgbClr r="0" g="0" b="0"/>
+      </a:effectRef>
+      <a:fontRef idx="minor"/>
+    </dgm:style>
+  </dgm:styleLbl>
+  <dgm:styleLbl name="conFgAcc1">
+    <dgm:scene3d>
+      <a:camera prst="orthographicFront"/>
+      <a:lightRig rig="threePt" dir="t"/>
+    </dgm:scene3d>
+    <dgm:sp3d/>
+    <dgm:txPr/>
+    <dgm:style>
+      <a:lnRef idx="2">
+        <a:scrgbClr r="0" g="0" b="0"/>
+      </a:lnRef>
+      <a:fillRef idx="1">
+        <a:scrgbClr r="0" g="0" b="0"/>
+      </a:fillRef>
+      <a:effectRef idx="0">
+        <a:scrgbClr r="0" g="0" b="0"/>
+      </a:effectRef>
+      <a:fontRef idx="minor"/>
+    </dgm:style>
+  </dgm:styleLbl>
+  <dgm:styleLbl name="alignAcc1">
+    <dgm:scene3d>
+      <a:camera prst="orthographicFront"/>
+      <a:lightRig rig="threePt" dir="t"/>
+    </dgm:scene3d>
+    <dgm:sp3d/>
+    <dgm:txPr/>
+    <dgm:style>
+      <a:lnRef idx="2">
+        <a:scrgbClr r="0" g="0" b="0"/>
+      </a:lnRef>
+      <a:fillRef idx="1">
+        <a:scrgbClr r="0" g="0" b="0"/>
+      </a:fillRef>
+      <a:effectRef idx="0">
+        <a:scrgbClr r="0" g="0" b="0"/>
+      </a:effectRef>
+      <a:fontRef idx="minor"/>
+    </dgm:style>
+  </dgm:styleLbl>
+  <dgm:styleLbl name="trAlignAcc1">
+    <dgm:scene3d>
+      <a:camera prst="orthographicFront"/>
+      <a:lightRig rig="threePt" dir="t"/>
+    </dgm:scene3d>
+    <dgm:sp3d/>
+    <dgm:txPr/>
+    <dgm:style>
+      <a:lnRef idx="1">
+        <a:scrgbClr r="0" g="0" b="0"/>
+      </a:lnRef>
+      <a:fillRef idx="1">
+        <a:scrgbClr r="0" g="0" b="0"/>
+      </a:fillRef>
+      <a:effectRef idx="0">
+        <a:scrgbClr r="0" g="0" b="0"/>
+      </a:effectRef>
+      <a:fontRef idx="minor"/>
+    </dgm:style>
+  </dgm:styleLbl>
+  <dgm:styleLbl name="bgAcc1">
+    <dgm:scene3d>
+      <a:camera prst="orthographicFront"/>
+      <a:lightRig rig="threePt" dir="t"/>
+    </dgm:scene3d>
+    <dgm:sp3d/>
+    <dgm:txPr/>
+    <dgm:style>
+      <a:lnRef idx="2">
+        <a:scrgbClr r="0" g="0" b="0"/>
+      </a:lnRef>
+      <a:fillRef idx="1">
+        <a:scrgbClr r="0" g="0" b="0"/>
+      </a:fillRef>
+      <a:effectRef idx="0">
+        <a:scrgbClr r="0" g="0" b="0"/>
+      </a:effectRef>
+      <a:fontRef idx="minor"/>
+    </dgm:style>
+  </dgm:styleLbl>
+  <dgm:styleLbl name="solidFgAcc1">
+    <dgm:scene3d>
+      <a:camera prst="orthographicFront"/>
+      <a:lightRig rig="threePt" dir="t"/>
+    </dgm:scene3d>
+    <dgm:sp3d/>
+    <dgm:txPr/>
+    <dgm:style>
+      <a:lnRef idx="2">
+        <a:scrgbClr r="0" g="0" b="0"/>
+      </a:lnRef>
+      <a:fillRef idx="1">
+        <a:scrgbClr r="0" g="0" b="0"/>
+      </a:fillRef>
+      <a:effectRef idx="0">
+        <a:scrgbClr r="0" g="0" b="0"/>
+      </a:effectRef>
+      <a:fontRef idx="minor"/>
+    </dgm:style>
+  </dgm:styleLbl>
+  <dgm:styleLbl name="solidAlignAcc1">
+    <dgm:scene3d>
+      <a:camera prst="orthographicFront"/>
+      <a:lightRig rig="threePt" dir="t"/>
+    </dgm:scene3d>
+    <dgm:sp3d/>
+    <dgm:txPr/>
+    <dgm:style>
+      <a:lnRef idx="2">
+        <a:scrgbClr r="0" g="0" b="0"/>
+      </a:lnRef>
+      <a:fillRef idx="1">
+        <a:scrgbClr r="0" g="0" b="0"/>
+      </a:fillRef>
+      <a:effectRef idx="0">
+        <a:scrgbClr r="0" g="0" b="0"/>
+      </a:effectRef>
+      <a:fontRef idx="minor"/>
+    </dgm:style>
+  </dgm:styleLbl>
+  <dgm:styleLbl name="solidBgAcc1">
+    <dgm:scene3d>
+      <a:camera prst="orthographicFront"/>
+      <a:lightRig rig="threePt" dir="t"/>
+    </dgm:scene3d>
+    <dgm:sp3d/>
+    <dgm:txPr/>
+    <dgm:style>
+      <a:lnRef idx="2">
+        <a:scrgbClr r="0" g="0" b="0"/>
+      </a:lnRef>
+      <a:fillRef idx="1">
+        <a:scrgbClr r="0" g="0" b="0"/>
+      </a:fillRef>
+      <a:effectRef idx="0">
+        <a:scrgbClr r="0" g="0" b="0"/>
+      </a:effectRef>
+      <a:fontRef idx="minor"/>
+    </dgm:style>
+  </dgm:styleLbl>
+  <dgm:styleLbl name="fgAccFollowNode1">
+    <dgm:scene3d>
+      <a:camera prst="orthographicFront"/>
+      <a:lightRig rig="threePt" dir="t"/>
+    </dgm:scene3d>
+    <dgm:sp3d/>
+    <dgm:txPr/>
+    <dgm:style>
+      <a:lnRef idx="2">
+        <a:scrgbClr r="0" g="0" b="0"/>
+      </a:lnRef>
+      <a:fillRef idx="1">
+        <a:scrgbClr r="0" g="0" b="0"/>
+      </a:fillRef>
+      <a:effectRef idx="0">
+        <a:scrgbClr r="0" g="0" b="0"/>
+      </a:effectRef>
+      <a:fontRef idx="minor"/>
+    </dgm:style>
+  </dgm:styleLbl>
+  <dgm:styleLbl name="alignAccFollowNode1">
+    <dgm:scene3d>
+      <a:camera prst="orthographicFront"/>
+      <a:lightRig rig="threePt" dir="t"/>
+    </dgm:scene3d>
+    <dgm:sp3d/>
+    <dgm:txPr/>
+    <dgm:style>
+      <a:lnRef idx="2">
+        <a:scrgbClr r="0" g="0" b="0"/>
+      </a:lnRef>
+      <a:fillRef idx="1">
+        <a:scrgbClr r="0" g="0" b="0"/>
+      </a:fillRef>
+      <a:effectRef idx="0">
+        <a:scrgbClr r="0" g="0" b="0"/>
+      </a:effectRef>
+      <a:fontRef idx="minor"/>
+    </dgm:style>
+  </dgm:styleLbl>
+  <dgm:styleLbl name="bgAccFollowNode1">
+    <dgm:scene3d>
+      <a:camera prst="orthographicFront"/>
+      <a:lightRig rig="threePt" dir="t"/>
+    </dgm:scene3d>
+    <dgm:sp3d/>
+    <dgm:txPr/>
+    <dgm:style>
+      <a:lnRef idx="2">
+        <a:scrgbClr r="0" g="0" b="0"/>
+      </a:lnRef>
+      <a:fillRef idx="1">
+        <a:scrgbClr r="0" g="0" b="0"/>
+      </a:fillRef>
+      <a:effectRef idx="0">
+        <a:scrgbClr r="0" g="0" b="0"/>
+      </a:effectRef>
+      <a:fontRef idx="minor"/>
+    </dgm:style>
+  </dgm:styleLbl>
+  <dgm:styleLbl name="fgAcc0">
+    <dgm:scene3d>
+      <a:camera prst="orthographicFront"/>
+      <a:lightRig rig="threePt" dir="t"/>
+    </dgm:scene3d>
+    <dgm:sp3d/>
+    <dgm:txPr/>
+    <dgm:style>
+      <a:lnRef idx="2">
+        <a:scrgbClr r="0" g="0" b="0"/>
+      </a:lnRef>
+      <a:fillRef idx="1">
+        <a:scrgbClr r="0" g="0" b="0"/>
+      </a:fillRef>
+      <a:effectRef idx="0">
+        <a:scrgbClr r="0" g="0" b="0"/>
+      </a:effectRef>
+      <a:fontRef idx="minor"/>
+    </dgm:style>
+  </dgm:styleLbl>
+  <dgm:styleLbl name="fgAcc2">
+    <dgm:scene3d>
+      <a:camera prst="orthographicFront"/>
+      <a:lightRig rig="threePt" dir="t"/>
+    </dgm:scene3d>
+    <dgm:sp3d/>
+    <dgm:txPr/>
+    <dgm:style>
+      <a:lnRef idx="2">
+        <a:scrgbClr r="0" g="0" b="0"/>
+      </a:lnRef>
+      <a:fillRef idx="1">
+        <a:scrgbClr r="0" g="0" b="0"/>
+      </a:fillRef>
+      <a:effectRef idx="0">
+        <a:scrgbClr r="0" g="0" b="0"/>
+      </a:effectRef>
+      <a:fontRef idx="minor"/>
+    </dgm:style>
+  </dgm:styleLbl>
+  <dgm:styleLbl name="fgAcc3">
+    <dgm:scene3d>
+      <a:camera prst="orthographicFront"/>
+      <a:lightRig rig="threePt" dir="t"/>
+    </dgm:scene3d>
+    <dgm:sp3d/>
+    <dgm:txPr/>
+    <dgm:style>
+      <a:lnRef idx="2">
+        <a:scrgbClr r="0" g="0" b="0"/>
+      </a:lnRef>
+      <a:fillRef idx="1">
+        <a:scrgbClr r="0" g="0" b="0"/>
+      </a:fillRef>
+      <a:effectRef idx="0">
+        <a:scrgbClr r="0" g="0" b="0"/>
+      </a:effectRef>
+      <a:fontRef idx="minor"/>
+    </dgm:style>
+  </dgm:styleLbl>
+  <dgm:styleLbl name="fgAcc4">
+    <dgm:scene3d>
+      <a:camera prst="orthographicFront"/>
+      <a:lightRig rig="threePt" dir="t"/>
+    </dgm:scene3d>
+    <dgm:sp3d/>
+    <dgm:txPr/>
+    <dgm:style>
+      <a:lnRef idx="2">
+        <a:scrgbClr r="0" g="0" b="0"/>
+      </a:lnRef>
+      <a:fillRef idx="1">
+        <a:scrgbClr r="0" g="0" b="0"/>
+      </a:fillRef>
+      <a:effectRef idx="0">
+        <a:scrgbClr r="0" g="0" b="0"/>
+      </a:effectRef>
+      <a:fontRef idx="minor"/>
+    </dgm:style>
+  </dgm:styleLbl>
+  <dgm:styleLbl name="bgShp">
+    <dgm:scene3d>
+      <a:camera prst="orthographicFront"/>
+      <a:lightRig rig="threePt" dir="t"/>
+    </dgm:scene3d>
+    <dgm:sp3d/>
+    <dgm:txPr/>
+    <dgm:style>
+      <a:lnRef idx="0">
+        <a:scrgbClr r="0" g="0" b="0"/>
+      </a:lnRef>
+      <a:fillRef idx="1">
+        <a:scrgbClr r="0" g="0" b="0"/>
+      </a:fillRef>
+      <a:effectRef idx="0">
+        <a:scrgbClr r="0" g="0" b="0"/>
+      </a:effectRef>
+      <a:fontRef idx="minor"/>
+    </dgm:style>
+  </dgm:styleLbl>
+  <dgm:styleLbl name="dkBgShp">
+    <dgm:scene3d>
+      <a:camera prst="orthographicFront"/>
+      <a:lightRig rig="threePt" dir="t"/>
+    </dgm:scene3d>
+    <dgm:sp3d/>
+    <dgm:txPr/>
+    <dgm:style>
+      <a:lnRef idx="0">
+        <a:scrgbClr r="0" g="0" b="0"/>
+      </a:lnRef>
+      <a:fillRef idx="1">
+        <a:scrgbClr r="0" g="0" b="0"/>
+      </a:fillRef>
+      <a:effectRef idx="0">
+        <a:scrgbClr r="0" g="0" b="0"/>
+      </a:effectRef>
+      <a:fontRef idx="minor"/>
+    </dgm:style>
+  </dgm:styleLbl>
+  <dgm:styleLbl name="trBgShp">
+    <dgm:scene3d>
+      <a:camera prst="orthographicFront"/>
+      <a:lightRig rig="threePt" dir="t"/>
+    </dgm:scene3d>
+    <dgm:sp3d/>
+    <dgm:txPr/>
+    <dgm:style>
+      <a:lnRef idx="0">
+        <a:scrgbClr r="0" g="0" b="0"/>
+      </a:lnRef>
+      <a:fillRef idx="1">
+        <a:scrgbClr r="0" g="0" b="0"/>
+      </a:fillRef>
+      <a:effectRef idx="0">
+        <a:scrgbClr r="0" g="0" b="0"/>
+      </a:effectRef>
+      <a:fontRef idx="minor"/>
+    </dgm:style>
+  </dgm:styleLbl>
+  <dgm:styleLbl name="fgShp">
+    <dgm:scene3d>
+      <a:camera prst="orthographicFront"/>
+      <a:lightRig rig="threePt" dir="t"/>
+    </dgm:scene3d>
+    <dgm:sp3d/>
+    <dgm:txPr/>
+    <dgm:style>
+      <a:lnRef idx="2">
+        <a:scrgbClr r="0" g="0" b="0"/>
+      </a:lnRef>
+      <a:fillRef idx="1">
+        <a:scrgbClr r="0" g="0" b="0"/>
+      </a:fillRef>
+      <a:effectRef idx="0">
+        <a:scrgbClr r="0" g="0" b="0"/>
+      </a:effectRef>
+      <a:fontRef idx="minor"/>
+    </dgm:style>
+  </dgm:styleLbl>
+  <dgm:styleLbl name="revTx">
+    <dgm:scene3d>
+      <a:camera prst="orthographicFront"/>
+      <a:lightRig rig="threePt" dir="t"/>
+    </dgm:scene3d>
+    <dgm:sp3d/>
+    <dgm:txPr/>
+    <dgm:style>
+      <a:lnRef idx="0">
+        <a:scrgbClr r="0" g="0" b="0"/>
+      </a:lnRef>
+      <a:fillRef idx="0">
+        <a:scrgbClr r="0" g="0" b="0"/>
+      </a:fillRef>
+      <a:effectRef idx="0">
+        <a:scrgbClr r="0" g="0" b="0"/>
+      </a:effectRef>
+      <a:fontRef idx="minor"/>
+    </dgm:style>
+  </dgm:styleLbl>
+</dgm:styleDef>
+</file>
+
 <file path=ppt/notesMasters/notesMaster1.xml><?xml version="1.0" encoding="utf-8"?>
 <p:notesMaster xmlns:a="http://schemas.openxmlformats.org/drawingml/2006/main" xmlns:r="http://schemas.openxmlformats.org/officeDocument/2006/relationships" xmlns:p="http://schemas.openxmlformats.org/presentationml/2006/main">
   <p:cSld>
@@ -9116,7 +12174,7 @@
           <a:p>
             <a:fld id="{CAC8DC2F-1056-472E-80EB-EAADF9D565BE}" type="datetimeFigureOut">
               <a:rPr lang="en-GB" smtClean="0"/>
-              <a:t>14/10/2021</a:t>
+              <a:t>07/04/2022</a:t>
             </a:fld>
             <a:endParaRPr lang="en-GB"/>
           </a:p>
@@ -9875,7 +12933,7 @@
             </a:r>
             <a:r>
               <a:rPr lang="en-GB" dirty="0"/>
-              <a:t> which was done on a system in Durham. This part of the test makes use of firewall enumeration in which open ports are enumerated based upon a misconfigured firewall. REJECT rules are used in order to </a:t>
+              <a:t> which was done on a system in Durham. This part of the test makes use of firewall enumeration in which open ports are enumerated based upon a misconfigured firewall. REJECT rules are used in order to serve as helpful messages to inform external users that they cannot connect to the port they wish to connect to. This is achieved using the ICMP protocol which responds with an administratively prohibited message, however internal ports designed to be protected from external exposure become leaked.</a:t>
             </a:r>
           </a:p>
         </p:txBody>
@@ -9981,7 +13039,91 @@
           <a:p>
             <a:fld id="{B0863950-9A2F-47EA-ADEC-B79BCD7B56CE}" type="slidenum">
               <a:rPr lang="en-GB" smtClean="0"/>
-              <a:t>20</a:t>
+              <a:t>10</a:t>
+            </a:fld>
+            <a:endParaRPr lang="en-GB"/>
+          </a:p>
+        </p:txBody>
+      </p:sp>
+    </p:spTree>
+    <p:extLst>
+      <p:ext uri="{BB962C8B-B14F-4D97-AF65-F5344CB8AC3E}">
+        <p14:creationId xmlns:p14="http://schemas.microsoft.com/office/powerpoint/2010/main" val="1229083408"/>
+      </p:ext>
+    </p:extLst>
+  </p:cSld>
+  <p:clrMapOvr>
+    <a:masterClrMapping/>
+  </p:clrMapOvr>
+</p:notes>
+</file>
+
+<file path=ppt/notesSlides/notesSlide7.xml><?xml version="1.0" encoding="utf-8"?>
+<p:notes xmlns:a="http://schemas.openxmlformats.org/drawingml/2006/main" xmlns:r="http://schemas.openxmlformats.org/officeDocument/2006/relationships" xmlns:p="http://schemas.openxmlformats.org/presentationml/2006/main">
+  <p:cSld>
+    <p:spTree>
+      <p:nvGrpSpPr>
+        <p:cNvPr id="1" name=""/>
+        <p:cNvGrpSpPr/>
+        <p:nvPr/>
+      </p:nvGrpSpPr>
+      <p:grpSpPr>
+        <a:xfrm>
+          <a:off x="0" y="0"/>
+          <a:ext cx="0" cy="0"/>
+          <a:chOff x="0" y="0"/>
+          <a:chExt cx="0" cy="0"/>
+        </a:xfrm>
+      </p:grpSpPr>
+      <p:sp>
+        <p:nvSpPr>
+          <p:cNvPr id="2" name="Slide Image Placeholder 1"/>
+          <p:cNvSpPr>
+            <a:spLocks noGrp="1" noRot="1" noChangeAspect="1"/>
+          </p:cNvSpPr>
+          <p:nvPr>
+            <p:ph type="sldImg"/>
+          </p:nvPr>
+        </p:nvSpPr>
+        <p:spPr/>
+      </p:sp>
+      <p:sp>
+        <p:nvSpPr>
+          <p:cNvPr id="3" name="Notes Placeholder 2"/>
+          <p:cNvSpPr>
+            <a:spLocks noGrp="1"/>
+          </p:cNvSpPr>
+          <p:nvPr>
+            <p:ph type="body" idx="1"/>
+          </p:nvPr>
+        </p:nvSpPr>
+        <p:spPr/>
+        <p:txBody>
+          <a:bodyPr/>
+          <a:lstStyle/>
+          <a:p>
+            <a:endParaRPr lang="en-GB" dirty="0"/>
+          </a:p>
+        </p:txBody>
+      </p:sp>
+      <p:sp>
+        <p:nvSpPr>
+          <p:cNvPr id="4" name="Slide Number Placeholder 3"/>
+          <p:cNvSpPr>
+            <a:spLocks noGrp="1"/>
+          </p:cNvSpPr>
+          <p:nvPr>
+            <p:ph type="sldNum" sz="quarter" idx="5"/>
+          </p:nvPr>
+        </p:nvSpPr>
+        <p:spPr/>
+        <p:txBody>
+          <a:bodyPr/>
+          <a:lstStyle/>
+          <a:p>
+            <a:fld id="{B0863950-9A2F-47EA-ADEC-B79BCD7B56CE}" type="slidenum">
+              <a:rPr lang="en-GB" smtClean="0"/>
+              <a:t>19</a:t>
             </a:fld>
             <a:endParaRPr lang="en-GB"/>
           </a:p>
@@ -10246,7 +13388,7 @@
             <a:fld id="{B61BEF0D-F0BB-DE4B-95CE-6DB70DBA9567}" type="datetimeFigureOut">
               <a:rPr lang="en-US" dirty="0"/>
               <a:pPr/>
-              <a:t>10/14/2021</a:t>
+              <a:t>4/7/2022</a:t>
             </a:fld>
             <a:endParaRPr lang="en-US" dirty="0"/>
           </a:p>
@@ -10505,7 +13647,7 @@
             <a:fld id="{B61BEF0D-F0BB-DE4B-95CE-6DB70DBA9567}" type="datetimeFigureOut">
               <a:rPr lang="en-US" dirty="0"/>
               <a:pPr/>
-              <a:t>10/14/2021</a:t>
+              <a:t>4/7/2022</a:t>
             </a:fld>
             <a:endParaRPr lang="en-US" dirty="0"/>
           </a:p>
@@ -10737,7 +13879,7 @@
             <a:fld id="{B61BEF0D-F0BB-DE4B-95CE-6DB70DBA9567}" type="datetimeFigureOut">
               <a:rPr lang="en-US" dirty="0"/>
               <a:pPr/>
-              <a:t>10/14/2021</a:t>
+              <a:t>4/7/2022</a:t>
             </a:fld>
             <a:endParaRPr lang="en-US" dirty="0"/>
           </a:p>
@@ -10974,7 +14116,7 @@
             <a:fld id="{B61BEF0D-F0BB-DE4B-95CE-6DB70DBA9567}" type="datetimeFigureOut">
               <a:rPr lang="en-US" dirty="0"/>
               <a:pPr/>
-              <a:t>10/14/2021</a:t>
+              <a:t>4/7/2022</a:t>
             </a:fld>
             <a:endParaRPr lang="en-US" dirty="0"/>
           </a:p>
@@ -11278,7 +14420,7 @@
             <a:fld id="{B61BEF0D-F0BB-DE4B-95CE-6DB70DBA9567}" type="datetimeFigureOut">
               <a:rPr lang="en-US" dirty="0"/>
               <a:pPr/>
-              <a:t>10/14/2021</a:t>
+              <a:t>4/7/2022</a:t>
             </a:fld>
             <a:endParaRPr lang="en-US" dirty="0"/>
           </a:p>
@@ -11577,7 +14719,7 @@
             <a:fld id="{B61BEF0D-F0BB-DE4B-95CE-6DB70DBA9567}" type="datetimeFigureOut">
               <a:rPr lang="en-US" dirty="0"/>
               <a:pPr/>
-              <a:t>10/14/2021</a:t>
+              <a:t>4/7/2022</a:t>
             </a:fld>
             <a:endParaRPr lang="en-US" dirty="0"/>
           </a:p>
@@ -11996,7 +15138,7 @@
             <a:fld id="{B61BEF0D-F0BB-DE4B-95CE-6DB70DBA9567}" type="datetimeFigureOut">
               <a:rPr lang="en-US" dirty="0"/>
               <a:pPr/>
-              <a:t>10/14/2021</a:t>
+              <a:t>4/7/2022</a:t>
             </a:fld>
             <a:endParaRPr lang="en-US" dirty="0"/>
           </a:p>
@@ -12155,7 +15297,7 @@
             <a:fld id="{B61BEF0D-F0BB-DE4B-95CE-6DB70DBA9567}" type="datetimeFigureOut">
               <a:rPr lang="en-US" dirty="0"/>
               <a:pPr/>
-              <a:t>10/14/2021</a:t>
+              <a:t>4/7/2022</a:t>
             </a:fld>
             <a:endParaRPr lang="en-US" dirty="0"/>
           </a:p>
@@ -12247,7 +15389,7 @@
             <a:fld id="{B61BEF0D-F0BB-DE4B-95CE-6DB70DBA9567}" type="datetimeFigureOut">
               <a:rPr lang="en-US" dirty="0"/>
               <a:pPr/>
-              <a:t>10/14/2021</a:t>
+              <a:t>4/7/2022</a:t>
             </a:fld>
             <a:endParaRPr lang="en-US" dirty="0"/>
           </a:p>
@@ -12622,7 +15764,7 @@
             <a:fld id="{B61BEF0D-F0BB-DE4B-95CE-6DB70DBA9567}" type="datetimeFigureOut">
               <a:rPr lang="en-US" dirty="0"/>
               <a:pPr/>
-              <a:t>10/14/2021</a:t>
+              <a:t>4/7/2022</a:t>
             </a:fld>
             <a:endParaRPr lang="en-US" dirty="0"/>
           </a:p>
@@ -12908,7 +16050,7 @@
             <a:fld id="{B61BEF0D-F0BB-DE4B-95CE-6DB70DBA9567}" type="datetimeFigureOut">
               <a:rPr lang="en-US" dirty="0"/>
               <a:pPr/>
-              <a:t>10/14/2021</a:t>
+              <a:t>4/7/2022</a:t>
             </a:fld>
             <a:endParaRPr lang="en-US" dirty="0"/>
           </a:p>
@@ -13116,7 +16258,7 @@
             <a:fld id="{B61BEF0D-F0BB-DE4B-95CE-6DB70DBA9567}" type="datetimeFigureOut">
               <a:rPr lang="en-US" dirty="0"/>
               <a:pPr/>
-              <a:t>10/14/2021</a:t>
+              <a:t>4/7/2022</a:t>
             </a:fld>
             <a:endParaRPr lang="en-US" dirty="0"/>
           </a:p>
@@ -13879,7 +17021,7 @@
         </p:xfrm>
         <a:graphic>
           <a:graphicData uri="http://schemas.openxmlformats.org/drawingml/2006/diagram">
-            <dgm:relIds xmlns:dgm="http://schemas.openxmlformats.org/drawingml/2006/diagram" xmlns:r="http://schemas.openxmlformats.org/officeDocument/2006/relationships" r:dm="rId2" r:lo="rId3" r:qs="rId4" r:cs="rId5"/>
+            <dgm:relIds xmlns:dgm="http://schemas.openxmlformats.org/drawingml/2006/diagram" xmlns:r="http://schemas.openxmlformats.org/officeDocument/2006/relationships" r:dm="rId3" r:lo="rId4" r:qs="rId5" r:cs="rId6"/>
           </a:graphicData>
         </a:graphic>
       </p:graphicFrame>
@@ -16540,7 +19682,7 @@
           <p:cNvPr id="2" name="Title 1">
             <a:extLst>
               <a:ext uri="{FF2B5EF4-FFF2-40B4-BE49-F238E27FC236}">
-                <a16:creationId xmlns:a16="http://schemas.microsoft.com/office/drawing/2014/main" id="{D507DD39-633B-40C7-ABFE-F7CB522EA467}"/>
+                <a16:creationId xmlns:a16="http://schemas.microsoft.com/office/drawing/2014/main" id="{85380FE3-0857-4719-B270-1BA72FE6177C}"/>
               </a:ext>
             </a:extLst>
           </p:cNvPr>
@@ -16558,10 +19700,9 @@
           <a:p>
             <a:pPr algn="ctr"/>
             <a:r>
-              <a:rPr lang="en-GB" dirty="0" err="1"/>
-              <a:t>natlas</a:t>
+              <a:rPr lang="en-GB" dirty="0"/>
+              <a:t>Shodan</a:t>
             </a:r>
-            <a:endParaRPr lang="en-GB" dirty="0"/>
           </a:p>
         </p:txBody>
       </p:sp>
@@ -16570,7 +19711,7 @@
           <p:cNvPr id="3" name="Content Placeholder 2">
             <a:extLst>
               <a:ext uri="{FF2B5EF4-FFF2-40B4-BE49-F238E27FC236}">
-                <a16:creationId xmlns:a16="http://schemas.microsoft.com/office/drawing/2014/main" id="{5F3431B5-389D-4CB3-89CC-D188F4A731DA}"/>
+                <a16:creationId xmlns:a16="http://schemas.microsoft.com/office/drawing/2014/main" id="{30A1CD9F-2118-4841-BDAE-E456D6C845CA}"/>
               </a:ext>
             </a:extLst>
           </p:cNvPr>
@@ -16586,14 +19727,35 @@
           <a:bodyPr/>
           <a:lstStyle/>
           <a:p>
-            <a:endParaRPr lang="en-GB"/>
+            <a:r>
+              <a:rPr lang="en-GB" dirty="0"/>
+              <a:t>A very powerful search engine with capabilities to scan target addresses from dedicated network addresses preventing detection.</a:t>
+            </a:r>
+          </a:p>
+          <a:p>
+            <a:endParaRPr lang="en-GB" dirty="0"/>
+          </a:p>
+          <a:p>
+            <a:r>
+              <a:rPr lang="en-GB" dirty="0"/>
+              <a:t>Shodan can provide information through its powerful API and is a very powerful choice. </a:t>
+            </a:r>
+          </a:p>
+          <a:p>
+            <a:endParaRPr lang="en-GB" dirty="0"/>
+          </a:p>
+          <a:p>
+            <a:r>
+              <a:rPr lang="en-GB" dirty="0"/>
+              <a:t>Shodan requires a paid membership to make use of however it is very powerful.</a:t>
+            </a:r>
           </a:p>
         </p:txBody>
       </p:sp>
     </p:spTree>
     <p:extLst>
       <p:ext uri="{BB962C8B-B14F-4D97-AF65-F5344CB8AC3E}">
-        <p14:creationId xmlns:p14="http://schemas.microsoft.com/office/powerpoint/2010/main" val="561625940"/>
+        <p14:creationId xmlns:p14="http://schemas.microsoft.com/office/powerpoint/2010/main" val="396253587"/>
       </p:ext>
     </p:extLst>
   </p:cSld>
@@ -16670,7 +19832,44 @@
           <a:bodyPr/>
           <a:lstStyle/>
           <a:p>
-            <a:endParaRPr lang="en-GB"/>
+            <a:r>
+              <a:rPr lang="en-GB" dirty="0"/>
+              <a:t>Free version of Shodan allowing for vulnerability scanning</a:t>
+            </a:r>
+          </a:p>
+          <a:p>
+            <a:endParaRPr lang="en-GB" dirty="0"/>
+          </a:p>
+          <a:p>
+            <a:r>
+              <a:rPr lang="en-GB" dirty="0"/>
+              <a:t>Limited usage</a:t>
+            </a:r>
+          </a:p>
+          <a:p>
+            <a:endParaRPr lang="en-GB" dirty="0"/>
+          </a:p>
+          <a:p>
+            <a:r>
+              <a:rPr lang="en-GB" dirty="0"/>
+              <a:t>Scanning is done from dedicated machine which belong to the </a:t>
+            </a:r>
+            <a:r>
+              <a:rPr lang="en-GB" dirty="0" err="1"/>
+              <a:t>Censys</a:t>
+            </a:r>
+            <a:r>
+              <a:rPr lang="en-GB" dirty="0"/>
+              <a:t> organisation making firewall rules a case of knowing the </a:t>
+            </a:r>
+            <a:r>
+              <a:rPr lang="en-GB" dirty="0" err="1"/>
+              <a:t>Censys</a:t>
+            </a:r>
+            <a:r>
+              <a:rPr lang="en-GB" dirty="0"/>
+              <a:t> subnet.</a:t>
+            </a:r>
           </a:p>
         </p:txBody>
       </p:sp>
@@ -16709,7 +19908,7 @@
           <p:cNvPr id="2" name="Title 1">
             <a:extLst>
               <a:ext uri="{FF2B5EF4-FFF2-40B4-BE49-F238E27FC236}">
-                <a16:creationId xmlns:a16="http://schemas.microsoft.com/office/drawing/2014/main" id="{85380FE3-0857-4719-B270-1BA72FE6177C}"/>
+                <a16:creationId xmlns:a16="http://schemas.microsoft.com/office/drawing/2014/main" id="{781A82A5-5464-45A0-81BD-C2047E6D9019}"/>
               </a:ext>
             </a:extLst>
           </p:cNvPr>
@@ -16727,9 +19926,10 @@
           <a:p>
             <a:pPr algn="ctr"/>
             <a:r>
-              <a:rPr lang="en-GB" dirty="0"/>
-              <a:t>Shodan</a:t>
+              <a:rPr lang="en-GB" dirty="0" err="1"/>
+              <a:t>Zoomeye</a:t>
             </a:r>
+            <a:endParaRPr lang="en-GB" dirty="0"/>
           </a:p>
         </p:txBody>
       </p:sp>
@@ -16738,7 +19938,7 @@
           <p:cNvPr id="3" name="Content Placeholder 2">
             <a:extLst>
               <a:ext uri="{FF2B5EF4-FFF2-40B4-BE49-F238E27FC236}">
-                <a16:creationId xmlns:a16="http://schemas.microsoft.com/office/drawing/2014/main" id="{30A1CD9F-2118-4841-BDAE-E456D6C845CA}"/>
+                <a16:creationId xmlns:a16="http://schemas.microsoft.com/office/drawing/2014/main" id="{1DF945C4-46CD-4D69-8355-8F79E53EE59B}"/>
               </a:ext>
             </a:extLst>
           </p:cNvPr>
@@ -16754,6 +19954,33 @@
           <a:bodyPr/>
           <a:lstStyle/>
           <a:p>
+            <a:r>
+              <a:rPr lang="en-GB" dirty="0"/>
+              <a:t>Recognised as the Chinese version of Shodan</a:t>
+            </a:r>
+          </a:p>
+          <a:p>
+            <a:endParaRPr lang="en-GB" dirty="0"/>
+          </a:p>
+          <a:p>
+            <a:r>
+              <a:rPr lang="en-GB" dirty="0"/>
+              <a:t>Only allowed to access 20 records without any subscription</a:t>
+            </a:r>
+          </a:p>
+          <a:p>
+            <a:endParaRPr lang="en-GB" dirty="0"/>
+          </a:p>
+          <a:p>
+            <a:r>
+              <a:rPr lang="en-GB" dirty="0"/>
+              <a:t>Available from any device with an internet connection (Games console, Tablet, Mobile Phone)</a:t>
+            </a:r>
+          </a:p>
+          <a:p>
+            <a:endParaRPr lang="en-GB" dirty="0"/>
+          </a:p>
+          <a:p>
             <a:endParaRPr lang="en-GB" dirty="0"/>
           </a:p>
         </p:txBody>
@@ -16761,7 +19988,7 @@
     </p:spTree>
     <p:extLst>
       <p:ext uri="{BB962C8B-B14F-4D97-AF65-F5344CB8AC3E}">
-        <p14:creationId xmlns:p14="http://schemas.microsoft.com/office/powerpoint/2010/main" val="396253587"/>
+        <p14:creationId xmlns:p14="http://schemas.microsoft.com/office/powerpoint/2010/main" val="643692126"/>
       </p:ext>
     </p:extLst>
   </p:cSld>
@@ -17176,6 +20403,19 @@
                 </a:solidFill>
               </a:rPr>
               <a:t>Vulnerability Scanning With Burner Machines</a:t>
+            </a:r>
+          </a:p>
+          <a:p>
+            <a:pPr algn="ctr"/>
+            <a:r>
+              <a:rPr lang="en-GB" sz="2000" dirty="0">
+                <a:solidFill>
+                  <a:schemeClr val="accent2">
+                    <a:lumMod val="50000"/>
+                  </a:schemeClr>
+                </a:solidFill>
+              </a:rPr>
+              <a:t>Exposed Git repositories</a:t>
             </a:r>
           </a:p>
         </p:txBody>
@@ -17496,6 +20736,55 @@
                       </p:childTnLst>
                     </p:cTn>
                   </p:par>
+                  <p:par>
+                    <p:cTn id="28" fill="hold">
+                      <p:stCondLst>
+                        <p:cond delay="indefinite"/>
+                      </p:stCondLst>
+                      <p:childTnLst>
+                        <p:par>
+                          <p:cTn id="29" fill="hold">
+                            <p:stCondLst>
+                              <p:cond delay="0"/>
+                            </p:stCondLst>
+                            <p:childTnLst>
+                              <p:par>
+                                <p:cTn id="30" presetID="1" presetClass="entr" presetSubtype="0" fill="hold" nodeType="clickEffect">
+                                  <p:stCondLst>
+                                    <p:cond delay="0"/>
+                                  </p:stCondLst>
+                                  <p:childTnLst>
+                                    <p:set>
+                                      <p:cBhvr>
+                                        <p:cTn id="31" dur="1" fill="hold">
+                                          <p:stCondLst>
+                                            <p:cond delay="0"/>
+                                          </p:stCondLst>
+                                        </p:cTn>
+                                        <p:tgtEl>
+                                          <p:spTgt spid="19">
+                                            <p:txEl>
+                                              <p:pRg st="5" end="5"/>
+                                            </p:txEl>
+                                          </p:spTgt>
+                                        </p:tgtEl>
+                                        <p:attrNameLst>
+                                          <p:attrName>style.visibility</p:attrName>
+                                        </p:attrNameLst>
+                                      </p:cBhvr>
+                                      <p:to>
+                                        <p:strVal val="visible"/>
+                                      </p:to>
+                                    </p:set>
+                                  </p:childTnLst>
+                                </p:cTn>
+                              </p:par>
+                            </p:childTnLst>
+                          </p:cTn>
+                        </p:par>
+                      </p:childTnLst>
+                    </p:cTn>
+                  </p:par>
                 </p:childTnLst>
               </p:cTn>
               <p:prevCondLst>
@@ -17527,6 +20816,523 @@
 <file path=ppt/slides/slide20.xml><?xml version="1.0" encoding="utf-8"?>
 <p:sld xmlns:a="http://schemas.openxmlformats.org/drawingml/2006/main" xmlns:r="http://schemas.openxmlformats.org/officeDocument/2006/relationships" xmlns:p="http://schemas.openxmlformats.org/presentationml/2006/main">
   <p:cSld>
+    <p:bg>
+      <p:bgPr>
+        <a:solidFill>
+          <a:schemeClr val="bg1"/>
+        </a:solidFill>
+        <a:effectLst/>
+      </p:bgPr>
+    </p:bg>
+    <p:spTree>
+      <p:nvGrpSpPr>
+        <p:cNvPr id="1" name=""/>
+        <p:cNvGrpSpPr/>
+        <p:nvPr/>
+      </p:nvGrpSpPr>
+      <p:grpSpPr>
+        <a:xfrm>
+          <a:off x="0" y="0"/>
+          <a:ext cx="0" cy="0"/>
+          <a:chOff x="0" y="0"/>
+          <a:chExt cx="0" cy="0"/>
+        </a:xfrm>
+      </p:grpSpPr>
+      <p:sp>
+        <p:nvSpPr>
+          <p:cNvPr id="8" name="Rectangle 7">
+            <a:extLst>
+              <a:ext uri="{FF2B5EF4-FFF2-40B4-BE49-F238E27FC236}">
+                <a16:creationId xmlns:a16="http://schemas.microsoft.com/office/drawing/2014/main" id="{E9AA9F65-94B8-41A5-A7FF-23D2CFB116BB}"/>
+              </a:ext>
+              <a:ext uri="{C183D7F6-B498-43B3-948B-1728B52AA6E4}">
+                <adec:decorative xmlns:adec="http://schemas.microsoft.com/office/drawing/2017/decorative" val="1"/>
+              </a:ext>
+            </a:extLst>
+          </p:cNvPr>
+          <p:cNvSpPr>
+            <a:spLocks noGrp="1" noRot="1" noChangeAspect="1" noMove="1" noResize="1" noEditPoints="1" noAdjustHandles="1" noChangeArrowheads="1" noChangeShapeType="1" noTextEdit="1"/>
+          </p:cNvSpPr>
+          <p:nvPr>
+            <p:extLst>
+              <p:ext uri="{386F3935-93C4-4BCD-93E2-E3B085C9AB24}">
+                <p16:designElem xmlns:p16="http://schemas.microsoft.com/office/powerpoint/2015/main" val="1"/>
+              </p:ext>
+            </p:extLst>
+          </p:nvPr>
+        </p:nvSpPr>
+        <p:spPr>
+          <a:xfrm>
+            <a:off x="446534" y="457200"/>
+            <a:ext cx="3703320" cy="94997"/>
+          </a:xfrm>
+          <a:prstGeom prst="rect">
+            <a:avLst/>
+          </a:prstGeom>
+          <a:solidFill>
+            <a:schemeClr val="accent1"/>
+          </a:solidFill>
+          <a:ln>
+            <a:noFill/>
+          </a:ln>
+          <a:effectLst/>
+        </p:spPr>
+        <p:style>
+          <a:lnRef idx="1">
+            <a:schemeClr val="accent1"/>
+          </a:lnRef>
+          <a:fillRef idx="3">
+            <a:schemeClr val="accent1"/>
+          </a:fillRef>
+          <a:effectRef idx="2">
+            <a:schemeClr val="accent1"/>
+          </a:effectRef>
+          <a:fontRef idx="minor">
+            <a:schemeClr val="lt1"/>
+          </a:fontRef>
+        </p:style>
+      </p:sp>
+      <p:sp>
+        <p:nvSpPr>
+          <p:cNvPr id="10" name="Rectangle 9">
+            <a:extLst>
+              <a:ext uri="{FF2B5EF4-FFF2-40B4-BE49-F238E27FC236}">
+                <a16:creationId xmlns:a16="http://schemas.microsoft.com/office/drawing/2014/main" id="{7E8B0F8E-3F6C-4541-B9C1-774D80A08834}"/>
+              </a:ext>
+              <a:ext uri="{C183D7F6-B498-43B3-948B-1728B52AA6E4}">
+                <adec:decorative xmlns:adec="http://schemas.microsoft.com/office/drawing/2017/decorative" val="1"/>
+              </a:ext>
+            </a:extLst>
+          </p:cNvPr>
+          <p:cNvSpPr>
+            <a:spLocks noGrp="1" noRot="1" noChangeAspect="1" noMove="1" noResize="1" noEditPoints="1" noAdjustHandles="1" noChangeArrowheads="1" noChangeShapeType="1" noTextEdit="1"/>
+          </p:cNvSpPr>
+          <p:nvPr>
+            <p:extLst>
+              <p:ext uri="{386F3935-93C4-4BCD-93E2-E3B085C9AB24}">
+                <p16:designElem xmlns:p16="http://schemas.microsoft.com/office/powerpoint/2015/main" val="1"/>
+              </p:ext>
+            </p:extLst>
+          </p:nvPr>
+        </p:nvSpPr>
+        <p:spPr>
+          <a:xfrm>
+            <a:off x="8042147" y="453643"/>
+            <a:ext cx="3703320" cy="98554"/>
+          </a:xfrm>
+          <a:prstGeom prst="rect">
+            <a:avLst/>
+          </a:prstGeom>
+          <a:solidFill>
+            <a:schemeClr val="accent4"/>
+          </a:solidFill>
+          <a:ln>
+            <a:noFill/>
+          </a:ln>
+          <a:effectLst/>
+        </p:spPr>
+        <p:style>
+          <a:lnRef idx="1">
+            <a:schemeClr val="accent1"/>
+          </a:lnRef>
+          <a:fillRef idx="3">
+            <a:schemeClr val="accent1"/>
+          </a:fillRef>
+          <a:effectRef idx="2">
+            <a:schemeClr val="accent1"/>
+          </a:effectRef>
+          <a:fontRef idx="minor">
+            <a:schemeClr val="lt1"/>
+          </a:fontRef>
+        </p:style>
+      </p:sp>
+      <p:sp>
+        <p:nvSpPr>
+          <p:cNvPr id="12" name="Rectangle 11">
+            <a:extLst>
+              <a:ext uri="{FF2B5EF4-FFF2-40B4-BE49-F238E27FC236}">
+                <a16:creationId xmlns:a16="http://schemas.microsoft.com/office/drawing/2014/main" id="{7A45F5BC-32D1-41CD-B270-C46F18CA1ACC}"/>
+              </a:ext>
+              <a:ext uri="{C183D7F6-B498-43B3-948B-1728B52AA6E4}">
+                <adec:decorative xmlns:adec="http://schemas.microsoft.com/office/drawing/2017/decorative" val="1"/>
+              </a:ext>
+            </a:extLst>
+          </p:cNvPr>
+          <p:cNvSpPr>
+            <a:spLocks noGrp="1" noRot="1" noChangeAspect="1" noMove="1" noResize="1" noEditPoints="1" noAdjustHandles="1" noChangeArrowheads="1" noChangeShapeType="1" noTextEdit="1"/>
+          </p:cNvSpPr>
+          <p:nvPr>
+            <p:extLst>
+              <p:ext uri="{386F3935-93C4-4BCD-93E2-E3B085C9AB24}">
+                <p16:designElem xmlns:p16="http://schemas.microsoft.com/office/powerpoint/2015/main" val="1"/>
+              </p:ext>
+            </p:extLst>
+          </p:nvPr>
+        </p:nvSpPr>
+        <p:spPr>
+          <a:xfrm>
+            <a:off x="4241830" y="457200"/>
+            <a:ext cx="3703320" cy="91440"/>
+          </a:xfrm>
+          <a:prstGeom prst="rect">
+            <a:avLst/>
+          </a:prstGeom>
+          <a:solidFill>
+            <a:schemeClr val="accent2"/>
+          </a:solidFill>
+          <a:ln>
+            <a:noFill/>
+          </a:ln>
+          <a:effectLst/>
+        </p:spPr>
+        <p:style>
+          <a:lnRef idx="1">
+            <a:schemeClr val="accent1"/>
+          </a:lnRef>
+          <a:fillRef idx="3">
+            <a:schemeClr val="accent1"/>
+          </a:fillRef>
+          <a:effectRef idx="2">
+            <a:schemeClr val="accent1"/>
+          </a:effectRef>
+          <a:fontRef idx="minor">
+            <a:schemeClr val="lt1"/>
+          </a:fontRef>
+        </p:style>
+      </p:sp>
+      <p:sp>
+        <p:nvSpPr>
+          <p:cNvPr id="14" name="Rectangle 13">
+            <a:extLst>
+              <a:ext uri="{FF2B5EF4-FFF2-40B4-BE49-F238E27FC236}">
+                <a16:creationId xmlns:a16="http://schemas.microsoft.com/office/drawing/2014/main" id="{CE57EE13-72B0-4FFA-ACE1-EBDE89340E47}"/>
+              </a:ext>
+              <a:ext uri="{C183D7F6-B498-43B3-948B-1728B52AA6E4}">
+                <adec:decorative xmlns:adec="http://schemas.microsoft.com/office/drawing/2017/decorative" val="1"/>
+              </a:ext>
+            </a:extLst>
+          </p:cNvPr>
+          <p:cNvSpPr>
+            <a:spLocks noGrp="1" noRot="1" noChangeAspect="1" noMove="1" noResize="1" noEditPoints="1" noAdjustHandles="1" noChangeArrowheads="1" noChangeShapeType="1" noTextEdit="1"/>
+          </p:cNvSpPr>
+          <p:nvPr>
+            <p:extLst>
+              <p:ext uri="{386F3935-93C4-4BCD-93E2-E3B085C9AB24}">
+                <p16:designElem xmlns:p16="http://schemas.microsoft.com/office/powerpoint/2015/main" val="1"/>
+              </p:ext>
+            </p:extLst>
+          </p:nvPr>
+        </p:nvSpPr>
+        <p:spPr>
+          <a:xfrm>
+            <a:off x="446534" y="3085765"/>
+            <a:ext cx="11262866" cy="3304800"/>
+          </a:xfrm>
+          <a:prstGeom prst="rect">
+            <a:avLst/>
+          </a:prstGeom>
+          <a:solidFill>
+            <a:schemeClr val="accent1"/>
+          </a:solidFill>
+          <a:ln>
+            <a:noFill/>
+          </a:ln>
+          <a:effectLst/>
+        </p:spPr>
+        <p:style>
+          <a:lnRef idx="1">
+            <a:schemeClr val="accent1"/>
+          </a:lnRef>
+          <a:fillRef idx="3">
+            <a:schemeClr val="accent1"/>
+          </a:fillRef>
+          <a:effectRef idx="2">
+            <a:schemeClr val="accent1"/>
+          </a:effectRef>
+          <a:fontRef idx="minor">
+            <a:schemeClr val="lt1"/>
+          </a:fontRef>
+        </p:style>
+      </p:sp>
+      <p:sp useBgFill="1">
+        <p:nvSpPr>
+          <p:cNvPr id="16" name="Rectangle 15">
+            <a:extLst>
+              <a:ext uri="{FF2B5EF4-FFF2-40B4-BE49-F238E27FC236}">
+                <a16:creationId xmlns:a16="http://schemas.microsoft.com/office/drawing/2014/main" id="{34BFB7C5-23B6-4047-BF5E-F9EEBB437CD0}"/>
+              </a:ext>
+              <a:ext uri="{C183D7F6-B498-43B3-948B-1728B52AA6E4}">
+                <adec:decorative xmlns:adec="http://schemas.microsoft.com/office/drawing/2017/decorative" val="1"/>
+              </a:ext>
+            </a:extLst>
+          </p:cNvPr>
+          <p:cNvSpPr>
+            <a:spLocks noGrp="1" noRot="1" noChangeAspect="1" noMove="1" noResize="1" noEditPoints="1" noAdjustHandles="1" noChangeArrowheads="1" noChangeShapeType="1" noTextEdit="1"/>
+          </p:cNvSpPr>
+          <p:nvPr>
+            <p:extLst>
+              <p:ext uri="{386F3935-93C4-4BCD-93E2-E3B085C9AB24}">
+                <p16:designElem xmlns:p16="http://schemas.microsoft.com/office/powerpoint/2015/main" val="1"/>
+              </p:ext>
+            </p:extLst>
+          </p:nvPr>
+        </p:nvSpPr>
+        <p:spPr>
+          <a:xfrm>
+            <a:off x="0" y="0"/>
+            <a:ext cx="12192000" cy="6858000"/>
+          </a:xfrm>
+          <a:prstGeom prst="rect">
+            <a:avLst/>
+          </a:prstGeom>
+          <a:ln>
+            <a:noFill/>
+          </a:ln>
+        </p:spPr>
+        <p:style>
+          <a:lnRef idx="2">
+            <a:schemeClr val="accent1">
+              <a:shade val="50000"/>
+            </a:schemeClr>
+          </a:lnRef>
+          <a:fillRef idx="1">
+            <a:schemeClr val="accent1"/>
+          </a:fillRef>
+          <a:effectRef idx="0">
+            <a:schemeClr val="accent1"/>
+          </a:effectRef>
+          <a:fontRef idx="minor">
+            <a:schemeClr val="lt1"/>
+          </a:fontRef>
+        </p:style>
+        <p:txBody>
+          <a:bodyPr rtlCol="0" anchor="ctr"/>
+          <a:lstStyle/>
+          <a:p>
+            <a:pPr algn="ctr"/>
+            <a:endParaRPr lang="en-US"/>
+          </a:p>
+        </p:txBody>
+      </p:sp>
+      <p:sp>
+        <p:nvSpPr>
+          <p:cNvPr id="18" name="Rectangle 17">
+            <a:extLst>
+              <a:ext uri="{FF2B5EF4-FFF2-40B4-BE49-F238E27FC236}">
+                <a16:creationId xmlns:a16="http://schemas.microsoft.com/office/drawing/2014/main" id="{D37DA931-62D6-4B32-9103-84C0960AEA6D}"/>
+              </a:ext>
+              <a:ext uri="{C183D7F6-B498-43B3-948B-1728B52AA6E4}">
+                <adec:decorative xmlns:adec="http://schemas.microsoft.com/office/drawing/2017/decorative" val="1"/>
+              </a:ext>
+            </a:extLst>
+          </p:cNvPr>
+          <p:cNvSpPr>
+            <a:spLocks noGrp="1" noRot="1" noChangeAspect="1" noMove="1" noResize="1" noEditPoints="1" noAdjustHandles="1" noChangeArrowheads="1" noChangeShapeType="1" noTextEdit="1"/>
+          </p:cNvSpPr>
+          <p:nvPr>
+            <p:extLst>
+              <p:ext uri="{386F3935-93C4-4BCD-93E2-E3B085C9AB24}">
+                <p16:designElem xmlns:p16="http://schemas.microsoft.com/office/powerpoint/2015/main" val="1"/>
+              </p:ext>
+            </p:extLst>
+          </p:nvPr>
+        </p:nvSpPr>
+        <p:spPr>
+          <a:xfrm>
+            <a:off x="1784420" y="457200"/>
+            <a:ext cx="6248454" cy="5859736"/>
+          </a:xfrm>
+          <a:prstGeom prst="rect">
+            <a:avLst/>
+          </a:prstGeom>
+          <a:solidFill>
+            <a:schemeClr val="accent1"/>
+          </a:solidFill>
+          <a:ln>
+            <a:noFill/>
+          </a:ln>
+          <a:effectLst/>
+        </p:spPr>
+        <p:style>
+          <a:lnRef idx="1">
+            <a:schemeClr val="accent1"/>
+          </a:lnRef>
+          <a:fillRef idx="3">
+            <a:schemeClr val="accent1"/>
+          </a:fillRef>
+          <a:effectRef idx="2">
+            <a:schemeClr val="accent1"/>
+          </a:effectRef>
+          <a:fontRef idx="minor">
+            <a:schemeClr val="lt1"/>
+          </a:fontRef>
+        </p:style>
+      </p:sp>
+      <p:sp>
+        <p:nvSpPr>
+          <p:cNvPr id="2" name="Title 1">
+            <a:extLst>
+              <a:ext uri="{FF2B5EF4-FFF2-40B4-BE49-F238E27FC236}">
+                <a16:creationId xmlns:a16="http://schemas.microsoft.com/office/drawing/2014/main" id="{F65D34D8-E60A-4AAD-B534-43EDEBD042C9}"/>
+              </a:ext>
+            </a:extLst>
+          </p:cNvPr>
+          <p:cNvSpPr>
+            <a:spLocks noGrp="1"/>
+          </p:cNvSpPr>
+          <p:nvPr>
+            <p:ph type="title"/>
+          </p:nvPr>
+        </p:nvSpPr>
+        <p:spPr>
+          <a:xfrm>
+            <a:off x="2156346" y="849745"/>
+            <a:ext cx="5526993" cy="4745836"/>
+          </a:xfrm>
+        </p:spPr>
+        <p:txBody>
+          <a:bodyPr vert="horz" lIns="91440" tIns="45720" rIns="91440" bIns="45720" rtlCol="0" anchor="ctr">
+            <a:normAutofit/>
+          </a:bodyPr>
+          <a:lstStyle/>
+          <a:p>
+            <a:r>
+              <a:rPr lang="en-US" sz="6000" dirty="0">
+                <a:solidFill>
+                  <a:srgbClr val="FFFFFF"/>
+                </a:solidFill>
+              </a:rPr>
+              <a:t>Exposed Git repositories</a:t>
+            </a:r>
+          </a:p>
+        </p:txBody>
+      </p:sp>
+      <p:sp>
+        <p:nvSpPr>
+          <p:cNvPr id="20" name="Rectangle 19">
+            <a:extLst>
+              <a:ext uri="{FF2B5EF4-FFF2-40B4-BE49-F238E27FC236}">
+                <a16:creationId xmlns:a16="http://schemas.microsoft.com/office/drawing/2014/main" id="{4695E140-9B6E-43E9-B17E-CDFE3FCA8AFB}"/>
+              </a:ext>
+              <a:ext uri="{C183D7F6-B498-43B3-948B-1728B52AA6E4}">
+                <adec:decorative xmlns:adec="http://schemas.microsoft.com/office/drawing/2017/decorative" val="1"/>
+              </a:ext>
+            </a:extLst>
+          </p:cNvPr>
+          <p:cNvSpPr>
+            <a:spLocks noGrp="1" noRot="1" noChangeAspect="1" noMove="1" noResize="1" noEditPoints="1" noAdjustHandles="1" noChangeArrowheads="1" noChangeShapeType="1" noTextEdit="1"/>
+          </p:cNvSpPr>
+          <p:nvPr>
+            <p:extLst>
+              <p:ext uri="{386F3935-93C4-4BCD-93E2-E3B085C9AB24}">
+                <p16:designElem xmlns:p16="http://schemas.microsoft.com/office/powerpoint/2015/main" val="1"/>
+              </p:ext>
+            </p:extLst>
+          </p:nvPr>
+        </p:nvSpPr>
+        <p:spPr>
+          <a:xfrm>
+            <a:off x="8129872" y="453642"/>
+            <a:ext cx="3615595" cy="5863293"/>
+          </a:xfrm>
+          <a:prstGeom prst="rect">
+            <a:avLst/>
+          </a:prstGeom>
+          <a:solidFill>
+            <a:schemeClr val="accent4">
+              <a:lumMod val="75000"/>
+            </a:schemeClr>
+          </a:solidFill>
+          <a:ln>
+            <a:noFill/>
+          </a:ln>
+          <a:effectLst/>
+        </p:spPr>
+        <p:style>
+          <a:lnRef idx="1">
+            <a:schemeClr val="accent1"/>
+          </a:lnRef>
+          <a:fillRef idx="3">
+            <a:schemeClr val="accent1"/>
+          </a:fillRef>
+          <a:effectRef idx="2">
+            <a:schemeClr val="accent1"/>
+          </a:effectRef>
+          <a:fontRef idx="minor">
+            <a:schemeClr val="lt1"/>
+          </a:fontRef>
+        </p:style>
+      </p:sp>
+      <p:sp>
+        <p:nvSpPr>
+          <p:cNvPr id="22" name="Rectangle 21">
+            <a:extLst>
+              <a:ext uri="{FF2B5EF4-FFF2-40B4-BE49-F238E27FC236}">
+                <a16:creationId xmlns:a16="http://schemas.microsoft.com/office/drawing/2014/main" id="{FBC3CD9F-A361-4496-A6E0-24338B2A6901}"/>
+              </a:ext>
+              <a:ext uri="{C183D7F6-B498-43B3-948B-1728B52AA6E4}">
+                <adec:decorative xmlns:adec="http://schemas.microsoft.com/office/drawing/2017/decorative" val="1"/>
+              </a:ext>
+            </a:extLst>
+          </p:cNvPr>
+          <p:cNvSpPr>
+            <a:spLocks noGrp="1" noRot="1" noChangeAspect="1" noMove="1" noResize="1" noEditPoints="1" noAdjustHandles="1" noChangeArrowheads="1" noChangeShapeType="1" noTextEdit="1"/>
+          </p:cNvSpPr>
+          <p:nvPr>
+            <p:extLst>
+              <p:ext uri="{386F3935-93C4-4BCD-93E2-E3B085C9AB24}">
+                <p16:designElem xmlns:p16="http://schemas.microsoft.com/office/powerpoint/2015/main" val="1"/>
+              </p:ext>
+            </p:extLst>
+          </p:nvPr>
+        </p:nvSpPr>
+        <p:spPr>
+          <a:xfrm>
+            <a:off x="581191" y="457201"/>
+            <a:ext cx="1106164" cy="5859735"/>
+          </a:xfrm>
+          <a:prstGeom prst="rect">
+            <a:avLst/>
+          </a:prstGeom>
+          <a:solidFill>
+            <a:schemeClr val="accent2"/>
+          </a:solidFill>
+          <a:ln>
+            <a:noFill/>
+          </a:ln>
+          <a:effectLst/>
+        </p:spPr>
+        <p:style>
+          <a:lnRef idx="1">
+            <a:schemeClr val="accent1"/>
+          </a:lnRef>
+          <a:fillRef idx="3">
+            <a:schemeClr val="accent1"/>
+          </a:fillRef>
+          <a:effectRef idx="2">
+            <a:schemeClr val="accent1"/>
+          </a:effectRef>
+          <a:fontRef idx="minor">
+            <a:schemeClr val="lt1"/>
+          </a:fontRef>
+        </p:style>
+      </p:sp>
+    </p:spTree>
+    <p:extLst>
+      <p:ext uri="{BB962C8B-B14F-4D97-AF65-F5344CB8AC3E}">
+        <p14:creationId xmlns:p14="http://schemas.microsoft.com/office/powerpoint/2010/main" val="841867096"/>
+      </p:ext>
+    </p:extLst>
+  </p:cSld>
+  <p:clrMapOvr>
+    <a:masterClrMapping/>
+  </p:clrMapOvr>
+</p:sld>
+</file>
+
+<file path=ppt/slides/slide21.xml><?xml version="1.0" encoding="utf-8"?>
+<p:sld xmlns:a="http://schemas.openxmlformats.org/drawingml/2006/main" xmlns:r="http://schemas.openxmlformats.org/officeDocument/2006/relationships" xmlns:p="http://schemas.openxmlformats.org/presentationml/2006/main">
+  <p:cSld>
     <p:spTree>
       <p:nvGrpSpPr>
         <p:cNvPr id="1" name=""/>
@@ -17546,7 +21352,7 @@
           <p:cNvPr id="2" name="Title 1">
             <a:extLst>
               <a:ext uri="{FF2B5EF4-FFF2-40B4-BE49-F238E27FC236}">
-                <a16:creationId xmlns:a16="http://schemas.microsoft.com/office/drawing/2014/main" id="{781A82A5-5464-45A0-81BD-C2047E6D9019}"/>
+                <a16:creationId xmlns:a16="http://schemas.microsoft.com/office/drawing/2014/main" id="{81069928-9AEB-406E-8F48-F300E3207B37}"/>
               </a:ext>
             </a:extLst>
           </p:cNvPr>
@@ -17564,10 +21370,9 @@
           <a:p>
             <a:pPr algn="ctr"/>
             <a:r>
-              <a:rPr lang="en-GB" dirty="0" err="1"/>
-              <a:t>Zoomeye</a:t>
+              <a:rPr lang="en-GB" dirty="0"/>
+              <a:t>Git repositories</a:t>
             </a:r>
-            <a:endParaRPr lang="en-GB" dirty="0"/>
           </a:p>
         </p:txBody>
       </p:sp>
@@ -17576,7 +21381,7 @@
           <p:cNvPr id="3" name="Content Placeholder 2">
             <a:extLst>
               <a:ext uri="{FF2B5EF4-FFF2-40B4-BE49-F238E27FC236}">
-                <a16:creationId xmlns:a16="http://schemas.microsoft.com/office/drawing/2014/main" id="{1DF945C4-46CD-4D69-8355-8F79E53EE59B}"/>
+                <a16:creationId xmlns:a16="http://schemas.microsoft.com/office/drawing/2014/main" id="{34856224-7491-49E4-BA3D-552794DB0877}"/>
               </a:ext>
             </a:extLst>
           </p:cNvPr>
@@ -17594,7 +21399,7 @@
           <a:p>
             <a:r>
               <a:rPr lang="en-GB" dirty="0"/>
-              <a:t>Recognised as the Chinese version of Shodan</a:t>
+              <a:t>A git repository is a useful source of version control and is designed to store source code and configuration files of an organisation.</a:t>
             </a:r>
           </a:p>
           <a:p>
@@ -17603,7 +21408,7 @@
           <a:p>
             <a:r>
               <a:rPr lang="en-GB" dirty="0"/>
-              <a:t>Only allowed to access 20 records without any subscription</a:t>
+              <a:t>If a git repository is exposed and reachable via the internet it is possible to clone internal source code and configuration files.</a:t>
             </a:r>
           </a:p>
           <a:p>
@@ -17612,21 +21417,161 @@
           <a:p>
             <a:r>
               <a:rPr lang="en-GB" dirty="0"/>
-              <a:t>Available from any device with an internet connection (Games console, Tablet, Mobile Phone)</a:t>
+              <a:t>As a result, an attacker can clone the repository including Git objects and harvest any credentials or sensitive information which may result in authentication bypass or initial access to internal infrastructure.</a:t>
             </a:r>
-          </a:p>
-          <a:p>
-            <a:endParaRPr lang="en-GB" dirty="0"/>
-          </a:p>
-          <a:p>
-            <a:endParaRPr lang="en-GB" dirty="0"/>
           </a:p>
         </p:txBody>
       </p:sp>
     </p:spTree>
     <p:extLst>
       <p:ext uri="{BB962C8B-B14F-4D97-AF65-F5344CB8AC3E}">
-        <p14:creationId xmlns:p14="http://schemas.microsoft.com/office/powerpoint/2010/main" val="643692126"/>
+        <p14:creationId xmlns:p14="http://schemas.microsoft.com/office/powerpoint/2010/main" val="2793080603"/>
+      </p:ext>
+    </p:extLst>
+  </p:cSld>
+  <p:clrMapOvr>
+    <a:masterClrMapping/>
+  </p:clrMapOvr>
+</p:sld>
+</file>
+
+<file path=ppt/slides/slide22.xml><?xml version="1.0" encoding="utf-8"?>
+<p:sld xmlns:a="http://schemas.openxmlformats.org/drawingml/2006/main" xmlns:r="http://schemas.openxmlformats.org/officeDocument/2006/relationships" xmlns:p="http://schemas.openxmlformats.org/presentationml/2006/main">
+  <p:cSld>
+    <p:spTree>
+      <p:nvGrpSpPr>
+        <p:cNvPr id="1" name=""/>
+        <p:cNvGrpSpPr/>
+        <p:nvPr/>
+      </p:nvGrpSpPr>
+      <p:grpSpPr>
+        <a:xfrm>
+          <a:off x="0" y="0"/>
+          <a:ext cx="0" cy="0"/>
+          <a:chOff x="0" y="0"/>
+          <a:chExt cx="0" cy="0"/>
+        </a:xfrm>
+      </p:grpSpPr>
+      <p:sp>
+        <p:nvSpPr>
+          <p:cNvPr id="2" name="Title 1">
+            <a:extLst>
+              <a:ext uri="{FF2B5EF4-FFF2-40B4-BE49-F238E27FC236}">
+                <a16:creationId xmlns:a16="http://schemas.microsoft.com/office/drawing/2014/main" id="{3C152A58-6E48-4733-AD9A-34AE751C4C3E}"/>
+              </a:ext>
+            </a:extLst>
+          </p:cNvPr>
+          <p:cNvSpPr>
+            <a:spLocks noGrp="1"/>
+          </p:cNvSpPr>
+          <p:nvPr>
+            <p:ph type="title"/>
+          </p:nvPr>
+        </p:nvSpPr>
+        <p:spPr/>
+        <p:txBody>
+          <a:bodyPr/>
+          <a:lstStyle/>
+          <a:p>
+            <a:pPr algn="ctr"/>
+            <a:r>
+              <a:rPr lang="en-GB" dirty="0"/>
+              <a:t>How to protect your organisation?</a:t>
+            </a:r>
+          </a:p>
+        </p:txBody>
+      </p:sp>
+      <p:sp>
+        <p:nvSpPr>
+          <p:cNvPr id="3" name="Content Placeholder 2">
+            <a:extLst>
+              <a:ext uri="{FF2B5EF4-FFF2-40B4-BE49-F238E27FC236}">
+                <a16:creationId xmlns:a16="http://schemas.microsoft.com/office/drawing/2014/main" id="{9C94147C-E5A0-4FE3-8B4A-48984D2B4071}"/>
+              </a:ext>
+            </a:extLst>
+          </p:cNvPr>
+          <p:cNvSpPr>
+            <a:spLocks noGrp="1"/>
+          </p:cNvSpPr>
+          <p:nvPr>
+            <p:ph idx="1"/>
+          </p:nvPr>
+        </p:nvSpPr>
+        <p:spPr/>
+        <p:txBody>
+          <a:bodyPr/>
+          <a:lstStyle/>
+          <a:p>
+            <a:r>
+              <a:rPr lang="en-GB" dirty="0"/>
+              <a:t>Implement NIDS (Network Intrusion Detection System) such as Snort and port scanning defences such as PSAD (Port Scan Attack Detector)</a:t>
+            </a:r>
+          </a:p>
+          <a:p>
+            <a:endParaRPr lang="en-GB" dirty="0"/>
+          </a:p>
+          <a:p>
+            <a:r>
+              <a:rPr lang="en-GB" dirty="0"/>
+              <a:t>Make use of DROP rules with </a:t>
+            </a:r>
+            <a:r>
+              <a:rPr lang="en-GB" dirty="0" err="1"/>
+              <a:t>IPTables</a:t>
+            </a:r>
+            <a:r>
+              <a:rPr lang="en-GB" dirty="0"/>
+              <a:t> firewall configuration instead of REJECT.</a:t>
+            </a:r>
+          </a:p>
+          <a:p>
+            <a:endParaRPr lang="en-GB" dirty="0"/>
+          </a:p>
+          <a:p>
+            <a:r>
+              <a:rPr lang="en-GB" dirty="0"/>
+              <a:t>Block subnets belonging to Shodan, </a:t>
+            </a:r>
+            <a:r>
+              <a:rPr lang="en-GB" dirty="0" err="1"/>
+              <a:t>Censys</a:t>
+            </a:r>
+            <a:r>
+              <a:rPr lang="en-GB" dirty="0"/>
+              <a:t>, </a:t>
+            </a:r>
+            <a:r>
+              <a:rPr lang="en-GB" dirty="0" err="1"/>
+              <a:t>Natlas</a:t>
+            </a:r>
+            <a:r>
+              <a:rPr lang="en-GB" dirty="0"/>
+              <a:t> and </a:t>
+            </a:r>
+            <a:r>
+              <a:rPr lang="en-GB" dirty="0" err="1"/>
+              <a:t>Zoomeye</a:t>
+            </a:r>
+            <a:r>
+              <a:rPr lang="en-GB" dirty="0"/>
+              <a:t> to prevent scanning from proxy machines</a:t>
+            </a:r>
+          </a:p>
+          <a:p>
+            <a:endParaRPr lang="en-GB" dirty="0"/>
+          </a:p>
+          <a:p>
+            <a:r>
+              <a:rPr lang="en-GB" dirty="0"/>
+              <a:t>Assess web server permissions of git repositories and other sensitive files exposed to the internet.</a:t>
+            </a:r>
+          </a:p>
+        </p:txBody>
+      </p:sp>
+    </p:spTree>
+    <p:extLst>
+      <p:ext uri="{BB962C8B-B14F-4D97-AF65-F5344CB8AC3E}">
+        <p14:creationId xmlns:p14="http://schemas.microsoft.com/office/powerpoint/2010/main" val="4239852123"/>
       </p:ext>
     </p:extLst>
   </p:cSld>
@@ -18074,7 +22019,7 @@
         </p:spPr>
         <p:txBody>
           <a:bodyPr anchor="ctr">
-            <a:normAutofit lnSpcReduction="10000"/>
+            <a:normAutofit/>
           </a:bodyPr>
           <a:lstStyle/>
           <a:p>
@@ -18126,10 +22071,11 @@
             </a:r>
           </a:p>
           <a:p>
-            <a:pPr algn="ctr">
+            <a:pPr marL="0" indent="0" algn="ctr">
               <a:lnSpc>
                 <a:spcPct val="90000"/>
               </a:lnSpc>
+              <a:buNone/>
             </a:pPr>
             <a:endParaRPr lang="en-GB" sz="1700" dirty="0">
               <a:solidFill>
@@ -18153,38 +22099,7 @@
                   </a:schemeClr>
                 </a:solidFill>
               </a:rPr>
-              <a:t>ICMP packets can serve well for offensive operations as follows:</a:t>
-            </a:r>
-          </a:p>
-          <a:p>
-            <a:pPr algn="ctr">
-              <a:lnSpc>
-                <a:spcPct val="90000"/>
-              </a:lnSpc>
-            </a:pPr>
-            <a:endParaRPr lang="en-GB" sz="1700" dirty="0">
-              <a:solidFill>
-                <a:schemeClr val="accent2">
-                  <a:lumMod val="50000"/>
-                </a:schemeClr>
-              </a:solidFill>
-            </a:endParaRPr>
-          </a:p>
-          <a:p>
-            <a:pPr algn="ctr">
-              <a:lnSpc>
-                <a:spcPct val="90000"/>
-              </a:lnSpc>
-            </a:pPr>
-            <a:r>
-              <a:rPr lang="en-GB" sz="1700" dirty="0">
-                <a:solidFill>
-                  <a:schemeClr val="accent2">
-                    <a:lumMod val="50000"/>
-                  </a:schemeClr>
-                </a:solidFill>
-              </a:rPr>
-              <a:t>Data exfiltration/establishing reverse shell communications via “data” field (Covered in more detail in later slides)</a:t>
+              <a:t>Data exfiltration/establishing reverse shell communications via “data” field (Covered in more detail in later presentations)</a:t>
             </a:r>
           </a:p>
           <a:p>
@@ -18909,7 +22824,7 @@
     <p:bg>
       <p:bgPr>
         <a:solidFill>
-          <a:schemeClr val="bg2"/>
+          <a:schemeClr val="bg1"/>
         </a:solidFill>
         <a:effectLst/>
       </p:bgPr>
@@ -18930,69 +22845,6 @@
       </p:grpSpPr>
       <p:sp>
         <p:nvSpPr>
-          <p:cNvPr id="26" name="Rectangle 25">
-            <a:extLst>
-              <a:ext uri="{FF2B5EF4-FFF2-40B4-BE49-F238E27FC236}">
-                <a16:creationId xmlns:a16="http://schemas.microsoft.com/office/drawing/2014/main" id="{D70130DC-F780-43D2-B26A-92EACD78951B}"/>
-              </a:ext>
-              <a:ext uri="{C183D7F6-B498-43B3-948B-1728B52AA6E4}">
-                <adec:decorative xmlns:adec="http://schemas.microsoft.com/office/drawing/2017/decorative" val="1"/>
-              </a:ext>
-            </a:extLst>
-          </p:cNvPr>
-          <p:cNvSpPr>
-            <a:spLocks noGrp="1" noRot="1" noChangeAspect="1" noMove="1" noResize="1" noEditPoints="1" noAdjustHandles="1" noChangeArrowheads="1" noChangeShapeType="1" noTextEdit="1"/>
-          </p:cNvSpPr>
-          <p:nvPr>
-            <p:extLst>
-              <p:ext uri="{386F3935-93C4-4BCD-93E2-E3B085C9AB24}">
-                <p16:designElem xmlns:p16="http://schemas.microsoft.com/office/powerpoint/2015/main" val="1"/>
-              </p:ext>
-            </p:extLst>
-          </p:nvPr>
-        </p:nvSpPr>
-        <p:spPr>
-          <a:xfrm>
-            <a:off x="0" y="0"/>
-            <a:ext cx="12192000" cy="6858000"/>
-          </a:xfrm>
-          <a:prstGeom prst="rect">
-            <a:avLst/>
-          </a:prstGeom>
-          <a:solidFill>
-            <a:srgbClr val="E4E4E4"/>
-          </a:solidFill>
-          <a:ln>
-            <a:noFill/>
-          </a:ln>
-        </p:spPr>
-        <p:style>
-          <a:lnRef idx="2">
-            <a:schemeClr val="accent1">
-              <a:shade val="50000"/>
-            </a:schemeClr>
-          </a:lnRef>
-          <a:fillRef idx="1">
-            <a:schemeClr val="accent1"/>
-          </a:fillRef>
-          <a:effectRef idx="0">
-            <a:schemeClr val="accent1"/>
-          </a:effectRef>
-          <a:fontRef idx="minor">
-            <a:schemeClr val="lt1"/>
-          </a:fontRef>
-        </p:style>
-        <p:txBody>
-          <a:bodyPr rtlCol="0" anchor="ctr"/>
-          <a:lstStyle/>
-          <a:p>
-            <a:pPr algn="ctr"/>
-            <a:endParaRPr lang="en-US"/>
-          </a:p>
-        </p:txBody>
-      </p:sp>
-      <p:sp>
-        <p:nvSpPr>
           <p:cNvPr id="2" name="Title 1">
             <a:extLst>
               <a:ext uri="{FF2B5EF4-FFF2-40B4-BE49-F238E27FC236}">
@@ -19009,102 +22861,8 @@
         </p:nvSpPr>
         <p:spPr>
           <a:xfrm>
-            <a:off x="581192" y="641653"/>
-            <a:ext cx="11029616" cy="1095560"/>
-          </a:xfrm>
-        </p:spPr>
-        <p:txBody>
-          <a:bodyPr anchor="t">
-            <a:normAutofit/>
-          </a:bodyPr>
-          <a:lstStyle/>
-          <a:p>
-            <a:pPr algn="ctr"/>
-            <a:r>
-              <a:rPr lang="en-GB" sz="5400" dirty="0">
-                <a:solidFill>
-                  <a:schemeClr val="accent2"/>
-                </a:solidFill>
-              </a:rPr>
-              <a:t>Firewall Enumeration</a:t>
-            </a:r>
-          </a:p>
-        </p:txBody>
-      </p:sp>
-      <p:sp>
-        <p:nvSpPr>
-          <p:cNvPr id="28" name="Rectangle 27">
-            <a:extLst>
-              <a:ext uri="{FF2B5EF4-FFF2-40B4-BE49-F238E27FC236}">
-                <a16:creationId xmlns:a16="http://schemas.microsoft.com/office/drawing/2014/main" id="{17676E0E-5B44-4166-8EDD-CFDBAC622C26}"/>
-              </a:ext>
-              <a:ext uri="{C183D7F6-B498-43B3-948B-1728B52AA6E4}">
-                <adec:decorative xmlns:adec="http://schemas.microsoft.com/office/drawing/2017/decorative" val="1"/>
-              </a:ext>
-            </a:extLst>
-          </p:cNvPr>
-          <p:cNvSpPr>
-            <a:spLocks noGrp="1" noRot="1" noChangeAspect="1" noMove="1" noResize="1" noEditPoints="1" noAdjustHandles="1" noChangeArrowheads="1" noChangeShapeType="1" noTextEdit="1"/>
-          </p:cNvSpPr>
-          <p:nvPr>
-            <p:extLst>
-              <p:ext uri="{386F3935-93C4-4BCD-93E2-E3B085C9AB24}">
-                <p16:designElem xmlns:p16="http://schemas.microsoft.com/office/powerpoint/2015/main" val="1"/>
-              </p:ext>
-            </p:extLst>
-          </p:nvPr>
-        </p:nvSpPr>
-        <p:spPr>
-          <a:xfrm>
-            <a:off x="446533" y="457201"/>
-            <a:ext cx="11298933" cy="91440"/>
-          </a:xfrm>
-          <a:prstGeom prst="rect">
-            <a:avLst/>
-          </a:prstGeom>
-          <a:solidFill>
-            <a:schemeClr val="accent1"/>
-          </a:solidFill>
-          <a:ln>
-            <a:noFill/>
-          </a:ln>
-          <a:effectLst/>
-        </p:spPr>
-        <p:style>
-          <a:lnRef idx="1">
-            <a:schemeClr val="accent1"/>
-          </a:lnRef>
-          <a:fillRef idx="3">
-            <a:schemeClr val="accent1"/>
-          </a:fillRef>
-          <a:effectRef idx="2">
-            <a:schemeClr val="accent1"/>
-          </a:effectRef>
-          <a:fontRef idx="minor">
-            <a:schemeClr val="lt1"/>
-          </a:fontRef>
-        </p:style>
-      </p:sp>
-      <p:sp>
-        <p:nvSpPr>
-          <p:cNvPr id="3" name="Content Placeholder 2">
-            <a:extLst>
-              <a:ext uri="{FF2B5EF4-FFF2-40B4-BE49-F238E27FC236}">
-                <a16:creationId xmlns:a16="http://schemas.microsoft.com/office/drawing/2014/main" id="{775A717A-39A2-4D8B-B76C-C5ED05D90258}"/>
-              </a:ext>
-            </a:extLst>
-          </p:cNvPr>
-          <p:cNvSpPr>
-            <a:spLocks noGrp="1"/>
-          </p:cNvSpPr>
-          <p:nvPr>
-            <p:ph idx="1"/>
-          </p:nvPr>
-        </p:nvSpPr>
-        <p:spPr>
-          <a:xfrm>
-            <a:off x="581192" y="1879600"/>
-            <a:ext cx="11029615" cy="3979200"/>
+            <a:off x="581192" y="702156"/>
+            <a:ext cx="11029616" cy="1013800"/>
           </a:xfrm>
         </p:spPr>
         <p:txBody>
@@ -19114,80 +22872,47 @@
           <a:lstStyle/>
           <a:p>
             <a:r>
-              <a:rPr lang="en-GB" sz="2400" dirty="0" err="1">
+              <a:rPr lang="en-GB">
                 <a:solidFill>
-                  <a:schemeClr val="accent2">
-                    <a:lumMod val="50000"/>
-                  </a:schemeClr>
+                  <a:srgbClr val="FFFEFF"/>
                 </a:solidFill>
               </a:rPr>
-              <a:t>IPTables</a:t>
-            </a:r>
-            <a:r>
-              <a:rPr lang="en-GB" sz="2400" dirty="0">
-                <a:solidFill>
-                  <a:schemeClr val="accent2">
-                    <a:lumMod val="50000"/>
-                  </a:schemeClr>
-                </a:solidFill>
-              </a:rPr>
-              <a:t> – A Linux based firewall hooked into the kernel with high capabilities of traffic logging/prevention</a:t>
-            </a:r>
-          </a:p>
-          <a:p>
-            <a:endParaRPr lang="en-GB" sz="2400" dirty="0">
-              <a:solidFill>
-                <a:schemeClr val="accent2">
-                  <a:lumMod val="50000"/>
-                </a:schemeClr>
-              </a:solidFill>
-            </a:endParaRPr>
-          </a:p>
-          <a:p>
-            <a:r>
-              <a:rPr lang="en-GB" sz="2400" dirty="0" err="1">
-                <a:solidFill>
-                  <a:schemeClr val="accent2">
-                    <a:lumMod val="50000"/>
-                  </a:schemeClr>
-                </a:solidFill>
-              </a:rPr>
-              <a:t>IPTables</a:t>
-            </a:r>
-            <a:r>
-              <a:rPr lang="en-GB" sz="2400" dirty="0">
-                <a:solidFill>
-                  <a:schemeClr val="accent2">
-                    <a:lumMod val="50000"/>
-                  </a:schemeClr>
-                </a:solidFill>
-              </a:rPr>
-              <a:t> firewall rules when misconfigured with rules such as REJECT can allow opportunities to enumerate open ports due to information disclosure</a:t>
-            </a:r>
-          </a:p>
-          <a:p>
-            <a:endParaRPr lang="en-GB" sz="2400" dirty="0">
-              <a:solidFill>
-                <a:schemeClr val="accent2">
-                  <a:lumMod val="50000"/>
-                </a:schemeClr>
-              </a:solidFill>
-            </a:endParaRPr>
-          </a:p>
-          <a:p>
-            <a:r>
-              <a:rPr lang="en-GB" sz="2400" dirty="0">
-                <a:solidFill>
-                  <a:schemeClr val="accent2">
-                    <a:lumMod val="50000"/>
-                  </a:schemeClr>
-                </a:solidFill>
-              </a:rPr>
-              <a:t>Enumerating outbound firewall rules can aid in payload weaponization to achieve infiltration or client side attack from external perimeter.</a:t>
+              <a:t>Firewall Enumeration</a:t>
             </a:r>
           </a:p>
         </p:txBody>
       </p:sp>
+      <p:graphicFrame>
+        <p:nvGraphicFramePr>
+          <p:cNvPr id="30" name="Content Placeholder 2">
+            <a:extLst>
+              <a:ext uri="{FF2B5EF4-FFF2-40B4-BE49-F238E27FC236}">
+                <a16:creationId xmlns:a16="http://schemas.microsoft.com/office/drawing/2014/main" id="{D5662844-FFD2-4010-ADC6-738BF1F5D340}"/>
+              </a:ext>
+            </a:extLst>
+          </p:cNvPr>
+          <p:cNvGraphicFramePr>
+            <a:graphicFrameLocks noGrp="1"/>
+          </p:cNvGraphicFramePr>
+          <p:nvPr>
+            <p:ph idx="1"/>
+            <p:extLst>
+              <p:ext uri="{D42A27DB-BD31-4B8C-83A1-F6EECF244321}">
+                <p14:modId xmlns:p14="http://schemas.microsoft.com/office/powerpoint/2010/main" val="4166066469"/>
+              </p:ext>
+            </p:extLst>
+          </p:nvPr>
+        </p:nvGraphicFramePr>
+        <p:xfrm>
+          <a:off x="581025" y="2181225"/>
+          <a:ext cx="11029950" cy="3678238"/>
+        </p:xfrm>
+        <a:graphic>
+          <a:graphicData uri="http://schemas.openxmlformats.org/drawingml/2006/diagram">
+            <dgm:relIds xmlns:dgm="http://schemas.openxmlformats.org/drawingml/2006/diagram" xmlns:r="http://schemas.openxmlformats.org/officeDocument/2006/relationships" r:dm="rId2" r:lo="rId3" r:qs="rId4" r:cs="rId5"/>
+          </a:graphicData>
+        </a:graphic>
+      </p:graphicFrame>
     </p:spTree>
     <p:extLst>
       <p:ext uri="{BB962C8B-B14F-4D97-AF65-F5344CB8AC3E}">
